--- a/Lectures/04-data.pptx
+++ b/Lectures/04-data.pptx
@@ -5,7 +5,7 @@
     <p:sldMasterId id="2147483648" r:id="rId1"/>
   </p:sldMasterIdLst>
   <p:notesMasterIdLst>
-    <p:notesMasterId r:id="rId24"/>
+    <p:notesMasterId r:id="rId25"/>
   </p:notesMasterIdLst>
   <p:sldIdLst>
     <p:sldId id="256" r:id="rId2"/>
@@ -20,16 +20,17 @@
     <p:sldId id="283" r:id="rId11"/>
     <p:sldId id="260" r:id="rId12"/>
     <p:sldId id="261" r:id="rId13"/>
-    <p:sldId id="287" r:id="rId14"/>
-    <p:sldId id="262" r:id="rId15"/>
-    <p:sldId id="288" r:id="rId16"/>
-    <p:sldId id="289" r:id="rId17"/>
-    <p:sldId id="290" r:id="rId18"/>
-    <p:sldId id="280" r:id="rId19"/>
-    <p:sldId id="291" r:id="rId20"/>
-    <p:sldId id="293" r:id="rId21"/>
-    <p:sldId id="302" r:id="rId22"/>
-    <p:sldId id="303" r:id="rId23"/>
+    <p:sldId id="288" r:id="rId14"/>
+    <p:sldId id="296" r:id="rId15"/>
+    <p:sldId id="302" r:id="rId16"/>
+    <p:sldId id="287" r:id="rId17"/>
+    <p:sldId id="262" r:id="rId18"/>
+    <p:sldId id="289" r:id="rId19"/>
+    <p:sldId id="290" r:id="rId20"/>
+    <p:sldId id="280" r:id="rId21"/>
+    <p:sldId id="291" r:id="rId22"/>
+    <p:sldId id="293" r:id="rId23"/>
+    <p:sldId id="303" r:id="rId24"/>
   </p:sldIdLst>
   <p:sldSz cx="12192000" cy="6858000"/>
   <p:notesSz cx="6858000" cy="9144000"/>
@@ -267,7 +268,7 @@
       <p15:sldGuideLst xmlns:p15="http://schemas.microsoft.com/office/powerpoint/2012/main"/>
     </p:ext>
     <p:ext uri="http://customooxmlschemas.google.com/">
-      <go:slidesCustomData xmlns:go="http://customooxmlschemas.google.com/" xmlns:p15="http://schemas.microsoft.com/office/powerpoint/2012/main" xmlns:p14="http://schemas.microsoft.com/office/powerpoint/2010/main" xmlns:com="http://schemas.openxmlformats.org/drawingml/2006/compatibility" xmlns:pvml="urn:schemas-microsoft-com:office:powerpoint" xmlns:v="urn:schemas-microsoft-com:vml" xmlns:o="urn:schemas-microsoft-com:office:office" xmlns:dgm="http://schemas.openxmlformats.org/drawingml/2006/diagram" xmlns:c="http://schemas.openxmlformats.org/drawingml/2006/chart" xmlns:mv="urn:schemas-microsoft-com:mac:vml" xmlns:mc="http://schemas.openxmlformats.org/markup-compatibility/2006" xmlns="" r:id="rId30" roundtripDataSignature="AMtx7mjFyVUGRZWio+dc9dxzYsimUxNJbg=="/>
+      <go:slidesCustomData xmlns="" xmlns:mc="http://schemas.openxmlformats.org/markup-compatibility/2006" xmlns:mv="urn:schemas-microsoft-com:mac:vml" xmlns:c="http://schemas.openxmlformats.org/drawingml/2006/chart" xmlns:dgm="http://schemas.openxmlformats.org/drawingml/2006/diagram" xmlns:o="urn:schemas-microsoft-com:office:office" xmlns:v="urn:schemas-microsoft-com:vml" xmlns:pvml="urn:schemas-microsoft-com:office:powerpoint" xmlns:com="http://schemas.openxmlformats.org/drawingml/2006/compatibility" xmlns:p14="http://schemas.microsoft.com/office/powerpoint/2010/main" xmlns:p15="http://schemas.microsoft.com/office/powerpoint/2012/main" xmlns:go="http://customooxmlschemas.google.com/" r:id="rId30" roundtripDataSignature="AMtx7mjFyVUGRZWio+dc9dxzYsimUxNJbg=="/>
     </p:ext>
   </p:extLst>
 </p:presentation>
@@ -12482,231 +12483,6 @@
           <a:p>
             <a:r>
               <a:rPr lang="en-US" dirty="0"/>
-              <a:t>Factors to consider</a:t>
-            </a:r>
-          </a:p>
-        </p:txBody>
-      </p:sp>
-      <p:sp>
-        <p:nvSpPr>
-          <p:cNvPr id="3" name="Content Placeholder 2"/>
-          <p:cNvSpPr>
-            <a:spLocks noGrp="1"/>
-          </p:cNvSpPr>
-          <p:nvPr>
-            <p:ph type="body" idx="1"/>
-          </p:nvPr>
-        </p:nvSpPr>
-        <p:spPr/>
-        <p:txBody>
-          <a:bodyPr>
-            <a:normAutofit fontScale="77500" lnSpcReduction="20000"/>
-          </a:bodyPr>
-          <a:lstStyle/>
-          <a:p>
-            <a:r>
-              <a:rPr lang="en-US" dirty="0" err="1"/>
-              <a:t>Deduping</a:t>
-            </a:r>
-            <a:r>
-              <a:rPr lang="en-US" dirty="0"/>
-              <a:t> or Linkage</a:t>
-            </a:r>
-          </a:p>
-          <a:p>
-            <a:pPr lvl="1"/>
-            <a:r>
-              <a:rPr lang="en-US" dirty="0"/>
-              <a:t>1-1 or 1-many or many-1</a:t>
-            </a:r>
-          </a:p>
-          <a:p>
-            <a:pPr lvl="1"/>
-            <a:endParaRPr lang="en-US" dirty="0"/>
-          </a:p>
-          <a:p>
-            <a:r>
-              <a:rPr lang="en-US" dirty="0"/>
-              <a:t>Rule-based or ML based</a:t>
-            </a:r>
-          </a:p>
-          <a:p>
-            <a:pPr lvl="1"/>
-            <a:r>
-              <a:rPr lang="en-US" dirty="0"/>
-              <a:t>Do you have labeled training data?</a:t>
-            </a:r>
-          </a:p>
-          <a:p>
-            <a:pPr lvl="1"/>
-            <a:endParaRPr lang="en-US" dirty="0"/>
-          </a:p>
-          <a:p>
-            <a:r>
-              <a:rPr lang="en-US" dirty="0"/>
-              <a:t>Domain specific or generic similarity metrics?</a:t>
-            </a:r>
-          </a:p>
-          <a:p>
-            <a:endParaRPr lang="en-US" dirty="0"/>
-          </a:p>
-          <a:p>
-            <a:r>
-              <a:rPr lang="en-US" dirty="0"/>
-              <a:t>Evaluation metric</a:t>
-            </a:r>
-          </a:p>
-          <a:p>
-            <a:pPr lvl="1"/>
-            <a:r>
-              <a:rPr lang="en-US" dirty="0"/>
-              <a:t>Precision or recall</a:t>
-            </a:r>
-          </a:p>
-          <a:p>
-            <a:pPr lvl="1"/>
-            <a:r>
-              <a:rPr lang="en-US" dirty="0"/>
-              <a:t>Task-specific - Implications on future analysis (bias for example)</a:t>
-            </a:r>
-          </a:p>
-        </p:txBody>
-      </p:sp>
-    </p:spTree>
-    <p:extLst>
-      <p:ext uri="{BB962C8B-B14F-4D97-AF65-F5344CB8AC3E}">
-        <p14:creationId xmlns:p14="http://schemas.microsoft.com/office/powerpoint/2010/main" val="562180733"/>
-      </p:ext>
-    </p:extLst>
-  </p:cSld>
-  <p:clrMapOvr>
-    <a:masterClrMapping/>
-  </p:clrMapOvr>
-</p:sld>
-</file>
-
-<file path=ppt/slides/slide14.xml><?xml version="1.0" encoding="utf-8"?>
-<p:sld xmlns:a="http://schemas.openxmlformats.org/drawingml/2006/main" xmlns:r="http://schemas.openxmlformats.org/officeDocument/2006/relationships" xmlns:p="http://schemas.openxmlformats.org/presentationml/2006/main">
-  <p:cSld>
-    <p:spTree>
-      <p:nvGrpSpPr>
-        <p:cNvPr id="1" name=""/>
-        <p:cNvGrpSpPr/>
-        <p:nvPr/>
-      </p:nvGrpSpPr>
-      <p:grpSpPr>
-        <a:xfrm>
-          <a:off x="0" y="0"/>
-          <a:ext cx="0" cy="0"/>
-          <a:chOff x="0" y="0"/>
-          <a:chExt cx="0" cy="0"/>
-        </a:xfrm>
-      </p:grpSpPr>
-      <p:sp>
-        <p:nvSpPr>
-          <p:cNvPr id="9218" name="Rectangle 2"/>
-          <p:cNvSpPr>
-            <a:spLocks noGrp="1" noChangeArrowheads="1"/>
-          </p:cNvSpPr>
-          <p:nvPr>
-            <p:ph type="title"/>
-          </p:nvPr>
-        </p:nvSpPr>
-        <p:spPr/>
-        <p:txBody>
-          <a:bodyPr/>
-          <a:lstStyle/>
-          <a:p>
-            <a:r>
-              <a:rPr lang="en-US" altLang="en-US" dirty="0"/>
-              <a:t>Approaches</a:t>
-            </a:r>
-          </a:p>
-        </p:txBody>
-      </p:sp>
-      <p:sp>
-        <p:nvSpPr>
-          <p:cNvPr id="9219" name="Rectangle 3"/>
-          <p:cNvSpPr>
-            <a:spLocks noGrp="1" noChangeArrowheads="1"/>
-          </p:cNvSpPr>
-          <p:nvPr>
-            <p:ph type="body" idx="1"/>
-          </p:nvPr>
-        </p:nvSpPr>
-        <p:spPr/>
-        <p:txBody>
-          <a:bodyPr>
-            <a:normAutofit/>
-          </a:bodyPr>
-          <a:lstStyle/>
-          <a:p>
-            <a:r>
-              <a:rPr lang="en-US" altLang="en-US" dirty="0"/>
-              <a:t>Exact matching</a:t>
-            </a:r>
-          </a:p>
-          <a:p>
-            <a:r>
-              <a:rPr lang="en-US" altLang="en-US" dirty="0"/>
-              <a:t>Rule-based</a:t>
-            </a:r>
-          </a:p>
-          <a:p>
-            <a:r>
-              <a:rPr lang="en-US" altLang="en-US" dirty="0"/>
-              <a:t>Probabilistic linkage</a:t>
-            </a:r>
-          </a:p>
-        </p:txBody>
-      </p:sp>
-    </p:spTree>
-    <p:extLst>
-      <p:ext uri="{BB962C8B-B14F-4D97-AF65-F5344CB8AC3E}">
-        <p14:creationId xmlns:p14="http://schemas.microsoft.com/office/powerpoint/2010/main" val="2383065332"/>
-      </p:ext>
-    </p:extLst>
-  </p:cSld>
-  <p:clrMapOvr>
-    <a:masterClrMapping/>
-  </p:clrMapOvr>
-</p:sld>
-</file>
-
-<file path=ppt/slides/slide15.xml><?xml version="1.0" encoding="utf-8"?>
-<p:sld xmlns:a="http://schemas.openxmlformats.org/drawingml/2006/main" xmlns:r="http://schemas.openxmlformats.org/officeDocument/2006/relationships" xmlns:p="http://schemas.openxmlformats.org/presentationml/2006/main">
-  <p:cSld>
-    <p:spTree>
-      <p:nvGrpSpPr>
-        <p:cNvPr id="1" name=""/>
-        <p:cNvGrpSpPr/>
-        <p:nvPr/>
-      </p:nvGrpSpPr>
-      <p:grpSpPr>
-        <a:xfrm>
-          <a:off x="0" y="0"/>
-          <a:ext cx="0" cy="0"/>
-          <a:chOff x="0" y="0"/>
-          <a:chExt cx="0" cy="0"/>
-        </a:xfrm>
-      </p:grpSpPr>
-      <p:sp>
-        <p:nvSpPr>
-          <p:cNvPr id="2" name="Title 1"/>
-          <p:cNvSpPr>
-            <a:spLocks noGrp="1"/>
-          </p:cNvSpPr>
-          <p:nvPr>
-            <p:ph type="title"/>
-          </p:nvPr>
-        </p:nvSpPr>
-        <p:spPr/>
-        <p:txBody>
-          <a:bodyPr/>
-          <a:lstStyle/>
-          <a:p>
-            <a:r>
-              <a:rPr lang="en-US" dirty="0"/>
               <a:t>Common reasons for mismatches</a:t>
             </a:r>
           </a:p>
@@ -13332,6 +13108,210 @@
 </p:sld>
 </file>
 
+<file path=ppt/slides/slide14.xml><?xml version="1.0" encoding="utf-8"?>
+<p:sld xmlns:a="http://schemas.openxmlformats.org/drawingml/2006/main" xmlns:r="http://schemas.openxmlformats.org/officeDocument/2006/relationships" xmlns:p="http://schemas.openxmlformats.org/presentationml/2006/main">
+  <p:cSld>
+    <p:spTree>
+      <p:nvGrpSpPr>
+        <p:cNvPr id="1" name=""/>
+        <p:cNvGrpSpPr/>
+        <p:nvPr/>
+      </p:nvGrpSpPr>
+      <p:grpSpPr>
+        <a:xfrm>
+          <a:off x="0" y="0"/>
+          <a:ext cx="0" cy="0"/>
+          <a:chOff x="0" y="0"/>
+          <a:chExt cx="0" cy="0"/>
+        </a:xfrm>
+      </p:grpSpPr>
+      <p:sp>
+        <p:nvSpPr>
+          <p:cNvPr id="2" name="Title 1">
+            <a:extLst>
+              <a:ext uri="{FF2B5EF4-FFF2-40B4-BE49-F238E27FC236}">
+                <a16:creationId xmlns:a16="http://schemas.microsoft.com/office/drawing/2014/main" id="{52E04EB1-290D-E647-B684-F8A3D3B280EE}"/>
+              </a:ext>
+            </a:extLst>
+          </p:cNvPr>
+          <p:cNvSpPr>
+            <a:spLocks noGrp="1"/>
+          </p:cNvSpPr>
+          <p:nvPr>
+            <p:ph type="title"/>
+          </p:nvPr>
+        </p:nvSpPr>
+        <p:spPr/>
+        <p:txBody>
+          <a:bodyPr/>
+          <a:lstStyle/>
+          <a:p>
+            <a:r>
+              <a:rPr lang="en-US" dirty="0"/>
+              <a:t>Discussion Topic</a:t>
+            </a:r>
+          </a:p>
+        </p:txBody>
+      </p:sp>
+      <p:sp>
+        <p:nvSpPr>
+          <p:cNvPr id="3" name="Text Placeholder 2">
+            <a:extLst>
+              <a:ext uri="{FF2B5EF4-FFF2-40B4-BE49-F238E27FC236}">
+                <a16:creationId xmlns:a16="http://schemas.microsoft.com/office/drawing/2014/main" id="{73DF5889-4B8C-7449-87CD-1929C07EE849}"/>
+              </a:ext>
+            </a:extLst>
+          </p:cNvPr>
+          <p:cNvSpPr>
+            <a:spLocks noGrp="1"/>
+          </p:cNvSpPr>
+          <p:nvPr>
+            <p:ph type="body" idx="1"/>
+          </p:nvPr>
+        </p:nvSpPr>
+        <p:spPr/>
+        <p:txBody>
+          <a:bodyPr/>
+          <a:lstStyle/>
+          <a:p>
+            <a:pPr marL="76200" indent="0">
+              <a:buNone/>
+            </a:pPr>
+            <a:endParaRPr lang="en-US" dirty="0"/>
+          </a:p>
+          <a:p>
+            <a:pPr marL="76200" indent="0">
+              <a:buNone/>
+            </a:pPr>
+            <a:endParaRPr lang="en-US" dirty="0"/>
+          </a:p>
+          <a:p>
+            <a:pPr marL="76200" indent="0">
+              <a:buNone/>
+            </a:pPr>
+            <a:r>
+              <a:rPr lang="en-US" sz="3200" dirty="0"/>
+              <a:t>What are downstream impacts (generally) of a false positive in record linkage? What about a false negative?</a:t>
+            </a:r>
+            <a:endParaRPr lang="en-US" dirty="0"/>
+          </a:p>
+        </p:txBody>
+      </p:sp>
+    </p:spTree>
+    <p:extLst>
+      <p:ext uri="{BB962C8B-B14F-4D97-AF65-F5344CB8AC3E}">
+        <p14:creationId xmlns:p14="http://schemas.microsoft.com/office/powerpoint/2010/main" val="4210785574"/>
+      </p:ext>
+    </p:extLst>
+  </p:cSld>
+  <p:clrMapOvr>
+    <a:masterClrMapping/>
+  </p:clrMapOvr>
+</p:sld>
+</file>
+
+<file path=ppt/slides/slide15.xml><?xml version="1.0" encoding="utf-8"?>
+<p:sld xmlns:a="http://schemas.openxmlformats.org/drawingml/2006/main" xmlns:r="http://schemas.openxmlformats.org/officeDocument/2006/relationships" xmlns:p="http://schemas.openxmlformats.org/presentationml/2006/main">
+  <p:cSld>
+    <p:spTree>
+      <p:nvGrpSpPr>
+        <p:cNvPr id="1" name=""/>
+        <p:cNvGrpSpPr/>
+        <p:nvPr/>
+      </p:nvGrpSpPr>
+      <p:grpSpPr>
+        <a:xfrm>
+          <a:off x="0" y="0"/>
+          <a:ext cx="0" cy="0"/>
+          <a:chOff x="0" y="0"/>
+          <a:chExt cx="0" cy="0"/>
+        </a:xfrm>
+      </p:grpSpPr>
+      <p:sp>
+        <p:nvSpPr>
+          <p:cNvPr id="2" name="Title 1">
+            <a:extLst>
+              <a:ext uri="{FF2B5EF4-FFF2-40B4-BE49-F238E27FC236}">
+                <a16:creationId xmlns:a16="http://schemas.microsoft.com/office/drawing/2014/main" id="{52E04EB1-290D-E647-B684-F8A3D3B280EE}"/>
+              </a:ext>
+            </a:extLst>
+          </p:cNvPr>
+          <p:cNvSpPr>
+            <a:spLocks noGrp="1"/>
+          </p:cNvSpPr>
+          <p:nvPr>
+            <p:ph type="title"/>
+          </p:nvPr>
+        </p:nvSpPr>
+        <p:spPr/>
+        <p:txBody>
+          <a:bodyPr/>
+          <a:lstStyle/>
+          <a:p>
+            <a:r>
+              <a:rPr lang="en-US" dirty="0"/>
+              <a:t>Discussion Topic</a:t>
+            </a:r>
+          </a:p>
+        </p:txBody>
+      </p:sp>
+      <p:sp>
+        <p:nvSpPr>
+          <p:cNvPr id="3" name="Text Placeholder 2">
+            <a:extLst>
+              <a:ext uri="{FF2B5EF4-FFF2-40B4-BE49-F238E27FC236}">
+                <a16:creationId xmlns:a16="http://schemas.microsoft.com/office/drawing/2014/main" id="{73DF5889-4B8C-7449-87CD-1929C07EE849}"/>
+              </a:ext>
+            </a:extLst>
+          </p:cNvPr>
+          <p:cNvSpPr>
+            <a:spLocks noGrp="1"/>
+          </p:cNvSpPr>
+          <p:nvPr>
+            <p:ph type="body" idx="1"/>
+          </p:nvPr>
+        </p:nvSpPr>
+        <p:spPr/>
+        <p:txBody>
+          <a:bodyPr/>
+          <a:lstStyle/>
+          <a:p>
+            <a:pPr marL="76200" indent="0">
+              <a:buNone/>
+            </a:pPr>
+            <a:endParaRPr lang="en-US" dirty="0"/>
+          </a:p>
+          <a:p>
+            <a:pPr marL="76200" indent="0">
+              <a:buNone/>
+            </a:pPr>
+            <a:endParaRPr lang="en-US" dirty="0"/>
+          </a:p>
+          <a:p>
+            <a:pPr marL="76200" indent="0">
+              <a:buNone/>
+            </a:pPr>
+            <a:r>
+              <a:rPr lang="en-US" sz="3200" dirty="0"/>
+              <a:t>What types of common mismatch errors might affect groups differently, resulting in downstream fairness impacts?</a:t>
+            </a:r>
+            <a:endParaRPr lang="en-US" dirty="0"/>
+          </a:p>
+        </p:txBody>
+      </p:sp>
+    </p:spTree>
+    <p:extLst>
+      <p:ext uri="{BB962C8B-B14F-4D97-AF65-F5344CB8AC3E}">
+        <p14:creationId xmlns:p14="http://schemas.microsoft.com/office/powerpoint/2010/main" val="2960122765"/>
+      </p:ext>
+    </p:extLst>
+  </p:cSld>
+  <p:clrMapOvr>
+    <a:masterClrMapping/>
+  </p:clrMapOvr>
+</p:sld>
+</file>
+
 <file path=ppt/slides/slide16.xml><?xml version="1.0" encoding="utf-8"?>
 <p:sld xmlns:a="http://schemas.openxmlformats.org/drawingml/2006/main" xmlns:r="http://schemas.openxmlformats.org/officeDocument/2006/relationships" xmlns:p="http://schemas.openxmlformats.org/presentationml/2006/main">
   <p:cSld>
@@ -13366,7 +13346,7 @@
           <a:p>
             <a:r>
               <a:rPr lang="en-US" dirty="0"/>
-              <a:t>When are two records about the same entity?</a:t>
+              <a:t>Factors to consider</a:t>
             </a:r>
           </a:p>
         </p:txBody>
@@ -13383,38 +13363,83 @@
         </p:nvSpPr>
         <p:spPr/>
         <p:txBody>
-          <a:bodyPr/>
+          <a:bodyPr>
+            <a:normAutofit fontScale="77500" lnSpcReduction="20000"/>
+          </a:bodyPr>
           <a:lstStyle/>
           <a:p>
+            <a:r>
+              <a:rPr lang="en-US" dirty="0" err="1"/>
+              <a:t>Deduping</a:t>
+            </a:r>
             <a:r>
               <a:rPr lang="en-US" dirty="0"/>
-              <a:t>Examples of possible similarity metrics</a:t>
+              <a:t> or Linkage</a:t>
             </a:r>
           </a:p>
           <a:p>
             <a:pPr lvl="1"/>
             <a:r>
               <a:rPr lang="en-US" dirty="0"/>
-              <a:t>Edit distance</a:t>
+              <a:t>1-1 or 1-many or many-1</a:t>
+            </a:r>
+          </a:p>
+          <a:p>
+            <a:pPr lvl="1"/>
+            <a:endParaRPr lang="en-US" dirty="0"/>
+          </a:p>
+          <a:p>
+            <a:r>
+              <a:rPr lang="en-US" dirty="0"/>
+              <a:t>Rule-based or ML based</a:t>
             </a:r>
           </a:p>
           <a:p>
             <a:pPr lvl="1"/>
             <a:r>
-              <a:rPr lang="en-US" dirty="0" err="1"/>
-              <a:t>Soundex</a:t>
+              <a:rPr lang="en-US" dirty="0"/>
+              <a:t>Do you have labeled training data?</a:t>
             </a:r>
+          </a:p>
+          <a:p>
+            <a:pPr lvl="1"/>
             <a:endParaRPr lang="en-US" dirty="0"/>
           </a:p>
           <a:p>
+            <a:r>
+              <a:rPr lang="en-US" dirty="0"/>
+              <a:t>Domain specific or generic similarity metrics?</a:t>
+            </a:r>
+          </a:p>
+          <a:p>
             <a:endParaRPr lang="en-US" dirty="0"/>
+          </a:p>
+          <a:p>
+            <a:r>
+              <a:rPr lang="en-US" dirty="0"/>
+              <a:t>Evaluation metric</a:t>
+            </a:r>
+          </a:p>
+          <a:p>
+            <a:pPr lvl="1"/>
+            <a:r>
+              <a:rPr lang="en-US" dirty="0"/>
+              <a:t>Precision or recall</a:t>
+            </a:r>
+          </a:p>
+          <a:p>
+            <a:pPr lvl="1"/>
+            <a:r>
+              <a:rPr lang="en-US" dirty="0"/>
+              <a:t>Task-specific - Implications on future analysis (bias for example)</a:t>
+            </a:r>
           </a:p>
         </p:txBody>
       </p:sp>
     </p:spTree>
     <p:extLst>
       <p:ext uri="{BB962C8B-B14F-4D97-AF65-F5344CB8AC3E}">
-        <p14:creationId xmlns:p14="http://schemas.microsoft.com/office/powerpoint/2010/main" val="32033496"/>
+        <p14:creationId xmlns:p14="http://schemas.microsoft.com/office/powerpoint/2010/main" val="562180733"/>
       </p:ext>
     </p:extLst>
   </p:cSld>
@@ -13425,6 +13450,94 @@
 </file>
 
 <file path=ppt/slides/slide17.xml><?xml version="1.0" encoding="utf-8"?>
+<p:sld xmlns:a="http://schemas.openxmlformats.org/drawingml/2006/main" xmlns:r="http://schemas.openxmlformats.org/officeDocument/2006/relationships" xmlns:p="http://schemas.openxmlformats.org/presentationml/2006/main">
+  <p:cSld>
+    <p:spTree>
+      <p:nvGrpSpPr>
+        <p:cNvPr id="1" name=""/>
+        <p:cNvGrpSpPr/>
+        <p:nvPr/>
+      </p:nvGrpSpPr>
+      <p:grpSpPr>
+        <a:xfrm>
+          <a:off x="0" y="0"/>
+          <a:ext cx="0" cy="0"/>
+          <a:chOff x="0" y="0"/>
+          <a:chExt cx="0" cy="0"/>
+        </a:xfrm>
+      </p:grpSpPr>
+      <p:sp>
+        <p:nvSpPr>
+          <p:cNvPr id="9218" name="Rectangle 2"/>
+          <p:cNvSpPr>
+            <a:spLocks noGrp="1" noChangeArrowheads="1"/>
+          </p:cNvSpPr>
+          <p:nvPr>
+            <p:ph type="title"/>
+          </p:nvPr>
+        </p:nvSpPr>
+        <p:spPr/>
+        <p:txBody>
+          <a:bodyPr/>
+          <a:lstStyle/>
+          <a:p>
+            <a:r>
+              <a:rPr lang="en-US" altLang="en-US" dirty="0"/>
+              <a:t>Approaches</a:t>
+            </a:r>
+          </a:p>
+        </p:txBody>
+      </p:sp>
+      <p:sp>
+        <p:nvSpPr>
+          <p:cNvPr id="9219" name="Rectangle 3"/>
+          <p:cNvSpPr>
+            <a:spLocks noGrp="1" noChangeArrowheads="1"/>
+          </p:cNvSpPr>
+          <p:nvPr>
+            <p:ph type="body" idx="1"/>
+          </p:nvPr>
+        </p:nvSpPr>
+        <p:spPr/>
+        <p:txBody>
+          <a:bodyPr>
+            <a:normAutofit/>
+          </a:bodyPr>
+          <a:lstStyle/>
+          <a:p>
+            <a:r>
+              <a:rPr lang="en-US" altLang="en-US" dirty="0"/>
+              <a:t>Exact matching</a:t>
+            </a:r>
+          </a:p>
+          <a:p>
+            <a:r>
+              <a:rPr lang="en-US" altLang="en-US" dirty="0"/>
+              <a:t>Rule-based</a:t>
+            </a:r>
+          </a:p>
+          <a:p>
+            <a:r>
+              <a:rPr lang="en-US" altLang="en-US" dirty="0"/>
+              <a:t>Probabilistic linkage</a:t>
+            </a:r>
+          </a:p>
+        </p:txBody>
+      </p:sp>
+    </p:spTree>
+    <p:extLst>
+      <p:ext uri="{BB962C8B-B14F-4D97-AF65-F5344CB8AC3E}">
+        <p14:creationId xmlns:p14="http://schemas.microsoft.com/office/powerpoint/2010/main" val="2383065332"/>
+      </p:ext>
+    </p:extLst>
+  </p:cSld>
+  <p:clrMapOvr>
+    <a:masterClrMapping/>
+  </p:clrMapOvr>
+</p:sld>
+</file>
+
+<file path=ppt/slides/slide18.xml><?xml version="1.0" encoding="utf-8"?>
 <p:sld xmlns:a="http://schemas.openxmlformats.org/drawingml/2006/main" xmlns:r="http://schemas.openxmlformats.org/officeDocument/2006/relationships" xmlns:p="http://schemas.openxmlformats.org/presentationml/2006/main">
   <p:cSld>
     <p:spTree>
@@ -13458,7 +13571,7 @@
           <a:p>
             <a:r>
               <a:rPr lang="en-US" dirty="0"/>
-              <a:t>“Fuzzy” Matching System	</a:t>
+              <a:t>When are two records about the same entity?</a:t>
             </a:r>
           </a:p>
         </p:txBody>
@@ -13480,203 +13593,33 @@
           <a:p>
             <a:r>
               <a:rPr lang="en-US" dirty="0"/>
-              <a:t>Apply set of cascading rules</a:t>
+              <a:t>Examples of possible similarity metrics</a:t>
             </a:r>
           </a:p>
           <a:p>
+            <a:pPr lvl="1"/>
             <a:r>
               <a:rPr lang="en-US" dirty="0"/>
-              <a:t>Assign confidence score based on which rules fire</a:t>
+              <a:t>Edit distance</a:t>
             </a:r>
+          </a:p>
+          <a:p>
+            <a:pPr lvl="1"/>
+            <a:r>
+              <a:rPr lang="en-US" dirty="0" err="1"/>
+              <a:t>Soundex</a:t>
+            </a:r>
+            <a:endParaRPr lang="en-US" dirty="0"/>
+          </a:p>
+          <a:p>
+            <a:endParaRPr lang="en-US" dirty="0"/>
           </a:p>
         </p:txBody>
       </p:sp>
     </p:spTree>
     <p:extLst>
       <p:ext uri="{BB962C8B-B14F-4D97-AF65-F5344CB8AC3E}">
-        <p14:creationId xmlns:p14="http://schemas.microsoft.com/office/powerpoint/2010/main" val="2363932908"/>
-      </p:ext>
-    </p:extLst>
-  </p:cSld>
-  <p:clrMapOvr>
-    <a:masterClrMapping/>
-  </p:clrMapOvr>
-</p:sld>
-</file>
-
-<file path=ppt/slides/slide18.xml><?xml version="1.0" encoding="utf-8"?>
-<p:sld xmlns:a="http://schemas.openxmlformats.org/drawingml/2006/main" xmlns:r="http://schemas.openxmlformats.org/officeDocument/2006/relationships" xmlns:p="http://schemas.openxmlformats.org/presentationml/2006/main">
-  <p:cSld>
-    <p:spTree>
-      <p:nvGrpSpPr>
-        <p:cNvPr id="1" name=""/>
-        <p:cNvGrpSpPr/>
-        <p:nvPr/>
-      </p:nvGrpSpPr>
-      <p:grpSpPr>
-        <a:xfrm>
-          <a:off x="0" y="0"/>
-          <a:ext cx="0" cy="0"/>
-          <a:chOff x="0" y="0"/>
-          <a:chExt cx="0" cy="0"/>
-        </a:xfrm>
-      </p:grpSpPr>
-      <p:sp>
-        <p:nvSpPr>
-          <p:cNvPr id="35842" name="Rectangle 2"/>
-          <p:cNvSpPr>
-            <a:spLocks noGrp="1" noChangeArrowheads="1"/>
-          </p:cNvSpPr>
-          <p:nvPr>
-            <p:ph type="title"/>
-          </p:nvPr>
-        </p:nvSpPr>
-        <p:spPr/>
-        <p:txBody>
-          <a:bodyPr/>
-          <a:lstStyle/>
-          <a:p>
-            <a:r>
-              <a:rPr lang="en-US" altLang="en-US" dirty="0"/>
-              <a:t>How do we not compare every pair?</a:t>
-            </a:r>
-          </a:p>
-        </p:txBody>
-      </p:sp>
-      <p:sp>
-        <p:nvSpPr>
-          <p:cNvPr id="35843" name="Rectangle 3"/>
-          <p:cNvSpPr>
-            <a:spLocks noGrp="1" noChangeArrowheads="1"/>
-          </p:cNvSpPr>
-          <p:nvPr>
-            <p:ph type="body" idx="1"/>
-          </p:nvPr>
-        </p:nvSpPr>
-        <p:spPr/>
-        <p:txBody>
-          <a:bodyPr/>
-          <a:lstStyle/>
-          <a:p>
-            <a:pPr>
-              <a:lnSpc>
-                <a:spcPct val="90000"/>
-              </a:lnSpc>
-            </a:pPr>
-            <a:r>
-              <a:rPr lang="en-US" altLang="en-US" sz="2800" dirty="0"/>
-              <a:t>How do we avoid looking at |A| * |B| pairs?</a:t>
-            </a:r>
-          </a:p>
-          <a:p>
-            <a:pPr>
-              <a:lnSpc>
-                <a:spcPct val="90000"/>
-              </a:lnSpc>
-            </a:pPr>
-            <a:r>
-              <a:rPr lang="en-US" altLang="en-US" sz="2800" i="1" dirty="0"/>
-              <a:t>Blocking: </a:t>
-            </a:r>
-            <a:r>
-              <a:rPr lang="en-US" altLang="en-US" sz="2800" dirty="0"/>
-              <a:t>choose a smaller set of pairs that will contain all or most matches.  </a:t>
-            </a:r>
-          </a:p>
-          <a:p>
-            <a:pPr lvl="1">
-              <a:lnSpc>
-                <a:spcPct val="90000"/>
-              </a:lnSpc>
-            </a:pPr>
-            <a:r>
-              <a:rPr lang="en-US" altLang="en-US" sz="2400" dirty="0"/>
-              <a:t>Simple blocking:  compare all pairs that “hash” to the same value (e.g., same </a:t>
-            </a:r>
-            <a:r>
-              <a:rPr lang="en-US" altLang="en-US" sz="2400" dirty="0" err="1"/>
-              <a:t>Soundex</a:t>
-            </a:r>
-            <a:r>
-              <a:rPr lang="en-US" altLang="en-US" sz="2400" dirty="0"/>
-              <a:t> code for last name, same birth year)</a:t>
-            </a:r>
-          </a:p>
-          <a:p>
-            <a:pPr lvl="1">
-              <a:lnSpc>
-                <a:spcPct val="90000"/>
-              </a:lnSpc>
-            </a:pPr>
-            <a:r>
-              <a:rPr lang="en-US" altLang="en-US" sz="2400" dirty="0"/>
-              <a:t>Extensions (to increase </a:t>
-            </a:r>
-            <a:r>
-              <a:rPr lang="en-US" altLang="en-US" sz="2400" i="1" dirty="0"/>
-              <a:t>recall </a:t>
-            </a:r>
-            <a:r>
-              <a:rPr lang="en-US" altLang="en-US" sz="2400" dirty="0"/>
-              <a:t>of set of pairs):</a:t>
-            </a:r>
-          </a:p>
-          <a:p>
-            <a:pPr lvl="2">
-              <a:lnSpc>
-                <a:spcPct val="90000"/>
-              </a:lnSpc>
-            </a:pPr>
-            <a:r>
-              <a:rPr lang="en-US" altLang="en-US" sz="2000" dirty="0"/>
-              <a:t>Block on </a:t>
-            </a:r>
-            <a:r>
-              <a:rPr lang="en-US" altLang="en-US" sz="2000" i="1" dirty="0"/>
-              <a:t>multiple</a:t>
-            </a:r>
-            <a:r>
-              <a:rPr lang="en-US" altLang="en-US" sz="2000" dirty="0"/>
-              <a:t> attributes (</a:t>
-            </a:r>
-            <a:r>
-              <a:rPr lang="en-US" altLang="en-US" sz="2000" dirty="0" err="1"/>
-              <a:t>soundex</a:t>
-            </a:r>
-            <a:r>
-              <a:rPr lang="en-US" altLang="en-US" sz="2000" dirty="0"/>
-              <a:t>, zip code) and take union of all pairs found.</a:t>
-            </a:r>
-          </a:p>
-          <a:p>
-            <a:pPr lvl="2">
-              <a:lnSpc>
-                <a:spcPct val="90000"/>
-              </a:lnSpc>
-            </a:pPr>
-            <a:r>
-              <a:rPr lang="en-US" altLang="en-US" sz="2000" i="1" dirty="0"/>
-              <a:t>Windowing:</a:t>
-            </a:r>
-            <a:r>
-              <a:rPr lang="en-US" altLang="en-US" sz="2000" dirty="0"/>
-              <a:t> Pick (numerically or lexically) </a:t>
-            </a:r>
-            <a:r>
-              <a:rPr lang="en-US" altLang="en-US" sz="2000" i="1" dirty="0"/>
-              <a:t>ordered</a:t>
-            </a:r>
-            <a:r>
-              <a:rPr lang="en-US" altLang="en-US" sz="2000" dirty="0"/>
-              <a:t> attributes and sort (e.g., sort on last name).  The pick all pairs that appear “near” each other in the sorted order.</a:t>
-            </a:r>
-          </a:p>
-        </p:txBody>
-      </p:sp>
-    </p:spTree>
-    <p:extLst>
-      <p:ext uri="{BB962C8B-B14F-4D97-AF65-F5344CB8AC3E}">
-        <p14:creationId xmlns:p14="http://schemas.microsoft.com/office/powerpoint/2010/main" val="3772462634"/>
+        <p14:creationId xmlns:p14="http://schemas.microsoft.com/office/powerpoint/2010/main" val="32033496"/>
       </p:ext>
     </p:extLst>
   </p:cSld>
@@ -13720,7 +13663,7 @@
           <a:p>
             <a:r>
               <a:rPr lang="en-US" dirty="0"/>
-              <a:t>Machine Learning based Record Linkage</a:t>
+              <a:t>“Fuzzy” Matching System	</a:t>
             </a:r>
           </a:p>
         </p:txBody>
@@ -13742,68 +13685,13 @@
           <a:p>
             <a:r>
               <a:rPr lang="en-US" dirty="0"/>
-              <a:t>Generate training data</a:t>
+              <a:t>Apply set of cascading rules</a:t>
             </a:r>
           </a:p>
           <a:p>
-            <a:pPr lvl="1"/>
             <a:r>
               <a:rPr lang="en-US" dirty="0"/>
-              <a:t>Label pairs as match/no match</a:t>
-            </a:r>
-          </a:p>
-          <a:p>
-            <a:pPr lvl="1"/>
-            <a:endParaRPr lang="en-US" dirty="0"/>
-          </a:p>
-          <a:p>
-            <a:r>
-              <a:rPr lang="en-US" dirty="0"/>
-              <a:t>Generate features over each pair</a:t>
-            </a:r>
-          </a:p>
-          <a:p>
-            <a:pPr lvl="1"/>
-            <a:r>
-              <a:rPr lang="en-US" dirty="0"/>
-              <a:t>Distance metrics over different attributes (</a:t>
-            </a:r>
-            <a:r>
-              <a:rPr lang="en-US" dirty="0" err="1"/>
-              <a:t>fname</a:t>
-            </a:r>
-            <a:r>
-              <a:rPr lang="en-US" dirty="0"/>
-              <a:t>, </a:t>
-            </a:r>
-            <a:r>
-              <a:rPr lang="en-US" dirty="0" err="1"/>
-              <a:t>lname</a:t>
-            </a:r>
-            <a:r>
-              <a:rPr lang="en-US" dirty="0"/>
-              <a:t>, dob, etc.)</a:t>
-            </a:r>
-          </a:p>
-          <a:p>
-            <a:pPr lvl="1"/>
-            <a:r>
-              <a:rPr lang="en-US" dirty="0" err="1"/>
-              <a:t>Tfidf</a:t>
-            </a:r>
-            <a:r>
-              <a:rPr lang="en-US" dirty="0"/>
-              <a:t> scores</a:t>
-            </a:r>
-          </a:p>
-          <a:p>
-            <a:pPr lvl="1"/>
-            <a:endParaRPr lang="en-US" dirty="0"/>
-          </a:p>
-          <a:p>
-            <a:r>
-              <a:rPr lang="en-US" dirty="0"/>
-              <a:t>Build and evaluate classifiers</a:t>
+              <a:t>Assign confidence score based on which rules fire</a:t>
             </a:r>
           </a:p>
         </p:txBody>
@@ -13811,7 +13699,7 @@
     </p:spTree>
     <p:extLst>
       <p:ext uri="{BB962C8B-B14F-4D97-AF65-F5344CB8AC3E}">
-        <p14:creationId xmlns:p14="http://schemas.microsoft.com/office/powerpoint/2010/main" val="1221298556"/>
+        <p14:creationId xmlns:p14="http://schemas.microsoft.com/office/powerpoint/2010/main" val="2363932908"/>
       </p:ext>
     </p:extLst>
   </p:cSld>
@@ -14005,15 +13893,9 @@
       </p:grpSpPr>
       <p:sp>
         <p:nvSpPr>
-          <p:cNvPr id="2" name="Title 1">
-            <a:extLst>
-              <a:ext uri="{FF2B5EF4-FFF2-40B4-BE49-F238E27FC236}">
-                <a16:creationId xmlns:a16="http://schemas.microsoft.com/office/drawing/2014/main" id="{14850FF5-E8EC-234D-805C-399C5033051A}"/>
-              </a:ext>
-            </a:extLst>
-          </p:cNvPr>
+          <p:cNvPr id="35842" name="Rectangle 2"/>
           <p:cNvSpPr>
-            <a:spLocks noGrp="1"/>
+            <a:spLocks noGrp="1" noChangeArrowheads="1"/>
           </p:cNvSpPr>
           <p:nvPr>
             <p:ph type="title"/>
@@ -14025,23 +13907,17 @@
           <a:lstStyle/>
           <a:p>
             <a:r>
-              <a:rPr lang="en-US" dirty="0"/>
-              <a:t>One-off versus recurring matching</a:t>
+              <a:rPr lang="en-US" altLang="en-US" dirty="0"/>
+              <a:t>How do we not compare every pair?</a:t>
             </a:r>
           </a:p>
         </p:txBody>
       </p:sp>
       <p:sp>
         <p:nvSpPr>
-          <p:cNvPr id="3" name="Text Placeholder 2">
-            <a:extLst>
-              <a:ext uri="{FF2B5EF4-FFF2-40B4-BE49-F238E27FC236}">
-                <a16:creationId xmlns:a16="http://schemas.microsoft.com/office/drawing/2014/main" id="{0CD32BE4-76DA-C042-A3E3-35B452F39303}"/>
-              </a:ext>
-            </a:extLst>
-          </p:cNvPr>
+          <p:cNvPr id="35843" name="Rectangle 3"/>
           <p:cNvSpPr>
-            <a:spLocks noGrp="1"/>
+            <a:spLocks noGrp="1" noChangeArrowheads="1"/>
           </p:cNvSpPr>
           <p:nvPr>
             <p:ph type="body" idx="1"/>
@@ -14052,18 +13928,117 @@
           <a:bodyPr/>
           <a:lstStyle/>
           <a:p>
+            <a:pPr>
+              <a:lnSpc>
+                <a:spcPct val="90000"/>
+              </a:lnSpc>
+            </a:pPr>
             <a:r>
-              <a:rPr lang="en-US" dirty="0"/>
-              <a:t>Unique identifiers: persistence?</a:t>
+              <a:rPr lang="en-US" altLang="en-US" sz="2800" dirty="0"/>
+              <a:t>How do we avoid looking at |A| * |B| pairs?</a:t>
             </a:r>
           </a:p>
           <a:p>
-            <a:endParaRPr lang="en-US" dirty="0"/>
-          </a:p>
-          <a:p>
+            <a:pPr>
+              <a:lnSpc>
+                <a:spcPct val="90000"/>
+              </a:lnSpc>
+            </a:pPr>
             <a:r>
-              <a:rPr lang="en-US" dirty="0"/>
-              <a:t>What do we do with new or changed pairs?</a:t>
+              <a:rPr lang="en-US" altLang="en-US" sz="2800" i="1" dirty="0"/>
+              <a:t>Blocking: </a:t>
+            </a:r>
+            <a:r>
+              <a:rPr lang="en-US" altLang="en-US" sz="2800" dirty="0"/>
+              <a:t>choose a smaller set of pairs that will contain all or most matches.  </a:t>
+            </a:r>
+          </a:p>
+          <a:p>
+            <a:pPr lvl="1">
+              <a:lnSpc>
+                <a:spcPct val="90000"/>
+              </a:lnSpc>
+            </a:pPr>
+            <a:r>
+              <a:rPr lang="en-US" altLang="en-US" sz="2400" dirty="0"/>
+              <a:t>Simple blocking:  compare all pairs that “hash” to the same value (e.g., same </a:t>
+            </a:r>
+            <a:r>
+              <a:rPr lang="en-US" altLang="en-US" sz="2400" dirty="0" err="1"/>
+              <a:t>Soundex</a:t>
+            </a:r>
+            <a:r>
+              <a:rPr lang="en-US" altLang="en-US" sz="2400" dirty="0"/>
+              <a:t> code for last name, same birth year)</a:t>
+            </a:r>
+          </a:p>
+          <a:p>
+            <a:pPr lvl="1">
+              <a:lnSpc>
+                <a:spcPct val="90000"/>
+              </a:lnSpc>
+            </a:pPr>
+            <a:r>
+              <a:rPr lang="en-US" altLang="en-US" sz="2400" dirty="0"/>
+              <a:t>Extensions (to increase </a:t>
+            </a:r>
+            <a:r>
+              <a:rPr lang="en-US" altLang="en-US" sz="2400" i="1" dirty="0"/>
+              <a:t>recall </a:t>
+            </a:r>
+            <a:r>
+              <a:rPr lang="en-US" altLang="en-US" sz="2400" dirty="0"/>
+              <a:t>of set of pairs):</a:t>
+            </a:r>
+          </a:p>
+          <a:p>
+            <a:pPr lvl="2">
+              <a:lnSpc>
+                <a:spcPct val="90000"/>
+              </a:lnSpc>
+            </a:pPr>
+            <a:r>
+              <a:rPr lang="en-US" altLang="en-US" sz="2000" dirty="0"/>
+              <a:t>Block on </a:t>
+            </a:r>
+            <a:r>
+              <a:rPr lang="en-US" altLang="en-US" sz="2000" i="1" dirty="0"/>
+              <a:t>multiple</a:t>
+            </a:r>
+            <a:r>
+              <a:rPr lang="en-US" altLang="en-US" sz="2000" dirty="0"/>
+              <a:t> attributes (</a:t>
+            </a:r>
+            <a:r>
+              <a:rPr lang="en-US" altLang="en-US" sz="2000" dirty="0" err="1"/>
+              <a:t>soundex</a:t>
+            </a:r>
+            <a:r>
+              <a:rPr lang="en-US" altLang="en-US" sz="2000" dirty="0"/>
+              <a:t>, zip code) and take union of all pairs found.</a:t>
+            </a:r>
+          </a:p>
+          <a:p>
+            <a:pPr lvl="2">
+              <a:lnSpc>
+                <a:spcPct val="90000"/>
+              </a:lnSpc>
+            </a:pPr>
+            <a:r>
+              <a:rPr lang="en-US" altLang="en-US" sz="2000" i="1" dirty="0"/>
+              <a:t>Windowing:</a:t>
+            </a:r>
+            <a:r>
+              <a:rPr lang="en-US" altLang="en-US" sz="2000" dirty="0"/>
+              <a:t> Pick (numerically or lexically) </a:t>
+            </a:r>
+            <a:r>
+              <a:rPr lang="en-US" altLang="en-US" sz="2000" i="1" dirty="0"/>
+              <a:t>ordered</a:t>
+            </a:r>
+            <a:r>
+              <a:rPr lang="en-US" altLang="en-US" sz="2000" dirty="0"/>
+              <a:t> attributes and sort (e.g., sort on last name).  The pick all pairs that appear “near” each other in the sorted order.</a:t>
             </a:r>
           </a:p>
         </p:txBody>
@@ -14071,7 +14046,7 @@
     </p:spTree>
     <p:extLst>
       <p:ext uri="{BB962C8B-B14F-4D97-AF65-F5344CB8AC3E}">
-        <p14:creationId xmlns:p14="http://schemas.microsoft.com/office/powerpoint/2010/main" val="834575629"/>
+        <p14:creationId xmlns:p14="http://schemas.microsoft.com/office/powerpoint/2010/main" val="3772462634"/>
       </p:ext>
     </p:extLst>
   </p:cSld>
@@ -14100,10 +14075,173 @@
       </p:grpSpPr>
       <p:sp>
         <p:nvSpPr>
-          <p:cNvPr id="4" name="Text Placeholder 3">
+          <p:cNvPr id="2" name="Title 1"/>
+          <p:cNvSpPr>
+            <a:spLocks noGrp="1"/>
+          </p:cNvSpPr>
+          <p:nvPr>
+            <p:ph type="title"/>
+          </p:nvPr>
+        </p:nvSpPr>
+        <p:spPr/>
+        <p:txBody>
+          <a:bodyPr/>
+          <a:lstStyle/>
+          <a:p>
+            <a:r>
+              <a:rPr lang="en-US" dirty="0"/>
+              <a:t>Machine Learning based Record Linkage</a:t>
+            </a:r>
+          </a:p>
+        </p:txBody>
+      </p:sp>
+      <p:sp>
+        <p:nvSpPr>
+          <p:cNvPr id="3" name="Content Placeholder 2"/>
+          <p:cNvSpPr>
+            <a:spLocks noGrp="1"/>
+          </p:cNvSpPr>
+          <p:nvPr>
+            <p:ph type="body" idx="1"/>
+          </p:nvPr>
+        </p:nvSpPr>
+        <p:spPr/>
+        <p:txBody>
+          <a:bodyPr/>
+          <a:lstStyle/>
+          <a:p>
+            <a:r>
+              <a:rPr lang="en-US" dirty="0"/>
+              <a:t>Generate training data</a:t>
+            </a:r>
+          </a:p>
+          <a:p>
+            <a:pPr lvl="1"/>
+            <a:r>
+              <a:rPr lang="en-US" dirty="0"/>
+              <a:t>Label pairs as match/no match</a:t>
+            </a:r>
+          </a:p>
+          <a:p>
+            <a:pPr lvl="1"/>
+            <a:endParaRPr lang="en-US" dirty="0"/>
+          </a:p>
+          <a:p>
+            <a:r>
+              <a:rPr lang="en-US" dirty="0"/>
+              <a:t>Generate features over each pair</a:t>
+            </a:r>
+          </a:p>
+          <a:p>
+            <a:pPr lvl="1"/>
+            <a:r>
+              <a:rPr lang="en-US" dirty="0"/>
+              <a:t>Distance metrics over different attributes (</a:t>
+            </a:r>
+            <a:r>
+              <a:rPr lang="en-US" dirty="0" err="1"/>
+              <a:t>fname</a:t>
+            </a:r>
+            <a:r>
+              <a:rPr lang="en-US" dirty="0"/>
+              <a:t>, </a:t>
+            </a:r>
+            <a:r>
+              <a:rPr lang="en-US" dirty="0" err="1"/>
+              <a:t>lname</a:t>
+            </a:r>
+            <a:r>
+              <a:rPr lang="en-US" dirty="0"/>
+              <a:t>, dob, etc.)</a:t>
+            </a:r>
+          </a:p>
+          <a:p>
+            <a:pPr lvl="1"/>
+            <a:r>
+              <a:rPr lang="en-US" dirty="0" err="1"/>
+              <a:t>Tfidf</a:t>
+            </a:r>
+            <a:r>
+              <a:rPr lang="en-US" dirty="0"/>
+              <a:t> scores</a:t>
+            </a:r>
+          </a:p>
+          <a:p>
+            <a:pPr lvl="1"/>
+            <a:endParaRPr lang="en-US" dirty="0"/>
+          </a:p>
+          <a:p>
+            <a:r>
+              <a:rPr lang="en-US" dirty="0"/>
+              <a:t>Build and evaluate classifiers</a:t>
+            </a:r>
+          </a:p>
+        </p:txBody>
+      </p:sp>
+    </p:spTree>
+    <p:extLst>
+      <p:ext uri="{BB962C8B-B14F-4D97-AF65-F5344CB8AC3E}">
+        <p14:creationId xmlns:p14="http://schemas.microsoft.com/office/powerpoint/2010/main" val="1221298556"/>
+      </p:ext>
+    </p:extLst>
+  </p:cSld>
+  <p:clrMapOvr>
+    <a:masterClrMapping/>
+  </p:clrMapOvr>
+</p:sld>
+</file>
+
+<file path=ppt/slides/slide22.xml><?xml version="1.0" encoding="utf-8"?>
+<p:sld xmlns:a="http://schemas.openxmlformats.org/drawingml/2006/main" xmlns:r="http://schemas.openxmlformats.org/officeDocument/2006/relationships" xmlns:p="http://schemas.openxmlformats.org/presentationml/2006/main">
+  <p:cSld>
+    <p:spTree>
+      <p:nvGrpSpPr>
+        <p:cNvPr id="1" name=""/>
+        <p:cNvGrpSpPr/>
+        <p:nvPr/>
+      </p:nvGrpSpPr>
+      <p:grpSpPr>
+        <a:xfrm>
+          <a:off x="0" y="0"/>
+          <a:ext cx="0" cy="0"/>
+          <a:chOff x="0" y="0"/>
+          <a:chExt cx="0" cy="0"/>
+        </a:xfrm>
+      </p:grpSpPr>
+      <p:sp>
+        <p:nvSpPr>
+          <p:cNvPr id="2" name="Title 1">
             <a:extLst>
               <a:ext uri="{FF2B5EF4-FFF2-40B4-BE49-F238E27FC236}">
-                <a16:creationId xmlns:a16="http://schemas.microsoft.com/office/drawing/2014/main" id="{5E600BA7-FA45-884F-9820-9E5F2CB7AA48}"/>
+                <a16:creationId xmlns:a16="http://schemas.microsoft.com/office/drawing/2014/main" id="{14850FF5-E8EC-234D-805C-399C5033051A}"/>
+              </a:ext>
+            </a:extLst>
+          </p:cNvPr>
+          <p:cNvSpPr>
+            <a:spLocks noGrp="1"/>
+          </p:cNvSpPr>
+          <p:nvPr>
+            <p:ph type="title"/>
+          </p:nvPr>
+        </p:nvSpPr>
+        <p:spPr/>
+        <p:txBody>
+          <a:bodyPr/>
+          <a:lstStyle/>
+          <a:p>
+            <a:r>
+              <a:rPr lang="en-US" dirty="0"/>
+              <a:t>One-off versus recurring matching</a:t>
+            </a:r>
+          </a:p>
+        </p:txBody>
+      </p:sp>
+      <p:sp>
+        <p:nvSpPr>
+          <p:cNvPr id="3" name="Text Placeholder 2">
+            <a:extLst>
+              <a:ext uri="{FF2B5EF4-FFF2-40B4-BE49-F238E27FC236}">
+                <a16:creationId xmlns:a16="http://schemas.microsoft.com/office/drawing/2014/main" id="{0CD32BE4-76DA-C042-A3E3-35B452F39303}"/>
               </a:ext>
             </a:extLst>
           </p:cNvPr>
@@ -14114,56 +14252,23 @@
             <p:ph type="body" idx="1"/>
           </p:nvPr>
         </p:nvSpPr>
-        <p:spPr>
-          <a:xfrm>
-            <a:off x="415650" y="2724664"/>
-            <a:ext cx="11360700" cy="1408672"/>
-          </a:xfrm>
-        </p:spPr>
+        <p:spPr/>
         <p:txBody>
           <a:bodyPr/>
           <a:lstStyle/>
           <a:p>
-            <a:pPr marL="76200" indent="0" algn="ctr">
-              <a:buNone/>
-            </a:pPr>
-            <a:r>
-              <a:rPr lang="en-US" sz="4800" dirty="0"/>
-              <a:t>How could record linkage choices and methods impact bias and fairness?</a:t>
-            </a:r>
-          </a:p>
-        </p:txBody>
-      </p:sp>
-      <p:sp>
-        <p:nvSpPr>
-          <p:cNvPr id="3" name="Title 1">
-            <a:extLst>
-              <a:ext uri="{FF2B5EF4-FFF2-40B4-BE49-F238E27FC236}">
-                <a16:creationId xmlns:a16="http://schemas.microsoft.com/office/drawing/2014/main" id="{9CDFC252-FA93-E641-BB21-4E80983D7592}"/>
-              </a:ext>
-            </a:extLst>
-          </p:cNvPr>
-          <p:cNvSpPr>
-            <a:spLocks noGrp="1"/>
-          </p:cNvSpPr>
-          <p:nvPr>
-            <p:ph type="title"/>
-          </p:nvPr>
-        </p:nvSpPr>
-        <p:spPr>
-          <a:xfrm>
-            <a:off x="415600" y="593367"/>
-            <a:ext cx="11360700" cy="763500"/>
-          </a:xfrm>
-        </p:spPr>
-        <p:txBody>
-          <a:bodyPr/>
-          <a:lstStyle/>
-          <a:p>
-            <a:pPr algn="ctr"/>
             <a:r>
               <a:rPr lang="en-US" dirty="0"/>
-              <a:t>DISCUSSION QUESTION</a:t>
+              <a:t>Unique identifiers: persistence?</a:t>
+            </a:r>
+          </a:p>
+          <a:p>
+            <a:endParaRPr lang="en-US" dirty="0"/>
+          </a:p>
+          <a:p>
+            <a:r>
+              <a:rPr lang="en-US" dirty="0"/>
+              <a:t>What do we do with new or changed pairs?</a:t>
             </a:r>
           </a:p>
         </p:txBody>
@@ -14171,7 +14276,7 @@
     </p:spTree>
     <p:extLst>
       <p:ext uri="{BB962C8B-B14F-4D97-AF65-F5344CB8AC3E}">
-        <p14:creationId xmlns:p14="http://schemas.microsoft.com/office/powerpoint/2010/main" val="1358956084"/>
+        <p14:creationId xmlns:p14="http://schemas.microsoft.com/office/powerpoint/2010/main" val="834575629"/>
       </p:ext>
     </p:extLst>
   </p:cSld>
@@ -14181,7 +14286,7 @@
 </p:sld>
 </file>
 
-<file path=ppt/slides/slide22.xml><?xml version="1.0" encoding="utf-8"?>
+<file path=ppt/slides/slide23.xml><?xml version="1.0" encoding="utf-8"?>
 <p:sld xmlns:a="http://schemas.openxmlformats.org/drawingml/2006/main" xmlns:r="http://schemas.openxmlformats.org/officeDocument/2006/relationships" xmlns:p="http://schemas.openxmlformats.org/presentationml/2006/main">
   <p:cSld>
     <p:spTree>

--- a/Lectures/04-data.pptx
+++ b/Lectures/04-data.pptx
@@ -268,7 +268,7 @@
       <p15:sldGuideLst xmlns:p15="http://schemas.microsoft.com/office/powerpoint/2012/main"/>
     </p:ext>
     <p:ext uri="http://customooxmlschemas.google.com/">
-      <go:slidesCustomData xmlns="" xmlns:mc="http://schemas.openxmlformats.org/markup-compatibility/2006" xmlns:mv="urn:schemas-microsoft-com:mac:vml" xmlns:c="http://schemas.openxmlformats.org/drawingml/2006/chart" xmlns:dgm="http://schemas.openxmlformats.org/drawingml/2006/diagram" xmlns:o="urn:schemas-microsoft-com:office:office" xmlns:v="urn:schemas-microsoft-com:vml" xmlns:pvml="urn:schemas-microsoft-com:office:powerpoint" xmlns:com="http://schemas.openxmlformats.org/drawingml/2006/compatibility" xmlns:p14="http://schemas.microsoft.com/office/powerpoint/2010/main" xmlns:p15="http://schemas.microsoft.com/office/powerpoint/2012/main" xmlns:go="http://customooxmlschemas.google.com/" r:id="rId30" roundtripDataSignature="AMtx7mjFyVUGRZWio+dc9dxzYsimUxNJbg=="/>
+      <go:slidesCustomData xmlns:go="http://customooxmlschemas.google.com/" xmlns:p15="http://schemas.microsoft.com/office/powerpoint/2012/main" xmlns:p14="http://schemas.microsoft.com/office/powerpoint/2010/main" xmlns:com="http://schemas.openxmlformats.org/drawingml/2006/compatibility" xmlns:pvml="urn:schemas-microsoft-com:office:powerpoint" xmlns:v="urn:schemas-microsoft-com:vml" xmlns:o="urn:schemas-microsoft-com:office:office" xmlns:dgm="http://schemas.openxmlformats.org/drawingml/2006/diagram" xmlns:c="http://schemas.openxmlformats.org/drawingml/2006/chart" xmlns:mv="urn:schemas-microsoft-com:mac:vml" xmlns:mc="http://schemas.openxmlformats.org/markup-compatibility/2006" xmlns="" r:id="rId30" roundtripDataSignature="AMtx7mjFyVUGRZWio+dc9dxzYsimUxNJbg=="/>
     </p:ext>
   </p:extLst>
 </p:presentation>
@@ -12039,9 +12039,9 @@
                   <a:srgbClr val="595959"/>
                 </a:solidFill>
               </a:rPr>
-              <a:t>Rayid Ghani and Kit Rodolfa</a:t>
+              <a:t>Rayid Ghani</a:t>
             </a:r>
-            <a:endParaRPr sz="2800">
+            <a:endParaRPr sz="2800" dirty="0">
               <a:solidFill>
                 <a:srgbClr val="595959"/>
               </a:solidFill>

--- a/Lectures/04-data.pptx
+++ b/Lectures/04-data.pptx
@@ -5,32 +5,28 @@
     <p:sldMasterId id="2147483648" r:id="rId1"/>
   </p:sldMasterIdLst>
   <p:notesMasterIdLst>
-    <p:notesMasterId r:id="rId25"/>
+    <p:notesMasterId r:id="rId21"/>
   </p:notesMasterIdLst>
   <p:sldIdLst>
     <p:sldId id="256" r:id="rId2"/>
     <p:sldId id="281" r:id="rId3"/>
-    <p:sldId id="298" r:id="rId4"/>
-    <p:sldId id="299" r:id="rId5"/>
-    <p:sldId id="300" r:id="rId6"/>
-    <p:sldId id="301" r:id="rId7"/>
-    <p:sldId id="295" r:id="rId8"/>
-    <p:sldId id="282" r:id="rId9"/>
-    <p:sldId id="285" r:id="rId10"/>
-    <p:sldId id="283" r:id="rId11"/>
-    <p:sldId id="260" r:id="rId12"/>
-    <p:sldId id="261" r:id="rId13"/>
-    <p:sldId id="288" r:id="rId14"/>
-    <p:sldId id="296" r:id="rId15"/>
-    <p:sldId id="302" r:id="rId16"/>
-    <p:sldId id="287" r:id="rId17"/>
-    <p:sldId id="262" r:id="rId18"/>
-    <p:sldId id="289" r:id="rId19"/>
-    <p:sldId id="290" r:id="rId20"/>
-    <p:sldId id="280" r:id="rId21"/>
-    <p:sldId id="291" r:id="rId22"/>
-    <p:sldId id="293" r:id="rId23"/>
-    <p:sldId id="303" r:id="rId24"/>
+    <p:sldId id="295" r:id="rId4"/>
+    <p:sldId id="282" r:id="rId5"/>
+    <p:sldId id="285" r:id="rId6"/>
+    <p:sldId id="283" r:id="rId7"/>
+    <p:sldId id="260" r:id="rId8"/>
+    <p:sldId id="261" r:id="rId9"/>
+    <p:sldId id="288" r:id="rId10"/>
+    <p:sldId id="296" r:id="rId11"/>
+    <p:sldId id="302" r:id="rId12"/>
+    <p:sldId id="287" r:id="rId13"/>
+    <p:sldId id="262" r:id="rId14"/>
+    <p:sldId id="289" r:id="rId15"/>
+    <p:sldId id="290" r:id="rId16"/>
+    <p:sldId id="280" r:id="rId17"/>
+    <p:sldId id="291" r:id="rId18"/>
+    <p:sldId id="293" r:id="rId19"/>
+    <p:sldId id="303" r:id="rId20"/>
   </p:sldIdLst>
   <p:sldSz cx="12192000" cy="6858000"/>
   <p:notesSz cx="6858000" cy="9144000"/>
@@ -268,7 +264,7 @@
       <p15:sldGuideLst xmlns:p15="http://schemas.microsoft.com/office/powerpoint/2012/main"/>
     </p:ext>
     <p:ext uri="http://customooxmlschemas.google.com/">
-      <go:slidesCustomData xmlns:go="http://customooxmlschemas.google.com/" xmlns:p15="http://schemas.microsoft.com/office/powerpoint/2012/main" xmlns:p14="http://schemas.microsoft.com/office/powerpoint/2010/main" xmlns:com="http://schemas.openxmlformats.org/drawingml/2006/compatibility" xmlns:pvml="urn:schemas-microsoft-com:office:powerpoint" xmlns:v="urn:schemas-microsoft-com:vml" xmlns:o="urn:schemas-microsoft-com:office:office" xmlns:dgm="http://schemas.openxmlformats.org/drawingml/2006/diagram" xmlns:c="http://schemas.openxmlformats.org/drawingml/2006/chart" xmlns:mv="urn:schemas-microsoft-com:mac:vml" xmlns:mc="http://schemas.openxmlformats.org/markup-compatibility/2006" xmlns="" r:id="rId30" roundtripDataSignature="AMtx7mjFyVUGRZWio+dc9dxzYsimUxNJbg=="/>
+      <go:slidesCustomData xmlns="" xmlns:mc="http://schemas.openxmlformats.org/markup-compatibility/2006" xmlns:mv="urn:schemas-microsoft-com:mac:vml" xmlns:c="http://schemas.openxmlformats.org/drawingml/2006/chart" xmlns:dgm="http://schemas.openxmlformats.org/drawingml/2006/diagram" xmlns:o="urn:schemas-microsoft-com:office:office" xmlns:v="urn:schemas-microsoft-com:vml" xmlns:pvml="urn:schemas-microsoft-com:office:powerpoint" xmlns:com="http://schemas.openxmlformats.org/drawingml/2006/compatibility" xmlns:p14="http://schemas.microsoft.com/office/powerpoint/2010/main" xmlns:p15="http://schemas.microsoft.com/office/powerpoint/2012/main" xmlns:go="http://customooxmlschemas.google.com/" r:id="rId30" roundtripDataSignature="AMtx7mjFyVUGRZWio+dc9dxzYsimUxNJbg=="/>
     </p:ext>
   </p:extLst>
 </p:presentation>
@@ -12107,6 +12103,1731 @@
           <p:cNvPr id="2" name="Title 1">
             <a:extLst>
               <a:ext uri="{FF2B5EF4-FFF2-40B4-BE49-F238E27FC236}">
+                <a16:creationId xmlns:a16="http://schemas.microsoft.com/office/drawing/2014/main" id="{52E04EB1-290D-E647-B684-F8A3D3B280EE}"/>
+              </a:ext>
+            </a:extLst>
+          </p:cNvPr>
+          <p:cNvSpPr>
+            <a:spLocks noGrp="1"/>
+          </p:cNvSpPr>
+          <p:nvPr>
+            <p:ph type="title"/>
+          </p:nvPr>
+        </p:nvSpPr>
+        <p:spPr/>
+        <p:txBody>
+          <a:bodyPr/>
+          <a:lstStyle/>
+          <a:p>
+            <a:r>
+              <a:rPr lang="en-US" dirty="0"/>
+              <a:t>Discussion Topic</a:t>
+            </a:r>
+          </a:p>
+        </p:txBody>
+      </p:sp>
+      <p:sp>
+        <p:nvSpPr>
+          <p:cNvPr id="3" name="Text Placeholder 2">
+            <a:extLst>
+              <a:ext uri="{FF2B5EF4-FFF2-40B4-BE49-F238E27FC236}">
+                <a16:creationId xmlns:a16="http://schemas.microsoft.com/office/drawing/2014/main" id="{73DF5889-4B8C-7449-87CD-1929C07EE849}"/>
+              </a:ext>
+            </a:extLst>
+          </p:cNvPr>
+          <p:cNvSpPr>
+            <a:spLocks noGrp="1"/>
+          </p:cNvSpPr>
+          <p:nvPr>
+            <p:ph type="body" idx="1"/>
+          </p:nvPr>
+        </p:nvSpPr>
+        <p:spPr/>
+        <p:txBody>
+          <a:bodyPr/>
+          <a:lstStyle/>
+          <a:p>
+            <a:pPr marL="76200" indent="0">
+              <a:buNone/>
+            </a:pPr>
+            <a:endParaRPr lang="en-US" dirty="0"/>
+          </a:p>
+          <a:p>
+            <a:pPr marL="76200" indent="0">
+              <a:buNone/>
+            </a:pPr>
+            <a:endParaRPr lang="en-US" dirty="0"/>
+          </a:p>
+          <a:p>
+            <a:pPr marL="76200" indent="0">
+              <a:buNone/>
+            </a:pPr>
+            <a:r>
+              <a:rPr lang="en-US" sz="3200" dirty="0"/>
+              <a:t>What are downstream impacts (generally) of a false positive in record linkage? What about a false negative?</a:t>
+            </a:r>
+            <a:endParaRPr lang="en-US" dirty="0"/>
+          </a:p>
+        </p:txBody>
+      </p:sp>
+    </p:spTree>
+    <p:extLst>
+      <p:ext uri="{BB962C8B-B14F-4D97-AF65-F5344CB8AC3E}">
+        <p14:creationId xmlns:p14="http://schemas.microsoft.com/office/powerpoint/2010/main" val="4210785574"/>
+      </p:ext>
+    </p:extLst>
+  </p:cSld>
+  <p:clrMapOvr>
+    <a:masterClrMapping/>
+  </p:clrMapOvr>
+</p:sld>
+</file>
+
+<file path=ppt/slides/slide11.xml><?xml version="1.0" encoding="utf-8"?>
+<p:sld xmlns:a="http://schemas.openxmlformats.org/drawingml/2006/main" xmlns:r="http://schemas.openxmlformats.org/officeDocument/2006/relationships" xmlns:p="http://schemas.openxmlformats.org/presentationml/2006/main">
+  <p:cSld>
+    <p:spTree>
+      <p:nvGrpSpPr>
+        <p:cNvPr id="1" name=""/>
+        <p:cNvGrpSpPr/>
+        <p:nvPr/>
+      </p:nvGrpSpPr>
+      <p:grpSpPr>
+        <a:xfrm>
+          <a:off x="0" y="0"/>
+          <a:ext cx="0" cy="0"/>
+          <a:chOff x="0" y="0"/>
+          <a:chExt cx="0" cy="0"/>
+        </a:xfrm>
+      </p:grpSpPr>
+      <p:sp>
+        <p:nvSpPr>
+          <p:cNvPr id="2" name="Title 1">
+            <a:extLst>
+              <a:ext uri="{FF2B5EF4-FFF2-40B4-BE49-F238E27FC236}">
+                <a16:creationId xmlns:a16="http://schemas.microsoft.com/office/drawing/2014/main" id="{52E04EB1-290D-E647-B684-F8A3D3B280EE}"/>
+              </a:ext>
+            </a:extLst>
+          </p:cNvPr>
+          <p:cNvSpPr>
+            <a:spLocks noGrp="1"/>
+          </p:cNvSpPr>
+          <p:nvPr>
+            <p:ph type="title"/>
+          </p:nvPr>
+        </p:nvSpPr>
+        <p:spPr/>
+        <p:txBody>
+          <a:bodyPr/>
+          <a:lstStyle/>
+          <a:p>
+            <a:r>
+              <a:rPr lang="en-US" dirty="0"/>
+              <a:t>Discussion Topic</a:t>
+            </a:r>
+          </a:p>
+        </p:txBody>
+      </p:sp>
+      <p:sp>
+        <p:nvSpPr>
+          <p:cNvPr id="3" name="Text Placeholder 2">
+            <a:extLst>
+              <a:ext uri="{FF2B5EF4-FFF2-40B4-BE49-F238E27FC236}">
+                <a16:creationId xmlns:a16="http://schemas.microsoft.com/office/drawing/2014/main" id="{73DF5889-4B8C-7449-87CD-1929C07EE849}"/>
+              </a:ext>
+            </a:extLst>
+          </p:cNvPr>
+          <p:cNvSpPr>
+            <a:spLocks noGrp="1"/>
+          </p:cNvSpPr>
+          <p:nvPr>
+            <p:ph type="body" idx="1"/>
+          </p:nvPr>
+        </p:nvSpPr>
+        <p:spPr/>
+        <p:txBody>
+          <a:bodyPr/>
+          <a:lstStyle/>
+          <a:p>
+            <a:pPr marL="76200" indent="0">
+              <a:buNone/>
+            </a:pPr>
+            <a:endParaRPr lang="en-US" dirty="0"/>
+          </a:p>
+          <a:p>
+            <a:pPr marL="76200" indent="0">
+              <a:buNone/>
+            </a:pPr>
+            <a:endParaRPr lang="en-US" dirty="0"/>
+          </a:p>
+          <a:p>
+            <a:pPr marL="76200" indent="0">
+              <a:buNone/>
+            </a:pPr>
+            <a:r>
+              <a:rPr lang="en-US" sz="3200" dirty="0"/>
+              <a:t>What types of common mismatch errors might affect groups differently, resulting in downstream fairness impacts?</a:t>
+            </a:r>
+            <a:endParaRPr lang="en-US" dirty="0"/>
+          </a:p>
+        </p:txBody>
+      </p:sp>
+    </p:spTree>
+    <p:extLst>
+      <p:ext uri="{BB962C8B-B14F-4D97-AF65-F5344CB8AC3E}">
+        <p14:creationId xmlns:p14="http://schemas.microsoft.com/office/powerpoint/2010/main" val="2960122765"/>
+      </p:ext>
+    </p:extLst>
+  </p:cSld>
+  <p:clrMapOvr>
+    <a:masterClrMapping/>
+  </p:clrMapOvr>
+</p:sld>
+</file>
+
+<file path=ppt/slides/slide12.xml><?xml version="1.0" encoding="utf-8"?>
+<p:sld xmlns:a="http://schemas.openxmlformats.org/drawingml/2006/main" xmlns:r="http://schemas.openxmlformats.org/officeDocument/2006/relationships" xmlns:p="http://schemas.openxmlformats.org/presentationml/2006/main">
+  <p:cSld>
+    <p:spTree>
+      <p:nvGrpSpPr>
+        <p:cNvPr id="1" name=""/>
+        <p:cNvGrpSpPr/>
+        <p:nvPr/>
+      </p:nvGrpSpPr>
+      <p:grpSpPr>
+        <a:xfrm>
+          <a:off x="0" y="0"/>
+          <a:ext cx="0" cy="0"/>
+          <a:chOff x="0" y="0"/>
+          <a:chExt cx="0" cy="0"/>
+        </a:xfrm>
+      </p:grpSpPr>
+      <p:sp>
+        <p:nvSpPr>
+          <p:cNvPr id="2" name="Title 1"/>
+          <p:cNvSpPr>
+            <a:spLocks noGrp="1"/>
+          </p:cNvSpPr>
+          <p:nvPr>
+            <p:ph type="title"/>
+          </p:nvPr>
+        </p:nvSpPr>
+        <p:spPr/>
+        <p:txBody>
+          <a:bodyPr/>
+          <a:lstStyle/>
+          <a:p>
+            <a:r>
+              <a:rPr lang="en-US" dirty="0"/>
+              <a:t>Factors to consider</a:t>
+            </a:r>
+          </a:p>
+        </p:txBody>
+      </p:sp>
+      <p:sp>
+        <p:nvSpPr>
+          <p:cNvPr id="3" name="Content Placeholder 2"/>
+          <p:cNvSpPr>
+            <a:spLocks noGrp="1"/>
+          </p:cNvSpPr>
+          <p:nvPr>
+            <p:ph type="body" idx="1"/>
+          </p:nvPr>
+        </p:nvSpPr>
+        <p:spPr/>
+        <p:txBody>
+          <a:bodyPr>
+            <a:normAutofit fontScale="77500" lnSpcReduction="20000"/>
+          </a:bodyPr>
+          <a:lstStyle/>
+          <a:p>
+            <a:r>
+              <a:rPr lang="en-US" dirty="0" err="1"/>
+              <a:t>Deduping</a:t>
+            </a:r>
+            <a:r>
+              <a:rPr lang="en-US" dirty="0"/>
+              <a:t> or Linkage</a:t>
+            </a:r>
+          </a:p>
+          <a:p>
+            <a:pPr lvl="1"/>
+            <a:r>
+              <a:rPr lang="en-US" dirty="0"/>
+              <a:t>1-1 or 1-many or many-1</a:t>
+            </a:r>
+          </a:p>
+          <a:p>
+            <a:pPr lvl="1"/>
+            <a:endParaRPr lang="en-US" dirty="0"/>
+          </a:p>
+          <a:p>
+            <a:r>
+              <a:rPr lang="en-US" dirty="0"/>
+              <a:t>Rule-based or ML based</a:t>
+            </a:r>
+          </a:p>
+          <a:p>
+            <a:pPr lvl="1"/>
+            <a:r>
+              <a:rPr lang="en-US" dirty="0"/>
+              <a:t>Do you have labeled training data?</a:t>
+            </a:r>
+          </a:p>
+          <a:p>
+            <a:pPr lvl="1"/>
+            <a:endParaRPr lang="en-US" dirty="0"/>
+          </a:p>
+          <a:p>
+            <a:r>
+              <a:rPr lang="en-US" dirty="0"/>
+              <a:t>Domain specific or generic similarity metrics?</a:t>
+            </a:r>
+          </a:p>
+          <a:p>
+            <a:endParaRPr lang="en-US" dirty="0"/>
+          </a:p>
+          <a:p>
+            <a:r>
+              <a:rPr lang="en-US" dirty="0"/>
+              <a:t>Evaluation metric</a:t>
+            </a:r>
+          </a:p>
+          <a:p>
+            <a:pPr lvl="1"/>
+            <a:r>
+              <a:rPr lang="en-US" dirty="0"/>
+              <a:t>Precision or recall</a:t>
+            </a:r>
+          </a:p>
+          <a:p>
+            <a:pPr lvl="1"/>
+            <a:r>
+              <a:rPr lang="en-US" dirty="0"/>
+              <a:t>Task-specific - Implications on future analysis (bias for example)</a:t>
+            </a:r>
+          </a:p>
+        </p:txBody>
+      </p:sp>
+    </p:spTree>
+    <p:extLst>
+      <p:ext uri="{BB962C8B-B14F-4D97-AF65-F5344CB8AC3E}">
+        <p14:creationId xmlns:p14="http://schemas.microsoft.com/office/powerpoint/2010/main" val="562180733"/>
+      </p:ext>
+    </p:extLst>
+  </p:cSld>
+  <p:clrMapOvr>
+    <a:masterClrMapping/>
+  </p:clrMapOvr>
+</p:sld>
+</file>
+
+<file path=ppt/slides/slide13.xml><?xml version="1.0" encoding="utf-8"?>
+<p:sld xmlns:a="http://schemas.openxmlformats.org/drawingml/2006/main" xmlns:r="http://schemas.openxmlformats.org/officeDocument/2006/relationships" xmlns:p="http://schemas.openxmlformats.org/presentationml/2006/main">
+  <p:cSld>
+    <p:spTree>
+      <p:nvGrpSpPr>
+        <p:cNvPr id="1" name=""/>
+        <p:cNvGrpSpPr/>
+        <p:nvPr/>
+      </p:nvGrpSpPr>
+      <p:grpSpPr>
+        <a:xfrm>
+          <a:off x="0" y="0"/>
+          <a:ext cx="0" cy="0"/>
+          <a:chOff x="0" y="0"/>
+          <a:chExt cx="0" cy="0"/>
+        </a:xfrm>
+      </p:grpSpPr>
+      <p:sp>
+        <p:nvSpPr>
+          <p:cNvPr id="9218" name="Rectangle 2"/>
+          <p:cNvSpPr>
+            <a:spLocks noGrp="1" noChangeArrowheads="1"/>
+          </p:cNvSpPr>
+          <p:nvPr>
+            <p:ph type="title"/>
+          </p:nvPr>
+        </p:nvSpPr>
+        <p:spPr/>
+        <p:txBody>
+          <a:bodyPr/>
+          <a:lstStyle/>
+          <a:p>
+            <a:r>
+              <a:rPr lang="en-US" altLang="en-US" dirty="0"/>
+              <a:t>Approaches</a:t>
+            </a:r>
+          </a:p>
+        </p:txBody>
+      </p:sp>
+      <p:sp>
+        <p:nvSpPr>
+          <p:cNvPr id="9219" name="Rectangle 3"/>
+          <p:cNvSpPr>
+            <a:spLocks noGrp="1" noChangeArrowheads="1"/>
+          </p:cNvSpPr>
+          <p:nvPr>
+            <p:ph type="body" idx="1"/>
+          </p:nvPr>
+        </p:nvSpPr>
+        <p:spPr/>
+        <p:txBody>
+          <a:bodyPr>
+            <a:normAutofit/>
+          </a:bodyPr>
+          <a:lstStyle/>
+          <a:p>
+            <a:r>
+              <a:rPr lang="en-US" altLang="en-US" dirty="0"/>
+              <a:t>Exact matching</a:t>
+            </a:r>
+          </a:p>
+          <a:p>
+            <a:r>
+              <a:rPr lang="en-US" altLang="en-US" dirty="0"/>
+              <a:t>Rule-based</a:t>
+            </a:r>
+          </a:p>
+          <a:p>
+            <a:r>
+              <a:rPr lang="en-US" altLang="en-US" dirty="0"/>
+              <a:t>Probabilistic linkage</a:t>
+            </a:r>
+          </a:p>
+        </p:txBody>
+      </p:sp>
+    </p:spTree>
+    <p:extLst>
+      <p:ext uri="{BB962C8B-B14F-4D97-AF65-F5344CB8AC3E}">
+        <p14:creationId xmlns:p14="http://schemas.microsoft.com/office/powerpoint/2010/main" val="2383065332"/>
+      </p:ext>
+    </p:extLst>
+  </p:cSld>
+  <p:clrMapOvr>
+    <a:masterClrMapping/>
+  </p:clrMapOvr>
+</p:sld>
+</file>
+
+<file path=ppt/slides/slide14.xml><?xml version="1.0" encoding="utf-8"?>
+<p:sld xmlns:a="http://schemas.openxmlformats.org/drawingml/2006/main" xmlns:r="http://schemas.openxmlformats.org/officeDocument/2006/relationships" xmlns:p="http://schemas.openxmlformats.org/presentationml/2006/main">
+  <p:cSld>
+    <p:spTree>
+      <p:nvGrpSpPr>
+        <p:cNvPr id="1" name=""/>
+        <p:cNvGrpSpPr/>
+        <p:nvPr/>
+      </p:nvGrpSpPr>
+      <p:grpSpPr>
+        <a:xfrm>
+          <a:off x="0" y="0"/>
+          <a:ext cx="0" cy="0"/>
+          <a:chOff x="0" y="0"/>
+          <a:chExt cx="0" cy="0"/>
+        </a:xfrm>
+      </p:grpSpPr>
+      <p:sp>
+        <p:nvSpPr>
+          <p:cNvPr id="2" name="Title 1"/>
+          <p:cNvSpPr>
+            <a:spLocks noGrp="1"/>
+          </p:cNvSpPr>
+          <p:nvPr>
+            <p:ph type="title"/>
+          </p:nvPr>
+        </p:nvSpPr>
+        <p:spPr/>
+        <p:txBody>
+          <a:bodyPr/>
+          <a:lstStyle/>
+          <a:p>
+            <a:r>
+              <a:rPr lang="en-US" dirty="0"/>
+              <a:t>When are two records about the same entity?</a:t>
+            </a:r>
+          </a:p>
+        </p:txBody>
+      </p:sp>
+      <p:sp>
+        <p:nvSpPr>
+          <p:cNvPr id="3" name="Content Placeholder 2"/>
+          <p:cNvSpPr>
+            <a:spLocks noGrp="1"/>
+          </p:cNvSpPr>
+          <p:nvPr>
+            <p:ph type="body" idx="1"/>
+          </p:nvPr>
+        </p:nvSpPr>
+        <p:spPr/>
+        <p:txBody>
+          <a:bodyPr/>
+          <a:lstStyle/>
+          <a:p>
+            <a:r>
+              <a:rPr lang="en-US" dirty="0"/>
+              <a:t>Examples of possible similarity metrics</a:t>
+            </a:r>
+          </a:p>
+          <a:p>
+            <a:pPr lvl="1"/>
+            <a:r>
+              <a:rPr lang="en-US" dirty="0"/>
+              <a:t>Edit distance</a:t>
+            </a:r>
+          </a:p>
+          <a:p>
+            <a:pPr lvl="1"/>
+            <a:r>
+              <a:rPr lang="en-US" dirty="0" err="1"/>
+              <a:t>Soundex</a:t>
+            </a:r>
+            <a:endParaRPr lang="en-US" dirty="0"/>
+          </a:p>
+          <a:p>
+            <a:endParaRPr lang="en-US" dirty="0"/>
+          </a:p>
+        </p:txBody>
+      </p:sp>
+    </p:spTree>
+    <p:extLst>
+      <p:ext uri="{BB962C8B-B14F-4D97-AF65-F5344CB8AC3E}">
+        <p14:creationId xmlns:p14="http://schemas.microsoft.com/office/powerpoint/2010/main" val="32033496"/>
+      </p:ext>
+    </p:extLst>
+  </p:cSld>
+  <p:clrMapOvr>
+    <a:masterClrMapping/>
+  </p:clrMapOvr>
+</p:sld>
+</file>
+
+<file path=ppt/slides/slide15.xml><?xml version="1.0" encoding="utf-8"?>
+<p:sld xmlns:a="http://schemas.openxmlformats.org/drawingml/2006/main" xmlns:r="http://schemas.openxmlformats.org/officeDocument/2006/relationships" xmlns:p="http://schemas.openxmlformats.org/presentationml/2006/main">
+  <p:cSld>
+    <p:spTree>
+      <p:nvGrpSpPr>
+        <p:cNvPr id="1" name=""/>
+        <p:cNvGrpSpPr/>
+        <p:nvPr/>
+      </p:nvGrpSpPr>
+      <p:grpSpPr>
+        <a:xfrm>
+          <a:off x="0" y="0"/>
+          <a:ext cx="0" cy="0"/>
+          <a:chOff x="0" y="0"/>
+          <a:chExt cx="0" cy="0"/>
+        </a:xfrm>
+      </p:grpSpPr>
+      <p:sp>
+        <p:nvSpPr>
+          <p:cNvPr id="2" name="Title 1"/>
+          <p:cNvSpPr>
+            <a:spLocks noGrp="1"/>
+          </p:cNvSpPr>
+          <p:nvPr>
+            <p:ph type="title"/>
+          </p:nvPr>
+        </p:nvSpPr>
+        <p:spPr/>
+        <p:txBody>
+          <a:bodyPr/>
+          <a:lstStyle/>
+          <a:p>
+            <a:r>
+              <a:rPr lang="en-US" dirty="0"/>
+              <a:t>“Fuzzy” Matching System	</a:t>
+            </a:r>
+          </a:p>
+        </p:txBody>
+      </p:sp>
+      <p:sp>
+        <p:nvSpPr>
+          <p:cNvPr id="3" name="Content Placeholder 2"/>
+          <p:cNvSpPr>
+            <a:spLocks noGrp="1"/>
+          </p:cNvSpPr>
+          <p:nvPr>
+            <p:ph type="body" idx="1"/>
+          </p:nvPr>
+        </p:nvSpPr>
+        <p:spPr/>
+        <p:txBody>
+          <a:bodyPr/>
+          <a:lstStyle/>
+          <a:p>
+            <a:r>
+              <a:rPr lang="en-US" dirty="0"/>
+              <a:t>Apply set of cascading rules</a:t>
+            </a:r>
+          </a:p>
+          <a:p>
+            <a:r>
+              <a:rPr lang="en-US" dirty="0"/>
+              <a:t>Assign confidence score based on which rules fire</a:t>
+            </a:r>
+          </a:p>
+        </p:txBody>
+      </p:sp>
+    </p:spTree>
+    <p:extLst>
+      <p:ext uri="{BB962C8B-B14F-4D97-AF65-F5344CB8AC3E}">
+        <p14:creationId xmlns:p14="http://schemas.microsoft.com/office/powerpoint/2010/main" val="2363932908"/>
+      </p:ext>
+    </p:extLst>
+  </p:cSld>
+  <p:clrMapOvr>
+    <a:masterClrMapping/>
+  </p:clrMapOvr>
+</p:sld>
+</file>
+
+<file path=ppt/slides/slide16.xml><?xml version="1.0" encoding="utf-8"?>
+<p:sld xmlns:a="http://schemas.openxmlformats.org/drawingml/2006/main" xmlns:r="http://schemas.openxmlformats.org/officeDocument/2006/relationships" xmlns:p="http://schemas.openxmlformats.org/presentationml/2006/main">
+  <p:cSld>
+    <p:spTree>
+      <p:nvGrpSpPr>
+        <p:cNvPr id="1" name=""/>
+        <p:cNvGrpSpPr/>
+        <p:nvPr/>
+      </p:nvGrpSpPr>
+      <p:grpSpPr>
+        <a:xfrm>
+          <a:off x="0" y="0"/>
+          <a:ext cx="0" cy="0"/>
+          <a:chOff x="0" y="0"/>
+          <a:chExt cx="0" cy="0"/>
+        </a:xfrm>
+      </p:grpSpPr>
+      <p:sp>
+        <p:nvSpPr>
+          <p:cNvPr id="35842" name="Rectangle 2"/>
+          <p:cNvSpPr>
+            <a:spLocks noGrp="1" noChangeArrowheads="1"/>
+          </p:cNvSpPr>
+          <p:nvPr>
+            <p:ph type="title"/>
+          </p:nvPr>
+        </p:nvSpPr>
+        <p:spPr/>
+        <p:txBody>
+          <a:bodyPr/>
+          <a:lstStyle/>
+          <a:p>
+            <a:r>
+              <a:rPr lang="en-US" altLang="en-US" dirty="0"/>
+              <a:t>How do we not compare every pair?</a:t>
+            </a:r>
+          </a:p>
+        </p:txBody>
+      </p:sp>
+      <p:sp>
+        <p:nvSpPr>
+          <p:cNvPr id="35843" name="Rectangle 3"/>
+          <p:cNvSpPr>
+            <a:spLocks noGrp="1" noChangeArrowheads="1"/>
+          </p:cNvSpPr>
+          <p:nvPr>
+            <p:ph type="body" idx="1"/>
+          </p:nvPr>
+        </p:nvSpPr>
+        <p:spPr/>
+        <p:txBody>
+          <a:bodyPr/>
+          <a:lstStyle/>
+          <a:p>
+            <a:pPr>
+              <a:lnSpc>
+                <a:spcPct val="90000"/>
+              </a:lnSpc>
+            </a:pPr>
+            <a:r>
+              <a:rPr lang="en-US" altLang="en-US" sz="2800" dirty="0"/>
+              <a:t>How do we avoid looking at |A| * |B| pairs?</a:t>
+            </a:r>
+          </a:p>
+          <a:p>
+            <a:pPr>
+              <a:lnSpc>
+                <a:spcPct val="90000"/>
+              </a:lnSpc>
+            </a:pPr>
+            <a:r>
+              <a:rPr lang="en-US" altLang="en-US" sz="2800" i="1" dirty="0"/>
+              <a:t>Blocking: </a:t>
+            </a:r>
+            <a:r>
+              <a:rPr lang="en-US" altLang="en-US" sz="2800" dirty="0"/>
+              <a:t>choose a smaller set of pairs that will contain all or most matches.  </a:t>
+            </a:r>
+          </a:p>
+          <a:p>
+            <a:pPr lvl="1">
+              <a:lnSpc>
+                <a:spcPct val="90000"/>
+              </a:lnSpc>
+            </a:pPr>
+            <a:r>
+              <a:rPr lang="en-US" altLang="en-US" sz="2400" dirty="0"/>
+              <a:t>Simple blocking:  compare all pairs that “hash” to the same value (e.g., same </a:t>
+            </a:r>
+            <a:r>
+              <a:rPr lang="en-US" altLang="en-US" sz="2400" dirty="0" err="1"/>
+              <a:t>Soundex</a:t>
+            </a:r>
+            <a:r>
+              <a:rPr lang="en-US" altLang="en-US" sz="2400" dirty="0"/>
+              <a:t> code for last name, same birth year)</a:t>
+            </a:r>
+          </a:p>
+          <a:p>
+            <a:pPr lvl="1">
+              <a:lnSpc>
+                <a:spcPct val="90000"/>
+              </a:lnSpc>
+            </a:pPr>
+            <a:r>
+              <a:rPr lang="en-US" altLang="en-US" sz="2400" dirty="0"/>
+              <a:t>Extensions (to increase </a:t>
+            </a:r>
+            <a:r>
+              <a:rPr lang="en-US" altLang="en-US" sz="2400" i="1" dirty="0"/>
+              <a:t>recall </a:t>
+            </a:r>
+            <a:r>
+              <a:rPr lang="en-US" altLang="en-US" sz="2400" dirty="0"/>
+              <a:t>of set of pairs):</a:t>
+            </a:r>
+          </a:p>
+          <a:p>
+            <a:pPr lvl="2">
+              <a:lnSpc>
+                <a:spcPct val="90000"/>
+              </a:lnSpc>
+            </a:pPr>
+            <a:r>
+              <a:rPr lang="en-US" altLang="en-US" sz="2000" dirty="0"/>
+              <a:t>Block on </a:t>
+            </a:r>
+            <a:r>
+              <a:rPr lang="en-US" altLang="en-US" sz="2000" i="1" dirty="0"/>
+              <a:t>multiple</a:t>
+            </a:r>
+            <a:r>
+              <a:rPr lang="en-US" altLang="en-US" sz="2000" dirty="0"/>
+              <a:t> attributes (</a:t>
+            </a:r>
+            <a:r>
+              <a:rPr lang="en-US" altLang="en-US" sz="2000" dirty="0" err="1"/>
+              <a:t>soundex</a:t>
+            </a:r>
+            <a:r>
+              <a:rPr lang="en-US" altLang="en-US" sz="2000" dirty="0"/>
+              <a:t>, zip code) and take union of all pairs found.</a:t>
+            </a:r>
+          </a:p>
+          <a:p>
+            <a:pPr lvl="2">
+              <a:lnSpc>
+                <a:spcPct val="90000"/>
+              </a:lnSpc>
+            </a:pPr>
+            <a:r>
+              <a:rPr lang="en-US" altLang="en-US" sz="2000" i="1" dirty="0"/>
+              <a:t>Windowing:</a:t>
+            </a:r>
+            <a:r>
+              <a:rPr lang="en-US" altLang="en-US" sz="2000" dirty="0"/>
+              <a:t> Pick (numerically or lexically) </a:t>
+            </a:r>
+            <a:r>
+              <a:rPr lang="en-US" altLang="en-US" sz="2000" i="1" dirty="0"/>
+              <a:t>ordered</a:t>
+            </a:r>
+            <a:r>
+              <a:rPr lang="en-US" altLang="en-US" sz="2000" dirty="0"/>
+              <a:t> attributes and sort (e.g., sort on last name).  The pick all pairs that appear “near” each other in the sorted order.</a:t>
+            </a:r>
+          </a:p>
+        </p:txBody>
+      </p:sp>
+    </p:spTree>
+    <p:extLst>
+      <p:ext uri="{BB962C8B-B14F-4D97-AF65-F5344CB8AC3E}">
+        <p14:creationId xmlns:p14="http://schemas.microsoft.com/office/powerpoint/2010/main" val="3772462634"/>
+      </p:ext>
+    </p:extLst>
+  </p:cSld>
+  <p:clrMapOvr>
+    <a:masterClrMapping/>
+  </p:clrMapOvr>
+</p:sld>
+</file>
+
+<file path=ppt/slides/slide17.xml><?xml version="1.0" encoding="utf-8"?>
+<p:sld xmlns:a="http://schemas.openxmlformats.org/drawingml/2006/main" xmlns:r="http://schemas.openxmlformats.org/officeDocument/2006/relationships" xmlns:p="http://schemas.openxmlformats.org/presentationml/2006/main">
+  <p:cSld>
+    <p:spTree>
+      <p:nvGrpSpPr>
+        <p:cNvPr id="1" name=""/>
+        <p:cNvGrpSpPr/>
+        <p:nvPr/>
+      </p:nvGrpSpPr>
+      <p:grpSpPr>
+        <a:xfrm>
+          <a:off x="0" y="0"/>
+          <a:ext cx="0" cy="0"/>
+          <a:chOff x="0" y="0"/>
+          <a:chExt cx="0" cy="0"/>
+        </a:xfrm>
+      </p:grpSpPr>
+      <p:sp>
+        <p:nvSpPr>
+          <p:cNvPr id="2" name="Title 1"/>
+          <p:cNvSpPr>
+            <a:spLocks noGrp="1"/>
+          </p:cNvSpPr>
+          <p:nvPr>
+            <p:ph type="title"/>
+          </p:nvPr>
+        </p:nvSpPr>
+        <p:spPr/>
+        <p:txBody>
+          <a:bodyPr/>
+          <a:lstStyle/>
+          <a:p>
+            <a:r>
+              <a:rPr lang="en-US" dirty="0"/>
+              <a:t>Machine Learning based Record Linkage</a:t>
+            </a:r>
+          </a:p>
+        </p:txBody>
+      </p:sp>
+      <p:sp>
+        <p:nvSpPr>
+          <p:cNvPr id="3" name="Content Placeholder 2"/>
+          <p:cNvSpPr>
+            <a:spLocks noGrp="1"/>
+          </p:cNvSpPr>
+          <p:nvPr>
+            <p:ph type="body" idx="1"/>
+          </p:nvPr>
+        </p:nvSpPr>
+        <p:spPr/>
+        <p:txBody>
+          <a:bodyPr/>
+          <a:lstStyle/>
+          <a:p>
+            <a:r>
+              <a:rPr lang="en-US" dirty="0"/>
+              <a:t>Generate training data</a:t>
+            </a:r>
+          </a:p>
+          <a:p>
+            <a:pPr lvl="1"/>
+            <a:r>
+              <a:rPr lang="en-US" dirty="0"/>
+              <a:t>Label pairs as match/no match</a:t>
+            </a:r>
+          </a:p>
+          <a:p>
+            <a:pPr lvl="1"/>
+            <a:endParaRPr lang="en-US" dirty="0"/>
+          </a:p>
+          <a:p>
+            <a:r>
+              <a:rPr lang="en-US" dirty="0"/>
+              <a:t>Generate features over each pair</a:t>
+            </a:r>
+          </a:p>
+          <a:p>
+            <a:pPr lvl="1"/>
+            <a:r>
+              <a:rPr lang="en-US" dirty="0"/>
+              <a:t>Distance metrics over different attributes (</a:t>
+            </a:r>
+            <a:r>
+              <a:rPr lang="en-US" dirty="0" err="1"/>
+              <a:t>fname</a:t>
+            </a:r>
+            <a:r>
+              <a:rPr lang="en-US" dirty="0"/>
+              <a:t>, </a:t>
+            </a:r>
+            <a:r>
+              <a:rPr lang="en-US" dirty="0" err="1"/>
+              <a:t>lname</a:t>
+            </a:r>
+            <a:r>
+              <a:rPr lang="en-US" dirty="0"/>
+              <a:t>, dob, etc.)</a:t>
+            </a:r>
+          </a:p>
+          <a:p>
+            <a:pPr lvl="1"/>
+            <a:r>
+              <a:rPr lang="en-US" dirty="0" err="1"/>
+              <a:t>Tfidf</a:t>
+            </a:r>
+            <a:r>
+              <a:rPr lang="en-US" dirty="0"/>
+              <a:t> scores</a:t>
+            </a:r>
+          </a:p>
+          <a:p>
+            <a:pPr lvl="1"/>
+            <a:endParaRPr lang="en-US" dirty="0"/>
+          </a:p>
+          <a:p>
+            <a:r>
+              <a:rPr lang="en-US" dirty="0"/>
+              <a:t>Build and evaluate classifiers</a:t>
+            </a:r>
+          </a:p>
+        </p:txBody>
+      </p:sp>
+    </p:spTree>
+    <p:extLst>
+      <p:ext uri="{BB962C8B-B14F-4D97-AF65-F5344CB8AC3E}">
+        <p14:creationId xmlns:p14="http://schemas.microsoft.com/office/powerpoint/2010/main" val="1221298556"/>
+      </p:ext>
+    </p:extLst>
+  </p:cSld>
+  <p:clrMapOvr>
+    <a:masterClrMapping/>
+  </p:clrMapOvr>
+</p:sld>
+</file>
+
+<file path=ppt/slides/slide18.xml><?xml version="1.0" encoding="utf-8"?>
+<p:sld xmlns:a="http://schemas.openxmlformats.org/drawingml/2006/main" xmlns:r="http://schemas.openxmlformats.org/officeDocument/2006/relationships" xmlns:p="http://schemas.openxmlformats.org/presentationml/2006/main">
+  <p:cSld>
+    <p:spTree>
+      <p:nvGrpSpPr>
+        <p:cNvPr id="1" name=""/>
+        <p:cNvGrpSpPr/>
+        <p:nvPr/>
+      </p:nvGrpSpPr>
+      <p:grpSpPr>
+        <a:xfrm>
+          <a:off x="0" y="0"/>
+          <a:ext cx="0" cy="0"/>
+          <a:chOff x="0" y="0"/>
+          <a:chExt cx="0" cy="0"/>
+        </a:xfrm>
+      </p:grpSpPr>
+      <p:sp>
+        <p:nvSpPr>
+          <p:cNvPr id="2" name="Title 1">
+            <a:extLst>
+              <a:ext uri="{FF2B5EF4-FFF2-40B4-BE49-F238E27FC236}">
+                <a16:creationId xmlns:a16="http://schemas.microsoft.com/office/drawing/2014/main" id="{14850FF5-E8EC-234D-805C-399C5033051A}"/>
+              </a:ext>
+            </a:extLst>
+          </p:cNvPr>
+          <p:cNvSpPr>
+            <a:spLocks noGrp="1"/>
+          </p:cNvSpPr>
+          <p:nvPr>
+            <p:ph type="title"/>
+          </p:nvPr>
+        </p:nvSpPr>
+        <p:spPr/>
+        <p:txBody>
+          <a:bodyPr/>
+          <a:lstStyle/>
+          <a:p>
+            <a:r>
+              <a:rPr lang="en-US" dirty="0"/>
+              <a:t>One-off versus recurring matching</a:t>
+            </a:r>
+          </a:p>
+        </p:txBody>
+      </p:sp>
+      <p:sp>
+        <p:nvSpPr>
+          <p:cNvPr id="3" name="Text Placeholder 2">
+            <a:extLst>
+              <a:ext uri="{FF2B5EF4-FFF2-40B4-BE49-F238E27FC236}">
+                <a16:creationId xmlns:a16="http://schemas.microsoft.com/office/drawing/2014/main" id="{0CD32BE4-76DA-C042-A3E3-35B452F39303}"/>
+              </a:ext>
+            </a:extLst>
+          </p:cNvPr>
+          <p:cNvSpPr>
+            <a:spLocks noGrp="1"/>
+          </p:cNvSpPr>
+          <p:nvPr>
+            <p:ph type="body" idx="1"/>
+          </p:nvPr>
+        </p:nvSpPr>
+        <p:spPr/>
+        <p:txBody>
+          <a:bodyPr/>
+          <a:lstStyle/>
+          <a:p>
+            <a:r>
+              <a:rPr lang="en-US" dirty="0"/>
+              <a:t>Unique identifiers: persistence?</a:t>
+            </a:r>
+          </a:p>
+          <a:p>
+            <a:endParaRPr lang="en-US" dirty="0"/>
+          </a:p>
+          <a:p>
+            <a:r>
+              <a:rPr lang="en-US" dirty="0"/>
+              <a:t>What do we do with new or changed pairs?</a:t>
+            </a:r>
+          </a:p>
+        </p:txBody>
+      </p:sp>
+    </p:spTree>
+    <p:extLst>
+      <p:ext uri="{BB962C8B-B14F-4D97-AF65-F5344CB8AC3E}">
+        <p14:creationId xmlns:p14="http://schemas.microsoft.com/office/powerpoint/2010/main" val="834575629"/>
+      </p:ext>
+    </p:extLst>
+  </p:cSld>
+  <p:clrMapOvr>
+    <a:masterClrMapping/>
+  </p:clrMapOvr>
+</p:sld>
+</file>
+
+<file path=ppt/slides/slide19.xml><?xml version="1.0" encoding="utf-8"?>
+<p:sld xmlns:a="http://schemas.openxmlformats.org/drawingml/2006/main" xmlns:r="http://schemas.openxmlformats.org/officeDocument/2006/relationships" xmlns:p="http://schemas.openxmlformats.org/presentationml/2006/main">
+  <p:cSld>
+    <p:spTree>
+      <p:nvGrpSpPr>
+        <p:cNvPr id="1" name=""/>
+        <p:cNvGrpSpPr/>
+        <p:nvPr/>
+      </p:nvGrpSpPr>
+      <p:grpSpPr>
+        <a:xfrm>
+          <a:off x="0" y="0"/>
+          <a:ext cx="0" cy="0"/>
+          <a:chOff x="0" y="0"/>
+          <a:chExt cx="0" cy="0"/>
+        </a:xfrm>
+      </p:grpSpPr>
+      <p:sp>
+        <p:nvSpPr>
+          <p:cNvPr id="3" name="Title 2">
+            <a:extLst>
+              <a:ext uri="{FF2B5EF4-FFF2-40B4-BE49-F238E27FC236}">
+                <a16:creationId xmlns:a16="http://schemas.microsoft.com/office/drawing/2014/main" id="{9323871C-7CA8-1448-8FFC-1AE6E1838941}"/>
+              </a:ext>
+            </a:extLst>
+          </p:cNvPr>
+          <p:cNvSpPr>
+            <a:spLocks noGrp="1"/>
+          </p:cNvSpPr>
+          <p:nvPr>
+            <p:ph type="title"/>
+          </p:nvPr>
+        </p:nvSpPr>
+        <p:spPr/>
+        <p:txBody>
+          <a:bodyPr/>
+          <a:lstStyle/>
+          <a:p>
+            <a:r>
+              <a:rPr lang="en-US" dirty="0"/>
+              <a:t>Things to remember</a:t>
+            </a:r>
+          </a:p>
+        </p:txBody>
+      </p:sp>
+      <p:sp>
+        <p:nvSpPr>
+          <p:cNvPr id="4" name="Text Placeholder 3">
+            <a:extLst>
+              <a:ext uri="{FF2B5EF4-FFF2-40B4-BE49-F238E27FC236}">
+                <a16:creationId xmlns:a16="http://schemas.microsoft.com/office/drawing/2014/main" id="{5E600BA7-FA45-884F-9820-9E5F2CB7AA48}"/>
+              </a:ext>
+            </a:extLst>
+          </p:cNvPr>
+          <p:cNvSpPr>
+            <a:spLocks noGrp="1"/>
+          </p:cNvSpPr>
+          <p:nvPr>
+            <p:ph type="body" idx="1"/>
+          </p:nvPr>
+        </p:nvSpPr>
+        <p:spPr/>
+        <p:txBody>
+          <a:bodyPr/>
+          <a:lstStyle/>
+          <a:p>
+            <a:r>
+              <a:rPr lang="en-US" b="1" dirty="0"/>
+              <a:t>Make sure and check that you can access your project data today</a:t>
+            </a:r>
+            <a:br>
+              <a:rPr lang="en-US" b="1" dirty="0"/>
+            </a:br>
+            <a:endParaRPr lang="en-US" b="1" dirty="0"/>
+          </a:p>
+          <a:p>
+            <a:r>
+              <a:rPr lang="en-US" dirty="0"/>
+              <a:t>What’s coming next week:</a:t>
+            </a:r>
+          </a:p>
+          <a:p>
+            <a:pPr lvl="1">
+              <a:spcBef>
+                <a:spcPts val="1000"/>
+              </a:spcBef>
+            </a:pPr>
+            <a:r>
+              <a:rPr lang="en-US" dirty="0"/>
+              <a:t>Monday: quick assignment to check database connection</a:t>
+            </a:r>
+          </a:p>
+          <a:p>
+            <a:pPr lvl="1">
+              <a:spcBef>
+                <a:spcPts val="1000"/>
+              </a:spcBef>
+            </a:pPr>
+            <a:r>
+              <a:rPr lang="en-US" dirty="0"/>
+              <a:t>Tuesday: weekly feedback form</a:t>
+            </a:r>
+          </a:p>
+          <a:p>
+            <a:pPr lvl="1">
+              <a:spcBef>
+                <a:spcPts val="1000"/>
+              </a:spcBef>
+            </a:pPr>
+            <a:r>
+              <a:rPr lang="en-US" dirty="0"/>
+              <a:t>Tuesday: Data Exploration + Teamwork</a:t>
+            </a:r>
+          </a:p>
+          <a:p>
+            <a:endParaRPr lang="en-US"/>
+          </a:p>
+          <a:p>
+            <a:r>
+              <a:rPr lang="en-US"/>
+              <a:t>Make </a:t>
+            </a:r>
+            <a:r>
+              <a:rPr lang="en-US" dirty="0"/>
+              <a:t>sure to read </a:t>
+            </a:r>
+            <a:r>
+              <a:rPr lang="en-US" b="1" dirty="0">
+                <a:solidFill>
+                  <a:srgbClr val="C00000"/>
+                </a:solidFill>
+              </a:rPr>
+              <a:t>project proposal </a:t>
+            </a:r>
+            <a:r>
+              <a:rPr lang="en-US" dirty="0"/>
+              <a:t>preparation guidelines</a:t>
+            </a:r>
+          </a:p>
+        </p:txBody>
+      </p:sp>
+    </p:spTree>
+    <p:extLst>
+      <p:ext uri="{BB962C8B-B14F-4D97-AF65-F5344CB8AC3E}">
+        <p14:creationId xmlns:p14="http://schemas.microsoft.com/office/powerpoint/2010/main" val="2953224412"/>
+      </p:ext>
+    </p:extLst>
+  </p:cSld>
+  <p:clrMapOvr>
+    <a:masterClrMapping/>
+  </p:clrMapOvr>
+</p:sld>
+</file>
+
+<file path=ppt/slides/slide2.xml><?xml version="1.0" encoding="utf-8"?>
+<p:sld xmlns:a="http://schemas.openxmlformats.org/drawingml/2006/main" xmlns:r="http://schemas.openxmlformats.org/officeDocument/2006/relationships" xmlns:p="http://schemas.openxmlformats.org/presentationml/2006/main">
+  <p:cSld>
+    <p:spTree>
+      <p:nvGrpSpPr>
+        <p:cNvPr id="1" name=""/>
+        <p:cNvGrpSpPr/>
+        <p:nvPr/>
+      </p:nvGrpSpPr>
+      <p:grpSpPr>
+        <a:xfrm>
+          <a:off x="0" y="0"/>
+          <a:ext cx="0" cy="0"/>
+          <a:chOff x="0" y="0"/>
+          <a:chExt cx="0" cy="0"/>
+        </a:xfrm>
+      </p:grpSpPr>
+      <p:sp>
+        <p:nvSpPr>
+          <p:cNvPr id="3" name="Title 2">
+            <a:extLst>
+              <a:ext uri="{FF2B5EF4-FFF2-40B4-BE49-F238E27FC236}">
+                <a16:creationId xmlns:a16="http://schemas.microsoft.com/office/drawing/2014/main" id="{9323871C-7CA8-1448-8FFC-1AE6E1838941}"/>
+              </a:ext>
+            </a:extLst>
+          </p:cNvPr>
+          <p:cNvSpPr>
+            <a:spLocks noGrp="1"/>
+          </p:cNvSpPr>
+          <p:nvPr>
+            <p:ph type="title"/>
+          </p:nvPr>
+        </p:nvSpPr>
+        <p:spPr/>
+        <p:txBody>
+          <a:bodyPr/>
+          <a:lstStyle/>
+          <a:p>
+            <a:r>
+              <a:rPr lang="en-US" dirty="0"/>
+              <a:t>Things to remember</a:t>
+            </a:r>
+          </a:p>
+        </p:txBody>
+      </p:sp>
+      <p:sp>
+        <p:nvSpPr>
+          <p:cNvPr id="4" name="Text Placeholder 3">
+            <a:extLst>
+              <a:ext uri="{FF2B5EF4-FFF2-40B4-BE49-F238E27FC236}">
+                <a16:creationId xmlns:a16="http://schemas.microsoft.com/office/drawing/2014/main" id="{5E600BA7-FA45-884F-9820-9E5F2CB7AA48}"/>
+              </a:ext>
+            </a:extLst>
+          </p:cNvPr>
+          <p:cNvSpPr>
+            <a:spLocks noGrp="1"/>
+          </p:cNvSpPr>
+          <p:nvPr>
+            <p:ph type="body" idx="1"/>
+          </p:nvPr>
+        </p:nvSpPr>
+        <p:spPr/>
+        <p:txBody>
+          <a:bodyPr/>
+          <a:lstStyle/>
+          <a:p>
+            <a:r>
+              <a:rPr lang="en-US" b="1" dirty="0"/>
+              <a:t>Make sure and check that you can access your project data today</a:t>
+            </a:r>
+            <a:br>
+              <a:rPr lang="en-US" b="1" dirty="0"/>
+            </a:br>
+            <a:endParaRPr lang="en-US" b="1" dirty="0"/>
+          </a:p>
+          <a:p>
+            <a:r>
+              <a:rPr lang="en-US" dirty="0"/>
+              <a:t>What’s coming next week:</a:t>
+            </a:r>
+          </a:p>
+          <a:p>
+            <a:pPr lvl="1">
+              <a:spcBef>
+                <a:spcPts val="1000"/>
+              </a:spcBef>
+            </a:pPr>
+            <a:r>
+              <a:rPr lang="en-US" dirty="0"/>
+              <a:t>Monday: quick assignment to check database connection</a:t>
+            </a:r>
+          </a:p>
+          <a:p>
+            <a:pPr lvl="1">
+              <a:spcBef>
+                <a:spcPts val="1000"/>
+              </a:spcBef>
+            </a:pPr>
+            <a:r>
+              <a:rPr lang="en-US" dirty="0"/>
+              <a:t>Tuesday: weekly feedback form</a:t>
+            </a:r>
+          </a:p>
+          <a:p>
+            <a:pPr lvl="1">
+              <a:spcBef>
+                <a:spcPts val="1000"/>
+              </a:spcBef>
+            </a:pPr>
+            <a:r>
+              <a:rPr lang="en-US" dirty="0"/>
+              <a:t>Tuesday: Data Exploration + Teamwork</a:t>
+            </a:r>
+          </a:p>
+          <a:p>
+            <a:endParaRPr lang="en-US" dirty="0"/>
+          </a:p>
+          <a:p>
+            <a:r>
+              <a:rPr lang="en-US" dirty="0"/>
+              <a:t>Make sure to read </a:t>
+            </a:r>
+            <a:r>
+              <a:rPr lang="en-US" b="1" dirty="0">
+                <a:solidFill>
+                  <a:srgbClr val="C00000"/>
+                </a:solidFill>
+              </a:rPr>
+              <a:t>project proposal </a:t>
+            </a:r>
+            <a:r>
+              <a:rPr lang="en-US" dirty="0"/>
+              <a:t>preparation guidelines</a:t>
+            </a:r>
+          </a:p>
+        </p:txBody>
+      </p:sp>
+    </p:spTree>
+    <p:extLst>
+      <p:ext uri="{BB962C8B-B14F-4D97-AF65-F5344CB8AC3E}">
+        <p14:creationId xmlns:p14="http://schemas.microsoft.com/office/powerpoint/2010/main" val="1285932549"/>
+      </p:ext>
+    </p:extLst>
+  </p:cSld>
+  <p:clrMapOvr>
+    <a:masterClrMapping/>
+  </p:clrMapOvr>
+</p:sld>
+</file>
+
+<file path=ppt/slides/slide3.xml><?xml version="1.0" encoding="utf-8"?>
+<p:sld xmlns:a="http://schemas.openxmlformats.org/drawingml/2006/main" xmlns:r="http://schemas.openxmlformats.org/officeDocument/2006/relationships" xmlns:p="http://schemas.openxmlformats.org/presentationml/2006/main">
+  <p:cSld>
+    <p:spTree>
+      <p:nvGrpSpPr>
+        <p:cNvPr id="1" name=""/>
+        <p:cNvGrpSpPr/>
+        <p:nvPr/>
+      </p:nvGrpSpPr>
+      <p:grpSpPr>
+        <a:xfrm>
+          <a:off x="0" y="0"/>
+          <a:ext cx="0" cy="0"/>
+          <a:chOff x="0" y="0"/>
+          <a:chExt cx="0" cy="0"/>
+        </a:xfrm>
+      </p:grpSpPr>
+      <p:sp>
+        <p:nvSpPr>
+          <p:cNvPr id="2" name="Title 1">
+            <a:extLst>
+              <a:ext uri="{FF2B5EF4-FFF2-40B4-BE49-F238E27FC236}">
+                <a16:creationId xmlns:a16="http://schemas.microsoft.com/office/drawing/2014/main" id="{94CF2A94-A63F-6149-AA28-2E35B60E3D3E}"/>
+              </a:ext>
+            </a:extLst>
+          </p:cNvPr>
+          <p:cNvSpPr>
+            <a:spLocks noGrp="1"/>
+          </p:cNvSpPr>
+          <p:nvPr>
+            <p:ph type="title"/>
+          </p:nvPr>
+        </p:nvSpPr>
+        <p:spPr/>
+        <p:txBody>
+          <a:bodyPr/>
+          <a:lstStyle/>
+          <a:p>
+            <a:endParaRPr lang="en-US"/>
+          </a:p>
+        </p:txBody>
+      </p:sp>
+      <p:graphicFrame>
+        <p:nvGraphicFramePr>
+          <p:cNvPr id="3" name="Diagram 2">
+            <a:extLst>
+              <a:ext uri="{FF2B5EF4-FFF2-40B4-BE49-F238E27FC236}">
+                <a16:creationId xmlns:a16="http://schemas.microsoft.com/office/drawing/2014/main" id="{8E902576-68A9-6E48-B0FE-5B1889953DC8}"/>
+              </a:ext>
+            </a:extLst>
+          </p:cNvPr>
+          <p:cNvGraphicFramePr/>
+          <p:nvPr>
+            <p:extLst>
+              <p:ext uri="{D42A27DB-BD31-4B8C-83A1-F6EECF244321}">
+                <p14:modId xmlns:p14="http://schemas.microsoft.com/office/powerpoint/2010/main" val="1737878827"/>
+              </p:ext>
+            </p:extLst>
+          </p:nvPr>
+        </p:nvGraphicFramePr>
+        <p:xfrm>
+          <a:off x="180467" y="0"/>
+          <a:ext cx="11776400" cy="6858000"/>
+        </p:xfrm>
+        <a:graphic>
+          <a:graphicData uri="http://schemas.openxmlformats.org/drawingml/2006/diagram">
+            <dgm:relIds xmlns:dgm="http://schemas.openxmlformats.org/drawingml/2006/diagram" xmlns:r="http://schemas.openxmlformats.org/officeDocument/2006/relationships" r:dm="rId2" r:lo="rId3" r:qs="rId4" r:cs="rId5"/>
+          </a:graphicData>
+        </a:graphic>
+      </p:graphicFrame>
+      <p:sp>
+        <p:nvSpPr>
+          <p:cNvPr id="4" name="Rectangle 3">
+            <a:extLst>
+              <a:ext uri="{FF2B5EF4-FFF2-40B4-BE49-F238E27FC236}">
+                <a16:creationId xmlns:a16="http://schemas.microsoft.com/office/drawing/2014/main" id="{E2C99BF2-C81A-5246-89D3-E49BCDCAD699}"/>
+              </a:ext>
+            </a:extLst>
+          </p:cNvPr>
+          <p:cNvSpPr/>
+          <p:nvPr/>
+        </p:nvSpPr>
+        <p:spPr>
+          <a:xfrm>
+            <a:off x="3226525" y="274320"/>
+            <a:ext cx="2534195" cy="1789611"/>
+          </a:xfrm>
+          <a:prstGeom prst="rect">
+            <a:avLst/>
+          </a:prstGeom>
+          <a:noFill/>
+          <a:ln w="76200">
+            <a:solidFill>
+              <a:srgbClr val="C00000"/>
+            </a:solidFill>
+          </a:ln>
+        </p:spPr>
+        <p:style>
+          <a:lnRef idx="2">
+            <a:schemeClr val="accent1">
+              <a:shade val="50000"/>
+            </a:schemeClr>
+          </a:lnRef>
+          <a:fillRef idx="1">
+            <a:schemeClr val="accent1"/>
+          </a:fillRef>
+          <a:effectRef idx="0">
+            <a:schemeClr val="accent1"/>
+          </a:effectRef>
+          <a:fontRef idx="minor">
+            <a:schemeClr val="lt1"/>
+          </a:fontRef>
+        </p:style>
+        <p:txBody>
+          <a:bodyPr rtlCol="0" anchor="ctr"/>
+          <a:lstStyle/>
+          <a:p>
+            <a:pPr algn="ctr"/>
+            <a:endParaRPr lang="en-US"/>
+          </a:p>
+        </p:txBody>
+      </p:sp>
+    </p:spTree>
+    <p:extLst>
+      <p:ext uri="{BB962C8B-B14F-4D97-AF65-F5344CB8AC3E}">
+        <p14:creationId xmlns:p14="http://schemas.microsoft.com/office/powerpoint/2010/main" val="2624855364"/>
+      </p:ext>
+    </p:extLst>
+  </p:cSld>
+  <p:clrMapOvr>
+    <a:masterClrMapping/>
+  </p:clrMapOvr>
+</p:sld>
+</file>
+
+<file path=ppt/slides/slide4.xml><?xml version="1.0" encoding="utf-8"?>
+<p:sld xmlns:a="http://schemas.openxmlformats.org/drawingml/2006/main" xmlns:r="http://schemas.openxmlformats.org/officeDocument/2006/relationships" xmlns:p="http://schemas.openxmlformats.org/presentationml/2006/main">
+  <p:cSld>
+    <p:spTree>
+      <p:nvGrpSpPr>
+        <p:cNvPr id="1" name=""/>
+        <p:cNvGrpSpPr/>
+        <p:nvPr/>
+      </p:nvGrpSpPr>
+      <p:grpSpPr>
+        <a:xfrm>
+          <a:off x="0" y="0"/>
+          <a:ext cx="0" cy="0"/>
+          <a:chOff x="0" y="0"/>
+          <a:chExt cx="0" cy="0"/>
+        </a:xfrm>
+      </p:grpSpPr>
+      <p:sp>
+        <p:nvSpPr>
+          <p:cNvPr id="2" name="Title 1">
+            <a:extLst>
+              <a:ext uri="{FF2B5EF4-FFF2-40B4-BE49-F238E27FC236}">
+                <a16:creationId xmlns:a16="http://schemas.microsoft.com/office/drawing/2014/main" id="{21359BA9-BA2B-D148-89DA-A99081B1FF81}"/>
+              </a:ext>
+            </a:extLst>
+          </p:cNvPr>
+          <p:cNvSpPr>
+            <a:spLocks noGrp="1"/>
+          </p:cNvSpPr>
+          <p:nvPr>
+            <p:ph type="title"/>
+          </p:nvPr>
+        </p:nvSpPr>
+        <p:spPr/>
+        <p:txBody>
+          <a:bodyPr/>
+          <a:lstStyle/>
+          <a:p>
+            <a:r>
+              <a:rPr lang="en-US" dirty="0"/>
+              <a:t>Challenges</a:t>
+            </a:r>
+          </a:p>
+        </p:txBody>
+      </p:sp>
+      <p:sp>
+        <p:nvSpPr>
+          <p:cNvPr id="3" name="Text Placeholder 2">
+            <a:extLst>
+              <a:ext uri="{FF2B5EF4-FFF2-40B4-BE49-F238E27FC236}">
+                <a16:creationId xmlns:a16="http://schemas.microsoft.com/office/drawing/2014/main" id="{DDA03E0F-5F3D-5B4D-8232-BF72B84A198E}"/>
+              </a:ext>
+            </a:extLst>
+          </p:cNvPr>
+          <p:cNvSpPr>
+            <a:spLocks noGrp="1"/>
+          </p:cNvSpPr>
+          <p:nvPr>
+            <p:ph type="body" idx="1"/>
+          </p:nvPr>
+        </p:nvSpPr>
+        <p:spPr/>
+        <p:txBody>
+          <a:bodyPr/>
+          <a:lstStyle/>
+          <a:p>
+            <a:r>
+              <a:rPr lang="en-US" dirty="0"/>
+              <a:t>Political</a:t>
+            </a:r>
+          </a:p>
+          <a:p>
+            <a:r>
+              <a:rPr lang="en-US" dirty="0"/>
+              <a:t>Internal Awareness</a:t>
+            </a:r>
+          </a:p>
+          <a:p>
+            <a:r>
+              <a:rPr lang="en-US" dirty="0"/>
+              <a:t>Legal/Contractual</a:t>
+            </a:r>
+          </a:p>
+          <a:p>
+            <a:r>
+              <a:rPr lang="en-US" dirty="0"/>
+              <a:t>Ethical</a:t>
+            </a:r>
+          </a:p>
+          <a:p>
+            <a:r>
+              <a:rPr lang="en-US" dirty="0"/>
+              <a:t>Technical</a:t>
+            </a:r>
+          </a:p>
+          <a:p>
+            <a:endParaRPr lang="en-US" dirty="0"/>
+          </a:p>
+        </p:txBody>
+      </p:sp>
+    </p:spTree>
+    <p:extLst>
+      <p:ext uri="{BB962C8B-B14F-4D97-AF65-F5344CB8AC3E}">
+        <p14:creationId xmlns:p14="http://schemas.microsoft.com/office/powerpoint/2010/main" val="1721185332"/>
+      </p:ext>
+    </p:extLst>
+  </p:cSld>
+  <p:clrMapOvr>
+    <a:masterClrMapping/>
+  </p:clrMapOvr>
+</p:sld>
+</file>
+
+<file path=ppt/slides/slide5.xml><?xml version="1.0" encoding="utf-8"?>
+<p:sld xmlns:a="http://schemas.openxmlformats.org/drawingml/2006/main" xmlns:r="http://schemas.openxmlformats.org/officeDocument/2006/relationships" xmlns:p="http://schemas.openxmlformats.org/presentationml/2006/main">
+  <p:cSld>
+    <p:spTree>
+      <p:nvGrpSpPr>
+        <p:cNvPr id="1" name=""/>
+        <p:cNvGrpSpPr/>
+        <p:nvPr/>
+      </p:nvGrpSpPr>
+      <p:grpSpPr>
+        <a:xfrm>
+          <a:off x="0" y="0"/>
+          <a:ext cx="0" cy="0"/>
+          <a:chOff x="0" y="0"/>
+          <a:chExt cx="0" cy="0"/>
+        </a:xfrm>
+      </p:grpSpPr>
+      <p:sp>
+        <p:nvSpPr>
+          <p:cNvPr id="2" name="Title 1">
+            <a:extLst>
+              <a:ext uri="{FF2B5EF4-FFF2-40B4-BE49-F238E27FC236}">
+                <a16:creationId xmlns:a16="http://schemas.microsoft.com/office/drawing/2014/main" id="{C8E60A25-02BD-674B-9661-DF031B0CB52C}"/>
+              </a:ext>
+            </a:extLst>
+          </p:cNvPr>
+          <p:cNvSpPr>
+            <a:spLocks noGrp="1"/>
+          </p:cNvSpPr>
+          <p:nvPr>
+            <p:ph type="title"/>
+          </p:nvPr>
+        </p:nvSpPr>
+        <p:spPr/>
+        <p:txBody>
+          <a:bodyPr/>
+          <a:lstStyle/>
+          <a:p>
+            <a:r>
+              <a:rPr lang="en-US" dirty="0"/>
+              <a:t>Data Acquisition: Technical (challenges)</a:t>
+            </a:r>
+          </a:p>
+        </p:txBody>
+      </p:sp>
+      <p:sp>
+        <p:nvSpPr>
+          <p:cNvPr id="3" name="Text Placeholder 2">
+            <a:extLst>
+              <a:ext uri="{FF2B5EF4-FFF2-40B4-BE49-F238E27FC236}">
+                <a16:creationId xmlns:a16="http://schemas.microsoft.com/office/drawing/2014/main" id="{B47464FC-F480-BD4E-8C73-EA0095EB65C0}"/>
+              </a:ext>
+            </a:extLst>
+          </p:cNvPr>
+          <p:cNvSpPr>
+            <a:spLocks noGrp="1"/>
+          </p:cNvSpPr>
+          <p:nvPr>
+            <p:ph type="body" idx="1"/>
+          </p:nvPr>
+        </p:nvSpPr>
+        <p:spPr/>
+        <p:txBody>
+          <a:bodyPr/>
+          <a:lstStyle/>
+          <a:p>
+            <a:r>
+              <a:rPr lang="en-US" dirty="0"/>
+              <a:t>How should you get data?</a:t>
+            </a:r>
+          </a:p>
+          <a:p>
+            <a:pPr lvl="1">
+              <a:spcBef>
+                <a:spcPts val="0"/>
+              </a:spcBef>
+            </a:pPr>
+            <a:r>
+              <a:rPr lang="en-US" dirty="0"/>
+              <a:t>API access</a:t>
+            </a:r>
+          </a:p>
+          <a:p>
+            <a:pPr lvl="1">
+              <a:spcBef>
+                <a:spcPts val="0"/>
+              </a:spcBef>
+            </a:pPr>
+            <a:r>
+              <a:rPr lang="en-US" dirty="0"/>
+              <a:t>Flat files</a:t>
+            </a:r>
+          </a:p>
+          <a:p>
+            <a:pPr lvl="1">
+              <a:spcBef>
+                <a:spcPts val="0"/>
+              </a:spcBef>
+            </a:pPr>
+            <a:r>
+              <a:rPr lang="en-US" dirty="0"/>
+              <a:t>Database dumps</a:t>
+            </a:r>
+          </a:p>
+          <a:p>
+            <a:pPr lvl="1">
+              <a:spcBef>
+                <a:spcPts val="0"/>
+              </a:spcBef>
+            </a:pPr>
+            <a:endParaRPr lang="en-US" dirty="0"/>
+          </a:p>
+          <a:p>
+            <a:r>
+              <a:rPr lang="en-US" dirty="0"/>
+              <a:t>How much should it be processed before you get it?</a:t>
+            </a:r>
+          </a:p>
+          <a:p>
+            <a:endParaRPr lang="en-US" dirty="0"/>
+          </a:p>
+          <a:p>
+            <a:r>
+              <a:rPr lang="en-US" dirty="0"/>
+              <a:t>How do you build a repeatable data acquisition pipeline?</a:t>
+            </a:r>
+          </a:p>
+          <a:p>
+            <a:endParaRPr lang="en-US" dirty="0"/>
+          </a:p>
+          <a:p>
+            <a:r>
+              <a:rPr lang="en-US" dirty="0"/>
+              <a:t>When do you collect new data?</a:t>
+            </a:r>
+          </a:p>
+          <a:p>
+            <a:pPr marL="565150" lvl="1" indent="0">
+              <a:spcBef>
+                <a:spcPts val="0"/>
+              </a:spcBef>
+              <a:buNone/>
+            </a:pPr>
+            <a:endParaRPr lang="en-US" dirty="0"/>
+          </a:p>
+        </p:txBody>
+      </p:sp>
+    </p:spTree>
+    <p:extLst>
+      <p:ext uri="{BB962C8B-B14F-4D97-AF65-F5344CB8AC3E}">
+        <p14:creationId xmlns:p14="http://schemas.microsoft.com/office/powerpoint/2010/main" val="4069897732"/>
+      </p:ext>
+    </p:extLst>
+  </p:cSld>
+  <p:clrMapOvr>
+    <a:masterClrMapping/>
+  </p:clrMapOvr>
+</p:sld>
+</file>
+
+<file path=ppt/slides/slide6.xml><?xml version="1.0" encoding="utf-8"?>
+<p:sld xmlns:a="http://schemas.openxmlformats.org/drawingml/2006/main" xmlns:r="http://schemas.openxmlformats.org/officeDocument/2006/relationships" xmlns:p="http://schemas.openxmlformats.org/presentationml/2006/main">
+  <p:cSld>
+    <p:spTree>
+      <p:nvGrpSpPr>
+        <p:cNvPr id="1" name=""/>
+        <p:cNvGrpSpPr/>
+        <p:nvPr/>
+      </p:nvGrpSpPr>
+      <p:grpSpPr>
+        <a:xfrm>
+          <a:off x="0" y="0"/>
+          <a:ext cx="0" cy="0"/>
+          <a:chOff x="0" y="0"/>
+          <a:chExt cx="0" cy="0"/>
+        </a:xfrm>
+      </p:grpSpPr>
+      <p:sp>
+        <p:nvSpPr>
+          <p:cNvPr id="2" name="Title 1">
+            <a:extLst>
+              <a:ext uri="{FF2B5EF4-FFF2-40B4-BE49-F238E27FC236}">
                 <a16:creationId xmlns:a16="http://schemas.microsoft.com/office/drawing/2014/main" id="{976F140B-CCBA-6544-AE2A-A3E88E046C57}"/>
               </a:ext>
             </a:extLst>
@@ -12195,7 +13916,7 @@
 </p:sld>
 </file>
 
-<file path=ppt/slides/slide11.xml><?xml version="1.0" encoding="utf-8"?>
+<file path=ppt/slides/slide7.xml><?xml version="1.0" encoding="utf-8"?>
 <p:sld xmlns:a="http://schemas.openxmlformats.org/drawingml/2006/main" xmlns:r="http://schemas.openxmlformats.org/officeDocument/2006/relationships" xmlns:p="http://schemas.openxmlformats.org/presentationml/2006/main">
   <p:cSld>
     <p:spTree>
@@ -12315,7 +14036,7 @@
 </p:sld>
 </file>
 
-<file path=ppt/slides/slide12.xml><?xml version="1.0" encoding="utf-8"?>
+<file path=ppt/slides/slide8.xml><?xml version="1.0" encoding="utf-8"?>
 <p:sld xmlns:a="http://schemas.openxmlformats.org/drawingml/2006/main" xmlns:r="http://schemas.openxmlformats.org/officeDocument/2006/relationships" xmlns:p="http://schemas.openxmlformats.org/presentationml/2006/main">
   <p:cSld>
     <p:spTree>
@@ -12449,7 +14170,7 @@
 </p:sld>
 </file>
 
-<file path=ppt/slides/slide13.xml><?xml version="1.0" encoding="utf-8"?>
+<file path=ppt/slides/slide9.xml><?xml version="1.0" encoding="utf-8"?>
 <p:sld xmlns:a="http://schemas.openxmlformats.org/drawingml/2006/main" xmlns:r="http://schemas.openxmlformats.org/officeDocument/2006/relationships" xmlns:p="http://schemas.openxmlformats.org/presentationml/2006/main">
   <p:cSld>
     <p:spTree>
@@ -13105,2266 +14826,6 @@
       <p:bldP spid="3" grpId="0" build="p"/>
     </p:bldLst>
   </p:timing>
-</p:sld>
-</file>
-
-<file path=ppt/slides/slide14.xml><?xml version="1.0" encoding="utf-8"?>
-<p:sld xmlns:a="http://schemas.openxmlformats.org/drawingml/2006/main" xmlns:r="http://schemas.openxmlformats.org/officeDocument/2006/relationships" xmlns:p="http://schemas.openxmlformats.org/presentationml/2006/main">
-  <p:cSld>
-    <p:spTree>
-      <p:nvGrpSpPr>
-        <p:cNvPr id="1" name=""/>
-        <p:cNvGrpSpPr/>
-        <p:nvPr/>
-      </p:nvGrpSpPr>
-      <p:grpSpPr>
-        <a:xfrm>
-          <a:off x="0" y="0"/>
-          <a:ext cx="0" cy="0"/>
-          <a:chOff x="0" y="0"/>
-          <a:chExt cx="0" cy="0"/>
-        </a:xfrm>
-      </p:grpSpPr>
-      <p:sp>
-        <p:nvSpPr>
-          <p:cNvPr id="2" name="Title 1">
-            <a:extLst>
-              <a:ext uri="{FF2B5EF4-FFF2-40B4-BE49-F238E27FC236}">
-                <a16:creationId xmlns:a16="http://schemas.microsoft.com/office/drawing/2014/main" id="{52E04EB1-290D-E647-B684-F8A3D3B280EE}"/>
-              </a:ext>
-            </a:extLst>
-          </p:cNvPr>
-          <p:cNvSpPr>
-            <a:spLocks noGrp="1"/>
-          </p:cNvSpPr>
-          <p:nvPr>
-            <p:ph type="title"/>
-          </p:nvPr>
-        </p:nvSpPr>
-        <p:spPr/>
-        <p:txBody>
-          <a:bodyPr/>
-          <a:lstStyle/>
-          <a:p>
-            <a:r>
-              <a:rPr lang="en-US" dirty="0"/>
-              <a:t>Discussion Topic</a:t>
-            </a:r>
-          </a:p>
-        </p:txBody>
-      </p:sp>
-      <p:sp>
-        <p:nvSpPr>
-          <p:cNvPr id="3" name="Text Placeholder 2">
-            <a:extLst>
-              <a:ext uri="{FF2B5EF4-FFF2-40B4-BE49-F238E27FC236}">
-                <a16:creationId xmlns:a16="http://schemas.microsoft.com/office/drawing/2014/main" id="{73DF5889-4B8C-7449-87CD-1929C07EE849}"/>
-              </a:ext>
-            </a:extLst>
-          </p:cNvPr>
-          <p:cNvSpPr>
-            <a:spLocks noGrp="1"/>
-          </p:cNvSpPr>
-          <p:nvPr>
-            <p:ph type="body" idx="1"/>
-          </p:nvPr>
-        </p:nvSpPr>
-        <p:spPr/>
-        <p:txBody>
-          <a:bodyPr/>
-          <a:lstStyle/>
-          <a:p>
-            <a:pPr marL="76200" indent="0">
-              <a:buNone/>
-            </a:pPr>
-            <a:endParaRPr lang="en-US" dirty="0"/>
-          </a:p>
-          <a:p>
-            <a:pPr marL="76200" indent="0">
-              <a:buNone/>
-            </a:pPr>
-            <a:endParaRPr lang="en-US" dirty="0"/>
-          </a:p>
-          <a:p>
-            <a:pPr marL="76200" indent="0">
-              <a:buNone/>
-            </a:pPr>
-            <a:r>
-              <a:rPr lang="en-US" sz="3200" dirty="0"/>
-              <a:t>What are downstream impacts (generally) of a false positive in record linkage? What about a false negative?</a:t>
-            </a:r>
-            <a:endParaRPr lang="en-US" dirty="0"/>
-          </a:p>
-        </p:txBody>
-      </p:sp>
-    </p:spTree>
-    <p:extLst>
-      <p:ext uri="{BB962C8B-B14F-4D97-AF65-F5344CB8AC3E}">
-        <p14:creationId xmlns:p14="http://schemas.microsoft.com/office/powerpoint/2010/main" val="4210785574"/>
-      </p:ext>
-    </p:extLst>
-  </p:cSld>
-  <p:clrMapOvr>
-    <a:masterClrMapping/>
-  </p:clrMapOvr>
-</p:sld>
-</file>
-
-<file path=ppt/slides/slide15.xml><?xml version="1.0" encoding="utf-8"?>
-<p:sld xmlns:a="http://schemas.openxmlformats.org/drawingml/2006/main" xmlns:r="http://schemas.openxmlformats.org/officeDocument/2006/relationships" xmlns:p="http://schemas.openxmlformats.org/presentationml/2006/main">
-  <p:cSld>
-    <p:spTree>
-      <p:nvGrpSpPr>
-        <p:cNvPr id="1" name=""/>
-        <p:cNvGrpSpPr/>
-        <p:nvPr/>
-      </p:nvGrpSpPr>
-      <p:grpSpPr>
-        <a:xfrm>
-          <a:off x="0" y="0"/>
-          <a:ext cx="0" cy="0"/>
-          <a:chOff x="0" y="0"/>
-          <a:chExt cx="0" cy="0"/>
-        </a:xfrm>
-      </p:grpSpPr>
-      <p:sp>
-        <p:nvSpPr>
-          <p:cNvPr id="2" name="Title 1">
-            <a:extLst>
-              <a:ext uri="{FF2B5EF4-FFF2-40B4-BE49-F238E27FC236}">
-                <a16:creationId xmlns:a16="http://schemas.microsoft.com/office/drawing/2014/main" id="{52E04EB1-290D-E647-B684-F8A3D3B280EE}"/>
-              </a:ext>
-            </a:extLst>
-          </p:cNvPr>
-          <p:cNvSpPr>
-            <a:spLocks noGrp="1"/>
-          </p:cNvSpPr>
-          <p:nvPr>
-            <p:ph type="title"/>
-          </p:nvPr>
-        </p:nvSpPr>
-        <p:spPr/>
-        <p:txBody>
-          <a:bodyPr/>
-          <a:lstStyle/>
-          <a:p>
-            <a:r>
-              <a:rPr lang="en-US" dirty="0"/>
-              <a:t>Discussion Topic</a:t>
-            </a:r>
-          </a:p>
-        </p:txBody>
-      </p:sp>
-      <p:sp>
-        <p:nvSpPr>
-          <p:cNvPr id="3" name="Text Placeholder 2">
-            <a:extLst>
-              <a:ext uri="{FF2B5EF4-FFF2-40B4-BE49-F238E27FC236}">
-                <a16:creationId xmlns:a16="http://schemas.microsoft.com/office/drawing/2014/main" id="{73DF5889-4B8C-7449-87CD-1929C07EE849}"/>
-              </a:ext>
-            </a:extLst>
-          </p:cNvPr>
-          <p:cNvSpPr>
-            <a:spLocks noGrp="1"/>
-          </p:cNvSpPr>
-          <p:nvPr>
-            <p:ph type="body" idx="1"/>
-          </p:nvPr>
-        </p:nvSpPr>
-        <p:spPr/>
-        <p:txBody>
-          <a:bodyPr/>
-          <a:lstStyle/>
-          <a:p>
-            <a:pPr marL="76200" indent="0">
-              <a:buNone/>
-            </a:pPr>
-            <a:endParaRPr lang="en-US" dirty="0"/>
-          </a:p>
-          <a:p>
-            <a:pPr marL="76200" indent="0">
-              <a:buNone/>
-            </a:pPr>
-            <a:endParaRPr lang="en-US" dirty="0"/>
-          </a:p>
-          <a:p>
-            <a:pPr marL="76200" indent="0">
-              <a:buNone/>
-            </a:pPr>
-            <a:r>
-              <a:rPr lang="en-US" sz="3200" dirty="0"/>
-              <a:t>What types of common mismatch errors might affect groups differently, resulting in downstream fairness impacts?</a:t>
-            </a:r>
-            <a:endParaRPr lang="en-US" dirty="0"/>
-          </a:p>
-        </p:txBody>
-      </p:sp>
-    </p:spTree>
-    <p:extLst>
-      <p:ext uri="{BB962C8B-B14F-4D97-AF65-F5344CB8AC3E}">
-        <p14:creationId xmlns:p14="http://schemas.microsoft.com/office/powerpoint/2010/main" val="2960122765"/>
-      </p:ext>
-    </p:extLst>
-  </p:cSld>
-  <p:clrMapOvr>
-    <a:masterClrMapping/>
-  </p:clrMapOvr>
-</p:sld>
-</file>
-
-<file path=ppt/slides/slide16.xml><?xml version="1.0" encoding="utf-8"?>
-<p:sld xmlns:a="http://schemas.openxmlformats.org/drawingml/2006/main" xmlns:r="http://schemas.openxmlformats.org/officeDocument/2006/relationships" xmlns:p="http://schemas.openxmlformats.org/presentationml/2006/main">
-  <p:cSld>
-    <p:spTree>
-      <p:nvGrpSpPr>
-        <p:cNvPr id="1" name=""/>
-        <p:cNvGrpSpPr/>
-        <p:nvPr/>
-      </p:nvGrpSpPr>
-      <p:grpSpPr>
-        <a:xfrm>
-          <a:off x="0" y="0"/>
-          <a:ext cx="0" cy="0"/>
-          <a:chOff x="0" y="0"/>
-          <a:chExt cx="0" cy="0"/>
-        </a:xfrm>
-      </p:grpSpPr>
-      <p:sp>
-        <p:nvSpPr>
-          <p:cNvPr id="2" name="Title 1"/>
-          <p:cNvSpPr>
-            <a:spLocks noGrp="1"/>
-          </p:cNvSpPr>
-          <p:nvPr>
-            <p:ph type="title"/>
-          </p:nvPr>
-        </p:nvSpPr>
-        <p:spPr/>
-        <p:txBody>
-          <a:bodyPr/>
-          <a:lstStyle/>
-          <a:p>
-            <a:r>
-              <a:rPr lang="en-US" dirty="0"/>
-              <a:t>Factors to consider</a:t>
-            </a:r>
-          </a:p>
-        </p:txBody>
-      </p:sp>
-      <p:sp>
-        <p:nvSpPr>
-          <p:cNvPr id="3" name="Content Placeholder 2"/>
-          <p:cNvSpPr>
-            <a:spLocks noGrp="1"/>
-          </p:cNvSpPr>
-          <p:nvPr>
-            <p:ph type="body" idx="1"/>
-          </p:nvPr>
-        </p:nvSpPr>
-        <p:spPr/>
-        <p:txBody>
-          <a:bodyPr>
-            <a:normAutofit fontScale="77500" lnSpcReduction="20000"/>
-          </a:bodyPr>
-          <a:lstStyle/>
-          <a:p>
-            <a:r>
-              <a:rPr lang="en-US" dirty="0" err="1"/>
-              <a:t>Deduping</a:t>
-            </a:r>
-            <a:r>
-              <a:rPr lang="en-US" dirty="0"/>
-              <a:t> or Linkage</a:t>
-            </a:r>
-          </a:p>
-          <a:p>
-            <a:pPr lvl="1"/>
-            <a:r>
-              <a:rPr lang="en-US" dirty="0"/>
-              <a:t>1-1 or 1-many or many-1</a:t>
-            </a:r>
-          </a:p>
-          <a:p>
-            <a:pPr lvl="1"/>
-            <a:endParaRPr lang="en-US" dirty="0"/>
-          </a:p>
-          <a:p>
-            <a:r>
-              <a:rPr lang="en-US" dirty="0"/>
-              <a:t>Rule-based or ML based</a:t>
-            </a:r>
-          </a:p>
-          <a:p>
-            <a:pPr lvl="1"/>
-            <a:r>
-              <a:rPr lang="en-US" dirty="0"/>
-              <a:t>Do you have labeled training data?</a:t>
-            </a:r>
-          </a:p>
-          <a:p>
-            <a:pPr lvl="1"/>
-            <a:endParaRPr lang="en-US" dirty="0"/>
-          </a:p>
-          <a:p>
-            <a:r>
-              <a:rPr lang="en-US" dirty="0"/>
-              <a:t>Domain specific or generic similarity metrics?</a:t>
-            </a:r>
-          </a:p>
-          <a:p>
-            <a:endParaRPr lang="en-US" dirty="0"/>
-          </a:p>
-          <a:p>
-            <a:r>
-              <a:rPr lang="en-US" dirty="0"/>
-              <a:t>Evaluation metric</a:t>
-            </a:r>
-          </a:p>
-          <a:p>
-            <a:pPr lvl="1"/>
-            <a:r>
-              <a:rPr lang="en-US" dirty="0"/>
-              <a:t>Precision or recall</a:t>
-            </a:r>
-          </a:p>
-          <a:p>
-            <a:pPr lvl="1"/>
-            <a:r>
-              <a:rPr lang="en-US" dirty="0"/>
-              <a:t>Task-specific - Implications on future analysis (bias for example)</a:t>
-            </a:r>
-          </a:p>
-        </p:txBody>
-      </p:sp>
-    </p:spTree>
-    <p:extLst>
-      <p:ext uri="{BB962C8B-B14F-4D97-AF65-F5344CB8AC3E}">
-        <p14:creationId xmlns:p14="http://schemas.microsoft.com/office/powerpoint/2010/main" val="562180733"/>
-      </p:ext>
-    </p:extLst>
-  </p:cSld>
-  <p:clrMapOvr>
-    <a:masterClrMapping/>
-  </p:clrMapOvr>
-</p:sld>
-</file>
-
-<file path=ppt/slides/slide17.xml><?xml version="1.0" encoding="utf-8"?>
-<p:sld xmlns:a="http://schemas.openxmlformats.org/drawingml/2006/main" xmlns:r="http://schemas.openxmlformats.org/officeDocument/2006/relationships" xmlns:p="http://schemas.openxmlformats.org/presentationml/2006/main">
-  <p:cSld>
-    <p:spTree>
-      <p:nvGrpSpPr>
-        <p:cNvPr id="1" name=""/>
-        <p:cNvGrpSpPr/>
-        <p:nvPr/>
-      </p:nvGrpSpPr>
-      <p:grpSpPr>
-        <a:xfrm>
-          <a:off x="0" y="0"/>
-          <a:ext cx="0" cy="0"/>
-          <a:chOff x="0" y="0"/>
-          <a:chExt cx="0" cy="0"/>
-        </a:xfrm>
-      </p:grpSpPr>
-      <p:sp>
-        <p:nvSpPr>
-          <p:cNvPr id="9218" name="Rectangle 2"/>
-          <p:cNvSpPr>
-            <a:spLocks noGrp="1" noChangeArrowheads="1"/>
-          </p:cNvSpPr>
-          <p:nvPr>
-            <p:ph type="title"/>
-          </p:nvPr>
-        </p:nvSpPr>
-        <p:spPr/>
-        <p:txBody>
-          <a:bodyPr/>
-          <a:lstStyle/>
-          <a:p>
-            <a:r>
-              <a:rPr lang="en-US" altLang="en-US" dirty="0"/>
-              <a:t>Approaches</a:t>
-            </a:r>
-          </a:p>
-        </p:txBody>
-      </p:sp>
-      <p:sp>
-        <p:nvSpPr>
-          <p:cNvPr id="9219" name="Rectangle 3"/>
-          <p:cNvSpPr>
-            <a:spLocks noGrp="1" noChangeArrowheads="1"/>
-          </p:cNvSpPr>
-          <p:nvPr>
-            <p:ph type="body" idx="1"/>
-          </p:nvPr>
-        </p:nvSpPr>
-        <p:spPr/>
-        <p:txBody>
-          <a:bodyPr>
-            <a:normAutofit/>
-          </a:bodyPr>
-          <a:lstStyle/>
-          <a:p>
-            <a:r>
-              <a:rPr lang="en-US" altLang="en-US" dirty="0"/>
-              <a:t>Exact matching</a:t>
-            </a:r>
-          </a:p>
-          <a:p>
-            <a:r>
-              <a:rPr lang="en-US" altLang="en-US" dirty="0"/>
-              <a:t>Rule-based</a:t>
-            </a:r>
-          </a:p>
-          <a:p>
-            <a:r>
-              <a:rPr lang="en-US" altLang="en-US" dirty="0"/>
-              <a:t>Probabilistic linkage</a:t>
-            </a:r>
-          </a:p>
-        </p:txBody>
-      </p:sp>
-    </p:spTree>
-    <p:extLst>
-      <p:ext uri="{BB962C8B-B14F-4D97-AF65-F5344CB8AC3E}">
-        <p14:creationId xmlns:p14="http://schemas.microsoft.com/office/powerpoint/2010/main" val="2383065332"/>
-      </p:ext>
-    </p:extLst>
-  </p:cSld>
-  <p:clrMapOvr>
-    <a:masterClrMapping/>
-  </p:clrMapOvr>
-</p:sld>
-</file>
-
-<file path=ppt/slides/slide18.xml><?xml version="1.0" encoding="utf-8"?>
-<p:sld xmlns:a="http://schemas.openxmlformats.org/drawingml/2006/main" xmlns:r="http://schemas.openxmlformats.org/officeDocument/2006/relationships" xmlns:p="http://schemas.openxmlformats.org/presentationml/2006/main">
-  <p:cSld>
-    <p:spTree>
-      <p:nvGrpSpPr>
-        <p:cNvPr id="1" name=""/>
-        <p:cNvGrpSpPr/>
-        <p:nvPr/>
-      </p:nvGrpSpPr>
-      <p:grpSpPr>
-        <a:xfrm>
-          <a:off x="0" y="0"/>
-          <a:ext cx="0" cy="0"/>
-          <a:chOff x="0" y="0"/>
-          <a:chExt cx="0" cy="0"/>
-        </a:xfrm>
-      </p:grpSpPr>
-      <p:sp>
-        <p:nvSpPr>
-          <p:cNvPr id="2" name="Title 1"/>
-          <p:cNvSpPr>
-            <a:spLocks noGrp="1"/>
-          </p:cNvSpPr>
-          <p:nvPr>
-            <p:ph type="title"/>
-          </p:nvPr>
-        </p:nvSpPr>
-        <p:spPr/>
-        <p:txBody>
-          <a:bodyPr/>
-          <a:lstStyle/>
-          <a:p>
-            <a:r>
-              <a:rPr lang="en-US" dirty="0"/>
-              <a:t>When are two records about the same entity?</a:t>
-            </a:r>
-          </a:p>
-        </p:txBody>
-      </p:sp>
-      <p:sp>
-        <p:nvSpPr>
-          <p:cNvPr id="3" name="Content Placeholder 2"/>
-          <p:cNvSpPr>
-            <a:spLocks noGrp="1"/>
-          </p:cNvSpPr>
-          <p:nvPr>
-            <p:ph type="body" idx="1"/>
-          </p:nvPr>
-        </p:nvSpPr>
-        <p:spPr/>
-        <p:txBody>
-          <a:bodyPr/>
-          <a:lstStyle/>
-          <a:p>
-            <a:r>
-              <a:rPr lang="en-US" dirty="0"/>
-              <a:t>Examples of possible similarity metrics</a:t>
-            </a:r>
-          </a:p>
-          <a:p>
-            <a:pPr lvl="1"/>
-            <a:r>
-              <a:rPr lang="en-US" dirty="0"/>
-              <a:t>Edit distance</a:t>
-            </a:r>
-          </a:p>
-          <a:p>
-            <a:pPr lvl="1"/>
-            <a:r>
-              <a:rPr lang="en-US" dirty="0" err="1"/>
-              <a:t>Soundex</a:t>
-            </a:r>
-            <a:endParaRPr lang="en-US" dirty="0"/>
-          </a:p>
-          <a:p>
-            <a:endParaRPr lang="en-US" dirty="0"/>
-          </a:p>
-        </p:txBody>
-      </p:sp>
-    </p:spTree>
-    <p:extLst>
-      <p:ext uri="{BB962C8B-B14F-4D97-AF65-F5344CB8AC3E}">
-        <p14:creationId xmlns:p14="http://schemas.microsoft.com/office/powerpoint/2010/main" val="32033496"/>
-      </p:ext>
-    </p:extLst>
-  </p:cSld>
-  <p:clrMapOvr>
-    <a:masterClrMapping/>
-  </p:clrMapOvr>
-</p:sld>
-</file>
-
-<file path=ppt/slides/slide19.xml><?xml version="1.0" encoding="utf-8"?>
-<p:sld xmlns:a="http://schemas.openxmlformats.org/drawingml/2006/main" xmlns:r="http://schemas.openxmlformats.org/officeDocument/2006/relationships" xmlns:p="http://schemas.openxmlformats.org/presentationml/2006/main">
-  <p:cSld>
-    <p:spTree>
-      <p:nvGrpSpPr>
-        <p:cNvPr id="1" name=""/>
-        <p:cNvGrpSpPr/>
-        <p:nvPr/>
-      </p:nvGrpSpPr>
-      <p:grpSpPr>
-        <a:xfrm>
-          <a:off x="0" y="0"/>
-          <a:ext cx="0" cy="0"/>
-          <a:chOff x="0" y="0"/>
-          <a:chExt cx="0" cy="0"/>
-        </a:xfrm>
-      </p:grpSpPr>
-      <p:sp>
-        <p:nvSpPr>
-          <p:cNvPr id="2" name="Title 1"/>
-          <p:cNvSpPr>
-            <a:spLocks noGrp="1"/>
-          </p:cNvSpPr>
-          <p:nvPr>
-            <p:ph type="title"/>
-          </p:nvPr>
-        </p:nvSpPr>
-        <p:spPr/>
-        <p:txBody>
-          <a:bodyPr/>
-          <a:lstStyle/>
-          <a:p>
-            <a:r>
-              <a:rPr lang="en-US" dirty="0"/>
-              <a:t>“Fuzzy” Matching System	</a:t>
-            </a:r>
-          </a:p>
-        </p:txBody>
-      </p:sp>
-      <p:sp>
-        <p:nvSpPr>
-          <p:cNvPr id="3" name="Content Placeholder 2"/>
-          <p:cNvSpPr>
-            <a:spLocks noGrp="1"/>
-          </p:cNvSpPr>
-          <p:nvPr>
-            <p:ph type="body" idx="1"/>
-          </p:nvPr>
-        </p:nvSpPr>
-        <p:spPr/>
-        <p:txBody>
-          <a:bodyPr/>
-          <a:lstStyle/>
-          <a:p>
-            <a:r>
-              <a:rPr lang="en-US" dirty="0"/>
-              <a:t>Apply set of cascading rules</a:t>
-            </a:r>
-          </a:p>
-          <a:p>
-            <a:r>
-              <a:rPr lang="en-US" dirty="0"/>
-              <a:t>Assign confidence score based on which rules fire</a:t>
-            </a:r>
-          </a:p>
-        </p:txBody>
-      </p:sp>
-    </p:spTree>
-    <p:extLst>
-      <p:ext uri="{BB962C8B-B14F-4D97-AF65-F5344CB8AC3E}">
-        <p14:creationId xmlns:p14="http://schemas.microsoft.com/office/powerpoint/2010/main" val="2363932908"/>
-      </p:ext>
-    </p:extLst>
-  </p:cSld>
-  <p:clrMapOvr>
-    <a:masterClrMapping/>
-  </p:clrMapOvr>
-</p:sld>
-</file>
-
-<file path=ppt/slides/slide2.xml><?xml version="1.0" encoding="utf-8"?>
-<p:sld xmlns:a="http://schemas.openxmlformats.org/drawingml/2006/main" xmlns:r="http://schemas.openxmlformats.org/officeDocument/2006/relationships" xmlns:p="http://schemas.openxmlformats.org/presentationml/2006/main">
-  <p:cSld>
-    <p:spTree>
-      <p:nvGrpSpPr>
-        <p:cNvPr id="1" name=""/>
-        <p:cNvGrpSpPr/>
-        <p:nvPr/>
-      </p:nvGrpSpPr>
-      <p:grpSpPr>
-        <a:xfrm>
-          <a:off x="0" y="0"/>
-          <a:ext cx="0" cy="0"/>
-          <a:chOff x="0" y="0"/>
-          <a:chExt cx="0" cy="0"/>
-        </a:xfrm>
-      </p:grpSpPr>
-      <p:sp>
-        <p:nvSpPr>
-          <p:cNvPr id="3" name="Title 2">
-            <a:extLst>
-              <a:ext uri="{FF2B5EF4-FFF2-40B4-BE49-F238E27FC236}">
-                <a16:creationId xmlns:a16="http://schemas.microsoft.com/office/drawing/2014/main" id="{9323871C-7CA8-1448-8FFC-1AE6E1838941}"/>
-              </a:ext>
-            </a:extLst>
-          </p:cNvPr>
-          <p:cNvSpPr>
-            <a:spLocks noGrp="1"/>
-          </p:cNvSpPr>
-          <p:nvPr>
-            <p:ph type="title"/>
-          </p:nvPr>
-        </p:nvSpPr>
-        <p:spPr/>
-        <p:txBody>
-          <a:bodyPr/>
-          <a:lstStyle/>
-          <a:p>
-            <a:r>
-              <a:rPr lang="en-US" dirty="0"/>
-              <a:t>Things to remember</a:t>
-            </a:r>
-          </a:p>
-        </p:txBody>
-      </p:sp>
-      <p:sp>
-        <p:nvSpPr>
-          <p:cNvPr id="4" name="Text Placeholder 3">
-            <a:extLst>
-              <a:ext uri="{FF2B5EF4-FFF2-40B4-BE49-F238E27FC236}">
-                <a16:creationId xmlns:a16="http://schemas.microsoft.com/office/drawing/2014/main" id="{5E600BA7-FA45-884F-9820-9E5F2CB7AA48}"/>
-              </a:ext>
-            </a:extLst>
-          </p:cNvPr>
-          <p:cNvSpPr>
-            <a:spLocks noGrp="1"/>
-          </p:cNvSpPr>
-          <p:nvPr>
-            <p:ph type="body" idx="1"/>
-          </p:nvPr>
-        </p:nvSpPr>
-        <p:spPr/>
-        <p:txBody>
-          <a:bodyPr/>
-          <a:lstStyle/>
-          <a:p>
-            <a:r>
-              <a:rPr lang="en-US" b="1" dirty="0"/>
-              <a:t>Make sure and check that you can access your project data today</a:t>
-            </a:r>
-            <a:br>
-              <a:rPr lang="en-US" b="1" dirty="0"/>
-            </a:br>
-            <a:endParaRPr lang="en-US" b="1" dirty="0"/>
-          </a:p>
-          <a:p>
-            <a:r>
-              <a:rPr lang="en-US" dirty="0"/>
-              <a:t>What’s coming next week:</a:t>
-            </a:r>
-          </a:p>
-          <a:p>
-            <a:pPr lvl="1">
-              <a:spcBef>
-                <a:spcPts val="1000"/>
-              </a:spcBef>
-            </a:pPr>
-            <a:r>
-              <a:rPr lang="en-US" dirty="0"/>
-              <a:t>Monday: quick assignment to check database connection</a:t>
-            </a:r>
-          </a:p>
-          <a:p>
-            <a:pPr lvl="1">
-              <a:spcBef>
-                <a:spcPts val="1000"/>
-              </a:spcBef>
-            </a:pPr>
-            <a:r>
-              <a:rPr lang="en-US" dirty="0"/>
-              <a:t>Tuesday: weekly feedback form</a:t>
-            </a:r>
-          </a:p>
-          <a:p>
-            <a:pPr lvl="1">
-              <a:spcBef>
-                <a:spcPts val="1000"/>
-              </a:spcBef>
-            </a:pPr>
-            <a:r>
-              <a:rPr lang="en-US" dirty="0"/>
-              <a:t>Tuesday: Data Exploration + Teamwork</a:t>
-            </a:r>
-          </a:p>
-          <a:p>
-            <a:pPr lvl="1">
-              <a:lnSpc>
-                <a:spcPct val="100000"/>
-              </a:lnSpc>
-              <a:spcBef>
-                <a:spcPts val="500"/>
-              </a:spcBef>
-            </a:pPr>
-            <a:r>
-              <a:rPr lang="en-US" dirty="0"/>
-              <a:t>Readings for Thursday (Analytical Formulation)</a:t>
-            </a:r>
-            <a:br>
-              <a:rPr lang="en-US" dirty="0"/>
-            </a:br>
-            <a:endParaRPr lang="en-US" dirty="0"/>
-          </a:p>
-          <a:p>
-            <a:r>
-              <a:rPr lang="en-US" dirty="0"/>
-              <a:t>Make sure to read </a:t>
-            </a:r>
-            <a:r>
-              <a:rPr lang="en-US" b="1" dirty="0">
-                <a:solidFill>
-                  <a:srgbClr val="C00000"/>
-                </a:solidFill>
-              </a:rPr>
-              <a:t>project proposal </a:t>
-            </a:r>
-            <a:r>
-              <a:rPr lang="en-US" dirty="0"/>
-              <a:t>preparation guidelines</a:t>
-            </a:r>
-          </a:p>
-        </p:txBody>
-      </p:sp>
-    </p:spTree>
-    <p:extLst>
-      <p:ext uri="{BB962C8B-B14F-4D97-AF65-F5344CB8AC3E}">
-        <p14:creationId xmlns:p14="http://schemas.microsoft.com/office/powerpoint/2010/main" val="1285932549"/>
-      </p:ext>
-    </p:extLst>
-  </p:cSld>
-  <p:clrMapOvr>
-    <a:masterClrMapping/>
-  </p:clrMapOvr>
-</p:sld>
-</file>
-
-<file path=ppt/slides/slide20.xml><?xml version="1.0" encoding="utf-8"?>
-<p:sld xmlns:a="http://schemas.openxmlformats.org/drawingml/2006/main" xmlns:r="http://schemas.openxmlformats.org/officeDocument/2006/relationships" xmlns:p="http://schemas.openxmlformats.org/presentationml/2006/main">
-  <p:cSld>
-    <p:spTree>
-      <p:nvGrpSpPr>
-        <p:cNvPr id="1" name=""/>
-        <p:cNvGrpSpPr/>
-        <p:nvPr/>
-      </p:nvGrpSpPr>
-      <p:grpSpPr>
-        <a:xfrm>
-          <a:off x="0" y="0"/>
-          <a:ext cx="0" cy="0"/>
-          <a:chOff x="0" y="0"/>
-          <a:chExt cx="0" cy="0"/>
-        </a:xfrm>
-      </p:grpSpPr>
-      <p:sp>
-        <p:nvSpPr>
-          <p:cNvPr id="35842" name="Rectangle 2"/>
-          <p:cNvSpPr>
-            <a:spLocks noGrp="1" noChangeArrowheads="1"/>
-          </p:cNvSpPr>
-          <p:nvPr>
-            <p:ph type="title"/>
-          </p:nvPr>
-        </p:nvSpPr>
-        <p:spPr/>
-        <p:txBody>
-          <a:bodyPr/>
-          <a:lstStyle/>
-          <a:p>
-            <a:r>
-              <a:rPr lang="en-US" altLang="en-US" dirty="0"/>
-              <a:t>How do we not compare every pair?</a:t>
-            </a:r>
-          </a:p>
-        </p:txBody>
-      </p:sp>
-      <p:sp>
-        <p:nvSpPr>
-          <p:cNvPr id="35843" name="Rectangle 3"/>
-          <p:cNvSpPr>
-            <a:spLocks noGrp="1" noChangeArrowheads="1"/>
-          </p:cNvSpPr>
-          <p:nvPr>
-            <p:ph type="body" idx="1"/>
-          </p:nvPr>
-        </p:nvSpPr>
-        <p:spPr/>
-        <p:txBody>
-          <a:bodyPr/>
-          <a:lstStyle/>
-          <a:p>
-            <a:pPr>
-              <a:lnSpc>
-                <a:spcPct val="90000"/>
-              </a:lnSpc>
-            </a:pPr>
-            <a:r>
-              <a:rPr lang="en-US" altLang="en-US" sz="2800" dirty="0"/>
-              <a:t>How do we avoid looking at |A| * |B| pairs?</a:t>
-            </a:r>
-          </a:p>
-          <a:p>
-            <a:pPr>
-              <a:lnSpc>
-                <a:spcPct val="90000"/>
-              </a:lnSpc>
-            </a:pPr>
-            <a:r>
-              <a:rPr lang="en-US" altLang="en-US" sz="2800" i="1" dirty="0"/>
-              <a:t>Blocking: </a:t>
-            </a:r>
-            <a:r>
-              <a:rPr lang="en-US" altLang="en-US" sz="2800" dirty="0"/>
-              <a:t>choose a smaller set of pairs that will contain all or most matches.  </a:t>
-            </a:r>
-          </a:p>
-          <a:p>
-            <a:pPr lvl="1">
-              <a:lnSpc>
-                <a:spcPct val="90000"/>
-              </a:lnSpc>
-            </a:pPr>
-            <a:r>
-              <a:rPr lang="en-US" altLang="en-US" sz="2400" dirty="0"/>
-              <a:t>Simple blocking:  compare all pairs that “hash” to the same value (e.g., same </a:t>
-            </a:r>
-            <a:r>
-              <a:rPr lang="en-US" altLang="en-US" sz="2400" dirty="0" err="1"/>
-              <a:t>Soundex</a:t>
-            </a:r>
-            <a:r>
-              <a:rPr lang="en-US" altLang="en-US" sz="2400" dirty="0"/>
-              <a:t> code for last name, same birth year)</a:t>
-            </a:r>
-          </a:p>
-          <a:p>
-            <a:pPr lvl="1">
-              <a:lnSpc>
-                <a:spcPct val="90000"/>
-              </a:lnSpc>
-            </a:pPr>
-            <a:r>
-              <a:rPr lang="en-US" altLang="en-US" sz="2400" dirty="0"/>
-              <a:t>Extensions (to increase </a:t>
-            </a:r>
-            <a:r>
-              <a:rPr lang="en-US" altLang="en-US" sz="2400" i="1" dirty="0"/>
-              <a:t>recall </a:t>
-            </a:r>
-            <a:r>
-              <a:rPr lang="en-US" altLang="en-US" sz="2400" dirty="0"/>
-              <a:t>of set of pairs):</a:t>
-            </a:r>
-          </a:p>
-          <a:p>
-            <a:pPr lvl="2">
-              <a:lnSpc>
-                <a:spcPct val="90000"/>
-              </a:lnSpc>
-            </a:pPr>
-            <a:r>
-              <a:rPr lang="en-US" altLang="en-US" sz="2000" dirty="0"/>
-              <a:t>Block on </a:t>
-            </a:r>
-            <a:r>
-              <a:rPr lang="en-US" altLang="en-US" sz="2000" i="1" dirty="0"/>
-              <a:t>multiple</a:t>
-            </a:r>
-            <a:r>
-              <a:rPr lang="en-US" altLang="en-US" sz="2000" dirty="0"/>
-              <a:t> attributes (</a:t>
-            </a:r>
-            <a:r>
-              <a:rPr lang="en-US" altLang="en-US" sz="2000" dirty="0" err="1"/>
-              <a:t>soundex</a:t>
-            </a:r>
-            <a:r>
-              <a:rPr lang="en-US" altLang="en-US" sz="2000" dirty="0"/>
-              <a:t>, zip code) and take union of all pairs found.</a:t>
-            </a:r>
-          </a:p>
-          <a:p>
-            <a:pPr lvl="2">
-              <a:lnSpc>
-                <a:spcPct val="90000"/>
-              </a:lnSpc>
-            </a:pPr>
-            <a:r>
-              <a:rPr lang="en-US" altLang="en-US" sz="2000" i="1" dirty="0"/>
-              <a:t>Windowing:</a:t>
-            </a:r>
-            <a:r>
-              <a:rPr lang="en-US" altLang="en-US" sz="2000" dirty="0"/>
-              <a:t> Pick (numerically or lexically) </a:t>
-            </a:r>
-            <a:r>
-              <a:rPr lang="en-US" altLang="en-US" sz="2000" i="1" dirty="0"/>
-              <a:t>ordered</a:t>
-            </a:r>
-            <a:r>
-              <a:rPr lang="en-US" altLang="en-US" sz="2000" dirty="0"/>
-              <a:t> attributes and sort (e.g., sort on last name).  The pick all pairs that appear “near” each other in the sorted order.</a:t>
-            </a:r>
-          </a:p>
-        </p:txBody>
-      </p:sp>
-    </p:spTree>
-    <p:extLst>
-      <p:ext uri="{BB962C8B-B14F-4D97-AF65-F5344CB8AC3E}">
-        <p14:creationId xmlns:p14="http://schemas.microsoft.com/office/powerpoint/2010/main" val="3772462634"/>
-      </p:ext>
-    </p:extLst>
-  </p:cSld>
-  <p:clrMapOvr>
-    <a:masterClrMapping/>
-  </p:clrMapOvr>
-</p:sld>
-</file>
-
-<file path=ppt/slides/slide21.xml><?xml version="1.0" encoding="utf-8"?>
-<p:sld xmlns:a="http://schemas.openxmlformats.org/drawingml/2006/main" xmlns:r="http://schemas.openxmlformats.org/officeDocument/2006/relationships" xmlns:p="http://schemas.openxmlformats.org/presentationml/2006/main">
-  <p:cSld>
-    <p:spTree>
-      <p:nvGrpSpPr>
-        <p:cNvPr id="1" name=""/>
-        <p:cNvGrpSpPr/>
-        <p:nvPr/>
-      </p:nvGrpSpPr>
-      <p:grpSpPr>
-        <a:xfrm>
-          <a:off x="0" y="0"/>
-          <a:ext cx="0" cy="0"/>
-          <a:chOff x="0" y="0"/>
-          <a:chExt cx="0" cy="0"/>
-        </a:xfrm>
-      </p:grpSpPr>
-      <p:sp>
-        <p:nvSpPr>
-          <p:cNvPr id="2" name="Title 1"/>
-          <p:cNvSpPr>
-            <a:spLocks noGrp="1"/>
-          </p:cNvSpPr>
-          <p:nvPr>
-            <p:ph type="title"/>
-          </p:nvPr>
-        </p:nvSpPr>
-        <p:spPr/>
-        <p:txBody>
-          <a:bodyPr/>
-          <a:lstStyle/>
-          <a:p>
-            <a:r>
-              <a:rPr lang="en-US" dirty="0"/>
-              <a:t>Machine Learning based Record Linkage</a:t>
-            </a:r>
-          </a:p>
-        </p:txBody>
-      </p:sp>
-      <p:sp>
-        <p:nvSpPr>
-          <p:cNvPr id="3" name="Content Placeholder 2"/>
-          <p:cNvSpPr>
-            <a:spLocks noGrp="1"/>
-          </p:cNvSpPr>
-          <p:nvPr>
-            <p:ph type="body" idx="1"/>
-          </p:nvPr>
-        </p:nvSpPr>
-        <p:spPr/>
-        <p:txBody>
-          <a:bodyPr/>
-          <a:lstStyle/>
-          <a:p>
-            <a:r>
-              <a:rPr lang="en-US" dirty="0"/>
-              <a:t>Generate training data</a:t>
-            </a:r>
-          </a:p>
-          <a:p>
-            <a:pPr lvl="1"/>
-            <a:r>
-              <a:rPr lang="en-US" dirty="0"/>
-              <a:t>Label pairs as match/no match</a:t>
-            </a:r>
-          </a:p>
-          <a:p>
-            <a:pPr lvl="1"/>
-            <a:endParaRPr lang="en-US" dirty="0"/>
-          </a:p>
-          <a:p>
-            <a:r>
-              <a:rPr lang="en-US" dirty="0"/>
-              <a:t>Generate features over each pair</a:t>
-            </a:r>
-          </a:p>
-          <a:p>
-            <a:pPr lvl="1"/>
-            <a:r>
-              <a:rPr lang="en-US" dirty="0"/>
-              <a:t>Distance metrics over different attributes (</a:t>
-            </a:r>
-            <a:r>
-              <a:rPr lang="en-US" dirty="0" err="1"/>
-              <a:t>fname</a:t>
-            </a:r>
-            <a:r>
-              <a:rPr lang="en-US" dirty="0"/>
-              <a:t>, </a:t>
-            </a:r>
-            <a:r>
-              <a:rPr lang="en-US" dirty="0" err="1"/>
-              <a:t>lname</a:t>
-            </a:r>
-            <a:r>
-              <a:rPr lang="en-US" dirty="0"/>
-              <a:t>, dob, etc.)</a:t>
-            </a:r>
-          </a:p>
-          <a:p>
-            <a:pPr lvl="1"/>
-            <a:r>
-              <a:rPr lang="en-US" dirty="0" err="1"/>
-              <a:t>Tfidf</a:t>
-            </a:r>
-            <a:r>
-              <a:rPr lang="en-US" dirty="0"/>
-              <a:t> scores</a:t>
-            </a:r>
-          </a:p>
-          <a:p>
-            <a:pPr lvl="1"/>
-            <a:endParaRPr lang="en-US" dirty="0"/>
-          </a:p>
-          <a:p>
-            <a:r>
-              <a:rPr lang="en-US" dirty="0"/>
-              <a:t>Build and evaluate classifiers</a:t>
-            </a:r>
-          </a:p>
-        </p:txBody>
-      </p:sp>
-    </p:spTree>
-    <p:extLst>
-      <p:ext uri="{BB962C8B-B14F-4D97-AF65-F5344CB8AC3E}">
-        <p14:creationId xmlns:p14="http://schemas.microsoft.com/office/powerpoint/2010/main" val="1221298556"/>
-      </p:ext>
-    </p:extLst>
-  </p:cSld>
-  <p:clrMapOvr>
-    <a:masterClrMapping/>
-  </p:clrMapOvr>
-</p:sld>
-</file>
-
-<file path=ppt/slides/slide22.xml><?xml version="1.0" encoding="utf-8"?>
-<p:sld xmlns:a="http://schemas.openxmlformats.org/drawingml/2006/main" xmlns:r="http://schemas.openxmlformats.org/officeDocument/2006/relationships" xmlns:p="http://schemas.openxmlformats.org/presentationml/2006/main">
-  <p:cSld>
-    <p:spTree>
-      <p:nvGrpSpPr>
-        <p:cNvPr id="1" name=""/>
-        <p:cNvGrpSpPr/>
-        <p:nvPr/>
-      </p:nvGrpSpPr>
-      <p:grpSpPr>
-        <a:xfrm>
-          <a:off x="0" y="0"/>
-          <a:ext cx="0" cy="0"/>
-          <a:chOff x="0" y="0"/>
-          <a:chExt cx="0" cy="0"/>
-        </a:xfrm>
-      </p:grpSpPr>
-      <p:sp>
-        <p:nvSpPr>
-          <p:cNvPr id="2" name="Title 1">
-            <a:extLst>
-              <a:ext uri="{FF2B5EF4-FFF2-40B4-BE49-F238E27FC236}">
-                <a16:creationId xmlns:a16="http://schemas.microsoft.com/office/drawing/2014/main" id="{14850FF5-E8EC-234D-805C-399C5033051A}"/>
-              </a:ext>
-            </a:extLst>
-          </p:cNvPr>
-          <p:cNvSpPr>
-            <a:spLocks noGrp="1"/>
-          </p:cNvSpPr>
-          <p:nvPr>
-            <p:ph type="title"/>
-          </p:nvPr>
-        </p:nvSpPr>
-        <p:spPr/>
-        <p:txBody>
-          <a:bodyPr/>
-          <a:lstStyle/>
-          <a:p>
-            <a:r>
-              <a:rPr lang="en-US" dirty="0"/>
-              <a:t>One-off versus recurring matching</a:t>
-            </a:r>
-          </a:p>
-        </p:txBody>
-      </p:sp>
-      <p:sp>
-        <p:nvSpPr>
-          <p:cNvPr id="3" name="Text Placeholder 2">
-            <a:extLst>
-              <a:ext uri="{FF2B5EF4-FFF2-40B4-BE49-F238E27FC236}">
-                <a16:creationId xmlns:a16="http://schemas.microsoft.com/office/drawing/2014/main" id="{0CD32BE4-76DA-C042-A3E3-35B452F39303}"/>
-              </a:ext>
-            </a:extLst>
-          </p:cNvPr>
-          <p:cNvSpPr>
-            <a:spLocks noGrp="1"/>
-          </p:cNvSpPr>
-          <p:nvPr>
-            <p:ph type="body" idx="1"/>
-          </p:nvPr>
-        </p:nvSpPr>
-        <p:spPr/>
-        <p:txBody>
-          <a:bodyPr/>
-          <a:lstStyle/>
-          <a:p>
-            <a:r>
-              <a:rPr lang="en-US" dirty="0"/>
-              <a:t>Unique identifiers: persistence?</a:t>
-            </a:r>
-          </a:p>
-          <a:p>
-            <a:endParaRPr lang="en-US" dirty="0"/>
-          </a:p>
-          <a:p>
-            <a:r>
-              <a:rPr lang="en-US" dirty="0"/>
-              <a:t>What do we do with new or changed pairs?</a:t>
-            </a:r>
-          </a:p>
-        </p:txBody>
-      </p:sp>
-    </p:spTree>
-    <p:extLst>
-      <p:ext uri="{BB962C8B-B14F-4D97-AF65-F5344CB8AC3E}">
-        <p14:creationId xmlns:p14="http://schemas.microsoft.com/office/powerpoint/2010/main" val="834575629"/>
-      </p:ext>
-    </p:extLst>
-  </p:cSld>
-  <p:clrMapOvr>
-    <a:masterClrMapping/>
-  </p:clrMapOvr>
-</p:sld>
-</file>
-
-<file path=ppt/slides/slide23.xml><?xml version="1.0" encoding="utf-8"?>
-<p:sld xmlns:a="http://schemas.openxmlformats.org/drawingml/2006/main" xmlns:r="http://schemas.openxmlformats.org/officeDocument/2006/relationships" xmlns:p="http://schemas.openxmlformats.org/presentationml/2006/main">
-  <p:cSld>
-    <p:spTree>
-      <p:nvGrpSpPr>
-        <p:cNvPr id="1" name=""/>
-        <p:cNvGrpSpPr/>
-        <p:nvPr/>
-      </p:nvGrpSpPr>
-      <p:grpSpPr>
-        <a:xfrm>
-          <a:off x="0" y="0"/>
-          <a:ext cx="0" cy="0"/>
-          <a:chOff x="0" y="0"/>
-          <a:chExt cx="0" cy="0"/>
-        </a:xfrm>
-      </p:grpSpPr>
-      <p:sp>
-        <p:nvSpPr>
-          <p:cNvPr id="3" name="Title 2">
-            <a:extLst>
-              <a:ext uri="{FF2B5EF4-FFF2-40B4-BE49-F238E27FC236}">
-                <a16:creationId xmlns:a16="http://schemas.microsoft.com/office/drawing/2014/main" id="{9323871C-7CA8-1448-8FFC-1AE6E1838941}"/>
-              </a:ext>
-            </a:extLst>
-          </p:cNvPr>
-          <p:cNvSpPr>
-            <a:spLocks noGrp="1"/>
-          </p:cNvSpPr>
-          <p:nvPr>
-            <p:ph type="title"/>
-          </p:nvPr>
-        </p:nvSpPr>
-        <p:spPr/>
-        <p:txBody>
-          <a:bodyPr/>
-          <a:lstStyle/>
-          <a:p>
-            <a:r>
-              <a:rPr lang="en-US" dirty="0"/>
-              <a:t>Things to remember</a:t>
-            </a:r>
-          </a:p>
-        </p:txBody>
-      </p:sp>
-      <p:sp>
-        <p:nvSpPr>
-          <p:cNvPr id="4" name="Text Placeholder 3">
-            <a:extLst>
-              <a:ext uri="{FF2B5EF4-FFF2-40B4-BE49-F238E27FC236}">
-                <a16:creationId xmlns:a16="http://schemas.microsoft.com/office/drawing/2014/main" id="{5E600BA7-FA45-884F-9820-9E5F2CB7AA48}"/>
-              </a:ext>
-            </a:extLst>
-          </p:cNvPr>
-          <p:cNvSpPr>
-            <a:spLocks noGrp="1"/>
-          </p:cNvSpPr>
-          <p:nvPr>
-            <p:ph type="body" idx="1"/>
-          </p:nvPr>
-        </p:nvSpPr>
-        <p:spPr/>
-        <p:txBody>
-          <a:bodyPr/>
-          <a:lstStyle/>
-          <a:p>
-            <a:r>
-              <a:rPr lang="en-US" b="1" dirty="0"/>
-              <a:t>Make sure and check that you can access your project data today</a:t>
-            </a:r>
-            <a:br>
-              <a:rPr lang="en-US" b="1" dirty="0"/>
-            </a:br>
-            <a:endParaRPr lang="en-US" b="1" dirty="0"/>
-          </a:p>
-          <a:p>
-            <a:r>
-              <a:rPr lang="en-US" dirty="0"/>
-              <a:t>What’s coming next week:</a:t>
-            </a:r>
-          </a:p>
-          <a:p>
-            <a:pPr lvl="1">
-              <a:spcBef>
-                <a:spcPts val="1000"/>
-              </a:spcBef>
-            </a:pPr>
-            <a:r>
-              <a:rPr lang="en-US" dirty="0"/>
-              <a:t>Monday: quick assignment to check database connection</a:t>
-            </a:r>
-          </a:p>
-          <a:p>
-            <a:pPr lvl="1">
-              <a:spcBef>
-                <a:spcPts val="1000"/>
-              </a:spcBef>
-            </a:pPr>
-            <a:r>
-              <a:rPr lang="en-US" dirty="0"/>
-              <a:t>Tuesday: weekly feedback form</a:t>
-            </a:r>
-          </a:p>
-          <a:p>
-            <a:pPr lvl="1">
-              <a:spcBef>
-                <a:spcPts val="1000"/>
-              </a:spcBef>
-            </a:pPr>
-            <a:r>
-              <a:rPr lang="en-US" dirty="0"/>
-              <a:t>Tuesday: Data Exploration + Teamwork</a:t>
-            </a:r>
-          </a:p>
-          <a:p>
-            <a:pPr lvl="1">
-              <a:lnSpc>
-                <a:spcPct val="100000"/>
-              </a:lnSpc>
-              <a:spcBef>
-                <a:spcPts val="500"/>
-              </a:spcBef>
-            </a:pPr>
-            <a:r>
-              <a:rPr lang="en-US" dirty="0"/>
-              <a:t>Readings for Thursday (Analytical Formulation)</a:t>
-            </a:r>
-            <a:br>
-              <a:rPr lang="en-US" dirty="0"/>
-            </a:br>
-            <a:endParaRPr lang="en-US" dirty="0"/>
-          </a:p>
-          <a:p>
-            <a:r>
-              <a:rPr lang="en-US" dirty="0"/>
-              <a:t>Make sure to read </a:t>
-            </a:r>
-            <a:r>
-              <a:rPr lang="en-US" b="1" dirty="0">
-                <a:solidFill>
-                  <a:srgbClr val="C00000"/>
-                </a:solidFill>
-              </a:rPr>
-              <a:t>project proposal </a:t>
-            </a:r>
-            <a:r>
-              <a:rPr lang="en-US" dirty="0"/>
-              <a:t>preparation guidelines</a:t>
-            </a:r>
-          </a:p>
-        </p:txBody>
-      </p:sp>
-    </p:spTree>
-    <p:extLst>
-      <p:ext uri="{BB962C8B-B14F-4D97-AF65-F5344CB8AC3E}">
-        <p14:creationId xmlns:p14="http://schemas.microsoft.com/office/powerpoint/2010/main" val="2953224412"/>
-      </p:ext>
-    </p:extLst>
-  </p:cSld>
-  <p:clrMapOvr>
-    <a:masterClrMapping/>
-  </p:clrMapOvr>
-</p:sld>
-</file>
-
-<file path=ppt/slides/slide3.xml><?xml version="1.0" encoding="utf-8"?>
-<p:sld xmlns:a="http://schemas.openxmlformats.org/drawingml/2006/main" xmlns:r="http://schemas.openxmlformats.org/officeDocument/2006/relationships" xmlns:p="http://schemas.openxmlformats.org/presentationml/2006/main">
-  <p:cSld>
-    <p:spTree>
-      <p:nvGrpSpPr>
-        <p:cNvPr id="1" name=""/>
-        <p:cNvGrpSpPr/>
-        <p:nvPr/>
-      </p:nvGrpSpPr>
-      <p:grpSpPr>
-        <a:xfrm>
-          <a:off x="0" y="0"/>
-          <a:ext cx="0" cy="0"/>
-          <a:chOff x="0" y="0"/>
-          <a:chExt cx="0" cy="0"/>
-        </a:xfrm>
-      </p:grpSpPr>
-      <p:sp>
-        <p:nvSpPr>
-          <p:cNvPr id="8194" name="Rectangle 2"/>
-          <p:cNvSpPr>
-            <a:spLocks noGrp="1" noChangeArrowheads="1"/>
-          </p:cNvSpPr>
-          <p:nvPr>
-            <p:ph type="title"/>
-          </p:nvPr>
-        </p:nvSpPr>
-        <p:spPr/>
-        <p:txBody>
-          <a:bodyPr/>
-          <a:lstStyle/>
-          <a:p>
-            <a:r>
-              <a:rPr lang="en-US" altLang="en-US" dirty="0"/>
-              <a:t> Working with Your Project Team</a:t>
-            </a:r>
-          </a:p>
-        </p:txBody>
-      </p:sp>
-      <p:sp>
-        <p:nvSpPr>
-          <p:cNvPr id="8195" name="Rectangle 3"/>
-          <p:cNvSpPr>
-            <a:spLocks noGrp="1" noChangeArrowheads="1"/>
-          </p:cNvSpPr>
-          <p:nvPr>
-            <p:ph type="body" idx="1"/>
-          </p:nvPr>
-        </p:nvSpPr>
-        <p:spPr/>
-        <p:txBody>
-          <a:bodyPr/>
-          <a:lstStyle/>
-          <a:p>
-            <a:pPr>
-              <a:lnSpc>
-                <a:spcPct val="150000"/>
-              </a:lnSpc>
-            </a:pPr>
-            <a:r>
-              <a:rPr lang="en-US" altLang="en-US" dirty="0"/>
-              <a:t>Teams designed to balance skills, backgrounds, and experiences</a:t>
-            </a:r>
-            <a:br>
-              <a:rPr lang="en-US" altLang="en-US" dirty="0"/>
-            </a:br>
-            <a:endParaRPr lang="en-US" altLang="en-US" dirty="0"/>
-          </a:p>
-          <a:p>
-            <a:pPr>
-              <a:lnSpc>
-                <a:spcPct val="150000"/>
-              </a:lnSpc>
-            </a:pPr>
-            <a:r>
-              <a:rPr lang="en-US" altLang="en-US" dirty="0"/>
-              <a:t>Spend some time up front figuring out how to work as a team and work styles</a:t>
-            </a:r>
-            <a:br>
-              <a:rPr lang="en-US" altLang="en-US" dirty="0"/>
-            </a:br>
-            <a:endParaRPr lang="en-US" altLang="en-US" dirty="0"/>
-          </a:p>
-          <a:p>
-            <a:pPr>
-              <a:lnSpc>
-                <a:spcPct val="150000"/>
-              </a:lnSpc>
-            </a:pPr>
-            <a:r>
-              <a:rPr lang="en-US" altLang="en-US" dirty="0"/>
-              <a:t>Everyone should participate in </a:t>
-            </a:r>
-            <a:r>
-              <a:rPr lang="en-US" altLang="en-US" b="1" dirty="0">
-                <a:solidFill>
-                  <a:srgbClr val="FF0000"/>
-                </a:solidFill>
-              </a:rPr>
-              <a:t>all</a:t>
-            </a:r>
-            <a:r>
-              <a:rPr lang="en-US" altLang="en-US" dirty="0"/>
-              <a:t> aspects of project</a:t>
-            </a:r>
-          </a:p>
-          <a:p>
-            <a:pPr lvl="1">
-              <a:lnSpc>
-                <a:spcPct val="100000"/>
-              </a:lnSpc>
-            </a:pPr>
-            <a:r>
-              <a:rPr lang="en-US" altLang="en-US" dirty="0"/>
-              <a:t>No individual should do the majority of the python coding, SQL writing, report writing</a:t>
-            </a:r>
-            <a:br>
-              <a:rPr lang="en-US" altLang="en-US" dirty="0"/>
-            </a:br>
-            <a:endParaRPr lang="en-US" altLang="en-US" dirty="0"/>
-          </a:p>
-          <a:p>
-            <a:pPr>
-              <a:lnSpc>
-                <a:spcPct val="150000"/>
-              </a:lnSpc>
-            </a:pPr>
-            <a:r>
-              <a:rPr lang="en-US" altLang="en-US" dirty="0"/>
-              <a:t>However, you should divide up different pieces of the work</a:t>
-            </a:r>
-          </a:p>
-          <a:p>
-            <a:pPr lvl="1">
-              <a:lnSpc>
-                <a:spcPct val="100000"/>
-              </a:lnSpc>
-            </a:pPr>
-            <a:r>
-              <a:rPr lang="en-US" altLang="en-US" dirty="0"/>
-              <a:t>For instance, working on different parts of the pipeline code in parallel or splitting up sections of the report</a:t>
-            </a:r>
-          </a:p>
-        </p:txBody>
-      </p:sp>
-    </p:spTree>
-    <p:extLst>
-      <p:ext uri="{BB962C8B-B14F-4D97-AF65-F5344CB8AC3E}">
-        <p14:creationId xmlns:p14="http://schemas.microsoft.com/office/powerpoint/2010/main" val="3883283808"/>
-      </p:ext>
-    </p:extLst>
-  </p:cSld>
-  <p:clrMapOvr>
-    <a:masterClrMapping/>
-  </p:clrMapOvr>
-</p:sld>
-</file>
-
-<file path=ppt/slides/slide4.xml><?xml version="1.0" encoding="utf-8"?>
-<p:sld xmlns:a="http://schemas.openxmlformats.org/drawingml/2006/main" xmlns:r="http://schemas.openxmlformats.org/officeDocument/2006/relationships" xmlns:p="http://schemas.openxmlformats.org/presentationml/2006/main">
-  <p:cSld>
-    <p:spTree>
-      <p:nvGrpSpPr>
-        <p:cNvPr id="1" name=""/>
-        <p:cNvGrpSpPr/>
-        <p:nvPr/>
-      </p:nvGrpSpPr>
-      <p:grpSpPr>
-        <a:xfrm>
-          <a:off x="0" y="0"/>
-          <a:ext cx="0" cy="0"/>
-          <a:chOff x="0" y="0"/>
-          <a:chExt cx="0" cy="0"/>
-        </a:xfrm>
-      </p:grpSpPr>
-      <p:sp>
-        <p:nvSpPr>
-          <p:cNvPr id="8194" name="Rectangle 2"/>
-          <p:cNvSpPr>
-            <a:spLocks noGrp="1" noChangeArrowheads="1"/>
-          </p:cNvSpPr>
-          <p:nvPr>
-            <p:ph type="title"/>
-          </p:nvPr>
-        </p:nvSpPr>
-        <p:spPr/>
-        <p:txBody>
-          <a:bodyPr/>
-          <a:lstStyle/>
-          <a:p>
-            <a:r>
-              <a:rPr lang="en-US" altLang="en-US" dirty="0"/>
-              <a:t> Working with Your Project Team</a:t>
-            </a:r>
-          </a:p>
-        </p:txBody>
-      </p:sp>
-      <p:sp>
-        <p:nvSpPr>
-          <p:cNvPr id="8195" name="Rectangle 3"/>
-          <p:cNvSpPr>
-            <a:spLocks noGrp="1" noChangeArrowheads="1"/>
-          </p:cNvSpPr>
-          <p:nvPr>
-            <p:ph type="body" idx="1"/>
-          </p:nvPr>
-        </p:nvSpPr>
-        <p:spPr>
-          <a:xfrm>
-            <a:off x="207750" y="1548990"/>
-            <a:ext cx="11776400" cy="4555200"/>
-          </a:xfrm>
-        </p:spPr>
-        <p:txBody>
-          <a:bodyPr/>
-          <a:lstStyle/>
-          <a:p>
-            <a:pPr>
-              <a:lnSpc>
-                <a:spcPct val="150000"/>
-              </a:lnSpc>
-            </a:pPr>
-            <a:r>
-              <a:rPr lang="en-US" altLang="en-US" dirty="0"/>
-              <a:t>We’re providing class time to make it easier to coordinate with your group and get feedback from peers and instructors, but you won’t be able to complete the project just in this allotted time</a:t>
-            </a:r>
-            <a:br>
-              <a:rPr lang="en-US" altLang="en-US" dirty="0"/>
-            </a:br>
-            <a:endParaRPr lang="en-US" altLang="en-US" dirty="0"/>
-          </a:p>
-          <a:p>
-            <a:pPr>
-              <a:lnSpc>
-                <a:spcPct val="150000"/>
-              </a:lnSpc>
-            </a:pPr>
-            <a:r>
-              <a:rPr lang="en-US" altLang="en-US" dirty="0"/>
-              <a:t>Tools for coordination:</a:t>
-            </a:r>
-          </a:p>
-          <a:p>
-            <a:pPr lvl="1">
-              <a:lnSpc>
-                <a:spcPct val="150000"/>
-              </a:lnSpc>
-            </a:pPr>
-            <a:r>
-              <a:rPr lang="en-US" altLang="en-US" dirty="0"/>
-              <a:t>Slack: we’ve created group-level and project-level channels. Additionally, feel free to use group DMs and video calls with your group to coordinate as well.</a:t>
-            </a:r>
-          </a:p>
-          <a:p>
-            <a:pPr lvl="1">
-              <a:lnSpc>
-                <a:spcPct val="150000"/>
-              </a:lnSpc>
-            </a:pPr>
-            <a:r>
-              <a:rPr lang="en-US" altLang="en-US" dirty="0"/>
-              <a:t>Many good free options for task tracking/management: </a:t>
-            </a:r>
-            <a:r>
-              <a:rPr lang="en-US" altLang="en-US" dirty="0" err="1"/>
-              <a:t>github</a:t>
-            </a:r>
-            <a:r>
-              <a:rPr lang="en-US" altLang="en-US" dirty="0"/>
-              <a:t> issues or project boards, </a:t>
-            </a:r>
-            <a:r>
-              <a:rPr lang="en-US" altLang="en-US" dirty="0" err="1"/>
-              <a:t>trello</a:t>
-            </a:r>
-            <a:r>
-              <a:rPr lang="en-US" altLang="en-US" dirty="0"/>
-              <a:t>, etc.</a:t>
-            </a:r>
-          </a:p>
-        </p:txBody>
-      </p:sp>
-    </p:spTree>
-    <p:extLst>
-      <p:ext uri="{BB962C8B-B14F-4D97-AF65-F5344CB8AC3E}">
-        <p14:creationId xmlns:p14="http://schemas.microsoft.com/office/powerpoint/2010/main" val="2143740766"/>
-      </p:ext>
-    </p:extLst>
-  </p:cSld>
-  <p:clrMapOvr>
-    <a:masterClrMapping/>
-  </p:clrMapOvr>
-</p:sld>
-</file>
-
-<file path=ppt/slides/slide5.xml><?xml version="1.0" encoding="utf-8"?>
-<p:sld xmlns:a="http://schemas.openxmlformats.org/drawingml/2006/main" xmlns:r="http://schemas.openxmlformats.org/officeDocument/2006/relationships" xmlns:p="http://schemas.openxmlformats.org/presentationml/2006/main">
-  <p:cSld>
-    <p:spTree>
-      <p:nvGrpSpPr>
-        <p:cNvPr id="1" name=""/>
-        <p:cNvGrpSpPr/>
-        <p:nvPr/>
-      </p:nvGrpSpPr>
-      <p:grpSpPr>
-        <a:xfrm>
-          <a:off x="0" y="0"/>
-          <a:ext cx="0" cy="0"/>
-          <a:chOff x="0" y="0"/>
-          <a:chExt cx="0" cy="0"/>
-        </a:xfrm>
-      </p:grpSpPr>
-      <p:sp>
-        <p:nvSpPr>
-          <p:cNvPr id="8194" name="Rectangle 2"/>
-          <p:cNvSpPr>
-            <a:spLocks noGrp="1" noChangeArrowheads="1"/>
-          </p:cNvSpPr>
-          <p:nvPr>
-            <p:ph type="title"/>
-          </p:nvPr>
-        </p:nvSpPr>
-        <p:spPr/>
-        <p:txBody>
-          <a:bodyPr/>
-          <a:lstStyle/>
-          <a:p>
-            <a:r>
-              <a:rPr lang="en-US" altLang="en-US" dirty="0"/>
-              <a:t> Working with Your Project Team</a:t>
-            </a:r>
-          </a:p>
-        </p:txBody>
-      </p:sp>
-      <p:sp>
-        <p:nvSpPr>
-          <p:cNvPr id="8195" name="Rectangle 3"/>
-          <p:cNvSpPr>
-            <a:spLocks noGrp="1" noChangeArrowheads="1"/>
-          </p:cNvSpPr>
-          <p:nvPr>
-            <p:ph type="body" idx="1"/>
-          </p:nvPr>
-        </p:nvSpPr>
-        <p:spPr>
-          <a:xfrm>
-            <a:off x="207750" y="1548990"/>
-            <a:ext cx="11776400" cy="4555200"/>
-          </a:xfrm>
-        </p:spPr>
-        <p:txBody>
-          <a:bodyPr/>
-          <a:lstStyle/>
-          <a:p>
-            <a:pPr>
-              <a:lnSpc>
-                <a:spcPct val="150000"/>
-              </a:lnSpc>
-            </a:pPr>
-            <a:r>
-              <a:rPr lang="en-US" altLang="en-US" dirty="0"/>
-              <a:t>Active participation in the group work throughout the entire semester is required by all the team members, and a very large component of your grade</a:t>
-            </a:r>
-            <a:br>
-              <a:rPr lang="en-US" altLang="en-US" dirty="0"/>
-            </a:br>
-            <a:endParaRPr lang="en-US" altLang="en-US" dirty="0"/>
-          </a:p>
-          <a:p>
-            <a:pPr>
-              <a:lnSpc>
-                <a:spcPct val="150000"/>
-              </a:lnSpc>
-            </a:pPr>
-            <a:r>
-              <a:rPr lang="en-US" altLang="en-US" dirty="0"/>
-              <a:t>Collaboration is encouraged, both within and across teams! Learning from each others’ strengths is a big benefit of group work, and you should feel free to discuss strategies and approaches with other teams (i.e., it’s not a competition)</a:t>
-            </a:r>
-            <a:br>
-              <a:rPr lang="en-US" altLang="en-US" dirty="0"/>
-            </a:br>
-            <a:endParaRPr lang="en-US" altLang="en-US" dirty="0"/>
-          </a:p>
-          <a:p>
-            <a:pPr>
-              <a:lnSpc>
-                <a:spcPct val="150000"/>
-              </a:lnSpc>
-            </a:pPr>
-            <a:r>
-              <a:rPr lang="en-US" altLang="en-US" dirty="0"/>
-              <a:t>Pacing your work is important. You won’t be able to do everything the week before the final report, and if everyone tries to, you’ll break the server.</a:t>
-            </a:r>
-          </a:p>
-        </p:txBody>
-      </p:sp>
-    </p:spTree>
-    <p:extLst>
-      <p:ext uri="{BB962C8B-B14F-4D97-AF65-F5344CB8AC3E}">
-        <p14:creationId xmlns:p14="http://schemas.microsoft.com/office/powerpoint/2010/main" val="2457927461"/>
-      </p:ext>
-    </p:extLst>
-  </p:cSld>
-  <p:clrMapOvr>
-    <a:masterClrMapping/>
-  </p:clrMapOvr>
-</p:sld>
-</file>
-
-<file path=ppt/slides/slide6.xml><?xml version="1.0" encoding="utf-8"?>
-<p:sld xmlns:a="http://schemas.openxmlformats.org/drawingml/2006/main" xmlns:r="http://schemas.openxmlformats.org/officeDocument/2006/relationships" xmlns:p="http://schemas.openxmlformats.org/presentationml/2006/main">
-  <p:cSld>
-    <p:spTree>
-      <p:nvGrpSpPr>
-        <p:cNvPr id="1" name=""/>
-        <p:cNvGrpSpPr/>
-        <p:nvPr/>
-      </p:nvGrpSpPr>
-      <p:grpSpPr>
-        <a:xfrm>
-          <a:off x="0" y="0"/>
-          <a:ext cx="0" cy="0"/>
-          <a:chOff x="0" y="0"/>
-          <a:chExt cx="0" cy="0"/>
-        </a:xfrm>
-      </p:grpSpPr>
-      <p:sp>
-        <p:nvSpPr>
-          <p:cNvPr id="4" name="Text Placeholder 3">
-            <a:extLst>
-              <a:ext uri="{FF2B5EF4-FFF2-40B4-BE49-F238E27FC236}">
-                <a16:creationId xmlns:a16="http://schemas.microsoft.com/office/drawing/2014/main" id="{5E600BA7-FA45-884F-9820-9E5F2CB7AA48}"/>
-              </a:ext>
-            </a:extLst>
-          </p:cNvPr>
-          <p:cNvSpPr>
-            <a:spLocks noGrp="1"/>
-          </p:cNvSpPr>
-          <p:nvPr>
-            <p:ph type="body" idx="1"/>
-          </p:nvPr>
-        </p:nvSpPr>
-        <p:spPr>
-          <a:xfrm>
-            <a:off x="210065" y="2724664"/>
-            <a:ext cx="11566285" cy="1408672"/>
-          </a:xfrm>
-        </p:spPr>
-        <p:txBody>
-          <a:bodyPr/>
-          <a:lstStyle/>
-          <a:p>
-            <a:pPr marL="76200" indent="0" algn="ctr">
-              <a:buNone/>
-            </a:pPr>
-            <a:r>
-              <a:rPr lang="en-US" sz="4800" dirty="0"/>
-              <a:t>Past experiences with project groups or questions/feedback about this semester?</a:t>
-            </a:r>
-          </a:p>
-        </p:txBody>
-      </p:sp>
-      <p:sp>
-        <p:nvSpPr>
-          <p:cNvPr id="3" name="Title 1">
-            <a:extLst>
-              <a:ext uri="{FF2B5EF4-FFF2-40B4-BE49-F238E27FC236}">
-                <a16:creationId xmlns:a16="http://schemas.microsoft.com/office/drawing/2014/main" id="{9CDFC252-FA93-E641-BB21-4E80983D7592}"/>
-              </a:ext>
-            </a:extLst>
-          </p:cNvPr>
-          <p:cNvSpPr>
-            <a:spLocks noGrp="1"/>
-          </p:cNvSpPr>
-          <p:nvPr>
-            <p:ph type="title"/>
-          </p:nvPr>
-        </p:nvSpPr>
-        <p:spPr>
-          <a:xfrm>
-            <a:off x="415600" y="593367"/>
-            <a:ext cx="11360700" cy="763500"/>
-          </a:xfrm>
-        </p:spPr>
-        <p:txBody>
-          <a:bodyPr/>
-          <a:lstStyle/>
-          <a:p>
-            <a:pPr algn="ctr"/>
-            <a:r>
-              <a:rPr lang="en-US" dirty="0"/>
-              <a:t>DISCUSSION QUESTION</a:t>
-            </a:r>
-          </a:p>
-        </p:txBody>
-      </p:sp>
-    </p:spTree>
-    <p:extLst>
-      <p:ext uri="{BB962C8B-B14F-4D97-AF65-F5344CB8AC3E}">
-        <p14:creationId xmlns:p14="http://schemas.microsoft.com/office/powerpoint/2010/main" val="1608946016"/>
-      </p:ext>
-    </p:extLst>
-  </p:cSld>
-  <p:clrMapOvr>
-    <a:masterClrMapping/>
-  </p:clrMapOvr>
-</p:sld>
-</file>
-
-<file path=ppt/slides/slide7.xml><?xml version="1.0" encoding="utf-8"?>
-<p:sld xmlns:a="http://schemas.openxmlformats.org/drawingml/2006/main" xmlns:r="http://schemas.openxmlformats.org/officeDocument/2006/relationships" xmlns:p="http://schemas.openxmlformats.org/presentationml/2006/main">
-  <p:cSld>
-    <p:spTree>
-      <p:nvGrpSpPr>
-        <p:cNvPr id="1" name=""/>
-        <p:cNvGrpSpPr/>
-        <p:nvPr/>
-      </p:nvGrpSpPr>
-      <p:grpSpPr>
-        <a:xfrm>
-          <a:off x="0" y="0"/>
-          <a:ext cx="0" cy="0"/>
-          <a:chOff x="0" y="0"/>
-          <a:chExt cx="0" cy="0"/>
-        </a:xfrm>
-      </p:grpSpPr>
-      <p:sp>
-        <p:nvSpPr>
-          <p:cNvPr id="2" name="Title 1">
-            <a:extLst>
-              <a:ext uri="{FF2B5EF4-FFF2-40B4-BE49-F238E27FC236}">
-                <a16:creationId xmlns:a16="http://schemas.microsoft.com/office/drawing/2014/main" id="{94CF2A94-A63F-6149-AA28-2E35B60E3D3E}"/>
-              </a:ext>
-            </a:extLst>
-          </p:cNvPr>
-          <p:cNvSpPr>
-            <a:spLocks noGrp="1"/>
-          </p:cNvSpPr>
-          <p:nvPr>
-            <p:ph type="title"/>
-          </p:nvPr>
-        </p:nvSpPr>
-        <p:spPr/>
-        <p:txBody>
-          <a:bodyPr/>
-          <a:lstStyle/>
-          <a:p>
-            <a:endParaRPr lang="en-US"/>
-          </a:p>
-        </p:txBody>
-      </p:sp>
-      <p:graphicFrame>
-        <p:nvGraphicFramePr>
-          <p:cNvPr id="3" name="Diagram 2">
-            <a:extLst>
-              <a:ext uri="{FF2B5EF4-FFF2-40B4-BE49-F238E27FC236}">
-                <a16:creationId xmlns:a16="http://schemas.microsoft.com/office/drawing/2014/main" id="{8E902576-68A9-6E48-B0FE-5B1889953DC8}"/>
-              </a:ext>
-            </a:extLst>
-          </p:cNvPr>
-          <p:cNvGraphicFramePr/>
-          <p:nvPr>
-            <p:extLst>
-              <p:ext uri="{D42A27DB-BD31-4B8C-83A1-F6EECF244321}">
-                <p14:modId xmlns:p14="http://schemas.microsoft.com/office/powerpoint/2010/main" val="1737878827"/>
-              </p:ext>
-            </p:extLst>
-          </p:nvPr>
-        </p:nvGraphicFramePr>
-        <p:xfrm>
-          <a:off x="180467" y="0"/>
-          <a:ext cx="11776400" cy="6858000"/>
-        </p:xfrm>
-        <a:graphic>
-          <a:graphicData uri="http://schemas.openxmlformats.org/drawingml/2006/diagram">
-            <dgm:relIds xmlns:dgm="http://schemas.openxmlformats.org/drawingml/2006/diagram" xmlns:r="http://schemas.openxmlformats.org/officeDocument/2006/relationships" r:dm="rId2" r:lo="rId3" r:qs="rId4" r:cs="rId5"/>
-          </a:graphicData>
-        </a:graphic>
-      </p:graphicFrame>
-      <p:sp>
-        <p:nvSpPr>
-          <p:cNvPr id="4" name="Rectangle 3">
-            <a:extLst>
-              <a:ext uri="{FF2B5EF4-FFF2-40B4-BE49-F238E27FC236}">
-                <a16:creationId xmlns:a16="http://schemas.microsoft.com/office/drawing/2014/main" id="{E2C99BF2-C81A-5246-89D3-E49BCDCAD699}"/>
-              </a:ext>
-            </a:extLst>
-          </p:cNvPr>
-          <p:cNvSpPr/>
-          <p:nvPr/>
-        </p:nvSpPr>
-        <p:spPr>
-          <a:xfrm>
-            <a:off x="3226525" y="274320"/>
-            <a:ext cx="2534195" cy="1789611"/>
-          </a:xfrm>
-          <a:prstGeom prst="rect">
-            <a:avLst/>
-          </a:prstGeom>
-          <a:noFill/>
-          <a:ln w="76200">
-            <a:solidFill>
-              <a:srgbClr val="C00000"/>
-            </a:solidFill>
-          </a:ln>
-        </p:spPr>
-        <p:style>
-          <a:lnRef idx="2">
-            <a:schemeClr val="accent1">
-              <a:shade val="50000"/>
-            </a:schemeClr>
-          </a:lnRef>
-          <a:fillRef idx="1">
-            <a:schemeClr val="accent1"/>
-          </a:fillRef>
-          <a:effectRef idx="0">
-            <a:schemeClr val="accent1"/>
-          </a:effectRef>
-          <a:fontRef idx="minor">
-            <a:schemeClr val="lt1"/>
-          </a:fontRef>
-        </p:style>
-        <p:txBody>
-          <a:bodyPr rtlCol="0" anchor="ctr"/>
-          <a:lstStyle/>
-          <a:p>
-            <a:pPr algn="ctr"/>
-            <a:endParaRPr lang="en-US"/>
-          </a:p>
-        </p:txBody>
-      </p:sp>
-    </p:spTree>
-    <p:extLst>
-      <p:ext uri="{BB962C8B-B14F-4D97-AF65-F5344CB8AC3E}">
-        <p14:creationId xmlns:p14="http://schemas.microsoft.com/office/powerpoint/2010/main" val="2624855364"/>
-      </p:ext>
-    </p:extLst>
-  </p:cSld>
-  <p:clrMapOvr>
-    <a:masterClrMapping/>
-  </p:clrMapOvr>
-</p:sld>
-</file>
-
-<file path=ppt/slides/slide8.xml><?xml version="1.0" encoding="utf-8"?>
-<p:sld xmlns:a="http://schemas.openxmlformats.org/drawingml/2006/main" xmlns:r="http://schemas.openxmlformats.org/officeDocument/2006/relationships" xmlns:p="http://schemas.openxmlformats.org/presentationml/2006/main">
-  <p:cSld>
-    <p:spTree>
-      <p:nvGrpSpPr>
-        <p:cNvPr id="1" name=""/>
-        <p:cNvGrpSpPr/>
-        <p:nvPr/>
-      </p:nvGrpSpPr>
-      <p:grpSpPr>
-        <a:xfrm>
-          <a:off x="0" y="0"/>
-          <a:ext cx="0" cy="0"/>
-          <a:chOff x="0" y="0"/>
-          <a:chExt cx="0" cy="0"/>
-        </a:xfrm>
-      </p:grpSpPr>
-      <p:sp>
-        <p:nvSpPr>
-          <p:cNvPr id="2" name="Title 1">
-            <a:extLst>
-              <a:ext uri="{FF2B5EF4-FFF2-40B4-BE49-F238E27FC236}">
-                <a16:creationId xmlns:a16="http://schemas.microsoft.com/office/drawing/2014/main" id="{21359BA9-BA2B-D148-89DA-A99081B1FF81}"/>
-              </a:ext>
-            </a:extLst>
-          </p:cNvPr>
-          <p:cNvSpPr>
-            <a:spLocks noGrp="1"/>
-          </p:cNvSpPr>
-          <p:nvPr>
-            <p:ph type="title"/>
-          </p:nvPr>
-        </p:nvSpPr>
-        <p:spPr/>
-        <p:txBody>
-          <a:bodyPr/>
-          <a:lstStyle/>
-          <a:p>
-            <a:r>
-              <a:rPr lang="en-US" dirty="0"/>
-              <a:t>Challenges</a:t>
-            </a:r>
-          </a:p>
-        </p:txBody>
-      </p:sp>
-      <p:sp>
-        <p:nvSpPr>
-          <p:cNvPr id="3" name="Text Placeholder 2">
-            <a:extLst>
-              <a:ext uri="{FF2B5EF4-FFF2-40B4-BE49-F238E27FC236}">
-                <a16:creationId xmlns:a16="http://schemas.microsoft.com/office/drawing/2014/main" id="{DDA03E0F-5F3D-5B4D-8232-BF72B84A198E}"/>
-              </a:ext>
-            </a:extLst>
-          </p:cNvPr>
-          <p:cNvSpPr>
-            <a:spLocks noGrp="1"/>
-          </p:cNvSpPr>
-          <p:nvPr>
-            <p:ph type="body" idx="1"/>
-          </p:nvPr>
-        </p:nvSpPr>
-        <p:spPr/>
-        <p:txBody>
-          <a:bodyPr/>
-          <a:lstStyle/>
-          <a:p>
-            <a:r>
-              <a:rPr lang="en-US" dirty="0"/>
-              <a:t>Political</a:t>
-            </a:r>
-          </a:p>
-          <a:p>
-            <a:r>
-              <a:rPr lang="en-US" dirty="0"/>
-              <a:t>Internal Awareness</a:t>
-            </a:r>
-          </a:p>
-          <a:p>
-            <a:r>
-              <a:rPr lang="en-US" dirty="0"/>
-              <a:t>Legal/Contractual</a:t>
-            </a:r>
-          </a:p>
-          <a:p>
-            <a:r>
-              <a:rPr lang="en-US" dirty="0"/>
-              <a:t>Ethical</a:t>
-            </a:r>
-          </a:p>
-          <a:p>
-            <a:r>
-              <a:rPr lang="en-US" dirty="0"/>
-              <a:t>Technical</a:t>
-            </a:r>
-          </a:p>
-          <a:p>
-            <a:endParaRPr lang="en-US" dirty="0"/>
-          </a:p>
-        </p:txBody>
-      </p:sp>
-    </p:spTree>
-    <p:extLst>
-      <p:ext uri="{BB962C8B-B14F-4D97-AF65-F5344CB8AC3E}">
-        <p14:creationId xmlns:p14="http://schemas.microsoft.com/office/powerpoint/2010/main" val="1721185332"/>
-      </p:ext>
-    </p:extLst>
-  </p:cSld>
-  <p:clrMapOvr>
-    <a:masterClrMapping/>
-  </p:clrMapOvr>
-</p:sld>
-</file>
-
-<file path=ppt/slides/slide9.xml><?xml version="1.0" encoding="utf-8"?>
-<p:sld xmlns:a="http://schemas.openxmlformats.org/drawingml/2006/main" xmlns:r="http://schemas.openxmlformats.org/officeDocument/2006/relationships" xmlns:p="http://schemas.openxmlformats.org/presentationml/2006/main">
-  <p:cSld>
-    <p:spTree>
-      <p:nvGrpSpPr>
-        <p:cNvPr id="1" name=""/>
-        <p:cNvGrpSpPr/>
-        <p:nvPr/>
-      </p:nvGrpSpPr>
-      <p:grpSpPr>
-        <a:xfrm>
-          <a:off x="0" y="0"/>
-          <a:ext cx="0" cy="0"/>
-          <a:chOff x="0" y="0"/>
-          <a:chExt cx="0" cy="0"/>
-        </a:xfrm>
-      </p:grpSpPr>
-      <p:sp>
-        <p:nvSpPr>
-          <p:cNvPr id="2" name="Title 1">
-            <a:extLst>
-              <a:ext uri="{FF2B5EF4-FFF2-40B4-BE49-F238E27FC236}">
-                <a16:creationId xmlns:a16="http://schemas.microsoft.com/office/drawing/2014/main" id="{C8E60A25-02BD-674B-9661-DF031B0CB52C}"/>
-              </a:ext>
-            </a:extLst>
-          </p:cNvPr>
-          <p:cNvSpPr>
-            <a:spLocks noGrp="1"/>
-          </p:cNvSpPr>
-          <p:nvPr>
-            <p:ph type="title"/>
-          </p:nvPr>
-        </p:nvSpPr>
-        <p:spPr/>
-        <p:txBody>
-          <a:bodyPr/>
-          <a:lstStyle/>
-          <a:p>
-            <a:r>
-              <a:rPr lang="en-US" dirty="0"/>
-              <a:t>Data Acquisition: Technical (challenges)</a:t>
-            </a:r>
-          </a:p>
-        </p:txBody>
-      </p:sp>
-      <p:sp>
-        <p:nvSpPr>
-          <p:cNvPr id="3" name="Text Placeholder 2">
-            <a:extLst>
-              <a:ext uri="{FF2B5EF4-FFF2-40B4-BE49-F238E27FC236}">
-                <a16:creationId xmlns:a16="http://schemas.microsoft.com/office/drawing/2014/main" id="{B47464FC-F480-BD4E-8C73-EA0095EB65C0}"/>
-              </a:ext>
-            </a:extLst>
-          </p:cNvPr>
-          <p:cNvSpPr>
-            <a:spLocks noGrp="1"/>
-          </p:cNvSpPr>
-          <p:nvPr>
-            <p:ph type="body" idx="1"/>
-          </p:nvPr>
-        </p:nvSpPr>
-        <p:spPr/>
-        <p:txBody>
-          <a:bodyPr/>
-          <a:lstStyle/>
-          <a:p>
-            <a:r>
-              <a:rPr lang="en-US" dirty="0"/>
-              <a:t>How should you get data?</a:t>
-            </a:r>
-          </a:p>
-          <a:p>
-            <a:pPr lvl="1">
-              <a:spcBef>
-                <a:spcPts val="0"/>
-              </a:spcBef>
-            </a:pPr>
-            <a:r>
-              <a:rPr lang="en-US" dirty="0"/>
-              <a:t>API access</a:t>
-            </a:r>
-          </a:p>
-          <a:p>
-            <a:pPr lvl="1">
-              <a:spcBef>
-                <a:spcPts val="0"/>
-              </a:spcBef>
-            </a:pPr>
-            <a:r>
-              <a:rPr lang="en-US" dirty="0"/>
-              <a:t>Flat files</a:t>
-            </a:r>
-          </a:p>
-          <a:p>
-            <a:pPr lvl="1">
-              <a:spcBef>
-                <a:spcPts val="0"/>
-              </a:spcBef>
-            </a:pPr>
-            <a:r>
-              <a:rPr lang="en-US" dirty="0"/>
-              <a:t>Database dumps</a:t>
-            </a:r>
-          </a:p>
-          <a:p>
-            <a:pPr lvl="1">
-              <a:spcBef>
-                <a:spcPts val="0"/>
-              </a:spcBef>
-            </a:pPr>
-            <a:endParaRPr lang="en-US" dirty="0"/>
-          </a:p>
-          <a:p>
-            <a:r>
-              <a:rPr lang="en-US" dirty="0"/>
-              <a:t>How much should it be processed before you get it?</a:t>
-            </a:r>
-          </a:p>
-          <a:p>
-            <a:endParaRPr lang="en-US" dirty="0"/>
-          </a:p>
-          <a:p>
-            <a:r>
-              <a:rPr lang="en-US" dirty="0"/>
-              <a:t>How do you build a repeatable data acquisition pipeline?</a:t>
-            </a:r>
-          </a:p>
-          <a:p>
-            <a:endParaRPr lang="en-US" dirty="0"/>
-          </a:p>
-          <a:p>
-            <a:r>
-              <a:rPr lang="en-US" dirty="0"/>
-              <a:t>When do you collect new data?</a:t>
-            </a:r>
-          </a:p>
-          <a:p>
-            <a:pPr marL="565150" lvl="1" indent="0">
-              <a:spcBef>
-                <a:spcPts val="0"/>
-              </a:spcBef>
-              <a:buNone/>
-            </a:pPr>
-            <a:endParaRPr lang="en-US" dirty="0"/>
-          </a:p>
-        </p:txBody>
-      </p:sp>
-    </p:spTree>
-    <p:extLst>
-      <p:ext uri="{BB962C8B-B14F-4D97-AF65-F5344CB8AC3E}">
-        <p14:creationId xmlns:p14="http://schemas.microsoft.com/office/powerpoint/2010/main" val="4069897732"/>
-      </p:ext>
-    </p:extLst>
-  </p:cSld>
-  <p:clrMapOvr>
-    <a:masterClrMapping/>
-  </p:clrMapOvr>
 </p:sld>
 </file>
 

--- a/Lectures/04-data.pptx
+++ b/Lectures/04-data.pptx
@@ -264,7 +264,7 @@
       <p15:sldGuideLst xmlns:p15="http://schemas.microsoft.com/office/powerpoint/2012/main"/>
     </p:ext>
     <p:ext uri="http://customooxmlschemas.google.com/">
-      <go:slidesCustomData xmlns="" xmlns:mc="http://schemas.openxmlformats.org/markup-compatibility/2006" xmlns:mv="urn:schemas-microsoft-com:mac:vml" xmlns:c="http://schemas.openxmlformats.org/drawingml/2006/chart" xmlns:dgm="http://schemas.openxmlformats.org/drawingml/2006/diagram" xmlns:o="urn:schemas-microsoft-com:office:office" xmlns:v="urn:schemas-microsoft-com:vml" xmlns:pvml="urn:schemas-microsoft-com:office:powerpoint" xmlns:com="http://schemas.openxmlformats.org/drawingml/2006/compatibility" xmlns:p14="http://schemas.microsoft.com/office/powerpoint/2010/main" xmlns:p15="http://schemas.microsoft.com/office/powerpoint/2012/main" xmlns:go="http://customooxmlschemas.google.com/" r:id="rId30" roundtripDataSignature="AMtx7mjFyVUGRZWio+dc9dxzYsimUxNJbg=="/>
+      <go:slidesCustomData xmlns:go="http://customooxmlschemas.google.com/" xmlns:p15="http://schemas.microsoft.com/office/powerpoint/2012/main" xmlns:p14="http://schemas.microsoft.com/office/powerpoint/2010/main" xmlns:com="http://schemas.openxmlformats.org/drawingml/2006/compatibility" xmlns:pvml="urn:schemas-microsoft-com:office:powerpoint" xmlns:v="urn:schemas-microsoft-com:vml" xmlns:o="urn:schemas-microsoft-com:office:office" xmlns:dgm="http://schemas.openxmlformats.org/drawingml/2006/diagram" xmlns:c="http://schemas.openxmlformats.org/drawingml/2006/chart" xmlns:mv="urn:schemas-microsoft-com:mac:vml" xmlns:mc="http://schemas.openxmlformats.org/markup-compatibility/2006" xmlns="" r:id="rId30" roundtripDataSignature="AMtx7mjFyVUGRZWio+dc9dxzYsimUxNJbg=="/>
     </p:ext>
   </p:extLst>
 </p:presentation>
@@ -13337,7 +13337,7 @@
             </a:pPr>
             <a:r>
               <a:rPr lang="en-US" dirty="0"/>
-              <a:t>Monday: quick assignment to check database connection</a:t>
+              <a:t>Monday: quick assignment to check database connection (should take 1 minute)</a:t>
             </a:r>
           </a:p>
           <a:p>
@@ -13380,7 +13380,7 @@
             </a:r>
             <a:r>
               <a:rPr lang="en-US" dirty="0"/>
-              <a:t>preparation guidelines</a:t>
+              <a:t>preparation guidelines (on canvas)</a:t>
             </a:r>
           </a:p>
         </p:txBody>

--- a/Lectures/04-data.pptx
+++ b/Lectures/04-data.pptx
@@ -264,7 +264,7 @@
       <p15:sldGuideLst xmlns:p15="http://schemas.microsoft.com/office/powerpoint/2012/main"/>
     </p:ext>
     <p:ext uri="http://customooxmlschemas.google.com/">
-      <go:slidesCustomData xmlns:go="http://customooxmlschemas.google.com/" xmlns:p15="http://schemas.microsoft.com/office/powerpoint/2012/main" xmlns:p14="http://schemas.microsoft.com/office/powerpoint/2010/main" xmlns:com="http://schemas.openxmlformats.org/drawingml/2006/compatibility" xmlns:pvml="urn:schemas-microsoft-com:office:powerpoint" xmlns:v="urn:schemas-microsoft-com:vml" xmlns:o="urn:schemas-microsoft-com:office:office" xmlns:dgm="http://schemas.openxmlformats.org/drawingml/2006/diagram" xmlns:c="http://schemas.openxmlformats.org/drawingml/2006/chart" xmlns:mv="urn:schemas-microsoft-com:mac:vml" xmlns:mc="http://schemas.openxmlformats.org/markup-compatibility/2006" xmlns="" r:id="rId30" roundtripDataSignature="AMtx7mjFyVUGRZWio+dc9dxzYsimUxNJbg=="/>
+      <go:slidesCustomData xmlns="" xmlns:mc="http://schemas.openxmlformats.org/markup-compatibility/2006" xmlns:mv="urn:schemas-microsoft-com:mac:vml" xmlns:c="http://schemas.openxmlformats.org/drawingml/2006/chart" xmlns:dgm="http://schemas.openxmlformats.org/drawingml/2006/diagram" xmlns:o="urn:schemas-microsoft-com:office:office" xmlns:v="urn:schemas-microsoft-com:vml" xmlns:pvml="urn:schemas-microsoft-com:office:powerpoint" xmlns:com="http://schemas.openxmlformats.org/drawingml/2006/compatibility" xmlns:p14="http://schemas.microsoft.com/office/powerpoint/2010/main" xmlns:p15="http://schemas.microsoft.com/office/powerpoint/2012/main" xmlns:go="http://customooxmlschemas.google.com/" r:id="rId30" roundtripDataSignature="AMtx7mjFyVUGRZWio+dc9dxzYsimUxNJbg=="/>
     </p:ext>
   </p:extLst>
 </p:presentation>

--- a/Lectures/04-data.pptx
+++ b/Lectures/04-data.pptx
@@ -5,28 +5,40 @@
     <p:sldMasterId id="2147483648" r:id="rId1"/>
   </p:sldMasterIdLst>
   <p:notesMasterIdLst>
-    <p:notesMasterId r:id="rId21"/>
+    <p:notesMasterId r:id="rId33"/>
   </p:notesMasterIdLst>
   <p:sldIdLst>
     <p:sldId id="256" r:id="rId2"/>
     <p:sldId id="281" r:id="rId3"/>
     <p:sldId id="295" r:id="rId4"/>
-    <p:sldId id="282" r:id="rId5"/>
-    <p:sldId id="285" r:id="rId6"/>
-    <p:sldId id="283" r:id="rId7"/>
-    <p:sldId id="260" r:id="rId8"/>
-    <p:sldId id="261" r:id="rId9"/>
-    <p:sldId id="288" r:id="rId10"/>
-    <p:sldId id="296" r:id="rId11"/>
-    <p:sldId id="302" r:id="rId12"/>
-    <p:sldId id="287" r:id="rId13"/>
-    <p:sldId id="262" r:id="rId14"/>
-    <p:sldId id="289" r:id="rId15"/>
-    <p:sldId id="290" r:id="rId16"/>
-    <p:sldId id="280" r:id="rId17"/>
-    <p:sldId id="291" r:id="rId18"/>
-    <p:sldId id="293" r:id="rId19"/>
-    <p:sldId id="303" r:id="rId20"/>
+    <p:sldId id="309" r:id="rId5"/>
+    <p:sldId id="310" r:id="rId6"/>
+    <p:sldId id="292" r:id="rId7"/>
+    <p:sldId id="311" r:id="rId8"/>
+    <p:sldId id="294" r:id="rId9"/>
+    <p:sldId id="282" r:id="rId10"/>
+    <p:sldId id="306" r:id="rId11"/>
+    <p:sldId id="305" r:id="rId12"/>
+    <p:sldId id="307" r:id="rId13"/>
+    <p:sldId id="308" r:id="rId14"/>
+    <p:sldId id="285" r:id="rId15"/>
+    <p:sldId id="323" r:id="rId16"/>
+    <p:sldId id="304" r:id="rId17"/>
+    <p:sldId id="283" r:id="rId18"/>
+    <p:sldId id="260" r:id="rId19"/>
+    <p:sldId id="261" r:id="rId20"/>
+    <p:sldId id="288" r:id="rId21"/>
+    <p:sldId id="296" r:id="rId22"/>
+    <p:sldId id="302" r:id="rId23"/>
+    <p:sldId id="287" r:id="rId24"/>
+    <p:sldId id="262" r:id="rId25"/>
+    <p:sldId id="289" r:id="rId26"/>
+    <p:sldId id="290" r:id="rId27"/>
+    <p:sldId id="280" r:id="rId28"/>
+    <p:sldId id="291" r:id="rId29"/>
+    <p:sldId id="293" r:id="rId30"/>
+    <p:sldId id="324" r:id="rId31"/>
+    <p:sldId id="303" r:id="rId32"/>
   </p:sldIdLst>
   <p:sldSz cx="12192000" cy="6858000"/>
   <p:notesSz cx="6858000" cy="9144000"/>
@@ -264,7 +276,7 @@
       <p15:sldGuideLst xmlns:p15="http://schemas.microsoft.com/office/powerpoint/2012/main"/>
     </p:ext>
     <p:ext uri="http://customooxmlschemas.google.com/">
-      <go:slidesCustomData xmlns="" xmlns:mc="http://schemas.openxmlformats.org/markup-compatibility/2006" xmlns:mv="urn:schemas-microsoft-com:mac:vml" xmlns:c="http://schemas.openxmlformats.org/drawingml/2006/chart" xmlns:dgm="http://schemas.openxmlformats.org/drawingml/2006/diagram" xmlns:o="urn:schemas-microsoft-com:office:office" xmlns:v="urn:schemas-microsoft-com:vml" xmlns:pvml="urn:schemas-microsoft-com:office:powerpoint" xmlns:com="http://schemas.openxmlformats.org/drawingml/2006/compatibility" xmlns:p14="http://schemas.microsoft.com/office/powerpoint/2010/main" xmlns:p15="http://schemas.microsoft.com/office/powerpoint/2012/main" xmlns:go="http://customooxmlschemas.google.com/" r:id="rId30" roundtripDataSignature="AMtx7mjFyVUGRZWio+dc9dxzYsimUxNJbg=="/>
+      <go:slidesCustomData xmlns="" xmlns:mc="http://schemas.openxmlformats.org/markup-compatibility/2006" xmlns:mv="urn:schemas-microsoft-com:mac:vml" xmlns:c="http://schemas.openxmlformats.org/drawingml/2006/chart" xmlns:dgm="http://schemas.openxmlformats.org/drawingml/2006/diagram" xmlns:o="urn:schemas-microsoft-com:office:office" xmlns:v="urn:schemas-microsoft-com:vml" xmlns:pvml="urn:schemas-microsoft-com:office:powerpoint" xmlns:com="http://schemas.openxmlformats.org/drawingml/2006/compatibility" xmlns:p14="http://schemas.microsoft.com/office/powerpoint/2010/main" xmlns:p15="http://schemas.microsoft.com/office/powerpoint/2012/main" xmlns:go="http://customooxmlschemas.google.com/" r:id="rId34" roundtripDataSignature="AMtx7mjFyVUGRZWio+dc9dxzYsimUxNJbg=="/>
     </p:ext>
   </p:extLst>
 </p:presentation>
@@ -6572,6 +6584,1447 @@
 </p:notes>
 </file>
 
+<file path=ppt/notesSlides/notesSlide2.xml><?xml version="1.0" encoding="utf-8"?>
+<p:notes xmlns:a="http://schemas.openxmlformats.org/drawingml/2006/main" xmlns:r="http://schemas.openxmlformats.org/officeDocument/2006/relationships" xmlns:p="http://schemas.openxmlformats.org/presentationml/2006/main" showMasterSp="0" showMasterPhAnim="0">
+  <p:cSld>
+    <p:spTree>
+      <p:nvGrpSpPr>
+        <p:cNvPr id="1" name="Shape 498"/>
+        <p:cNvGrpSpPr/>
+        <p:nvPr/>
+      </p:nvGrpSpPr>
+      <p:grpSpPr>
+        <a:xfrm>
+          <a:off x="0" y="0"/>
+          <a:ext cx="0" cy="0"/>
+          <a:chOff x="0" y="0"/>
+          <a:chExt cx="0" cy="0"/>
+        </a:xfrm>
+      </p:grpSpPr>
+      <p:sp>
+        <p:nvSpPr>
+          <p:cNvPr id="499" name="Google Shape;499;g32cbaf05b3f_0_70:notes"/>
+          <p:cNvSpPr>
+            <a:spLocks noGrp="1" noRot="1" noChangeAspect="1"/>
+          </p:cNvSpPr>
+          <p:nvPr>
+            <p:ph type="sldImg" idx="2"/>
+          </p:nvPr>
+        </p:nvSpPr>
+        <p:spPr>
+          <a:xfrm>
+            <a:off x="381000" y="685800"/>
+            <a:ext cx="6096000" cy="3429000"/>
+          </a:xfrm>
+          <a:custGeom>
+            <a:avLst/>
+            <a:gdLst/>
+            <a:ahLst/>
+            <a:cxnLst/>
+            <a:rect l="l" t="t" r="r" b="b"/>
+            <a:pathLst>
+              <a:path w="120000" h="120000" extrusionOk="0">
+                <a:moveTo>
+                  <a:pt x="0" y="0"/>
+                </a:moveTo>
+                <a:lnTo>
+                  <a:pt x="120000" y="0"/>
+                </a:lnTo>
+                <a:lnTo>
+                  <a:pt x="120000" y="120000"/>
+                </a:lnTo>
+                <a:lnTo>
+                  <a:pt x="0" y="120000"/>
+                </a:lnTo>
+                <a:close/>
+              </a:path>
+            </a:pathLst>
+          </a:custGeom>
+          <a:noFill/>
+          <a:ln w="12700" cap="flat" cmpd="sng">
+            <a:solidFill>
+              <a:srgbClr val="000000"/>
+            </a:solidFill>
+            <a:prstDash val="solid"/>
+            <a:round/>
+            <a:headEnd type="none" w="sm" len="sm"/>
+            <a:tailEnd type="none" w="sm" len="sm"/>
+          </a:ln>
+        </p:spPr>
+      </p:sp>
+      <p:sp>
+        <p:nvSpPr>
+          <p:cNvPr id="500" name="Google Shape;500;g32cbaf05b3f_0_70:notes"/>
+          <p:cNvSpPr txBox="1">
+            <a:spLocks noGrp="1"/>
+          </p:cNvSpPr>
+          <p:nvPr>
+            <p:ph type="body" idx="1"/>
+          </p:nvPr>
+        </p:nvSpPr>
+        <p:spPr>
+          <a:xfrm>
+            <a:off x="685800" y="4343400"/>
+            <a:ext cx="5486400" cy="4114800"/>
+          </a:xfrm>
+          <a:prstGeom prst="rect">
+            <a:avLst/>
+          </a:prstGeom>
+          <a:noFill/>
+          <a:ln>
+            <a:noFill/>
+          </a:ln>
+        </p:spPr>
+        <p:txBody>
+          <a:bodyPr spcFirstLastPara="1" wrap="square" lIns="91425" tIns="45700" rIns="91425" bIns="45700" anchor="t" anchorCtr="0">
+            <a:noAutofit/>
+          </a:bodyPr>
+          <a:lstStyle/>
+          <a:p>
+            <a:pPr marL="0" lvl="0" indent="0" algn="l" rtl="0">
+              <a:lnSpc>
+                <a:spcPct val="100000"/>
+              </a:lnSpc>
+              <a:spcBef>
+                <a:spcPts val="360"/>
+              </a:spcBef>
+              <a:spcAft>
+                <a:spcPts val="0"/>
+              </a:spcAft>
+              <a:buSzPts val="1400"/>
+              <a:buNone/>
+            </a:pPr>
+            <a:endParaRPr/>
+          </a:p>
+        </p:txBody>
+      </p:sp>
+      <p:sp>
+        <p:nvSpPr>
+          <p:cNvPr id="501" name="Google Shape;501;g32cbaf05b3f_0_70:notes"/>
+          <p:cNvSpPr txBox="1">
+            <a:spLocks noGrp="1"/>
+          </p:cNvSpPr>
+          <p:nvPr>
+            <p:ph type="sldNum" idx="12"/>
+          </p:nvPr>
+        </p:nvSpPr>
+        <p:spPr>
+          <a:xfrm>
+            <a:off x="3884613" y="8685213"/>
+            <a:ext cx="2971800" cy="457200"/>
+          </a:xfrm>
+          <a:prstGeom prst="rect">
+            <a:avLst/>
+          </a:prstGeom>
+          <a:noFill/>
+          <a:ln>
+            <a:noFill/>
+          </a:ln>
+        </p:spPr>
+        <p:txBody>
+          <a:bodyPr spcFirstLastPara="1" wrap="square" lIns="91425" tIns="45700" rIns="91425" bIns="45700" anchor="b" anchorCtr="0">
+            <a:noAutofit/>
+          </a:bodyPr>
+          <a:lstStyle/>
+          <a:p>
+            <a:pPr marL="0" lvl="0" indent="0" algn="r" rtl="0">
+              <a:lnSpc>
+                <a:spcPct val="100000"/>
+              </a:lnSpc>
+              <a:spcBef>
+                <a:spcPts val="0"/>
+              </a:spcBef>
+              <a:spcAft>
+                <a:spcPts val="0"/>
+              </a:spcAft>
+              <a:buClr>
+                <a:srgbClr val="000000"/>
+              </a:buClr>
+              <a:buSzPts val="1200"/>
+              <a:buFont typeface="Arial"/>
+              <a:buNone/>
+            </a:pPr>
+            <a:fld id="{00000000-1234-1234-1234-123412341234}" type="slidenum">
+              <a:rPr lang="en-US"/>
+              <a:t>4</a:t>
+            </a:fld>
+            <a:endParaRPr/>
+          </a:p>
+        </p:txBody>
+      </p:sp>
+    </p:spTree>
+  </p:cSld>
+  <p:clrMapOvr>
+    <a:masterClrMapping/>
+  </p:clrMapOvr>
+</p:notes>
+</file>
+
+<file path=ppt/notesSlides/notesSlide3.xml><?xml version="1.0" encoding="utf-8"?>
+<p:notes xmlns:a="http://schemas.openxmlformats.org/drawingml/2006/main" xmlns:r="http://schemas.openxmlformats.org/officeDocument/2006/relationships" xmlns:p="http://schemas.openxmlformats.org/presentationml/2006/main" showMasterSp="0" showMasterPhAnim="0">
+  <p:cSld>
+    <p:spTree>
+      <p:nvGrpSpPr>
+        <p:cNvPr id="1" name="Shape 506"/>
+        <p:cNvGrpSpPr/>
+        <p:nvPr/>
+      </p:nvGrpSpPr>
+      <p:grpSpPr>
+        <a:xfrm>
+          <a:off x="0" y="0"/>
+          <a:ext cx="0" cy="0"/>
+          <a:chOff x="0" y="0"/>
+          <a:chExt cx="0" cy="0"/>
+        </a:xfrm>
+      </p:grpSpPr>
+      <p:sp>
+        <p:nvSpPr>
+          <p:cNvPr id="507" name="Google Shape;507;g32cbaf05b3f_0_56:notes"/>
+          <p:cNvSpPr>
+            <a:spLocks noGrp="1" noRot="1" noChangeAspect="1"/>
+          </p:cNvSpPr>
+          <p:nvPr>
+            <p:ph type="sldImg" idx="2"/>
+          </p:nvPr>
+        </p:nvSpPr>
+        <p:spPr>
+          <a:xfrm>
+            <a:off x="381000" y="685800"/>
+            <a:ext cx="6096000" cy="3429000"/>
+          </a:xfrm>
+          <a:custGeom>
+            <a:avLst/>
+            <a:gdLst/>
+            <a:ahLst/>
+            <a:cxnLst/>
+            <a:rect l="l" t="t" r="r" b="b"/>
+            <a:pathLst>
+              <a:path w="120000" h="120000" extrusionOk="0">
+                <a:moveTo>
+                  <a:pt x="0" y="0"/>
+                </a:moveTo>
+                <a:lnTo>
+                  <a:pt x="120000" y="0"/>
+                </a:lnTo>
+                <a:lnTo>
+                  <a:pt x="120000" y="120000"/>
+                </a:lnTo>
+                <a:lnTo>
+                  <a:pt x="0" y="120000"/>
+                </a:lnTo>
+                <a:close/>
+              </a:path>
+            </a:pathLst>
+          </a:custGeom>
+          <a:noFill/>
+          <a:ln w="12700" cap="flat" cmpd="sng">
+            <a:solidFill>
+              <a:srgbClr val="000000"/>
+            </a:solidFill>
+            <a:prstDash val="solid"/>
+            <a:round/>
+            <a:headEnd type="none" w="sm" len="sm"/>
+            <a:tailEnd type="none" w="sm" len="sm"/>
+          </a:ln>
+        </p:spPr>
+      </p:sp>
+      <p:sp>
+        <p:nvSpPr>
+          <p:cNvPr id="508" name="Google Shape;508;g32cbaf05b3f_0_56:notes"/>
+          <p:cNvSpPr txBox="1">
+            <a:spLocks noGrp="1"/>
+          </p:cNvSpPr>
+          <p:nvPr>
+            <p:ph type="body" idx="1"/>
+          </p:nvPr>
+        </p:nvSpPr>
+        <p:spPr>
+          <a:xfrm>
+            <a:off x="685800" y="4343400"/>
+            <a:ext cx="5486400" cy="4114800"/>
+          </a:xfrm>
+          <a:prstGeom prst="rect">
+            <a:avLst/>
+          </a:prstGeom>
+          <a:noFill/>
+          <a:ln>
+            <a:noFill/>
+          </a:ln>
+        </p:spPr>
+        <p:txBody>
+          <a:bodyPr spcFirstLastPara="1" wrap="square" lIns="91425" tIns="45700" rIns="91425" bIns="45700" anchor="t" anchorCtr="0">
+            <a:noAutofit/>
+          </a:bodyPr>
+          <a:lstStyle/>
+          <a:p>
+            <a:pPr marL="0" lvl="0" indent="0" algn="l" rtl="0">
+              <a:lnSpc>
+                <a:spcPct val="100000"/>
+              </a:lnSpc>
+              <a:spcBef>
+                <a:spcPts val="360"/>
+              </a:spcBef>
+              <a:spcAft>
+                <a:spcPts val="0"/>
+              </a:spcAft>
+              <a:buSzPts val="1400"/>
+              <a:buNone/>
+            </a:pPr>
+            <a:r>
+              <a:rPr lang="en-US"/>
+              <a:t>Types of data:</a:t>
+            </a:r>
+            <a:endParaRPr/>
+          </a:p>
+          <a:p>
+            <a:pPr marL="457200" lvl="0" indent="-317500" algn="l" rtl="0">
+              <a:lnSpc>
+                <a:spcPct val="100000"/>
+              </a:lnSpc>
+              <a:spcBef>
+                <a:spcPts val="360"/>
+              </a:spcBef>
+              <a:spcAft>
+                <a:spcPts val="0"/>
+              </a:spcAft>
+              <a:buSzPts val="1400"/>
+              <a:buChar char="●"/>
+            </a:pPr>
+            <a:r>
+              <a:rPr lang="en-US"/>
+              <a:t>Program Level</a:t>
+            </a:r>
+            <a:endParaRPr/>
+          </a:p>
+          <a:p>
+            <a:pPr marL="457200" lvl="0" indent="-317500" algn="l" rtl="0">
+              <a:lnSpc>
+                <a:spcPct val="100000"/>
+              </a:lnSpc>
+              <a:spcBef>
+                <a:spcPts val="0"/>
+              </a:spcBef>
+              <a:spcAft>
+                <a:spcPts val="0"/>
+              </a:spcAft>
+              <a:buSzPts val="1400"/>
+              <a:buChar char="●"/>
+            </a:pPr>
+            <a:r>
+              <a:rPr lang="en-US"/>
+              <a:t>Transactional</a:t>
+            </a:r>
+            <a:endParaRPr/>
+          </a:p>
+          <a:p>
+            <a:pPr marL="457200" lvl="0" indent="-317500" algn="l" rtl="0">
+              <a:lnSpc>
+                <a:spcPct val="100000"/>
+              </a:lnSpc>
+              <a:spcBef>
+                <a:spcPts val="0"/>
+              </a:spcBef>
+              <a:spcAft>
+                <a:spcPts val="0"/>
+              </a:spcAft>
+              <a:buSzPts val="1400"/>
+              <a:buChar char="●"/>
+            </a:pPr>
+            <a:r>
+              <a:rPr lang="en-US"/>
+              <a:t>Spatial</a:t>
+            </a:r>
+            <a:endParaRPr/>
+          </a:p>
+          <a:p>
+            <a:pPr marL="457200" lvl="0" indent="-317500" algn="l" rtl="0">
+              <a:lnSpc>
+                <a:spcPct val="100000"/>
+              </a:lnSpc>
+              <a:spcBef>
+                <a:spcPts val="0"/>
+              </a:spcBef>
+              <a:spcAft>
+                <a:spcPts val="0"/>
+              </a:spcAft>
+              <a:buSzPts val="1400"/>
+              <a:buChar char="●"/>
+            </a:pPr>
+            <a:r>
+              <a:rPr lang="en-US"/>
+              <a:t>Text</a:t>
+            </a:r>
+            <a:endParaRPr/>
+          </a:p>
+          <a:p>
+            <a:pPr marL="457200" lvl="0" indent="-317500" algn="l" rtl="0">
+              <a:lnSpc>
+                <a:spcPct val="100000"/>
+              </a:lnSpc>
+              <a:spcBef>
+                <a:spcPts val="0"/>
+              </a:spcBef>
+              <a:spcAft>
+                <a:spcPts val="0"/>
+              </a:spcAft>
+              <a:buSzPts val="1400"/>
+              <a:buChar char="●"/>
+            </a:pPr>
+            <a:r>
+              <a:rPr lang="en-US"/>
+              <a:t>Images/Audio/Video</a:t>
+            </a:r>
+            <a:endParaRPr/>
+          </a:p>
+          <a:p>
+            <a:pPr marL="0" lvl="0" indent="0" algn="l" rtl="0">
+              <a:lnSpc>
+                <a:spcPct val="100000"/>
+              </a:lnSpc>
+              <a:spcBef>
+                <a:spcPts val="360"/>
+              </a:spcBef>
+              <a:spcAft>
+                <a:spcPts val="0"/>
+              </a:spcAft>
+              <a:buSzPts val="1400"/>
+              <a:buNone/>
+            </a:pPr>
+            <a:endParaRPr/>
+          </a:p>
+        </p:txBody>
+      </p:sp>
+      <p:sp>
+        <p:nvSpPr>
+          <p:cNvPr id="509" name="Google Shape;509;g32cbaf05b3f_0_56:notes"/>
+          <p:cNvSpPr txBox="1">
+            <a:spLocks noGrp="1"/>
+          </p:cNvSpPr>
+          <p:nvPr>
+            <p:ph type="sldNum" idx="12"/>
+          </p:nvPr>
+        </p:nvSpPr>
+        <p:spPr>
+          <a:xfrm>
+            <a:off x="3884613" y="8685213"/>
+            <a:ext cx="2971800" cy="457200"/>
+          </a:xfrm>
+          <a:prstGeom prst="rect">
+            <a:avLst/>
+          </a:prstGeom>
+          <a:noFill/>
+          <a:ln>
+            <a:noFill/>
+          </a:ln>
+        </p:spPr>
+        <p:txBody>
+          <a:bodyPr spcFirstLastPara="1" wrap="square" lIns="91425" tIns="45700" rIns="91425" bIns="45700" anchor="b" anchorCtr="0">
+            <a:noAutofit/>
+          </a:bodyPr>
+          <a:lstStyle/>
+          <a:p>
+            <a:pPr marL="0" lvl="0" indent="0" algn="r" rtl="0">
+              <a:lnSpc>
+                <a:spcPct val="100000"/>
+              </a:lnSpc>
+              <a:spcBef>
+                <a:spcPts val="0"/>
+              </a:spcBef>
+              <a:spcAft>
+                <a:spcPts val="0"/>
+              </a:spcAft>
+              <a:buClr>
+                <a:srgbClr val="000000"/>
+              </a:buClr>
+              <a:buSzPts val="1200"/>
+              <a:buFont typeface="Arial"/>
+              <a:buNone/>
+            </a:pPr>
+            <a:fld id="{00000000-1234-1234-1234-123412341234}" type="slidenum">
+              <a:rPr lang="en-US"/>
+              <a:t>5</a:t>
+            </a:fld>
+            <a:endParaRPr/>
+          </a:p>
+        </p:txBody>
+      </p:sp>
+    </p:spTree>
+  </p:cSld>
+  <p:clrMapOvr>
+    <a:masterClrMapping/>
+  </p:clrMapOvr>
+</p:notes>
+</file>
+
+<file path=ppt/notesSlides/notesSlide4.xml><?xml version="1.0" encoding="utf-8"?>
+<p:notes xmlns:a="http://schemas.openxmlformats.org/drawingml/2006/main" xmlns:r="http://schemas.openxmlformats.org/officeDocument/2006/relationships" xmlns:p="http://schemas.openxmlformats.org/presentationml/2006/main" showMasterSp="0" showMasterPhAnim="0">
+  <p:cSld>
+    <p:spTree>
+      <p:nvGrpSpPr>
+        <p:cNvPr id="1" name="Shape 520"/>
+        <p:cNvGrpSpPr/>
+        <p:nvPr/>
+      </p:nvGrpSpPr>
+      <p:grpSpPr>
+        <a:xfrm>
+          <a:off x="0" y="0"/>
+          <a:ext cx="0" cy="0"/>
+          <a:chOff x="0" y="0"/>
+          <a:chExt cx="0" cy="0"/>
+        </a:xfrm>
+      </p:grpSpPr>
+      <p:sp>
+        <p:nvSpPr>
+          <p:cNvPr id="521" name="Google Shape;521;g32f73e32acf_0_0:notes"/>
+          <p:cNvSpPr>
+            <a:spLocks noGrp="1" noRot="1" noChangeAspect="1"/>
+          </p:cNvSpPr>
+          <p:nvPr>
+            <p:ph type="sldImg" idx="2"/>
+          </p:nvPr>
+        </p:nvSpPr>
+        <p:spPr>
+          <a:xfrm>
+            <a:off x="381000" y="685800"/>
+            <a:ext cx="6096000" cy="3429000"/>
+          </a:xfrm>
+          <a:custGeom>
+            <a:avLst/>
+            <a:gdLst/>
+            <a:ahLst/>
+            <a:cxnLst/>
+            <a:rect l="l" t="t" r="r" b="b"/>
+            <a:pathLst>
+              <a:path w="120000" h="120000" extrusionOk="0">
+                <a:moveTo>
+                  <a:pt x="0" y="0"/>
+                </a:moveTo>
+                <a:lnTo>
+                  <a:pt x="120000" y="0"/>
+                </a:lnTo>
+                <a:lnTo>
+                  <a:pt x="120000" y="120000"/>
+                </a:lnTo>
+                <a:lnTo>
+                  <a:pt x="0" y="120000"/>
+                </a:lnTo>
+                <a:close/>
+              </a:path>
+            </a:pathLst>
+          </a:custGeom>
+          <a:noFill/>
+          <a:ln w="12700" cap="flat" cmpd="sng">
+            <a:solidFill>
+              <a:srgbClr val="000000"/>
+            </a:solidFill>
+            <a:prstDash val="solid"/>
+            <a:round/>
+            <a:headEnd type="none" w="sm" len="sm"/>
+            <a:tailEnd type="none" w="sm" len="sm"/>
+          </a:ln>
+        </p:spPr>
+      </p:sp>
+      <p:sp>
+        <p:nvSpPr>
+          <p:cNvPr id="522" name="Google Shape;522;g32f73e32acf_0_0:notes"/>
+          <p:cNvSpPr txBox="1">
+            <a:spLocks noGrp="1"/>
+          </p:cNvSpPr>
+          <p:nvPr>
+            <p:ph type="body" idx="1"/>
+          </p:nvPr>
+        </p:nvSpPr>
+        <p:spPr>
+          <a:xfrm>
+            <a:off x="685800" y="4343400"/>
+            <a:ext cx="5486400" cy="4114800"/>
+          </a:xfrm>
+          <a:prstGeom prst="rect">
+            <a:avLst/>
+          </a:prstGeom>
+          <a:noFill/>
+          <a:ln>
+            <a:noFill/>
+          </a:ln>
+        </p:spPr>
+        <p:txBody>
+          <a:bodyPr spcFirstLastPara="1" wrap="square" lIns="91425" tIns="45700" rIns="91425" bIns="45700" anchor="t" anchorCtr="0">
+            <a:noAutofit/>
+          </a:bodyPr>
+          <a:lstStyle/>
+          <a:p>
+            <a:pPr marL="0" lvl="0" indent="0" algn="l" rtl="0">
+              <a:lnSpc>
+                <a:spcPct val="100000"/>
+              </a:lnSpc>
+              <a:spcBef>
+                <a:spcPts val="360"/>
+              </a:spcBef>
+              <a:spcAft>
+                <a:spcPts val="0"/>
+              </a:spcAft>
+              <a:buSzPts val="1400"/>
+              <a:buNone/>
+            </a:pPr>
+            <a:endParaRPr/>
+          </a:p>
+        </p:txBody>
+      </p:sp>
+      <p:sp>
+        <p:nvSpPr>
+          <p:cNvPr id="523" name="Google Shape;523;g32f73e32acf_0_0:notes"/>
+          <p:cNvSpPr txBox="1">
+            <a:spLocks noGrp="1"/>
+          </p:cNvSpPr>
+          <p:nvPr>
+            <p:ph type="sldNum" idx="12"/>
+          </p:nvPr>
+        </p:nvSpPr>
+        <p:spPr>
+          <a:xfrm>
+            <a:off x="3884613" y="8685213"/>
+            <a:ext cx="2971800" cy="457200"/>
+          </a:xfrm>
+          <a:prstGeom prst="rect">
+            <a:avLst/>
+          </a:prstGeom>
+          <a:noFill/>
+          <a:ln>
+            <a:noFill/>
+          </a:ln>
+        </p:spPr>
+        <p:txBody>
+          <a:bodyPr spcFirstLastPara="1" wrap="square" lIns="91425" tIns="45700" rIns="91425" bIns="45700" anchor="b" anchorCtr="0">
+            <a:noAutofit/>
+          </a:bodyPr>
+          <a:lstStyle/>
+          <a:p>
+            <a:pPr marL="0" lvl="0" indent="0" algn="r" rtl="0">
+              <a:lnSpc>
+                <a:spcPct val="100000"/>
+              </a:lnSpc>
+              <a:spcBef>
+                <a:spcPts val="0"/>
+              </a:spcBef>
+              <a:spcAft>
+                <a:spcPts val="0"/>
+              </a:spcAft>
+              <a:buClr>
+                <a:srgbClr val="000000"/>
+              </a:buClr>
+              <a:buSzPts val="1200"/>
+              <a:buFont typeface="Arial"/>
+              <a:buNone/>
+            </a:pPr>
+            <a:fld id="{00000000-1234-1234-1234-123412341234}" type="slidenum">
+              <a:rPr lang="en-US"/>
+              <a:t>6</a:t>
+            </a:fld>
+            <a:endParaRPr/>
+          </a:p>
+        </p:txBody>
+      </p:sp>
+    </p:spTree>
+  </p:cSld>
+  <p:clrMapOvr>
+    <a:masterClrMapping/>
+  </p:clrMapOvr>
+</p:notes>
+</file>
+
+<file path=ppt/notesSlides/notesSlide5.xml><?xml version="1.0" encoding="utf-8"?>
+<p:notes xmlns:a="http://schemas.openxmlformats.org/drawingml/2006/main" xmlns:r="http://schemas.openxmlformats.org/officeDocument/2006/relationships" xmlns:p="http://schemas.openxmlformats.org/presentationml/2006/main" showMasterSp="0" showMasterPhAnim="0">
+  <p:cSld>
+    <p:spTree>
+      <p:nvGrpSpPr>
+        <p:cNvPr id="1" name="Shape 530"/>
+        <p:cNvGrpSpPr/>
+        <p:nvPr/>
+      </p:nvGrpSpPr>
+      <p:grpSpPr>
+        <a:xfrm>
+          <a:off x="0" y="0"/>
+          <a:ext cx="0" cy="0"/>
+          <a:chOff x="0" y="0"/>
+          <a:chExt cx="0" cy="0"/>
+        </a:xfrm>
+      </p:grpSpPr>
+      <p:sp>
+        <p:nvSpPr>
+          <p:cNvPr id="531" name="Google Shape;531;g32d3355825c_1_0:notes"/>
+          <p:cNvSpPr>
+            <a:spLocks noGrp="1" noRot="1" noChangeAspect="1"/>
+          </p:cNvSpPr>
+          <p:nvPr>
+            <p:ph type="sldImg" idx="2"/>
+          </p:nvPr>
+        </p:nvSpPr>
+        <p:spPr>
+          <a:xfrm>
+            <a:off x="381000" y="685800"/>
+            <a:ext cx="6096000" cy="3429000"/>
+          </a:xfrm>
+          <a:custGeom>
+            <a:avLst/>
+            <a:gdLst/>
+            <a:ahLst/>
+            <a:cxnLst/>
+            <a:rect l="l" t="t" r="r" b="b"/>
+            <a:pathLst>
+              <a:path w="120000" h="120000" extrusionOk="0">
+                <a:moveTo>
+                  <a:pt x="0" y="0"/>
+                </a:moveTo>
+                <a:lnTo>
+                  <a:pt x="120000" y="0"/>
+                </a:lnTo>
+                <a:lnTo>
+                  <a:pt x="120000" y="120000"/>
+                </a:lnTo>
+                <a:lnTo>
+                  <a:pt x="0" y="120000"/>
+                </a:lnTo>
+                <a:close/>
+              </a:path>
+            </a:pathLst>
+          </a:custGeom>
+          <a:noFill/>
+          <a:ln w="12700" cap="flat" cmpd="sng">
+            <a:solidFill>
+              <a:srgbClr val="000000"/>
+            </a:solidFill>
+            <a:prstDash val="solid"/>
+            <a:round/>
+            <a:headEnd type="none" w="sm" len="sm"/>
+            <a:tailEnd type="none" w="sm" len="sm"/>
+          </a:ln>
+        </p:spPr>
+      </p:sp>
+      <p:sp>
+        <p:nvSpPr>
+          <p:cNvPr id="532" name="Google Shape;532;g32d3355825c_1_0:notes"/>
+          <p:cNvSpPr txBox="1">
+            <a:spLocks noGrp="1"/>
+          </p:cNvSpPr>
+          <p:nvPr>
+            <p:ph type="body" idx="1"/>
+          </p:nvPr>
+        </p:nvSpPr>
+        <p:spPr>
+          <a:xfrm>
+            <a:off x="685800" y="4343400"/>
+            <a:ext cx="5486400" cy="4114800"/>
+          </a:xfrm>
+          <a:prstGeom prst="rect">
+            <a:avLst/>
+          </a:prstGeom>
+          <a:noFill/>
+          <a:ln>
+            <a:noFill/>
+          </a:ln>
+        </p:spPr>
+        <p:txBody>
+          <a:bodyPr spcFirstLastPara="1" wrap="square" lIns="91425" tIns="45700" rIns="91425" bIns="45700" anchor="t" anchorCtr="0">
+            <a:noAutofit/>
+          </a:bodyPr>
+          <a:lstStyle/>
+          <a:p>
+            <a:pPr marL="0" lvl="0" indent="0" algn="l" rtl="0">
+              <a:lnSpc>
+                <a:spcPct val="100000"/>
+              </a:lnSpc>
+              <a:spcBef>
+                <a:spcPts val="360"/>
+              </a:spcBef>
+              <a:spcAft>
+                <a:spcPts val="0"/>
+              </a:spcAft>
+              <a:buSzPts val="1400"/>
+              <a:buNone/>
+            </a:pPr>
+            <a:r>
+              <a:rPr lang="en-US"/>
+              <a:t>Data is never perfect –  is it useful enough to improve over status quo?</a:t>
+            </a:r>
+            <a:endParaRPr/>
+          </a:p>
+          <a:p>
+            <a:pPr marL="0" lvl="0" indent="0" algn="l" rtl="0">
+              <a:lnSpc>
+                <a:spcPct val="100000"/>
+              </a:lnSpc>
+              <a:spcBef>
+                <a:spcPts val="360"/>
+              </a:spcBef>
+              <a:spcAft>
+                <a:spcPts val="0"/>
+              </a:spcAft>
+              <a:buSzPts val="1400"/>
+              <a:buNone/>
+            </a:pPr>
+            <a:r>
+              <a:rPr lang="en-US"/>
+              <a:t>Can you augment with external data? Public data? Partner with other organizations that have supplementary data?</a:t>
+            </a:r>
+            <a:endParaRPr/>
+          </a:p>
+        </p:txBody>
+      </p:sp>
+      <p:sp>
+        <p:nvSpPr>
+          <p:cNvPr id="533" name="Google Shape;533;g32d3355825c_1_0:notes"/>
+          <p:cNvSpPr txBox="1">
+            <a:spLocks noGrp="1"/>
+          </p:cNvSpPr>
+          <p:nvPr>
+            <p:ph type="sldNum" idx="12"/>
+          </p:nvPr>
+        </p:nvSpPr>
+        <p:spPr>
+          <a:xfrm>
+            <a:off x="3884613" y="8685213"/>
+            <a:ext cx="2971800" cy="457200"/>
+          </a:xfrm>
+          <a:prstGeom prst="rect">
+            <a:avLst/>
+          </a:prstGeom>
+          <a:noFill/>
+          <a:ln>
+            <a:noFill/>
+          </a:ln>
+        </p:spPr>
+        <p:txBody>
+          <a:bodyPr spcFirstLastPara="1" wrap="square" lIns="91425" tIns="45700" rIns="91425" bIns="45700" anchor="b" anchorCtr="0">
+            <a:noAutofit/>
+          </a:bodyPr>
+          <a:lstStyle/>
+          <a:p>
+            <a:pPr marL="0" lvl="0" indent="0" algn="r" rtl="0">
+              <a:lnSpc>
+                <a:spcPct val="100000"/>
+              </a:lnSpc>
+              <a:spcBef>
+                <a:spcPts val="0"/>
+              </a:spcBef>
+              <a:spcAft>
+                <a:spcPts val="0"/>
+              </a:spcAft>
+              <a:buClr>
+                <a:srgbClr val="000000"/>
+              </a:buClr>
+              <a:buSzPts val="1200"/>
+              <a:buFont typeface="Arial"/>
+              <a:buNone/>
+            </a:pPr>
+            <a:fld id="{00000000-1234-1234-1234-123412341234}" type="slidenum">
+              <a:rPr lang="en-US"/>
+              <a:t>7</a:t>
+            </a:fld>
+            <a:endParaRPr/>
+          </a:p>
+        </p:txBody>
+      </p:sp>
+    </p:spTree>
+  </p:cSld>
+  <p:clrMapOvr>
+    <a:masterClrMapping/>
+  </p:clrMapOvr>
+</p:notes>
+</file>
+
+<file path=ppt/notesSlides/notesSlide6.xml><?xml version="1.0" encoding="utf-8"?>
+<p:notes xmlns:a="http://schemas.openxmlformats.org/drawingml/2006/main" xmlns:r="http://schemas.openxmlformats.org/officeDocument/2006/relationships" xmlns:p="http://schemas.openxmlformats.org/presentationml/2006/main" showMasterSp="0" showMasterPhAnim="0">
+  <p:cSld>
+    <p:spTree>
+      <p:nvGrpSpPr>
+        <p:cNvPr id="1" name="Shape 537"/>
+        <p:cNvGrpSpPr/>
+        <p:nvPr/>
+      </p:nvGrpSpPr>
+      <p:grpSpPr>
+        <a:xfrm>
+          <a:off x="0" y="0"/>
+          <a:ext cx="0" cy="0"/>
+          <a:chOff x="0" y="0"/>
+          <a:chExt cx="0" cy="0"/>
+        </a:xfrm>
+      </p:grpSpPr>
+      <p:sp>
+        <p:nvSpPr>
+          <p:cNvPr id="538" name="Google Shape;538;g32d3355825c_1_12:notes"/>
+          <p:cNvSpPr>
+            <a:spLocks noGrp="1" noRot="1" noChangeAspect="1"/>
+          </p:cNvSpPr>
+          <p:nvPr>
+            <p:ph type="sldImg" idx="2"/>
+          </p:nvPr>
+        </p:nvSpPr>
+        <p:spPr>
+          <a:xfrm>
+            <a:off x="381000" y="685800"/>
+            <a:ext cx="6096000" cy="3429000"/>
+          </a:xfrm>
+          <a:custGeom>
+            <a:avLst/>
+            <a:gdLst/>
+            <a:ahLst/>
+            <a:cxnLst/>
+            <a:rect l="l" t="t" r="r" b="b"/>
+            <a:pathLst>
+              <a:path w="120000" h="120000" extrusionOk="0">
+                <a:moveTo>
+                  <a:pt x="0" y="0"/>
+                </a:moveTo>
+                <a:lnTo>
+                  <a:pt x="120000" y="0"/>
+                </a:lnTo>
+                <a:lnTo>
+                  <a:pt x="120000" y="120000"/>
+                </a:lnTo>
+                <a:lnTo>
+                  <a:pt x="0" y="120000"/>
+                </a:lnTo>
+                <a:close/>
+              </a:path>
+            </a:pathLst>
+          </a:custGeom>
+          <a:noFill/>
+          <a:ln w="12700" cap="flat" cmpd="sng">
+            <a:solidFill>
+              <a:srgbClr val="000000"/>
+            </a:solidFill>
+            <a:prstDash val="solid"/>
+            <a:round/>
+            <a:headEnd type="none" w="sm" len="sm"/>
+            <a:tailEnd type="none" w="sm" len="sm"/>
+          </a:ln>
+        </p:spPr>
+      </p:sp>
+      <p:sp>
+        <p:nvSpPr>
+          <p:cNvPr id="539" name="Google Shape;539;g32d3355825c_1_12:notes"/>
+          <p:cNvSpPr txBox="1">
+            <a:spLocks noGrp="1"/>
+          </p:cNvSpPr>
+          <p:nvPr>
+            <p:ph type="body" idx="1"/>
+          </p:nvPr>
+        </p:nvSpPr>
+        <p:spPr>
+          <a:xfrm>
+            <a:off x="685800" y="4343400"/>
+            <a:ext cx="5486400" cy="4114800"/>
+          </a:xfrm>
+          <a:prstGeom prst="rect">
+            <a:avLst/>
+          </a:prstGeom>
+          <a:noFill/>
+          <a:ln>
+            <a:noFill/>
+          </a:ln>
+        </p:spPr>
+        <p:txBody>
+          <a:bodyPr spcFirstLastPara="1" wrap="square" lIns="91425" tIns="45700" rIns="91425" bIns="45700" anchor="t" anchorCtr="0">
+            <a:noAutofit/>
+          </a:bodyPr>
+          <a:lstStyle/>
+          <a:p>
+            <a:pPr marL="0" lvl="0" indent="0" algn="l" rtl="0">
+              <a:lnSpc>
+                <a:spcPct val="100000"/>
+              </a:lnSpc>
+              <a:spcBef>
+                <a:spcPts val="360"/>
+              </a:spcBef>
+              <a:spcAft>
+                <a:spcPts val="0"/>
+              </a:spcAft>
+              <a:buSzPts val="1400"/>
+              <a:buNone/>
+            </a:pPr>
+            <a:endParaRPr/>
+          </a:p>
+        </p:txBody>
+      </p:sp>
+      <p:sp>
+        <p:nvSpPr>
+          <p:cNvPr id="540" name="Google Shape;540;g32d3355825c_1_12:notes"/>
+          <p:cNvSpPr txBox="1">
+            <a:spLocks noGrp="1"/>
+          </p:cNvSpPr>
+          <p:nvPr>
+            <p:ph type="sldNum" idx="12"/>
+          </p:nvPr>
+        </p:nvSpPr>
+        <p:spPr>
+          <a:xfrm>
+            <a:off x="3884613" y="8685213"/>
+            <a:ext cx="2971800" cy="457200"/>
+          </a:xfrm>
+          <a:prstGeom prst="rect">
+            <a:avLst/>
+          </a:prstGeom>
+          <a:noFill/>
+          <a:ln>
+            <a:noFill/>
+          </a:ln>
+        </p:spPr>
+        <p:txBody>
+          <a:bodyPr spcFirstLastPara="1" wrap="square" lIns="91425" tIns="45700" rIns="91425" bIns="45700" anchor="b" anchorCtr="0">
+            <a:noAutofit/>
+          </a:bodyPr>
+          <a:lstStyle/>
+          <a:p>
+            <a:pPr marL="0" lvl="0" indent="0" algn="r" rtl="0">
+              <a:lnSpc>
+                <a:spcPct val="100000"/>
+              </a:lnSpc>
+              <a:spcBef>
+                <a:spcPts val="0"/>
+              </a:spcBef>
+              <a:spcAft>
+                <a:spcPts val="0"/>
+              </a:spcAft>
+              <a:buClr>
+                <a:srgbClr val="000000"/>
+              </a:buClr>
+              <a:buSzPts val="1200"/>
+              <a:buFont typeface="Arial"/>
+              <a:buNone/>
+            </a:pPr>
+            <a:fld id="{00000000-1234-1234-1234-123412341234}" type="slidenum">
+              <a:rPr lang="en-US"/>
+              <a:t>8</a:t>
+            </a:fld>
+            <a:endParaRPr/>
+          </a:p>
+        </p:txBody>
+      </p:sp>
+    </p:spTree>
+  </p:cSld>
+  <p:clrMapOvr>
+    <a:masterClrMapping/>
+  </p:clrMapOvr>
+</p:notes>
+</file>
+
+<file path=ppt/notesSlides/notesSlide7.xml><?xml version="1.0" encoding="utf-8"?>
+<p:notes xmlns:a="http://schemas.openxmlformats.org/drawingml/2006/main" xmlns:r="http://schemas.openxmlformats.org/officeDocument/2006/relationships" xmlns:p="http://schemas.openxmlformats.org/presentationml/2006/main">
+  <p:cSld>
+    <p:spTree>
+      <p:nvGrpSpPr>
+        <p:cNvPr id="1" name=""/>
+        <p:cNvGrpSpPr/>
+        <p:nvPr/>
+      </p:nvGrpSpPr>
+      <p:grpSpPr>
+        <a:xfrm>
+          <a:off x="0" y="0"/>
+          <a:ext cx="0" cy="0"/>
+          <a:chOff x="0" y="0"/>
+          <a:chExt cx="0" cy="0"/>
+        </a:xfrm>
+      </p:grpSpPr>
+      <p:sp>
+        <p:nvSpPr>
+          <p:cNvPr id="2" name="Slide Image Placeholder 1"/>
+          <p:cNvSpPr>
+            <a:spLocks noGrp="1" noRot="1" noChangeAspect="1"/>
+          </p:cNvSpPr>
+          <p:nvPr>
+            <p:ph type="sldImg"/>
+          </p:nvPr>
+        </p:nvSpPr>
+        <p:spPr/>
+      </p:sp>
+      <p:sp>
+        <p:nvSpPr>
+          <p:cNvPr id="3" name="Notes Placeholder 2"/>
+          <p:cNvSpPr>
+            <a:spLocks noGrp="1"/>
+          </p:cNvSpPr>
+          <p:nvPr>
+            <p:ph type="body" idx="1"/>
+          </p:nvPr>
+        </p:nvSpPr>
+        <p:spPr/>
+        <p:txBody>
+          <a:bodyPr/>
+          <a:lstStyle/>
+          <a:p>
+            <a:r>
+              <a:rPr lang="en-US" dirty="0"/>
+              <a:t>Police data</a:t>
+            </a:r>
+          </a:p>
+          <a:p>
+            <a:r>
+              <a:rPr lang="en-US" dirty="0"/>
+              <a:t>School data</a:t>
+            </a:r>
+          </a:p>
+          <a:p>
+            <a:endParaRPr lang="en-US" dirty="0"/>
+          </a:p>
+        </p:txBody>
+      </p:sp>
+      <p:sp>
+        <p:nvSpPr>
+          <p:cNvPr id="4" name="Slide Number Placeholder 3"/>
+          <p:cNvSpPr>
+            <a:spLocks noGrp="1"/>
+          </p:cNvSpPr>
+          <p:nvPr>
+            <p:ph type="sldNum" idx="12"/>
+          </p:nvPr>
+        </p:nvSpPr>
+        <p:spPr/>
+        <p:txBody>
+          <a:bodyPr/>
+          <a:lstStyle/>
+          <a:p>
+            <a:pPr marL="0" marR="0" lvl="0" indent="0" algn="r" rtl="0">
+              <a:spcBef>
+                <a:spcPts val="0"/>
+              </a:spcBef>
+              <a:spcAft>
+                <a:spcPts val="0"/>
+              </a:spcAft>
+              <a:buNone/>
+            </a:pPr>
+            <a:fld id="{00000000-1234-1234-1234-123412341234}" type="slidenum">
+              <a:rPr lang="en-US" sz="1200" b="0" i="0" u="none" strike="noStrike" cap="none" smtClean="0">
+                <a:solidFill>
+                  <a:schemeClr val="dk1"/>
+                </a:solidFill>
+                <a:latin typeface="Calibri"/>
+                <a:ea typeface="Calibri"/>
+                <a:cs typeface="Calibri"/>
+                <a:sym typeface="Calibri"/>
+              </a:rPr>
+              <a:t>11</a:t>
+            </a:fld>
+            <a:endParaRPr lang="en-US" sz="1200" b="0" i="0" u="none" strike="noStrike" cap="none">
+              <a:solidFill>
+                <a:schemeClr val="dk1"/>
+              </a:solidFill>
+              <a:latin typeface="Calibri"/>
+              <a:ea typeface="Calibri"/>
+              <a:cs typeface="Calibri"/>
+              <a:sym typeface="Calibri"/>
+            </a:endParaRPr>
+          </a:p>
+        </p:txBody>
+      </p:sp>
+    </p:spTree>
+    <p:extLst>
+      <p:ext uri="{BB962C8B-B14F-4D97-AF65-F5344CB8AC3E}">
+        <p14:creationId xmlns:p14="http://schemas.microsoft.com/office/powerpoint/2010/main" val="551343960"/>
+      </p:ext>
+    </p:extLst>
+  </p:cSld>
+  <p:clrMapOvr>
+    <a:masterClrMapping/>
+  </p:clrMapOvr>
+</p:notes>
+</file>
+
+<file path=ppt/notesSlides/notesSlide8.xml><?xml version="1.0" encoding="utf-8"?>
+<p:notes xmlns:a="http://schemas.openxmlformats.org/drawingml/2006/main" xmlns:r="http://schemas.openxmlformats.org/officeDocument/2006/relationships" xmlns:p="http://schemas.openxmlformats.org/presentationml/2006/main">
+  <p:cSld>
+    <p:spTree>
+      <p:nvGrpSpPr>
+        <p:cNvPr id="1" name=""/>
+        <p:cNvGrpSpPr/>
+        <p:nvPr/>
+      </p:nvGrpSpPr>
+      <p:grpSpPr>
+        <a:xfrm>
+          <a:off x="0" y="0"/>
+          <a:ext cx="0" cy="0"/>
+          <a:chOff x="0" y="0"/>
+          <a:chExt cx="0" cy="0"/>
+        </a:xfrm>
+      </p:grpSpPr>
+      <p:sp>
+        <p:nvSpPr>
+          <p:cNvPr id="2" name="Slide Image Placeholder 1"/>
+          <p:cNvSpPr>
+            <a:spLocks noGrp="1" noRot="1" noChangeAspect="1"/>
+          </p:cNvSpPr>
+          <p:nvPr>
+            <p:ph type="sldImg"/>
+          </p:nvPr>
+        </p:nvSpPr>
+        <p:spPr/>
+      </p:sp>
+      <p:sp>
+        <p:nvSpPr>
+          <p:cNvPr id="3" name="Notes Placeholder 2"/>
+          <p:cNvSpPr>
+            <a:spLocks noGrp="1"/>
+          </p:cNvSpPr>
+          <p:nvPr>
+            <p:ph type="body" idx="1"/>
+          </p:nvPr>
+        </p:nvSpPr>
+        <p:spPr/>
+        <p:txBody>
+          <a:bodyPr/>
+          <a:lstStyle/>
+          <a:p>
+            <a:r>
+              <a:rPr lang="en-US" dirty="0"/>
+              <a:t>New data collection for causa </a:t>
+            </a:r>
+            <a:r>
+              <a:rPr lang="en-US" dirty="0" err="1"/>
+              <a:t>leffects</a:t>
+            </a:r>
+            <a:r>
+              <a:rPr lang="en-US" dirty="0"/>
+              <a:t>?</a:t>
+            </a:r>
+          </a:p>
+        </p:txBody>
+      </p:sp>
+      <p:sp>
+        <p:nvSpPr>
+          <p:cNvPr id="4" name="Slide Number Placeholder 3"/>
+          <p:cNvSpPr>
+            <a:spLocks noGrp="1"/>
+          </p:cNvSpPr>
+          <p:nvPr>
+            <p:ph type="sldNum" idx="12"/>
+          </p:nvPr>
+        </p:nvSpPr>
+        <p:spPr/>
+        <p:txBody>
+          <a:bodyPr/>
+          <a:lstStyle/>
+          <a:p>
+            <a:pPr marL="0" marR="0" lvl="0" indent="0" algn="r" rtl="0">
+              <a:spcBef>
+                <a:spcPts val="0"/>
+              </a:spcBef>
+              <a:spcAft>
+                <a:spcPts val="0"/>
+              </a:spcAft>
+              <a:buNone/>
+            </a:pPr>
+            <a:fld id="{00000000-1234-1234-1234-123412341234}" type="slidenum">
+              <a:rPr lang="en-US" sz="1200" b="0" i="0" u="none" strike="noStrike" cap="none" smtClean="0">
+                <a:solidFill>
+                  <a:schemeClr val="dk1"/>
+                </a:solidFill>
+                <a:latin typeface="Calibri"/>
+                <a:ea typeface="Calibri"/>
+                <a:cs typeface="Calibri"/>
+                <a:sym typeface="Calibri"/>
+              </a:rPr>
+              <a:t>14</a:t>
+            </a:fld>
+            <a:endParaRPr lang="en-US" sz="1200" b="0" i="0" u="none" strike="noStrike" cap="none">
+              <a:solidFill>
+                <a:schemeClr val="dk1"/>
+              </a:solidFill>
+              <a:latin typeface="Calibri"/>
+              <a:ea typeface="Calibri"/>
+              <a:cs typeface="Calibri"/>
+              <a:sym typeface="Calibri"/>
+            </a:endParaRPr>
+          </a:p>
+        </p:txBody>
+      </p:sp>
+    </p:spTree>
+    <p:extLst>
+      <p:ext uri="{BB962C8B-B14F-4D97-AF65-F5344CB8AC3E}">
+        <p14:creationId xmlns:p14="http://schemas.microsoft.com/office/powerpoint/2010/main" val="3665120991"/>
+      </p:ext>
+    </p:extLst>
+  </p:cSld>
+  <p:clrMapOvr>
+    <a:masterClrMapping/>
+  </p:clrMapOvr>
+</p:notes>
+</file>
+
+<file path=ppt/notesSlides/notesSlide9.xml><?xml version="1.0" encoding="utf-8"?>
+<p:notes xmlns:a="http://schemas.openxmlformats.org/drawingml/2006/main" xmlns:r="http://schemas.openxmlformats.org/officeDocument/2006/relationships" xmlns:p="http://schemas.openxmlformats.org/presentationml/2006/main" showMasterSp="0" showMasterPhAnim="0">
+  <p:cSld>
+    <p:spTree>
+      <p:nvGrpSpPr>
+        <p:cNvPr id="1" name="Shape 581"/>
+        <p:cNvGrpSpPr/>
+        <p:nvPr/>
+      </p:nvGrpSpPr>
+      <p:grpSpPr>
+        <a:xfrm>
+          <a:off x="0" y="0"/>
+          <a:ext cx="0" cy="0"/>
+          <a:chOff x="0" y="0"/>
+          <a:chExt cx="0" cy="0"/>
+        </a:xfrm>
+      </p:grpSpPr>
+      <p:sp>
+        <p:nvSpPr>
+          <p:cNvPr id="582" name="Google Shape;582;g32d3355825c_1_46:notes"/>
+          <p:cNvSpPr>
+            <a:spLocks noGrp="1" noRot="1" noChangeAspect="1"/>
+          </p:cNvSpPr>
+          <p:nvPr>
+            <p:ph type="sldImg" idx="2"/>
+          </p:nvPr>
+        </p:nvSpPr>
+        <p:spPr>
+          <a:xfrm>
+            <a:off x="381000" y="685800"/>
+            <a:ext cx="6096000" cy="3429000"/>
+          </a:xfrm>
+          <a:custGeom>
+            <a:avLst/>
+            <a:gdLst/>
+            <a:ahLst/>
+            <a:cxnLst/>
+            <a:rect l="l" t="t" r="r" b="b"/>
+            <a:pathLst>
+              <a:path w="120000" h="120000" extrusionOk="0">
+                <a:moveTo>
+                  <a:pt x="0" y="0"/>
+                </a:moveTo>
+                <a:lnTo>
+                  <a:pt x="120000" y="0"/>
+                </a:lnTo>
+                <a:lnTo>
+                  <a:pt x="120000" y="120000"/>
+                </a:lnTo>
+                <a:lnTo>
+                  <a:pt x="0" y="120000"/>
+                </a:lnTo>
+                <a:close/>
+              </a:path>
+            </a:pathLst>
+          </a:custGeom>
+          <a:noFill/>
+          <a:ln w="12700" cap="flat" cmpd="sng">
+            <a:solidFill>
+              <a:srgbClr val="000000"/>
+            </a:solidFill>
+            <a:prstDash val="solid"/>
+            <a:round/>
+            <a:headEnd type="none" w="sm" len="sm"/>
+            <a:tailEnd type="none" w="sm" len="sm"/>
+          </a:ln>
+        </p:spPr>
+      </p:sp>
+      <p:sp>
+        <p:nvSpPr>
+          <p:cNvPr id="583" name="Google Shape;583;g32d3355825c_1_46:notes"/>
+          <p:cNvSpPr txBox="1">
+            <a:spLocks noGrp="1"/>
+          </p:cNvSpPr>
+          <p:nvPr>
+            <p:ph type="body" idx="1"/>
+          </p:nvPr>
+        </p:nvSpPr>
+        <p:spPr>
+          <a:xfrm>
+            <a:off x="685800" y="4343400"/>
+            <a:ext cx="5486400" cy="4114800"/>
+          </a:xfrm>
+          <a:prstGeom prst="rect">
+            <a:avLst/>
+          </a:prstGeom>
+          <a:noFill/>
+          <a:ln>
+            <a:noFill/>
+          </a:ln>
+        </p:spPr>
+        <p:txBody>
+          <a:bodyPr spcFirstLastPara="1" wrap="square" lIns="91425" tIns="45700" rIns="91425" bIns="45700" anchor="t" anchorCtr="0">
+            <a:noAutofit/>
+          </a:bodyPr>
+          <a:lstStyle/>
+          <a:p>
+            <a:pPr marL="0" lvl="0" indent="0" algn="l" rtl="0">
+              <a:lnSpc>
+                <a:spcPct val="100000"/>
+              </a:lnSpc>
+              <a:spcBef>
+                <a:spcPts val="360"/>
+              </a:spcBef>
+              <a:spcAft>
+                <a:spcPts val="0"/>
+              </a:spcAft>
+              <a:buSzPts val="1400"/>
+              <a:buNone/>
+            </a:pPr>
+            <a:endParaRPr/>
+          </a:p>
+        </p:txBody>
+      </p:sp>
+      <p:sp>
+        <p:nvSpPr>
+          <p:cNvPr id="584" name="Google Shape;584;g32d3355825c_1_46:notes"/>
+          <p:cNvSpPr txBox="1">
+            <a:spLocks noGrp="1"/>
+          </p:cNvSpPr>
+          <p:nvPr>
+            <p:ph type="sldNum" idx="12"/>
+          </p:nvPr>
+        </p:nvSpPr>
+        <p:spPr>
+          <a:xfrm>
+            <a:off x="3884613" y="8685213"/>
+            <a:ext cx="2971800" cy="457200"/>
+          </a:xfrm>
+          <a:prstGeom prst="rect">
+            <a:avLst/>
+          </a:prstGeom>
+          <a:noFill/>
+          <a:ln>
+            <a:noFill/>
+          </a:ln>
+        </p:spPr>
+        <p:txBody>
+          <a:bodyPr spcFirstLastPara="1" wrap="square" lIns="91425" tIns="45700" rIns="91425" bIns="45700" anchor="b" anchorCtr="0">
+            <a:noAutofit/>
+          </a:bodyPr>
+          <a:lstStyle/>
+          <a:p>
+            <a:pPr marL="0" lvl="0" indent="0" algn="r" rtl="0">
+              <a:lnSpc>
+                <a:spcPct val="100000"/>
+              </a:lnSpc>
+              <a:spcBef>
+                <a:spcPts val="0"/>
+              </a:spcBef>
+              <a:spcAft>
+                <a:spcPts val="0"/>
+              </a:spcAft>
+              <a:buClr>
+                <a:srgbClr val="000000"/>
+              </a:buClr>
+              <a:buSzPts val="1200"/>
+              <a:buFont typeface="Arial"/>
+              <a:buNone/>
+            </a:pPr>
+            <a:fld id="{00000000-1234-1234-1234-123412341234}" type="slidenum">
+              <a:rPr lang="en-US"/>
+              <a:t>15</a:t>
+            </a:fld>
+            <a:endParaRPr/>
+          </a:p>
+        </p:txBody>
+      </p:sp>
+    </p:spTree>
+  </p:cSld>
+  <p:clrMapOvr>
+    <a:masterClrMapping/>
+  </p:clrMapOvr>
+</p:notes>
+</file>
+
 <file path=ppt/slideLayouts/slideLayout1.xml><?xml version="1.0" encoding="utf-8"?>
 <p:sldLayout xmlns:a="http://schemas.openxmlformats.org/drawingml/2006/main" xmlns:r="http://schemas.openxmlformats.org/officeDocument/2006/relationships" xmlns:p="http://schemas.openxmlformats.org/presentationml/2006/main" matchingName="Title slide" type="title">
   <p:cSld name="TITLE">
@@ -7747,6 +9200,204 @@
         </p:txBody>
       </p:sp>
     </p:spTree>
+  </p:cSld>
+  <p:clrMapOvr>
+    <a:masterClrMapping/>
+  </p:clrMapOvr>
+</p:sldLayout>
+</file>
+
+<file path=ppt/slideLayouts/slideLayout13.xml><?xml version="1.0" encoding="utf-8"?>
+<p:sldLayout xmlns:a="http://schemas.openxmlformats.org/drawingml/2006/main" xmlns:r="http://schemas.openxmlformats.org/officeDocument/2006/relationships" xmlns:p="http://schemas.openxmlformats.org/presentationml/2006/main" matchingName="Title Slide">
+  <p:cSld name="1_Title Slide">
+    <p:bg>
+      <p:bgPr>
+        <a:solidFill>
+          <a:schemeClr val="lt1"/>
+        </a:solidFill>
+        <a:effectLst/>
+      </p:bgPr>
+    </p:bg>
+    <p:spTree>
+      <p:nvGrpSpPr>
+        <p:cNvPr id="1" name="Shape 15"/>
+        <p:cNvGrpSpPr/>
+        <p:nvPr/>
+      </p:nvGrpSpPr>
+      <p:grpSpPr>
+        <a:xfrm>
+          <a:off x="0" y="0"/>
+          <a:ext cx="0" cy="0"/>
+          <a:chOff x="0" y="0"/>
+          <a:chExt cx="0" cy="0"/>
+        </a:xfrm>
+      </p:grpSpPr>
+      <p:sp>
+        <p:nvSpPr>
+          <p:cNvPr id="16" name="Google Shape;16;p62"/>
+          <p:cNvSpPr txBox="1">
+            <a:spLocks noGrp="1"/>
+          </p:cNvSpPr>
+          <p:nvPr>
+            <p:ph type="ctrTitle"/>
+          </p:nvPr>
+        </p:nvSpPr>
+        <p:spPr>
+          <a:xfrm>
+            <a:off x="914400" y="1851287"/>
+            <a:ext cx="10363200" cy="1470025"/>
+          </a:xfrm>
+          <a:prstGeom prst="rect">
+            <a:avLst/>
+          </a:prstGeom>
+          <a:noFill/>
+          <a:ln>
+            <a:noFill/>
+          </a:ln>
+        </p:spPr>
+        <p:txBody>
+          <a:bodyPr spcFirstLastPara="1" wrap="square" lIns="91425" tIns="45700" rIns="91425" bIns="45700" anchor="ctr" anchorCtr="0">
+            <a:noAutofit/>
+          </a:bodyPr>
+          <a:lstStyle>
+            <a:lvl1pPr lvl="0" algn="ctr">
+              <a:lnSpc>
+                <a:spcPct val="100000"/>
+              </a:lnSpc>
+              <a:spcBef>
+                <a:spcPts val="0"/>
+              </a:spcBef>
+              <a:spcAft>
+                <a:spcPts val="0"/>
+              </a:spcAft>
+              <a:buSzPts val="1400"/>
+              <a:buNone/>
+              <a:defRPr/>
+            </a:lvl1pPr>
+            <a:lvl2pPr lvl="1" algn="ctr">
+              <a:lnSpc>
+                <a:spcPct val="100000"/>
+              </a:lnSpc>
+              <a:spcBef>
+                <a:spcPts val="0"/>
+              </a:spcBef>
+              <a:spcAft>
+                <a:spcPts val="0"/>
+              </a:spcAft>
+              <a:buSzPts val="1400"/>
+              <a:buNone/>
+              <a:defRPr/>
+            </a:lvl2pPr>
+            <a:lvl3pPr lvl="2" algn="ctr">
+              <a:lnSpc>
+                <a:spcPct val="100000"/>
+              </a:lnSpc>
+              <a:spcBef>
+                <a:spcPts val="0"/>
+              </a:spcBef>
+              <a:spcAft>
+                <a:spcPts val="0"/>
+              </a:spcAft>
+              <a:buSzPts val="1400"/>
+              <a:buNone/>
+              <a:defRPr/>
+            </a:lvl3pPr>
+            <a:lvl4pPr lvl="3" algn="ctr">
+              <a:lnSpc>
+                <a:spcPct val="100000"/>
+              </a:lnSpc>
+              <a:spcBef>
+                <a:spcPts val="0"/>
+              </a:spcBef>
+              <a:spcAft>
+                <a:spcPts val="0"/>
+              </a:spcAft>
+              <a:buSzPts val="1400"/>
+              <a:buNone/>
+              <a:defRPr/>
+            </a:lvl4pPr>
+            <a:lvl5pPr lvl="4" algn="ctr">
+              <a:lnSpc>
+                <a:spcPct val="100000"/>
+              </a:lnSpc>
+              <a:spcBef>
+                <a:spcPts val="0"/>
+              </a:spcBef>
+              <a:spcAft>
+                <a:spcPts val="0"/>
+              </a:spcAft>
+              <a:buSzPts val="1400"/>
+              <a:buNone/>
+              <a:defRPr/>
+            </a:lvl5pPr>
+            <a:lvl6pPr lvl="5" algn="ctr">
+              <a:lnSpc>
+                <a:spcPct val="100000"/>
+              </a:lnSpc>
+              <a:spcBef>
+                <a:spcPts val="0"/>
+              </a:spcBef>
+              <a:spcAft>
+                <a:spcPts val="0"/>
+              </a:spcAft>
+              <a:buSzPts val="1400"/>
+              <a:buNone/>
+              <a:defRPr/>
+            </a:lvl6pPr>
+            <a:lvl7pPr lvl="6" algn="ctr">
+              <a:lnSpc>
+                <a:spcPct val="100000"/>
+              </a:lnSpc>
+              <a:spcBef>
+                <a:spcPts val="0"/>
+              </a:spcBef>
+              <a:spcAft>
+                <a:spcPts val="0"/>
+              </a:spcAft>
+              <a:buSzPts val="1400"/>
+              <a:buNone/>
+              <a:defRPr/>
+            </a:lvl7pPr>
+            <a:lvl8pPr lvl="7" algn="ctr">
+              <a:lnSpc>
+                <a:spcPct val="100000"/>
+              </a:lnSpc>
+              <a:spcBef>
+                <a:spcPts val="0"/>
+              </a:spcBef>
+              <a:spcAft>
+                <a:spcPts val="0"/>
+              </a:spcAft>
+              <a:buSzPts val="1400"/>
+              <a:buNone/>
+              <a:defRPr/>
+            </a:lvl8pPr>
+            <a:lvl9pPr lvl="8" algn="ctr">
+              <a:lnSpc>
+                <a:spcPct val="100000"/>
+              </a:lnSpc>
+              <a:spcBef>
+                <a:spcPts val="0"/>
+              </a:spcBef>
+              <a:spcAft>
+                <a:spcPts val="0"/>
+              </a:spcAft>
+              <a:buSzPts val="1400"/>
+              <a:buNone/>
+              <a:defRPr/>
+            </a:lvl9pPr>
+          </a:lstStyle>
+          <a:p>
+            <a:endParaRPr/>
+          </a:p>
+        </p:txBody>
+      </p:sp>
+    </p:spTree>
+    <p:extLst>
+      <p:ext uri="{BB962C8B-B14F-4D97-AF65-F5344CB8AC3E}">
+        <p14:creationId xmlns:p14="http://schemas.microsoft.com/office/powerpoint/2010/main" val="1942337531"/>
+      </p:ext>
+    </p:extLst>
   </p:cSld>
   <p:clrMapOvr>
     <a:masterClrMapping/>
@@ -11234,6 +12885,7 @@
     <p:sldLayoutId id="2147483659" r:id="rId10"/>
     <p:sldLayoutId id="2147483660" r:id="rId11"/>
     <p:sldLayoutId id="2147483661" r:id="rId12"/>
+    <p:sldLayoutId id="2147483662" r:id="rId13"/>
   </p:sldLayoutIdLst>
   <p:hf sldNum="0" hdr="0" ftr="0" dt="0"/>
   <p:txStyles>
@@ -12103,7 +13755,7 @@
           <p:cNvPr id="2" name="Title 1">
             <a:extLst>
               <a:ext uri="{FF2B5EF4-FFF2-40B4-BE49-F238E27FC236}">
-                <a16:creationId xmlns:a16="http://schemas.microsoft.com/office/drawing/2014/main" id="{52E04EB1-290D-E647-B684-F8A3D3B280EE}"/>
+                <a16:creationId xmlns:a16="http://schemas.microsoft.com/office/drawing/2014/main" id="{CE46E641-F79B-6F49-B8EF-A4D6E70FF61F}"/>
               </a:ext>
             </a:extLst>
           </p:cNvPr>
@@ -12121,7 +13773,7 @@
           <a:p>
             <a:r>
               <a:rPr lang="en-US" dirty="0"/>
-              <a:t>Discussion Topic</a:t>
+              <a:t>Scenarios</a:t>
             </a:r>
           </a:p>
         </p:txBody>
@@ -12131,7 +13783,7 @@
           <p:cNvPr id="3" name="Text Placeholder 2">
             <a:extLst>
               <a:ext uri="{FF2B5EF4-FFF2-40B4-BE49-F238E27FC236}">
-                <a16:creationId xmlns:a16="http://schemas.microsoft.com/office/drawing/2014/main" id="{73DF5889-4B8C-7449-87CD-1929C07EE849}"/>
+                <a16:creationId xmlns:a16="http://schemas.microsoft.com/office/drawing/2014/main" id="{109530BD-D523-581E-F9C9-8075A2275413}"/>
               </a:ext>
             </a:extLst>
           </p:cNvPr>
@@ -12147,33 +13799,23 @@
           <a:bodyPr/>
           <a:lstStyle/>
           <a:p>
-            <a:pPr marL="76200" indent="0">
-              <a:buNone/>
-            </a:pPr>
-            <a:endParaRPr lang="en-US" dirty="0"/>
-          </a:p>
-          <a:p>
-            <a:pPr marL="76200" indent="0">
-              <a:buNone/>
-            </a:pPr>
-            <a:endParaRPr lang="en-US" dirty="0"/>
-          </a:p>
-          <a:p>
-            <a:pPr marL="76200" indent="0">
-              <a:buNone/>
-            </a:pPr>
-            <a:r>
-              <a:rPr lang="en-US" sz="3200" dirty="0"/>
-              <a:t>What are downstream impacts (generally) of a false positive in record linkage? What about a false negative?</a:t>
-            </a:r>
-            <a:endParaRPr lang="en-US" dirty="0"/>
+            <a:r>
+              <a:rPr lang="en-US" dirty="0"/>
+              <a:t>Internal to an organization</a:t>
+            </a:r>
+          </a:p>
+          <a:p>
+            <a:r>
+              <a:rPr lang="en-US" dirty="0"/>
+              <a:t>Partnering with external organization – researcher, consultant, etc.</a:t>
+            </a:r>
           </a:p>
         </p:txBody>
       </p:sp>
     </p:spTree>
     <p:extLst>
       <p:ext uri="{BB962C8B-B14F-4D97-AF65-F5344CB8AC3E}">
-        <p14:creationId xmlns:p14="http://schemas.microsoft.com/office/powerpoint/2010/main" val="4210785574"/>
+        <p14:creationId xmlns:p14="http://schemas.microsoft.com/office/powerpoint/2010/main" val="3974381565"/>
       </p:ext>
     </p:extLst>
   </p:cSld>
@@ -12205,7 +13847,7 @@
           <p:cNvPr id="2" name="Title 1">
             <a:extLst>
               <a:ext uri="{FF2B5EF4-FFF2-40B4-BE49-F238E27FC236}">
-                <a16:creationId xmlns:a16="http://schemas.microsoft.com/office/drawing/2014/main" id="{52E04EB1-290D-E647-B684-F8A3D3B280EE}"/>
+                <a16:creationId xmlns:a16="http://schemas.microsoft.com/office/drawing/2014/main" id="{979BFBA3-9597-C18F-DC54-EA1CD2F2D248}"/>
               </a:ext>
             </a:extLst>
           </p:cNvPr>
@@ -12223,7 +13865,7 @@
           <a:p>
             <a:r>
               <a:rPr lang="en-US" dirty="0"/>
-              <a:t>Discussion Topic</a:t>
+              <a:t>Political Challenges</a:t>
             </a:r>
           </a:p>
         </p:txBody>
@@ -12233,7 +13875,7 @@
           <p:cNvPr id="3" name="Text Placeholder 2">
             <a:extLst>
               <a:ext uri="{FF2B5EF4-FFF2-40B4-BE49-F238E27FC236}">
-                <a16:creationId xmlns:a16="http://schemas.microsoft.com/office/drawing/2014/main" id="{73DF5889-4B8C-7449-87CD-1929C07EE849}"/>
+                <a16:creationId xmlns:a16="http://schemas.microsoft.com/office/drawing/2014/main" id="{C6BF3655-4FBB-7724-83F4-8175A4967B32}"/>
               </a:ext>
             </a:extLst>
           </p:cNvPr>
@@ -12249,25 +13891,18 @@
           <a:bodyPr/>
           <a:lstStyle/>
           <a:p>
-            <a:pPr marL="76200" indent="0">
-              <a:buNone/>
-            </a:pPr>
-            <a:endParaRPr lang="en-US" dirty="0"/>
-          </a:p>
-          <a:p>
-            <a:pPr marL="76200" indent="0">
-              <a:buNone/>
-            </a:pPr>
-            <a:endParaRPr lang="en-US" dirty="0"/>
-          </a:p>
-          <a:p>
-            <a:pPr marL="76200" indent="0">
-              <a:buNone/>
-            </a:pPr>
-            <a:r>
-              <a:rPr lang="en-US" sz="3200" dirty="0"/>
-              <a:t>What types of common mismatch errors might affect groups differently, resulting in downstream fairness impacts?</a:t>
-            </a:r>
+            <a:r>
+              <a:rPr lang="en-US" dirty="0"/>
+              <a:t>Understanding the stakeholders and value for them</a:t>
+            </a:r>
+          </a:p>
+          <a:p>
+            <a:r>
+              <a:rPr lang="en-US" dirty="0"/>
+              <a:t>May lead to getting subsets</a:t>
+            </a:r>
+          </a:p>
+          <a:p>
             <a:endParaRPr lang="en-US" dirty="0"/>
           </a:p>
         </p:txBody>
@@ -12275,7 +13910,7 @@
     </p:spTree>
     <p:extLst>
       <p:ext uri="{BB962C8B-B14F-4D97-AF65-F5344CB8AC3E}">
-        <p14:creationId xmlns:p14="http://schemas.microsoft.com/office/powerpoint/2010/main" val="2960122765"/>
+        <p14:creationId xmlns:p14="http://schemas.microsoft.com/office/powerpoint/2010/main" val="2201292742"/>
       </p:ext>
     </p:extLst>
   </p:cSld>
@@ -12304,7 +13939,13 @@
       </p:grpSpPr>
       <p:sp>
         <p:nvSpPr>
-          <p:cNvPr id="2" name="Title 1"/>
+          <p:cNvPr id="2" name="Title 1">
+            <a:extLst>
+              <a:ext uri="{FF2B5EF4-FFF2-40B4-BE49-F238E27FC236}">
+                <a16:creationId xmlns:a16="http://schemas.microsoft.com/office/drawing/2014/main" id="{5B1598E1-2970-A57B-2054-6EA7A1C0E11F}"/>
+              </a:ext>
+            </a:extLst>
+          </p:cNvPr>
           <p:cNvSpPr>
             <a:spLocks noGrp="1"/>
           </p:cNvSpPr>
@@ -12319,14 +13960,20 @@
           <a:p>
             <a:r>
               <a:rPr lang="en-US" dirty="0"/>
-              <a:t>Factors to consider</a:t>
+              <a:t>Internal Awareness Challenges</a:t>
             </a:r>
           </a:p>
         </p:txBody>
       </p:sp>
       <p:sp>
         <p:nvSpPr>
-          <p:cNvPr id="3" name="Content Placeholder 2"/>
+          <p:cNvPr id="3" name="Text Placeholder 2">
+            <a:extLst>
+              <a:ext uri="{FF2B5EF4-FFF2-40B4-BE49-F238E27FC236}">
+                <a16:creationId xmlns:a16="http://schemas.microsoft.com/office/drawing/2014/main" id="{14772AD7-6DC2-FD80-5F57-21B4BAF586E7}"/>
+              </a:ext>
+            </a:extLst>
+          </p:cNvPr>
           <p:cNvSpPr>
             <a:spLocks noGrp="1"/>
           </p:cNvSpPr>
@@ -12336,83 +13983,26 @@
         </p:nvSpPr>
         <p:spPr/>
         <p:txBody>
-          <a:bodyPr>
-            <a:normAutofit fontScale="77500" lnSpcReduction="20000"/>
-          </a:bodyPr>
+          <a:bodyPr/>
           <a:lstStyle/>
           <a:p>
             <a:r>
-              <a:rPr lang="en-US" dirty="0" err="1"/>
-              <a:t>Deduping</a:t>
-            </a:r>
-            <a:r>
               <a:rPr lang="en-US" dirty="0"/>
-              <a:t> or Linkage</a:t>
-            </a:r>
-          </a:p>
-          <a:p>
-            <a:pPr lvl="1"/>
-            <a:r>
-              <a:rPr lang="en-US" dirty="0"/>
-              <a:t>1-1 or 1-many or many-1</a:t>
-            </a:r>
-          </a:p>
-          <a:p>
-            <a:pPr lvl="1"/>
+              <a:t>Most organizations don’t know what data they have internally</a:t>
+            </a:r>
+          </a:p>
+          <a:p>
             <a:endParaRPr lang="en-US" dirty="0"/>
           </a:p>
           <a:p>
-            <a:r>
-              <a:rPr lang="en-US" dirty="0"/>
-              <a:t>Rule-based or ML based</a:t>
-            </a:r>
-          </a:p>
-          <a:p>
-            <a:pPr lvl="1"/>
-            <a:r>
-              <a:rPr lang="en-US" dirty="0"/>
-              <a:t>Do you have labeled training data?</a:t>
-            </a:r>
-          </a:p>
-          <a:p>
-            <a:pPr lvl="1"/>
             <a:endParaRPr lang="en-US" dirty="0"/>
-          </a:p>
-          <a:p>
-            <a:r>
-              <a:rPr lang="en-US" dirty="0"/>
-              <a:t>Domain specific or generic similarity metrics?</a:t>
-            </a:r>
-          </a:p>
-          <a:p>
-            <a:endParaRPr lang="en-US" dirty="0"/>
-          </a:p>
-          <a:p>
-            <a:r>
-              <a:rPr lang="en-US" dirty="0"/>
-              <a:t>Evaluation metric</a:t>
-            </a:r>
-          </a:p>
-          <a:p>
-            <a:pPr lvl="1"/>
-            <a:r>
-              <a:rPr lang="en-US" dirty="0"/>
-              <a:t>Precision or recall</a:t>
-            </a:r>
-          </a:p>
-          <a:p>
-            <a:pPr lvl="1"/>
-            <a:r>
-              <a:rPr lang="en-US" dirty="0"/>
-              <a:t>Task-specific - Implications on future analysis (bias for example)</a:t>
-            </a:r>
           </a:p>
         </p:txBody>
       </p:sp>
     </p:spTree>
     <p:extLst>
       <p:ext uri="{BB962C8B-B14F-4D97-AF65-F5344CB8AC3E}">
-        <p14:creationId xmlns:p14="http://schemas.microsoft.com/office/powerpoint/2010/main" val="562180733"/>
+        <p14:creationId xmlns:p14="http://schemas.microsoft.com/office/powerpoint/2010/main" val="1271599474"/>
       </p:ext>
     </p:extLst>
   </p:cSld>
@@ -12427,7 +14017,13 @@
   <p:cSld>
     <p:spTree>
       <p:nvGrpSpPr>
-        <p:cNvPr id="1" name=""/>
+        <p:cNvPr id="1" name="">
+          <a:extLst>
+            <a:ext uri="{FF2B5EF4-FFF2-40B4-BE49-F238E27FC236}">
+              <a16:creationId xmlns:a16="http://schemas.microsoft.com/office/drawing/2014/main" id="{F07A3CC1-DE63-065D-AF01-A8EB353830BE}"/>
+            </a:ext>
+          </a:extLst>
+        </p:cNvPr>
         <p:cNvGrpSpPr/>
         <p:nvPr/>
       </p:nvGrpSpPr>
@@ -12441,9 +14037,15 @@
       </p:grpSpPr>
       <p:sp>
         <p:nvSpPr>
-          <p:cNvPr id="9218" name="Rectangle 2"/>
+          <p:cNvPr id="2" name="Title 1">
+            <a:extLst>
+              <a:ext uri="{FF2B5EF4-FFF2-40B4-BE49-F238E27FC236}">
+                <a16:creationId xmlns:a16="http://schemas.microsoft.com/office/drawing/2014/main" id="{1FB791D1-FA47-7731-53F8-3CB7C6B1952D}"/>
+              </a:ext>
+            </a:extLst>
+          </p:cNvPr>
           <p:cNvSpPr>
-            <a:spLocks noGrp="1" noChangeArrowheads="1"/>
+            <a:spLocks noGrp="1"/>
           </p:cNvSpPr>
           <p:nvPr>
             <p:ph type="title"/>
@@ -12455,17 +14057,23 @@
           <a:lstStyle/>
           <a:p>
             <a:r>
-              <a:rPr lang="en-US" altLang="en-US" dirty="0"/>
-              <a:t>Approaches</a:t>
+              <a:rPr lang="en-US" dirty="0"/>
+              <a:t>Legal and Contractual Challenges</a:t>
             </a:r>
           </a:p>
         </p:txBody>
       </p:sp>
       <p:sp>
         <p:nvSpPr>
-          <p:cNvPr id="9219" name="Rectangle 3"/>
+          <p:cNvPr id="3" name="Text Placeholder 2">
+            <a:extLst>
+              <a:ext uri="{FF2B5EF4-FFF2-40B4-BE49-F238E27FC236}">
+                <a16:creationId xmlns:a16="http://schemas.microsoft.com/office/drawing/2014/main" id="{ABFA8EA6-7587-5A19-15B8-477D5DF5DD63}"/>
+              </a:ext>
+            </a:extLst>
+          </p:cNvPr>
           <p:cNvSpPr>
-            <a:spLocks noGrp="1" noChangeArrowheads="1"/>
+            <a:spLocks noGrp="1"/>
           </p:cNvSpPr>
           <p:nvPr>
             <p:ph type="body" idx="1"/>
@@ -12473,26 +14081,327 @@
         </p:nvSpPr>
         <p:spPr/>
         <p:txBody>
-          <a:bodyPr>
-            <a:normAutofit/>
+          <a:bodyPr/>
+          <a:lstStyle/>
+          <a:p>
+            <a:r>
+              <a:rPr lang="en-US" dirty="0"/>
+              <a:t>Some of the issues will be legitimate, but some will be excuses and lack of awareness</a:t>
+            </a:r>
+          </a:p>
+          <a:p>
+            <a:endParaRPr lang="en-US" dirty="0"/>
+          </a:p>
+          <a:p>
+            <a:r>
+              <a:rPr lang="en-US" dirty="0"/>
+              <a:t>Be aware of all the legal acronyms</a:t>
+            </a:r>
+          </a:p>
+          <a:p>
+            <a:endParaRPr lang="en-US" dirty="0"/>
+          </a:p>
+          <a:p>
+            <a:endParaRPr lang="en-US" dirty="0"/>
+          </a:p>
+        </p:txBody>
+      </p:sp>
+      <p:sp>
+        <p:nvSpPr>
+          <p:cNvPr id="4" name="Rectangle 3">
+            <a:extLst>
+              <a:ext uri="{FF2B5EF4-FFF2-40B4-BE49-F238E27FC236}">
+                <a16:creationId xmlns:a16="http://schemas.microsoft.com/office/drawing/2014/main" id="{12A2C67A-1D1F-FE5A-12D8-3E984D91493F}"/>
+              </a:ext>
+            </a:extLst>
+          </p:cNvPr>
+          <p:cNvSpPr/>
+          <p:nvPr/>
+        </p:nvSpPr>
+        <p:spPr>
+          <a:xfrm>
+            <a:off x="1778135" y="4182677"/>
+            <a:ext cx="2339102" cy="923330"/>
+          </a:xfrm>
+          <a:prstGeom prst="rect">
+            <a:avLst/>
+          </a:prstGeom>
+          <a:noFill/>
+        </p:spPr>
+        <p:txBody>
+          <a:bodyPr wrap="none" lIns="91440" tIns="45720" rIns="91440" bIns="45720">
+            <a:spAutoFit/>
           </a:bodyPr>
           <a:lstStyle/>
           <a:p>
-            <a:r>
-              <a:rPr lang="en-US" altLang="en-US" dirty="0"/>
-              <a:t>Exact matching</a:t>
-            </a:r>
-          </a:p>
-          <a:p>
-            <a:r>
-              <a:rPr lang="en-US" altLang="en-US" dirty="0"/>
-              <a:t>Rule-based</a:t>
-            </a:r>
-          </a:p>
-          <a:p>
-            <a:r>
-              <a:rPr lang="en-US" altLang="en-US" dirty="0"/>
-              <a:t>Probabilistic linkage</a:t>
+            <a:pPr algn="ctr"/>
+            <a:r>
+              <a:rPr lang="en-US" sz="5400" b="1" cap="none" spc="0" dirty="0">
+                <a:ln w="12700" cmpd="sng">
+                  <a:solidFill>
+                    <a:schemeClr val="accent4"/>
+                  </a:solidFill>
+                  <a:prstDash val="solid"/>
+                </a:ln>
+                <a:gradFill>
+                  <a:gsLst>
+                    <a:gs pos="0">
+                      <a:schemeClr val="accent4"/>
+                    </a:gs>
+                    <a:gs pos="4000">
+                      <a:schemeClr val="accent4">
+                        <a:lumMod val="60000"/>
+                        <a:lumOff val="40000"/>
+                      </a:schemeClr>
+                    </a:gs>
+                    <a:gs pos="87000">
+                      <a:schemeClr val="accent4">
+                        <a:lumMod val="20000"/>
+                        <a:lumOff val="80000"/>
+                      </a:schemeClr>
+                    </a:gs>
+                  </a:gsLst>
+                  <a:lin ang="5400000"/>
+                </a:gradFill>
+                <a:effectLst/>
+              </a:rPr>
+              <a:t>HIPAA</a:t>
+            </a:r>
+          </a:p>
+        </p:txBody>
+      </p:sp>
+      <p:sp>
+        <p:nvSpPr>
+          <p:cNvPr id="5" name="Rectangle 4">
+            <a:extLst>
+              <a:ext uri="{FF2B5EF4-FFF2-40B4-BE49-F238E27FC236}">
+                <a16:creationId xmlns:a16="http://schemas.microsoft.com/office/drawing/2014/main" id="{B31B295D-4ACD-7F5B-DEFD-6B9C9D4BC848}"/>
+              </a:ext>
+            </a:extLst>
+          </p:cNvPr>
+          <p:cNvSpPr/>
+          <p:nvPr/>
+        </p:nvSpPr>
+        <p:spPr>
+          <a:xfrm>
+            <a:off x="4329457" y="3721012"/>
+            <a:ext cx="2300630" cy="923330"/>
+          </a:xfrm>
+          <a:prstGeom prst="rect">
+            <a:avLst/>
+          </a:prstGeom>
+          <a:noFill/>
+        </p:spPr>
+        <p:txBody>
+          <a:bodyPr wrap="none" lIns="91440" tIns="45720" rIns="91440" bIns="45720">
+            <a:spAutoFit/>
+          </a:bodyPr>
+          <a:lstStyle/>
+          <a:p>
+            <a:pPr algn="ctr"/>
+            <a:r>
+              <a:rPr lang="en-US" sz="5400" b="1" cap="none" spc="0" dirty="0">
+                <a:ln w="12700" cmpd="sng">
+                  <a:solidFill>
+                    <a:schemeClr val="accent4"/>
+                  </a:solidFill>
+                  <a:prstDash val="solid"/>
+                </a:ln>
+                <a:gradFill>
+                  <a:gsLst>
+                    <a:gs pos="0">
+                      <a:schemeClr val="accent4"/>
+                    </a:gs>
+                    <a:gs pos="4000">
+                      <a:schemeClr val="accent4">
+                        <a:lumMod val="60000"/>
+                        <a:lumOff val="40000"/>
+                      </a:schemeClr>
+                    </a:gs>
+                    <a:gs pos="87000">
+                      <a:schemeClr val="accent4">
+                        <a:lumMod val="20000"/>
+                        <a:lumOff val="80000"/>
+                      </a:schemeClr>
+                    </a:gs>
+                  </a:gsLst>
+                  <a:lin ang="5400000"/>
+                </a:gradFill>
+                <a:effectLst/>
+              </a:rPr>
+              <a:t>HIPPA</a:t>
+            </a:r>
+          </a:p>
+        </p:txBody>
+      </p:sp>
+      <p:sp>
+        <p:nvSpPr>
+          <p:cNvPr id="6" name="Rectangle 5">
+            <a:extLst>
+              <a:ext uri="{FF2B5EF4-FFF2-40B4-BE49-F238E27FC236}">
+                <a16:creationId xmlns:a16="http://schemas.microsoft.com/office/drawing/2014/main" id="{DFCA2DB1-B349-3813-E147-086F8925BAB6}"/>
+              </a:ext>
+            </a:extLst>
+          </p:cNvPr>
+          <p:cNvSpPr/>
+          <p:nvPr/>
+        </p:nvSpPr>
+        <p:spPr>
+          <a:xfrm>
+            <a:off x="4327155" y="5106007"/>
+            <a:ext cx="2800768" cy="923330"/>
+          </a:xfrm>
+          <a:prstGeom prst="rect">
+            <a:avLst/>
+          </a:prstGeom>
+          <a:noFill/>
+        </p:spPr>
+        <p:txBody>
+          <a:bodyPr wrap="none" lIns="91440" tIns="45720" rIns="91440" bIns="45720">
+            <a:spAutoFit/>
+          </a:bodyPr>
+          <a:lstStyle/>
+          <a:p>
+            <a:pPr algn="ctr"/>
+            <a:r>
+              <a:rPr lang="en-US" sz="5400" b="1" cap="none" spc="0" dirty="0">
+                <a:ln w="12700" cmpd="sng">
+                  <a:solidFill>
+                    <a:schemeClr val="accent4"/>
+                  </a:solidFill>
+                  <a:prstDash val="solid"/>
+                </a:ln>
+                <a:gradFill>
+                  <a:gsLst>
+                    <a:gs pos="0">
+                      <a:schemeClr val="accent4"/>
+                    </a:gs>
+                    <a:gs pos="4000">
+                      <a:schemeClr val="accent4">
+                        <a:lumMod val="60000"/>
+                        <a:lumOff val="40000"/>
+                      </a:schemeClr>
+                    </a:gs>
+                    <a:gs pos="87000">
+                      <a:schemeClr val="accent4">
+                        <a:lumMod val="20000"/>
+                        <a:lumOff val="80000"/>
+                      </a:schemeClr>
+                    </a:gs>
+                  </a:gsLst>
+                  <a:lin ang="5400000"/>
+                </a:gradFill>
+                <a:effectLst/>
+              </a:rPr>
+              <a:t>HIPPAA</a:t>
+            </a:r>
+          </a:p>
+        </p:txBody>
+      </p:sp>
+      <p:sp>
+        <p:nvSpPr>
+          <p:cNvPr id="8" name="Rectangle 7">
+            <a:extLst>
+              <a:ext uri="{FF2B5EF4-FFF2-40B4-BE49-F238E27FC236}">
+                <a16:creationId xmlns:a16="http://schemas.microsoft.com/office/drawing/2014/main" id="{6D66BEEB-8386-44D1-BAD4-2266011E26D4}"/>
+              </a:ext>
+            </a:extLst>
+          </p:cNvPr>
+          <p:cNvSpPr/>
+          <p:nvPr/>
+        </p:nvSpPr>
+        <p:spPr>
+          <a:xfrm>
+            <a:off x="7784250" y="3658516"/>
+            <a:ext cx="2531462" cy="923330"/>
+          </a:xfrm>
+          <a:prstGeom prst="rect">
+            <a:avLst/>
+          </a:prstGeom>
+          <a:noFill/>
+        </p:spPr>
+        <p:txBody>
+          <a:bodyPr wrap="none" lIns="91440" tIns="45720" rIns="91440" bIns="45720">
+            <a:spAutoFit/>
+          </a:bodyPr>
+          <a:lstStyle/>
+          <a:p>
+            <a:pPr algn="ctr"/>
+            <a:r>
+              <a:rPr lang="en-US" sz="5400" b="1" cap="none" spc="0" dirty="0">
+                <a:ln w="9525">
+                  <a:solidFill>
+                    <a:schemeClr val="bg1"/>
+                  </a:solidFill>
+                  <a:prstDash val="solid"/>
+                </a:ln>
+                <a:solidFill>
+                  <a:schemeClr val="accent5"/>
+                </a:solidFill>
+                <a:effectLst>
+                  <a:outerShdw blurRad="12700" dist="38100" dir="2700000" algn="tl" rotWithShape="0">
+                    <a:schemeClr val="accent5">
+                      <a:lumMod val="60000"/>
+                      <a:lumOff val="40000"/>
+                    </a:schemeClr>
+                  </a:outerShdw>
+                </a:effectLst>
+              </a:rPr>
+              <a:t>FERPA</a:t>
+            </a:r>
+          </a:p>
+        </p:txBody>
+      </p:sp>
+      <p:sp>
+        <p:nvSpPr>
+          <p:cNvPr id="9" name="Rectangle 8">
+            <a:extLst>
+              <a:ext uri="{FF2B5EF4-FFF2-40B4-BE49-F238E27FC236}">
+                <a16:creationId xmlns:a16="http://schemas.microsoft.com/office/drawing/2014/main" id="{54A67A49-90C1-89B0-7DBD-C4670C308A8A}"/>
+              </a:ext>
+            </a:extLst>
+          </p:cNvPr>
+          <p:cNvSpPr/>
+          <p:nvPr/>
+        </p:nvSpPr>
+        <p:spPr>
+          <a:xfrm>
+            <a:off x="1149024" y="5348269"/>
+            <a:ext cx="2185215" cy="923330"/>
+          </a:xfrm>
+          <a:prstGeom prst="rect">
+            <a:avLst/>
+          </a:prstGeom>
+          <a:noFill/>
+        </p:spPr>
+        <p:txBody>
+          <a:bodyPr wrap="none" lIns="91440" tIns="45720" rIns="91440" bIns="45720">
+            <a:spAutoFit/>
+            <a:scene3d>
+              <a:camera prst="orthographicFront"/>
+              <a:lightRig rig="harsh" dir="t"/>
+            </a:scene3d>
+            <a:sp3d extrusionH="57150" prstMaterial="matte">
+              <a:bevelT w="63500" h="12700" prst="angle"/>
+              <a:contourClr>
+                <a:schemeClr val="bg1">
+                  <a:lumMod val="65000"/>
+                </a:schemeClr>
+              </a:contourClr>
+            </a:sp3d>
+          </a:bodyPr>
+          <a:lstStyle/>
+          <a:p>
+            <a:pPr algn="ctr"/>
+            <a:r>
+              <a:rPr lang="en-US" sz="5400" b="1" cap="none" spc="0" dirty="0">
+                <a:ln/>
+                <a:solidFill>
+                  <a:schemeClr val="accent3"/>
+                </a:solidFill>
+                <a:effectLst/>
+              </a:rPr>
+              <a:t>GDPR</a:t>
             </a:r>
           </a:p>
         </p:txBody>
@@ -12500,7 +14409,7 @@
     </p:spTree>
     <p:extLst>
       <p:ext uri="{BB962C8B-B14F-4D97-AF65-F5344CB8AC3E}">
-        <p14:creationId xmlns:p14="http://schemas.microsoft.com/office/powerpoint/2010/main" val="2383065332"/>
+        <p14:creationId xmlns:p14="http://schemas.microsoft.com/office/powerpoint/2010/main" val="3956826161"/>
       </p:ext>
     </p:extLst>
   </p:cSld>
@@ -12529,7 +14438,13 @@
       </p:grpSpPr>
       <p:sp>
         <p:nvSpPr>
-          <p:cNvPr id="2" name="Title 1"/>
+          <p:cNvPr id="2" name="Title 1">
+            <a:extLst>
+              <a:ext uri="{FF2B5EF4-FFF2-40B4-BE49-F238E27FC236}">
+                <a16:creationId xmlns:a16="http://schemas.microsoft.com/office/drawing/2014/main" id="{C8E60A25-02BD-674B-9661-DF031B0CB52C}"/>
+              </a:ext>
+            </a:extLst>
+          </p:cNvPr>
           <p:cNvSpPr>
             <a:spLocks noGrp="1"/>
           </p:cNvSpPr>
@@ -12544,14 +14459,20 @@
           <a:p>
             <a:r>
               <a:rPr lang="en-US" dirty="0"/>
-              <a:t>When are two records about the same entity?</a:t>
+              <a:t>Technical challenges (in data acquisition/access)</a:t>
             </a:r>
           </a:p>
         </p:txBody>
       </p:sp>
       <p:sp>
         <p:nvSpPr>
-          <p:cNvPr id="3" name="Content Placeholder 2"/>
+          <p:cNvPr id="3" name="Text Placeholder 2">
+            <a:extLst>
+              <a:ext uri="{FF2B5EF4-FFF2-40B4-BE49-F238E27FC236}">
+                <a16:creationId xmlns:a16="http://schemas.microsoft.com/office/drawing/2014/main" id="{B47464FC-F480-BD4E-8C73-EA0095EB65C0}"/>
+              </a:ext>
+            </a:extLst>
+          </p:cNvPr>
           <p:cNvSpPr>
             <a:spLocks noGrp="1"/>
           </p:cNvSpPr>
@@ -12566,25 +14487,81 @@
           <a:p>
             <a:r>
               <a:rPr lang="en-US" dirty="0"/>
-              <a:t>Examples of possible similarity metrics</a:t>
-            </a:r>
-          </a:p>
-          <a:p>
-            <a:pPr lvl="1"/>
+              <a:t>How should you get data?</a:t>
+            </a:r>
+          </a:p>
+          <a:p>
+            <a:pPr lvl="1">
+              <a:spcBef>
+                <a:spcPts val="0"/>
+              </a:spcBef>
+            </a:pPr>
             <a:r>
               <a:rPr lang="en-US" dirty="0"/>
-              <a:t>Edit distance</a:t>
-            </a:r>
-          </a:p>
-          <a:p>
-            <a:pPr lvl="1"/>
-            <a:r>
-              <a:rPr lang="en-US" dirty="0" err="1"/>
-              <a:t>Soundex</a:t>
-            </a:r>
+              <a:t>API access</a:t>
+            </a:r>
+          </a:p>
+          <a:p>
+            <a:pPr lvl="1">
+              <a:spcBef>
+                <a:spcPts val="0"/>
+              </a:spcBef>
+            </a:pPr>
+            <a:r>
+              <a:rPr lang="en-US" dirty="0"/>
+              <a:t>Flat files</a:t>
+            </a:r>
+          </a:p>
+          <a:p>
+            <a:pPr lvl="1">
+              <a:spcBef>
+                <a:spcPts val="0"/>
+              </a:spcBef>
+            </a:pPr>
+            <a:r>
+              <a:rPr lang="en-US" dirty="0"/>
+              <a:t>Database dumps</a:t>
+            </a:r>
+          </a:p>
+          <a:p>
+            <a:pPr lvl="1">
+              <a:spcBef>
+                <a:spcPts val="0"/>
+              </a:spcBef>
+            </a:pPr>
             <a:endParaRPr lang="en-US" dirty="0"/>
           </a:p>
           <a:p>
+            <a:r>
+              <a:rPr lang="en-US" dirty="0"/>
+              <a:t>How much should it be processed before you get it to use in downstream ML tasks?</a:t>
+            </a:r>
+          </a:p>
+          <a:p>
+            <a:endParaRPr lang="en-US" dirty="0"/>
+          </a:p>
+          <a:p>
+            <a:r>
+              <a:rPr lang="en-US" dirty="0"/>
+              <a:t>How do you build a repeatable data acquisition pipeline? Where do you start?</a:t>
+            </a:r>
+          </a:p>
+          <a:p>
+            <a:endParaRPr lang="en-US" dirty="0"/>
+          </a:p>
+          <a:p>
+            <a:r>
+              <a:rPr lang="en-US" dirty="0"/>
+              <a:t>When do you collect new data?</a:t>
+            </a:r>
+          </a:p>
+          <a:p>
+            <a:pPr marL="565150" lvl="1" indent="0">
+              <a:spcBef>
+                <a:spcPts val="0"/>
+              </a:spcBef>
+              <a:buNone/>
+            </a:pPr>
             <a:endParaRPr lang="en-US" dirty="0"/>
           </a:p>
         </p:txBody>
@@ -12592,7 +14569,7 @@
     </p:spTree>
     <p:extLst>
       <p:ext uri="{BB962C8B-B14F-4D97-AF65-F5344CB8AC3E}">
-        <p14:creationId xmlns:p14="http://schemas.microsoft.com/office/powerpoint/2010/main" val="32033496"/>
+        <p14:creationId xmlns:p14="http://schemas.microsoft.com/office/powerpoint/2010/main" val="4069897732"/>
       </p:ext>
     </p:extLst>
   </p:cSld>
@@ -12607,7 +14584,7 @@
   <p:cSld>
     <p:spTree>
       <p:nvGrpSpPr>
-        <p:cNvPr id="1" name=""/>
+        <p:cNvPr id="1" name="Shape 585"/>
         <p:cNvGrpSpPr/>
         <p:nvPr/>
       </p:nvGrpSpPr>
@@ -12621,60 +14598,223 @@
       </p:grpSpPr>
       <p:sp>
         <p:nvSpPr>
-          <p:cNvPr id="2" name="Title 1"/>
-          <p:cNvSpPr>
+          <p:cNvPr id="586" name="Google Shape;586;g32d3355825c_1_46"/>
+          <p:cNvSpPr txBox="1">
             <a:spLocks noGrp="1"/>
           </p:cNvSpPr>
           <p:nvPr>
             <p:ph type="title"/>
           </p:nvPr>
         </p:nvSpPr>
-        <p:spPr/>
+        <p:spPr>
+          <a:xfrm>
+            <a:off x="415600" y="86563"/>
+            <a:ext cx="11360800" cy="763600"/>
+          </a:xfrm>
+          <a:prstGeom prst="rect">
+            <a:avLst/>
+          </a:prstGeom>
+          <a:noFill/>
+          <a:ln>
+            <a:noFill/>
+          </a:ln>
+        </p:spPr>
         <p:txBody>
-          <a:bodyPr/>
+          <a:bodyPr spcFirstLastPara="1" wrap="square" lIns="162533" tIns="162533" rIns="162533" bIns="162533" anchor="t" anchorCtr="0">
+            <a:noAutofit/>
+          </a:bodyPr>
           <a:lstStyle/>
           <a:p>
-            <a:r>
-              <a:rPr lang="en-US" dirty="0"/>
-              <a:t>“Fuzzy” Matching System	</a:t>
-            </a:r>
+            <a:pPr algn="ctr"/>
+            <a:r>
+              <a:rPr lang="en-US"/>
+              <a:t>Ethical issues to consider</a:t>
+            </a:r>
+            <a:endParaRPr/>
           </a:p>
         </p:txBody>
       </p:sp>
       <p:sp>
         <p:nvSpPr>
-          <p:cNvPr id="3" name="Content Placeholder 2"/>
-          <p:cNvSpPr>
+          <p:cNvPr id="587" name="Google Shape;587;g32d3355825c_1_46"/>
+          <p:cNvSpPr txBox="1">
             <a:spLocks noGrp="1"/>
           </p:cNvSpPr>
           <p:nvPr>
             <p:ph type="body" idx="1"/>
           </p:nvPr>
         </p:nvSpPr>
-        <p:spPr/>
+        <p:spPr>
+          <a:xfrm>
+            <a:off x="962300" y="1638233"/>
+            <a:ext cx="10756000" cy="4555200"/>
+          </a:xfrm>
+          <a:prstGeom prst="rect">
+            <a:avLst/>
+          </a:prstGeom>
+          <a:noFill/>
+          <a:ln>
+            <a:noFill/>
+          </a:ln>
+        </p:spPr>
         <p:txBody>
-          <a:bodyPr/>
+          <a:bodyPr spcFirstLastPara="1" wrap="square" lIns="162533" tIns="162533" rIns="162533" bIns="162533" anchor="t" anchorCtr="0">
+            <a:noAutofit/>
+          </a:bodyPr>
           <a:lstStyle/>
           <a:p>
+            <a:pPr marL="0" indent="0">
+              <a:lnSpc>
+                <a:spcPct val="100000"/>
+              </a:lnSpc>
+              <a:buNone/>
+            </a:pPr>
+            <a:r>
+              <a:rPr lang="en-US" b="1" dirty="0"/>
+              <a:t>Data Privacy:</a:t>
+            </a:r>
             <a:r>
               <a:rPr lang="en-US" dirty="0"/>
-              <a:t>Apply set of cascading rules</a:t>
-            </a:r>
-          </a:p>
-          <a:p>
+              <a:t> What legal and security requirements govern how this data is used? What additional ethical considerations apply? </a:t>
+            </a:r>
+            <a:endParaRPr dirty="0"/>
+          </a:p>
+          <a:p>
+            <a:pPr marL="0" indent="0">
+              <a:lnSpc>
+                <a:spcPct val="100000"/>
+              </a:lnSpc>
+              <a:buNone/>
+            </a:pPr>
+            <a:endParaRPr dirty="0"/>
+          </a:p>
+          <a:p>
+            <a:pPr marL="0" indent="0">
+              <a:lnSpc>
+                <a:spcPct val="100000"/>
+              </a:lnSpc>
+              <a:buNone/>
+            </a:pPr>
+            <a:r>
+              <a:rPr lang="en-US" b="1" dirty="0"/>
+              <a:t>Data ownership and transparency: </a:t>
+            </a:r>
             <a:r>
               <a:rPr lang="en-US" dirty="0"/>
-              <a:t>Assign confidence score based on which rules fire</a:t>
-            </a:r>
+              <a:t>Are the people whose data it is (and is about) aware that their data is being used and how it affects them? What does consent look like?</a:t>
+            </a:r>
+            <a:endParaRPr dirty="0"/>
+          </a:p>
+          <a:p>
+            <a:pPr marL="0" indent="0">
+              <a:lnSpc>
+                <a:spcPct val="100000"/>
+              </a:lnSpc>
+              <a:buNone/>
+            </a:pPr>
+            <a:endParaRPr dirty="0"/>
+          </a:p>
+          <a:p>
+            <a:pPr marL="0" indent="0">
+              <a:lnSpc>
+                <a:spcPct val="100000"/>
+              </a:lnSpc>
+              <a:buNone/>
+            </a:pPr>
+            <a:r>
+              <a:rPr lang="en-US" b="1" dirty="0"/>
+              <a:t>Bias, equity, and fairness: </a:t>
+            </a:r>
+            <a:r>
+              <a:rPr lang="en-US" dirty="0"/>
+              <a:t>Are there biases in the data sources? Is the data equally accurate and available about everyone? </a:t>
+            </a:r>
+            <a:endParaRPr dirty="0"/>
           </a:p>
         </p:txBody>
       </p:sp>
+      <p:pic>
+        <p:nvPicPr>
+          <p:cNvPr id="588" name="Google Shape;588;g32d3355825c_1_46"/>
+          <p:cNvPicPr preferRelativeResize="0"/>
+          <p:nvPr/>
+        </p:nvPicPr>
+        <p:blipFill rotWithShape="1">
+          <a:blip r:embed="rId3">
+            <a:alphaModFix/>
+          </a:blip>
+          <a:srcRect/>
+          <a:stretch/>
+        </p:blipFill>
+        <p:spPr>
+          <a:xfrm>
+            <a:off x="198700" y="1694967"/>
+            <a:ext cx="763600" cy="763600"/>
+          </a:xfrm>
+          <a:prstGeom prst="rect">
+            <a:avLst/>
+          </a:prstGeom>
+          <a:noFill/>
+          <a:ln>
+            <a:noFill/>
+          </a:ln>
+        </p:spPr>
+      </p:pic>
+      <p:pic>
+        <p:nvPicPr>
+          <p:cNvPr id="589" name="Google Shape;589;g32d3355825c_1_46"/>
+          <p:cNvPicPr preferRelativeResize="0"/>
+          <p:nvPr/>
+        </p:nvPicPr>
+        <p:blipFill rotWithShape="1">
+          <a:blip r:embed="rId4">
+            <a:alphaModFix/>
+          </a:blip>
+          <a:srcRect/>
+          <a:stretch/>
+        </p:blipFill>
+        <p:spPr>
+          <a:xfrm>
+            <a:off x="198700" y="3905600"/>
+            <a:ext cx="763600" cy="763600"/>
+          </a:xfrm>
+          <a:prstGeom prst="rect">
+            <a:avLst/>
+          </a:prstGeom>
+          <a:noFill/>
+          <a:ln>
+            <a:noFill/>
+          </a:ln>
+        </p:spPr>
+      </p:pic>
+      <p:pic>
+        <p:nvPicPr>
+          <p:cNvPr id="590" name="Google Shape;590;g32d3355825c_1_46"/>
+          <p:cNvPicPr preferRelativeResize="0"/>
+          <p:nvPr/>
+        </p:nvPicPr>
+        <p:blipFill rotWithShape="1">
+          <a:blip r:embed="rId5">
+            <a:alphaModFix/>
+          </a:blip>
+          <a:srcRect/>
+          <a:stretch/>
+        </p:blipFill>
+        <p:spPr>
+          <a:xfrm>
+            <a:off x="198700" y="2800276"/>
+            <a:ext cx="763600" cy="763600"/>
+          </a:xfrm>
+          <a:prstGeom prst="rect">
+            <a:avLst/>
+          </a:prstGeom>
+          <a:noFill/>
+          <a:ln>
+            <a:noFill/>
+          </a:ln>
+        </p:spPr>
+      </p:pic>
     </p:spTree>
-    <p:extLst>
-      <p:ext uri="{BB962C8B-B14F-4D97-AF65-F5344CB8AC3E}">
-        <p14:creationId xmlns:p14="http://schemas.microsoft.com/office/powerpoint/2010/main" val="2363932908"/>
-      </p:ext>
-    </p:extLst>
   </p:cSld>
   <p:clrMapOvr>
     <a:masterClrMapping/>
@@ -12701,9 +14841,15 @@
       </p:grpSpPr>
       <p:sp>
         <p:nvSpPr>
-          <p:cNvPr id="35842" name="Rectangle 2"/>
+          <p:cNvPr id="2" name="Title 1">
+            <a:extLst>
+              <a:ext uri="{FF2B5EF4-FFF2-40B4-BE49-F238E27FC236}">
+                <a16:creationId xmlns:a16="http://schemas.microsoft.com/office/drawing/2014/main" id="{E3B51200-11ED-A162-EC48-70434E8AFA4F}"/>
+              </a:ext>
+            </a:extLst>
+          </p:cNvPr>
           <p:cNvSpPr>
-            <a:spLocks noGrp="1" noChangeArrowheads="1"/>
+            <a:spLocks noGrp="1"/>
           </p:cNvSpPr>
           <p:nvPr>
             <p:ph type="title"/>
@@ -12715,17 +14861,23 @@
           <a:lstStyle/>
           <a:p>
             <a:r>
-              <a:rPr lang="en-US" altLang="en-US" dirty="0"/>
-              <a:t>How do we not compare every pair?</a:t>
+              <a:rPr lang="en-US" dirty="0"/>
+              <a:t>Data Maturity Assessment</a:t>
             </a:r>
           </a:p>
         </p:txBody>
       </p:sp>
       <p:sp>
         <p:nvSpPr>
-          <p:cNvPr id="35843" name="Rectangle 3"/>
+          <p:cNvPr id="3" name="Text Placeholder 2">
+            <a:extLst>
+              <a:ext uri="{FF2B5EF4-FFF2-40B4-BE49-F238E27FC236}">
+                <a16:creationId xmlns:a16="http://schemas.microsoft.com/office/drawing/2014/main" id="{925CD924-C85A-4FC2-55CF-F8F9ED770FDE}"/>
+              </a:ext>
+            </a:extLst>
+          </p:cNvPr>
           <p:cNvSpPr>
-            <a:spLocks noGrp="1" noChangeArrowheads="1"/>
+            <a:spLocks noGrp="1"/>
           </p:cNvSpPr>
           <p:nvPr>
             <p:ph type="body" idx="1"/>
@@ -12736,125 +14888,35 @@
           <a:bodyPr/>
           <a:lstStyle/>
           <a:p>
-            <a:pPr>
-              <a:lnSpc>
-                <a:spcPct val="90000"/>
-              </a:lnSpc>
+            <a:pPr marL="76200" indent="0">
+              <a:buNone/>
             </a:pPr>
             <a:r>
-              <a:rPr lang="en-US" altLang="en-US" sz="2800" dirty="0"/>
-              <a:t>How do we avoid looking at |A| * |B| pairs?</a:t>
-            </a:r>
-          </a:p>
-          <a:p>
-            <a:pPr>
-              <a:lnSpc>
-                <a:spcPct val="90000"/>
-              </a:lnSpc>
+              <a:rPr lang="en-US" dirty="0">
+                <a:hlinkClick r:id="rId2"/>
+              </a:rPr>
+              <a:t>Link</a:t>
+            </a:r>
+            <a:endParaRPr lang="en-US" dirty="0"/>
+          </a:p>
+          <a:p>
+            <a:pPr marL="76200" indent="0">
+              <a:buNone/>
             </a:pPr>
-            <a:r>
-              <a:rPr lang="en-US" altLang="en-US" sz="2800" i="1" dirty="0"/>
-              <a:t>Blocking: </a:t>
-            </a:r>
-            <a:r>
-              <a:rPr lang="en-US" altLang="en-US" sz="2800" dirty="0"/>
-              <a:t>choose a smaller set of pairs that will contain all or most matches.  </a:t>
-            </a:r>
-          </a:p>
-          <a:p>
-            <a:pPr lvl="1">
-              <a:lnSpc>
-                <a:spcPct val="90000"/>
-              </a:lnSpc>
+            <a:endParaRPr lang="en-US" dirty="0"/>
+          </a:p>
+          <a:p>
+            <a:pPr marL="76200" indent="0">
+              <a:buNone/>
             </a:pPr>
-            <a:r>
-              <a:rPr lang="en-US" altLang="en-US" sz="2400" dirty="0"/>
-              <a:t>Simple blocking:  compare all pairs that “hash” to the same value (e.g., same </a:t>
-            </a:r>
-            <a:r>
-              <a:rPr lang="en-US" altLang="en-US" sz="2400" dirty="0" err="1"/>
-              <a:t>Soundex</a:t>
-            </a:r>
-            <a:r>
-              <a:rPr lang="en-US" altLang="en-US" sz="2400" dirty="0"/>
-              <a:t> code for last name, same birth year)</a:t>
-            </a:r>
-          </a:p>
-          <a:p>
-            <a:pPr lvl="1">
-              <a:lnSpc>
-                <a:spcPct val="90000"/>
-              </a:lnSpc>
-            </a:pPr>
-            <a:r>
-              <a:rPr lang="en-US" altLang="en-US" sz="2400" dirty="0"/>
-              <a:t>Extensions (to increase </a:t>
-            </a:r>
-            <a:r>
-              <a:rPr lang="en-US" altLang="en-US" sz="2400" i="1" dirty="0"/>
-              <a:t>recall </a:t>
-            </a:r>
-            <a:r>
-              <a:rPr lang="en-US" altLang="en-US" sz="2400" dirty="0"/>
-              <a:t>of set of pairs):</a:t>
-            </a:r>
-          </a:p>
-          <a:p>
-            <a:pPr lvl="2">
-              <a:lnSpc>
-                <a:spcPct val="90000"/>
-              </a:lnSpc>
-            </a:pPr>
-            <a:r>
-              <a:rPr lang="en-US" altLang="en-US" sz="2000" dirty="0"/>
-              <a:t>Block on </a:t>
-            </a:r>
-            <a:r>
-              <a:rPr lang="en-US" altLang="en-US" sz="2000" i="1" dirty="0"/>
-              <a:t>multiple</a:t>
-            </a:r>
-            <a:r>
-              <a:rPr lang="en-US" altLang="en-US" sz="2000" dirty="0"/>
-              <a:t> attributes (</a:t>
-            </a:r>
-            <a:r>
-              <a:rPr lang="en-US" altLang="en-US" sz="2000" dirty="0" err="1"/>
-              <a:t>soundex</a:t>
-            </a:r>
-            <a:r>
-              <a:rPr lang="en-US" altLang="en-US" sz="2000" dirty="0"/>
-              <a:t>, zip code) and take union of all pairs found.</a:t>
-            </a:r>
-          </a:p>
-          <a:p>
-            <a:pPr lvl="2">
-              <a:lnSpc>
-                <a:spcPct val="90000"/>
-              </a:lnSpc>
-            </a:pPr>
-            <a:r>
-              <a:rPr lang="en-US" altLang="en-US" sz="2000" i="1" dirty="0"/>
-              <a:t>Windowing:</a:t>
-            </a:r>
-            <a:r>
-              <a:rPr lang="en-US" altLang="en-US" sz="2000" dirty="0"/>
-              <a:t> Pick (numerically or lexically) </a:t>
-            </a:r>
-            <a:r>
-              <a:rPr lang="en-US" altLang="en-US" sz="2000" i="1" dirty="0"/>
-              <a:t>ordered</a:t>
-            </a:r>
-            <a:r>
-              <a:rPr lang="en-US" altLang="en-US" sz="2000" dirty="0"/>
-              <a:t> attributes and sort (e.g., sort on last name).  The pick all pairs that appear “near” each other in the sorted order.</a:t>
-            </a:r>
+            <a:endParaRPr lang="en-US" dirty="0"/>
           </a:p>
         </p:txBody>
       </p:sp>
     </p:spTree>
     <p:extLst>
       <p:ext uri="{BB962C8B-B14F-4D97-AF65-F5344CB8AC3E}">
-        <p14:creationId xmlns:p14="http://schemas.microsoft.com/office/powerpoint/2010/main" val="3772462634"/>
+        <p14:creationId xmlns:p14="http://schemas.microsoft.com/office/powerpoint/2010/main" val="1513330045"/>
       </p:ext>
     </p:extLst>
   </p:cSld>
@@ -12883,7 +14945,13 @@
       </p:grpSpPr>
       <p:sp>
         <p:nvSpPr>
-          <p:cNvPr id="2" name="Title 1"/>
+          <p:cNvPr id="2" name="Title 1">
+            <a:extLst>
+              <a:ext uri="{FF2B5EF4-FFF2-40B4-BE49-F238E27FC236}">
+                <a16:creationId xmlns:a16="http://schemas.microsoft.com/office/drawing/2014/main" id="{976F140B-CCBA-6544-AE2A-A3E88E046C57}"/>
+              </a:ext>
+            </a:extLst>
+          </p:cNvPr>
           <p:cNvSpPr>
             <a:spLocks noGrp="1"/>
           </p:cNvSpPr>
@@ -12898,14 +14966,20 @@
           <a:p>
             <a:r>
               <a:rPr lang="en-US" dirty="0"/>
-              <a:t>Machine Learning based Record Linkage</a:t>
+              <a:t>Data Storage</a:t>
             </a:r>
           </a:p>
         </p:txBody>
       </p:sp>
       <p:sp>
         <p:nvSpPr>
-          <p:cNvPr id="3" name="Content Placeholder 2"/>
+          <p:cNvPr id="3" name="Text Placeholder 2">
+            <a:extLst>
+              <a:ext uri="{FF2B5EF4-FFF2-40B4-BE49-F238E27FC236}">
+                <a16:creationId xmlns:a16="http://schemas.microsoft.com/office/drawing/2014/main" id="{88BFB7A9-1DE4-3B44-ACD9-B7066AE5097C}"/>
+              </a:ext>
+            </a:extLst>
+          </p:cNvPr>
           <p:cNvSpPr>
             <a:spLocks noGrp="1"/>
           </p:cNvSpPr>
@@ -12920,14 +14994,14 @@
           <a:p>
             <a:r>
               <a:rPr lang="en-US" dirty="0"/>
-              <a:t>Generate training data</a:t>
+              <a:t>Use Databases whenever possible</a:t>
             </a:r>
           </a:p>
           <a:p>
             <a:pPr lvl="1"/>
             <a:r>
               <a:rPr lang="en-US" dirty="0"/>
-              <a:t>Label pairs as match/no match</a:t>
+              <a:t>Types of databases</a:t>
             </a:r>
           </a:p>
           <a:p>
@@ -12937,51 +15011,14 @@
           <a:p>
             <a:r>
               <a:rPr lang="en-US" dirty="0"/>
-              <a:t>Generate features over each pair</a:t>
+              <a:t>Deidentification when dealing with confidential/sensitive identifiable data</a:t>
             </a:r>
           </a:p>
           <a:p>
             <a:pPr lvl="1"/>
             <a:r>
               <a:rPr lang="en-US" dirty="0"/>
-              <a:t>Distance metrics over different attributes (</a:t>
-            </a:r>
-            <a:r>
-              <a:rPr lang="en-US" dirty="0" err="1"/>
-              <a:t>fname</a:t>
-            </a:r>
-            <a:r>
-              <a:rPr lang="en-US" dirty="0"/>
-              <a:t>, </a:t>
-            </a:r>
-            <a:r>
-              <a:rPr lang="en-US" dirty="0" err="1"/>
-              <a:t>lname</a:t>
-            </a:r>
-            <a:r>
-              <a:rPr lang="en-US" dirty="0"/>
-              <a:t>, dob, etc.)</a:t>
-            </a:r>
-          </a:p>
-          <a:p>
-            <a:pPr lvl="1"/>
-            <a:r>
-              <a:rPr lang="en-US" dirty="0" err="1"/>
-              <a:t>Tfidf</a:t>
-            </a:r>
-            <a:r>
-              <a:rPr lang="en-US" dirty="0"/>
-              <a:t> scores</a:t>
-            </a:r>
-          </a:p>
-          <a:p>
-            <a:pPr lvl="1"/>
-            <a:endParaRPr lang="en-US" dirty="0"/>
-          </a:p>
-          <a:p>
-            <a:r>
-              <a:rPr lang="en-US" dirty="0"/>
-              <a:t>Build and evaluate classifiers</a:t>
+              <a:t>hashing</a:t>
             </a:r>
           </a:p>
         </p:txBody>
@@ -12989,7 +15026,7 @@
     </p:spTree>
     <p:extLst>
       <p:ext uri="{BB962C8B-B14F-4D97-AF65-F5344CB8AC3E}">
-        <p14:creationId xmlns:p14="http://schemas.microsoft.com/office/powerpoint/2010/main" val="1221298556"/>
+        <p14:creationId xmlns:p14="http://schemas.microsoft.com/office/powerpoint/2010/main" val="1278687259"/>
       </p:ext>
     </p:extLst>
   </p:cSld>
@@ -13018,15 +15055,9 @@
       </p:grpSpPr>
       <p:sp>
         <p:nvSpPr>
-          <p:cNvPr id="2" name="Title 1">
-            <a:extLst>
-              <a:ext uri="{FF2B5EF4-FFF2-40B4-BE49-F238E27FC236}">
-                <a16:creationId xmlns:a16="http://schemas.microsoft.com/office/drawing/2014/main" id="{14850FF5-E8EC-234D-805C-399C5033051A}"/>
-              </a:ext>
-            </a:extLst>
-          </p:cNvPr>
+          <p:cNvPr id="7170" name="Rectangle 2"/>
           <p:cNvSpPr>
-            <a:spLocks noGrp="1"/>
+            <a:spLocks noGrp="1" noChangeArrowheads="1"/>
           </p:cNvSpPr>
           <p:nvPr>
             <p:ph type="title"/>
@@ -13038,23 +15069,17 @@
           <a:lstStyle/>
           <a:p>
             <a:r>
-              <a:rPr lang="en-US" dirty="0"/>
-              <a:t>One-off versus recurring matching</a:t>
+              <a:rPr lang="en-US" altLang="en-US" dirty="0"/>
+              <a:t> Linkage: Goals</a:t>
             </a:r>
           </a:p>
         </p:txBody>
       </p:sp>
       <p:sp>
         <p:nvSpPr>
-          <p:cNvPr id="3" name="Text Placeholder 2">
-            <a:extLst>
-              <a:ext uri="{FF2B5EF4-FFF2-40B4-BE49-F238E27FC236}">
-                <a16:creationId xmlns:a16="http://schemas.microsoft.com/office/drawing/2014/main" id="{0CD32BE4-76DA-C042-A3E3-35B452F39303}"/>
-              </a:ext>
-            </a:extLst>
-          </p:cNvPr>
+          <p:cNvPr id="7171" name="Rectangle 3"/>
           <p:cNvSpPr>
-            <a:spLocks noGrp="1"/>
+            <a:spLocks noGrp="1" noChangeArrowheads="1"/>
           </p:cNvSpPr>
           <p:nvPr>
             <p:ph type="body" idx="1"/>
@@ -13062,21 +15087,58 @@
         </p:nvSpPr>
         <p:spPr/>
         <p:txBody>
-          <a:bodyPr/>
+          <a:bodyPr>
+            <a:normAutofit/>
+          </a:bodyPr>
           <a:lstStyle/>
           <a:p>
             <a:r>
-              <a:rPr lang="en-US" dirty="0"/>
-              <a:t>Unique identifiers: persistence?</a:t>
-            </a:r>
-          </a:p>
-          <a:p>
-            <a:endParaRPr lang="en-US" dirty="0"/>
-          </a:p>
-          <a:p>
-            <a:r>
-              <a:rPr lang="en-US" dirty="0"/>
-              <a:t>What do we do with new or changed pairs?</a:t>
+              <a:rPr lang="en-US" altLang="en-US" sz="3200" dirty="0"/>
+              <a:t>Determine if pairs of </a:t>
+            </a:r>
+            <a:r>
+              <a:rPr lang="en-US" altLang="en-US" sz="3200" i="1" dirty="0"/>
+              <a:t>records </a:t>
+            </a:r>
+            <a:r>
+              <a:rPr lang="en-US" altLang="en-US" sz="3200" dirty="0"/>
+              <a:t>describe the same </a:t>
+            </a:r>
+            <a:r>
+              <a:rPr lang="en-US" altLang="en-US" sz="3200"/>
+              <a:t>entity </a:t>
+            </a:r>
+            <a:endParaRPr lang="en-US" altLang="en-US" sz="3200" dirty="0"/>
+          </a:p>
+          <a:p>
+            <a:endParaRPr lang="en-US" altLang="en-US" sz="3200" dirty="0"/>
+          </a:p>
+          <a:p>
+            <a:r>
+              <a:rPr lang="en-US" altLang="en-US" sz="3200" dirty="0"/>
+              <a:t>Main applications: </a:t>
+            </a:r>
+          </a:p>
+          <a:p>
+            <a:pPr lvl="1"/>
+            <a:r>
+              <a:rPr lang="en-US" altLang="en-US" sz="2800" i="1" dirty="0"/>
+              <a:t>Joining</a:t>
+            </a:r>
+            <a:r>
+              <a:rPr lang="en-US" altLang="en-US" sz="2800" dirty="0"/>
+              <a:t> two different data sources</a:t>
+            </a:r>
+          </a:p>
+          <a:p>
+            <a:pPr lvl="1"/>
+            <a:r>
+              <a:rPr lang="en-US" altLang="en-US" sz="2800" i="1" dirty="0"/>
+              <a:t>Removing duplicates</a:t>
+            </a:r>
+            <a:r>
+              <a:rPr lang="en-US" altLang="en-US" sz="2800" dirty="0"/>
+              <a:t> from a single data source</a:t>
             </a:r>
           </a:p>
         </p:txBody>
@@ -13084,7 +15146,7 @@
     </p:spTree>
     <p:extLst>
       <p:ext uri="{BB962C8B-B14F-4D97-AF65-F5344CB8AC3E}">
-        <p14:creationId xmlns:p14="http://schemas.microsoft.com/office/powerpoint/2010/main" val="834575629"/>
+        <p14:creationId xmlns:p14="http://schemas.microsoft.com/office/powerpoint/2010/main" val="3416135692"/>
       </p:ext>
     </p:extLst>
   </p:cSld>
@@ -13113,15 +15175,9 @@
       </p:grpSpPr>
       <p:sp>
         <p:nvSpPr>
-          <p:cNvPr id="3" name="Title 2">
-            <a:extLst>
-              <a:ext uri="{FF2B5EF4-FFF2-40B4-BE49-F238E27FC236}">
-                <a16:creationId xmlns:a16="http://schemas.microsoft.com/office/drawing/2014/main" id="{9323871C-7CA8-1448-8FFC-1AE6E1838941}"/>
-              </a:ext>
-            </a:extLst>
-          </p:cNvPr>
+          <p:cNvPr id="8194" name="Rectangle 2"/>
           <p:cNvSpPr>
-            <a:spLocks noGrp="1"/>
+            <a:spLocks noGrp="1" noChangeArrowheads="1"/>
           </p:cNvSpPr>
           <p:nvPr>
             <p:ph type="title"/>
@@ -13133,23 +15189,17 @@
           <a:lstStyle/>
           <a:p>
             <a:r>
-              <a:rPr lang="en-US" dirty="0"/>
-              <a:t>Things to remember</a:t>
+              <a:rPr lang="en-US" altLang="en-US" dirty="0"/>
+              <a:t> Record Linkage: Synonyms</a:t>
             </a:r>
           </a:p>
         </p:txBody>
       </p:sp>
       <p:sp>
         <p:nvSpPr>
-          <p:cNvPr id="4" name="Text Placeholder 3">
-            <a:extLst>
-              <a:ext uri="{FF2B5EF4-FFF2-40B4-BE49-F238E27FC236}">
-                <a16:creationId xmlns:a16="http://schemas.microsoft.com/office/drawing/2014/main" id="{5E600BA7-FA45-884F-9820-9E5F2CB7AA48}"/>
-              </a:ext>
-            </a:extLst>
-          </p:cNvPr>
+          <p:cNvPr id="8195" name="Rectangle 3"/>
           <p:cNvSpPr>
-            <a:spLocks noGrp="1"/>
+            <a:spLocks noGrp="1" noChangeArrowheads="1"/>
           </p:cNvSpPr>
           <p:nvPr>
             <p:ph type="body" idx="1"/>
@@ -13160,77 +15210,69 @@
           <a:bodyPr/>
           <a:lstStyle/>
           <a:p>
-            <a:r>
-              <a:rPr lang="en-US" b="1" dirty="0"/>
-              <a:t>Make sure and check that you can access your project data today</a:t>
-            </a:r>
-            <a:br>
-              <a:rPr lang="en-US" b="1" dirty="0"/>
-            </a:br>
-            <a:endParaRPr lang="en-US" b="1" dirty="0"/>
-          </a:p>
-          <a:p>
-            <a:r>
-              <a:rPr lang="en-US" dirty="0"/>
-              <a:t>What’s coming next week:</a:t>
-            </a:r>
-          </a:p>
-          <a:p>
-            <a:pPr lvl="1">
-              <a:spcBef>
-                <a:spcPts val="1000"/>
-              </a:spcBef>
+            <a:pPr>
+              <a:lnSpc>
+                <a:spcPct val="150000"/>
+              </a:lnSpc>
             </a:pPr>
             <a:r>
-              <a:rPr lang="en-US" dirty="0"/>
-              <a:t>Monday: quick assignment to check database connection</a:t>
-            </a:r>
-          </a:p>
-          <a:p>
-            <a:pPr lvl="1">
-              <a:spcBef>
-                <a:spcPts val="1000"/>
-              </a:spcBef>
+              <a:rPr lang="en-US" altLang="en-US" dirty="0"/>
+              <a:t>(data) matching</a:t>
+            </a:r>
+          </a:p>
+          <a:p>
+            <a:pPr>
+              <a:lnSpc>
+                <a:spcPct val="150000"/>
+              </a:lnSpc>
             </a:pPr>
             <a:r>
-              <a:rPr lang="en-US" dirty="0"/>
-              <a:t>Tuesday: weekly feedback form</a:t>
-            </a:r>
-          </a:p>
-          <a:p>
-            <a:pPr lvl="1">
-              <a:spcBef>
-                <a:spcPts val="1000"/>
-              </a:spcBef>
+              <a:rPr lang="en-US" altLang="en-US" dirty="0"/>
+              <a:t>merge/purge</a:t>
+            </a:r>
+          </a:p>
+          <a:p>
+            <a:pPr>
+              <a:lnSpc>
+                <a:spcPct val="150000"/>
+              </a:lnSpc>
             </a:pPr>
             <a:r>
-              <a:rPr lang="en-US" dirty="0"/>
-              <a:t>Tuesday: Data Exploration + Teamwork</a:t>
-            </a:r>
-          </a:p>
-          <a:p>
-            <a:endParaRPr lang="en-US"/>
-          </a:p>
-          <a:p>
-            <a:r>
-              <a:rPr lang="en-US"/>
-              <a:t>Make </a:t>
-            </a:r>
-            <a:r>
-              <a:rPr lang="en-US" dirty="0"/>
-              <a:t>sure to read </a:t>
-            </a:r>
-            <a:r>
-              <a:rPr lang="en-US" b="1" dirty="0">
-                <a:solidFill>
-                  <a:srgbClr val="C00000"/>
-                </a:solidFill>
-              </a:rPr>
-              <a:t>project proposal </a:t>
-            </a:r>
-            <a:r>
-              <a:rPr lang="en-US" dirty="0"/>
-              <a:t>preparation guidelines</a:t>
+              <a:rPr lang="en-US" altLang="en-US" dirty="0"/>
+              <a:t>duplicate detection</a:t>
+            </a:r>
+          </a:p>
+          <a:p>
+            <a:pPr>
+              <a:lnSpc>
+                <a:spcPct val="150000"/>
+              </a:lnSpc>
+            </a:pPr>
+            <a:r>
+              <a:rPr lang="en-US" altLang="en-US" dirty="0"/>
+              <a:t>de-duping</a:t>
+            </a:r>
+          </a:p>
+          <a:p>
+            <a:pPr>
+              <a:lnSpc>
+                <a:spcPct val="150000"/>
+              </a:lnSpc>
+            </a:pPr>
+            <a:r>
+              <a:rPr lang="en-US" altLang="en-US" dirty="0"/>
+              <a:t>reference matching</a:t>
+            </a:r>
+          </a:p>
+          <a:p>
+            <a:pPr>
+              <a:lnSpc>
+                <a:spcPct val="150000"/>
+              </a:lnSpc>
+            </a:pPr>
+            <a:r>
+              <a:rPr lang="en-US" altLang="en-US" dirty="0"/>
+              <a:t>co-reference/anaphora resolution</a:t>
             </a:r>
           </a:p>
         </p:txBody>
@@ -13238,7 +15280,7 @@
     </p:spTree>
     <p:extLst>
       <p:ext uri="{BB962C8B-B14F-4D97-AF65-F5344CB8AC3E}">
-        <p14:creationId xmlns:p14="http://schemas.microsoft.com/office/powerpoint/2010/main" val="2953224412"/>
+        <p14:creationId xmlns:p14="http://schemas.microsoft.com/office/powerpoint/2010/main" val="2446059493"/>
       </p:ext>
     </p:extLst>
   </p:cSld>
@@ -13398,779 +15440,7 @@
 </p:sld>
 </file>
 
-<file path=ppt/slides/slide3.xml><?xml version="1.0" encoding="utf-8"?>
-<p:sld xmlns:a="http://schemas.openxmlformats.org/drawingml/2006/main" xmlns:r="http://schemas.openxmlformats.org/officeDocument/2006/relationships" xmlns:p="http://schemas.openxmlformats.org/presentationml/2006/main">
-  <p:cSld>
-    <p:spTree>
-      <p:nvGrpSpPr>
-        <p:cNvPr id="1" name=""/>
-        <p:cNvGrpSpPr/>
-        <p:nvPr/>
-      </p:nvGrpSpPr>
-      <p:grpSpPr>
-        <a:xfrm>
-          <a:off x="0" y="0"/>
-          <a:ext cx="0" cy="0"/>
-          <a:chOff x="0" y="0"/>
-          <a:chExt cx="0" cy="0"/>
-        </a:xfrm>
-      </p:grpSpPr>
-      <p:sp>
-        <p:nvSpPr>
-          <p:cNvPr id="2" name="Title 1">
-            <a:extLst>
-              <a:ext uri="{FF2B5EF4-FFF2-40B4-BE49-F238E27FC236}">
-                <a16:creationId xmlns:a16="http://schemas.microsoft.com/office/drawing/2014/main" id="{94CF2A94-A63F-6149-AA28-2E35B60E3D3E}"/>
-              </a:ext>
-            </a:extLst>
-          </p:cNvPr>
-          <p:cNvSpPr>
-            <a:spLocks noGrp="1"/>
-          </p:cNvSpPr>
-          <p:nvPr>
-            <p:ph type="title"/>
-          </p:nvPr>
-        </p:nvSpPr>
-        <p:spPr/>
-        <p:txBody>
-          <a:bodyPr/>
-          <a:lstStyle/>
-          <a:p>
-            <a:endParaRPr lang="en-US"/>
-          </a:p>
-        </p:txBody>
-      </p:sp>
-      <p:graphicFrame>
-        <p:nvGraphicFramePr>
-          <p:cNvPr id="3" name="Diagram 2">
-            <a:extLst>
-              <a:ext uri="{FF2B5EF4-FFF2-40B4-BE49-F238E27FC236}">
-                <a16:creationId xmlns:a16="http://schemas.microsoft.com/office/drawing/2014/main" id="{8E902576-68A9-6E48-B0FE-5B1889953DC8}"/>
-              </a:ext>
-            </a:extLst>
-          </p:cNvPr>
-          <p:cNvGraphicFramePr/>
-          <p:nvPr>
-            <p:extLst>
-              <p:ext uri="{D42A27DB-BD31-4B8C-83A1-F6EECF244321}">
-                <p14:modId xmlns:p14="http://schemas.microsoft.com/office/powerpoint/2010/main" val="1737878827"/>
-              </p:ext>
-            </p:extLst>
-          </p:nvPr>
-        </p:nvGraphicFramePr>
-        <p:xfrm>
-          <a:off x="180467" y="0"/>
-          <a:ext cx="11776400" cy="6858000"/>
-        </p:xfrm>
-        <a:graphic>
-          <a:graphicData uri="http://schemas.openxmlformats.org/drawingml/2006/diagram">
-            <dgm:relIds xmlns:dgm="http://schemas.openxmlformats.org/drawingml/2006/diagram" xmlns:r="http://schemas.openxmlformats.org/officeDocument/2006/relationships" r:dm="rId2" r:lo="rId3" r:qs="rId4" r:cs="rId5"/>
-          </a:graphicData>
-        </a:graphic>
-      </p:graphicFrame>
-      <p:sp>
-        <p:nvSpPr>
-          <p:cNvPr id="4" name="Rectangle 3">
-            <a:extLst>
-              <a:ext uri="{FF2B5EF4-FFF2-40B4-BE49-F238E27FC236}">
-                <a16:creationId xmlns:a16="http://schemas.microsoft.com/office/drawing/2014/main" id="{E2C99BF2-C81A-5246-89D3-E49BCDCAD699}"/>
-              </a:ext>
-            </a:extLst>
-          </p:cNvPr>
-          <p:cNvSpPr/>
-          <p:nvPr/>
-        </p:nvSpPr>
-        <p:spPr>
-          <a:xfrm>
-            <a:off x="3226525" y="274320"/>
-            <a:ext cx="2534195" cy="1789611"/>
-          </a:xfrm>
-          <a:prstGeom prst="rect">
-            <a:avLst/>
-          </a:prstGeom>
-          <a:noFill/>
-          <a:ln w="76200">
-            <a:solidFill>
-              <a:srgbClr val="C00000"/>
-            </a:solidFill>
-          </a:ln>
-        </p:spPr>
-        <p:style>
-          <a:lnRef idx="2">
-            <a:schemeClr val="accent1">
-              <a:shade val="50000"/>
-            </a:schemeClr>
-          </a:lnRef>
-          <a:fillRef idx="1">
-            <a:schemeClr val="accent1"/>
-          </a:fillRef>
-          <a:effectRef idx="0">
-            <a:schemeClr val="accent1"/>
-          </a:effectRef>
-          <a:fontRef idx="minor">
-            <a:schemeClr val="lt1"/>
-          </a:fontRef>
-        </p:style>
-        <p:txBody>
-          <a:bodyPr rtlCol="0" anchor="ctr"/>
-          <a:lstStyle/>
-          <a:p>
-            <a:pPr algn="ctr"/>
-            <a:endParaRPr lang="en-US"/>
-          </a:p>
-        </p:txBody>
-      </p:sp>
-    </p:spTree>
-    <p:extLst>
-      <p:ext uri="{BB962C8B-B14F-4D97-AF65-F5344CB8AC3E}">
-        <p14:creationId xmlns:p14="http://schemas.microsoft.com/office/powerpoint/2010/main" val="2624855364"/>
-      </p:ext>
-    </p:extLst>
-  </p:cSld>
-  <p:clrMapOvr>
-    <a:masterClrMapping/>
-  </p:clrMapOvr>
-</p:sld>
-</file>
-
-<file path=ppt/slides/slide4.xml><?xml version="1.0" encoding="utf-8"?>
-<p:sld xmlns:a="http://schemas.openxmlformats.org/drawingml/2006/main" xmlns:r="http://schemas.openxmlformats.org/officeDocument/2006/relationships" xmlns:p="http://schemas.openxmlformats.org/presentationml/2006/main">
-  <p:cSld>
-    <p:spTree>
-      <p:nvGrpSpPr>
-        <p:cNvPr id="1" name=""/>
-        <p:cNvGrpSpPr/>
-        <p:nvPr/>
-      </p:nvGrpSpPr>
-      <p:grpSpPr>
-        <a:xfrm>
-          <a:off x="0" y="0"/>
-          <a:ext cx="0" cy="0"/>
-          <a:chOff x="0" y="0"/>
-          <a:chExt cx="0" cy="0"/>
-        </a:xfrm>
-      </p:grpSpPr>
-      <p:sp>
-        <p:nvSpPr>
-          <p:cNvPr id="2" name="Title 1">
-            <a:extLst>
-              <a:ext uri="{FF2B5EF4-FFF2-40B4-BE49-F238E27FC236}">
-                <a16:creationId xmlns:a16="http://schemas.microsoft.com/office/drawing/2014/main" id="{21359BA9-BA2B-D148-89DA-A99081B1FF81}"/>
-              </a:ext>
-            </a:extLst>
-          </p:cNvPr>
-          <p:cNvSpPr>
-            <a:spLocks noGrp="1"/>
-          </p:cNvSpPr>
-          <p:nvPr>
-            <p:ph type="title"/>
-          </p:nvPr>
-        </p:nvSpPr>
-        <p:spPr/>
-        <p:txBody>
-          <a:bodyPr/>
-          <a:lstStyle/>
-          <a:p>
-            <a:r>
-              <a:rPr lang="en-US" dirty="0"/>
-              <a:t>Challenges</a:t>
-            </a:r>
-          </a:p>
-        </p:txBody>
-      </p:sp>
-      <p:sp>
-        <p:nvSpPr>
-          <p:cNvPr id="3" name="Text Placeholder 2">
-            <a:extLst>
-              <a:ext uri="{FF2B5EF4-FFF2-40B4-BE49-F238E27FC236}">
-                <a16:creationId xmlns:a16="http://schemas.microsoft.com/office/drawing/2014/main" id="{DDA03E0F-5F3D-5B4D-8232-BF72B84A198E}"/>
-              </a:ext>
-            </a:extLst>
-          </p:cNvPr>
-          <p:cNvSpPr>
-            <a:spLocks noGrp="1"/>
-          </p:cNvSpPr>
-          <p:nvPr>
-            <p:ph type="body" idx="1"/>
-          </p:nvPr>
-        </p:nvSpPr>
-        <p:spPr/>
-        <p:txBody>
-          <a:bodyPr/>
-          <a:lstStyle/>
-          <a:p>
-            <a:r>
-              <a:rPr lang="en-US" dirty="0"/>
-              <a:t>Political</a:t>
-            </a:r>
-          </a:p>
-          <a:p>
-            <a:r>
-              <a:rPr lang="en-US" dirty="0"/>
-              <a:t>Internal Awareness</a:t>
-            </a:r>
-          </a:p>
-          <a:p>
-            <a:r>
-              <a:rPr lang="en-US" dirty="0"/>
-              <a:t>Legal/Contractual</a:t>
-            </a:r>
-          </a:p>
-          <a:p>
-            <a:r>
-              <a:rPr lang="en-US" dirty="0"/>
-              <a:t>Ethical</a:t>
-            </a:r>
-          </a:p>
-          <a:p>
-            <a:r>
-              <a:rPr lang="en-US" dirty="0"/>
-              <a:t>Technical</a:t>
-            </a:r>
-          </a:p>
-          <a:p>
-            <a:endParaRPr lang="en-US" dirty="0"/>
-          </a:p>
-        </p:txBody>
-      </p:sp>
-    </p:spTree>
-    <p:extLst>
-      <p:ext uri="{BB962C8B-B14F-4D97-AF65-F5344CB8AC3E}">
-        <p14:creationId xmlns:p14="http://schemas.microsoft.com/office/powerpoint/2010/main" val="1721185332"/>
-      </p:ext>
-    </p:extLst>
-  </p:cSld>
-  <p:clrMapOvr>
-    <a:masterClrMapping/>
-  </p:clrMapOvr>
-</p:sld>
-</file>
-
-<file path=ppt/slides/slide5.xml><?xml version="1.0" encoding="utf-8"?>
-<p:sld xmlns:a="http://schemas.openxmlformats.org/drawingml/2006/main" xmlns:r="http://schemas.openxmlformats.org/officeDocument/2006/relationships" xmlns:p="http://schemas.openxmlformats.org/presentationml/2006/main">
-  <p:cSld>
-    <p:spTree>
-      <p:nvGrpSpPr>
-        <p:cNvPr id="1" name=""/>
-        <p:cNvGrpSpPr/>
-        <p:nvPr/>
-      </p:nvGrpSpPr>
-      <p:grpSpPr>
-        <a:xfrm>
-          <a:off x="0" y="0"/>
-          <a:ext cx="0" cy="0"/>
-          <a:chOff x="0" y="0"/>
-          <a:chExt cx="0" cy="0"/>
-        </a:xfrm>
-      </p:grpSpPr>
-      <p:sp>
-        <p:nvSpPr>
-          <p:cNvPr id="2" name="Title 1">
-            <a:extLst>
-              <a:ext uri="{FF2B5EF4-FFF2-40B4-BE49-F238E27FC236}">
-                <a16:creationId xmlns:a16="http://schemas.microsoft.com/office/drawing/2014/main" id="{C8E60A25-02BD-674B-9661-DF031B0CB52C}"/>
-              </a:ext>
-            </a:extLst>
-          </p:cNvPr>
-          <p:cNvSpPr>
-            <a:spLocks noGrp="1"/>
-          </p:cNvSpPr>
-          <p:nvPr>
-            <p:ph type="title"/>
-          </p:nvPr>
-        </p:nvSpPr>
-        <p:spPr/>
-        <p:txBody>
-          <a:bodyPr/>
-          <a:lstStyle/>
-          <a:p>
-            <a:r>
-              <a:rPr lang="en-US" dirty="0"/>
-              <a:t>Data Acquisition: Technical (challenges)</a:t>
-            </a:r>
-          </a:p>
-        </p:txBody>
-      </p:sp>
-      <p:sp>
-        <p:nvSpPr>
-          <p:cNvPr id="3" name="Text Placeholder 2">
-            <a:extLst>
-              <a:ext uri="{FF2B5EF4-FFF2-40B4-BE49-F238E27FC236}">
-                <a16:creationId xmlns:a16="http://schemas.microsoft.com/office/drawing/2014/main" id="{B47464FC-F480-BD4E-8C73-EA0095EB65C0}"/>
-              </a:ext>
-            </a:extLst>
-          </p:cNvPr>
-          <p:cNvSpPr>
-            <a:spLocks noGrp="1"/>
-          </p:cNvSpPr>
-          <p:nvPr>
-            <p:ph type="body" idx="1"/>
-          </p:nvPr>
-        </p:nvSpPr>
-        <p:spPr/>
-        <p:txBody>
-          <a:bodyPr/>
-          <a:lstStyle/>
-          <a:p>
-            <a:r>
-              <a:rPr lang="en-US" dirty="0"/>
-              <a:t>How should you get data?</a:t>
-            </a:r>
-          </a:p>
-          <a:p>
-            <a:pPr lvl="1">
-              <a:spcBef>
-                <a:spcPts val="0"/>
-              </a:spcBef>
-            </a:pPr>
-            <a:r>
-              <a:rPr lang="en-US" dirty="0"/>
-              <a:t>API access</a:t>
-            </a:r>
-          </a:p>
-          <a:p>
-            <a:pPr lvl="1">
-              <a:spcBef>
-                <a:spcPts val="0"/>
-              </a:spcBef>
-            </a:pPr>
-            <a:r>
-              <a:rPr lang="en-US" dirty="0"/>
-              <a:t>Flat files</a:t>
-            </a:r>
-          </a:p>
-          <a:p>
-            <a:pPr lvl="1">
-              <a:spcBef>
-                <a:spcPts val="0"/>
-              </a:spcBef>
-            </a:pPr>
-            <a:r>
-              <a:rPr lang="en-US" dirty="0"/>
-              <a:t>Database dumps</a:t>
-            </a:r>
-          </a:p>
-          <a:p>
-            <a:pPr lvl="1">
-              <a:spcBef>
-                <a:spcPts val="0"/>
-              </a:spcBef>
-            </a:pPr>
-            <a:endParaRPr lang="en-US" dirty="0"/>
-          </a:p>
-          <a:p>
-            <a:r>
-              <a:rPr lang="en-US" dirty="0"/>
-              <a:t>How much should it be processed before you get it?</a:t>
-            </a:r>
-          </a:p>
-          <a:p>
-            <a:endParaRPr lang="en-US" dirty="0"/>
-          </a:p>
-          <a:p>
-            <a:r>
-              <a:rPr lang="en-US" dirty="0"/>
-              <a:t>How do you build a repeatable data acquisition pipeline?</a:t>
-            </a:r>
-          </a:p>
-          <a:p>
-            <a:endParaRPr lang="en-US" dirty="0"/>
-          </a:p>
-          <a:p>
-            <a:r>
-              <a:rPr lang="en-US" dirty="0"/>
-              <a:t>When do you collect new data?</a:t>
-            </a:r>
-          </a:p>
-          <a:p>
-            <a:pPr marL="565150" lvl="1" indent="0">
-              <a:spcBef>
-                <a:spcPts val="0"/>
-              </a:spcBef>
-              <a:buNone/>
-            </a:pPr>
-            <a:endParaRPr lang="en-US" dirty="0"/>
-          </a:p>
-        </p:txBody>
-      </p:sp>
-    </p:spTree>
-    <p:extLst>
-      <p:ext uri="{BB962C8B-B14F-4D97-AF65-F5344CB8AC3E}">
-        <p14:creationId xmlns:p14="http://schemas.microsoft.com/office/powerpoint/2010/main" val="4069897732"/>
-      </p:ext>
-    </p:extLst>
-  </p:cSld>
-  <p:clrMapOvr>
-    <a:masterClrMapping/>
-  </p:clrMapOvr>
-</p:sld>
-</file>
-
-<file path=ppt/slides/slide6.xml><?xml version="1.0" encoding="utf-8"?>
-<p:sld xmlns:a="http://schemas.openxmlformats.org/drawingml/2006/main" xmlns:r="http://schemas.openxmlformats.org/officeDocument/2006/relationships" xmlns:p="http://schemas.openxmlformats.org/presentationml/2006/main">
-  <p:cSld>
-    <p:spTree>
-      <p:nvGrpSpPr>
-        <p:cNvPr id="1" name=""/>
-        <p:cNvGrpSpPr/>
-        <p:nvPr/>
-      </p:nvGrpSpPr>
-      <p:grpSpPr>
-        <a:xfrm>
-          <a:off x="0" y="0"/>
-          <a:ext cx="0" cy="0"/>
-          <a:chOff x="0" y="0"/>
-          <a:chExt cx="0" cy="0"/>
-        </a:xfrm>
-      </p:grpSpPr>
-      <p:sp>
-        <p:nvSpPr>
-          <p:cNvPr id="2" name="Title 1">
-            <a:extLst>
-              <a:ext uri="{FF2B5EF4-FFF2-40B4-BE49-F238E27FC236}">
-                <a16:creationId xmlns:a16="http://schemas.microsoft.com/office/drawing/2014/main" id="{976F140B-CCBA-6544-AE2A-A3E88E046C57}"/>
-              </a:ext>
-            </a:extLst>
-          </p:cNvPr>
-          <p:cNvSpPr>
-            <a:spLocks noGrp="1"/>
-          </p:cNvSpPr>
-          <p:nvPr>
-            <p:ph type="title"/>
-          </p:nvPr>
-        </p:nvSpPr>
-        <p:spPr/>
-        <p:txBody>
-          <a:bodyPr/>
-          <a:lstStyle/>
-          <a:p>
-            <a:r>
-              <a:rPr lang="en-US" dirty="0"/>
-              <a:t>Data Storage</a:t>
-            </a:r>
-          </a:p>
-        </p:txBody>
-      </p:sp>
-      <p:sp>
-        <p:nvSpPr>
-          <p:cNvPr id="3" name="Text Placeholder 2">
-            <a:extLst>
-              <a:ext uri="{FF2B5EF4-FFF2-40B4-BE49-F238E27FC236}">
-                <a16:creationId xmlns:a16="http://schemas.microsoft.com/office/drawing/2014/main" id="{88BFB7A9-1DE4-3B44-ACD9-B7066AE5097C}"/>
-              </a:ext>
-            </a:extLst>
-          </p:cNvPr>
-          <p:cNvSpPr>
-            <a:spLocks noGrp="1"/>
-          </p:cNvSpPr>
-          <p:nvPr>
-            <p:ph type="body" idx="1"/>
-          </p:nvPr>
-        </p:nvSpPr>
-        <p:spPr/>
-        <p:txBody>
-          <a:bodyPr/>
-          <a:lstStyle/>
-          <a:p>
-            <a:r>
-              <a:rPr lang="en-US" dirty="0"/>
-              <a:t>Use Databases whenever possible</a:t>
-            </a:r>
-          </a:p>
-          <a:p>
-            <a:pPr lvl="1"/>
-            <a:r>
-              <a:rPr lang="en-US" dirty="0"/>
-              <a:t>Types of databases</a:t>
-            </a:r>
-          </a:p>
-          <a:p>
-            <a:pPr lvl="1"/>
-            <a:endParaRPr lang="en-US" dirty="0"/>
-          </a:p>
-          <a:p>
-            <a:r>
-              <a:rPr lang="en-US" dirty="0"/>
-              <a:t>Deidentification when dealing with confidential/sensitive identifiable data</a:t>
-            </a:r>
-          </a:p>
-          <a:p>
-            <a:pPr lvl="1"/>
-            <a:r>
-              <a:rPr lang="en-US" dirty="0"/>
-              <a:t>hashing</a:t>
-            </a:r>
-          </a:p>
-        </p:txBody>
-      </p:sp>
-    </p:spTree>
-    <p:extLst>
-      <p:ext uri="{BB962C8B-B14F-4D97-AF65-F5344CB8AC3E}">
-        <p14:creationId xmlns:p14="http://schemas.microsoft.com/office/powerpoint/2010/main" val="1278687259"/>
-      </p:ext>
-    </p:extLst>
-  </p:cSld>
-  <p:clrMapOvr>
-    <a:masterClrMapping/>
-  </p:clrMapOvr>
-</p:sld>
-</file>
-
-<file path=ppt/slides/slide7.xml><?xml version="1.0" encoding="utf-8"?>
-<p:sld xmlns:a="http://schemas.openxmlformats.org/drawingml/2006/main" xmlns:r="http://schemas.openxmlformats.org/officeDocument/2006/relationships" xmlns:p="http://schemas.openxmlformats.org/presentationml/2006/main">
-  <p:cSld>
-    <p:spTree>
-      <p:nvGrpSpPr>
-        <p:cNvPr id="1" name=""/>
-        <p:cNvGrpSpPr/>
-        <p:nvPr/>
-      </p:nvGrpSpPr>
-      <p:grpSpPr>
-        <a:xfrm>
-          <a:off x="0" y="0"/>
-          <a:ext cx="0" cy="0"/>
-          <a:chOff x="0" y="0"/>
-          <a:chExt cx="0" cy="0"/>
-        </a:xfrm>
-      </p:grpSpPr>
-      <p:sp>
-        <p:nvSpPr>
-          <p:cNvPr id="7170" name="Rectangle 2"/>
-          <p:cNvSpPr>
-            <a:spLocks noGrp="1" noChangeArrowheads="1"/>
-          </p:cNvSpPr>
-          <p:nvPr>
-            <p:ph type="title"/>
-          </p:nvPr>
-        </p:nvSpPr>
-        <p:spPr/>
-        <p:txBody>
-          <a:bodyPr/>
-          <a:lstStyle/>
-          <a:p>
-            <a:r>
-              <a:rPr lang="en-US" altLang="en-US" dirty="0"/>
-              <a:t> Linkage: Goals</a:t>
-            </a:r>
-          </a:p>
-        </p:txBody>
-      </p:sp>
-      <p:sp>
-        <p:nvSpPr>
-          <p:cNvPr id="7171" name="Rectangle 3"/>
-          <p:cNvSpPr>
-            <a:spLocks noGrp="1" noChangeArrowheads="1"/>
-          </p:cNvSpPr>
-          <p:nvPr>
-            <p:ph type="body" idx="1"/>
-          </p:nvPr>
-        </p:nvSpPr>
-        <p:spPr/>
-        <p:txBody>
-          <a:bodyPr>
-            <a:normAutofit/>
-          </a:bodyPr>
-          <a:lstStyle/>
-          <a:p>
-            <a:r>
-              <a:rPr lang="en-US" altLang="en-US" sz="3200" dirty="0"/>
-              <a:t>Determine if pairs of </a:t>
-            </a:r>
-            <a:r>
-              <a:rPr lang="en-US" altLang="en-US" sz="3200" i="1" dirty="0"/>
-              <a:t>records </a:t>
-            </a:r>
-            <a:r>
-              <a:rPr lang="en-US" altLang="en-US" sz="3200" dirty="0"/>
-              <a:t>describe the same </a:t>
-            </a:r>
-            <a:r>
-              <a:rPr lang="en-US" altLang="en-US" sz="3200"/>
-              <a:t>entity </a:t>
-            </a:r>
-            <a:endParaRPr lang="en-US" altLang="en-US" sz="3200" dirty="0"/>
-          </a:p>
-          <a:p>
-            <a:endParaRPr lang="en-US" altLang="en-US" sz="3200" dirty="0"/>
-          </a:p>
-          <a:p>
-            <a:r>
-              <a:rPr lang="en-US" altLang="en-US" sz="3200" dirty="0"/>
-              <a:t>Main applications: </a:t>
-            </a:r>
-          </a:p>
-          <a:p>
-            <a:pPr lvl="1"/>
-            <a:r>
-              <a:rPr lang="en-US" altLang="en-US" sz="2800" i="1" dirty="0"/>
-              <a:t>Joining</a:t>
-            </a:r>
-            <a:r>
-              <a:rPr lang="en-US" altLang="en-US" sz="2800" dirty="0"/>
-              <a:t> two different data sources</a:t>
-            </a:r>
-          </a:p>
-          <a:p>
-            <a:pPr lvl="1"/>
-            <a:r>
-              <a:rPr lang="en-US" altLang="en-US" sz="2800" i="1" dirty="0"/>
-              <a:t>Removing duplicates</a:t>
-            </a:r>
-            <a:r>
-              <a:rPr lang="en-US" altLang="en-US" sz="2800" dirty="0"/>
-              <a:t> from a single data source</a:t>
-            </a:r>
-          </a:p>
-        </p:txBody>
-      </p:sp>
-    </p:spTree>
-    <p:extLst>
-      <p:ext uri="{BB962C8B-B14F-4D97-AF65-F5344CB8AC3E}">
-        <p14:creationId xmlns:p14="http://schemas.microsoft.com/office/powerpoint/2010/main" val="3416135692"/>
-      </p:ext>
-    </p:extLst>
-  </p:cSld>
-  <p:clrMapOvr>
-    <a:masterClrMapping/>
-  </p:clrMapOvr>
-</p:sld>
-</file>
-
-<file path=ppt/slides/slide8.xml><?xml version="1.0" encoding="utf-8"?>
-<p:sld xmlns:a="http://schemas.openxmlformats.org/drawingml/2006/main" xmlns:r="http://schemas.openxmlformats.org/officeDocument/2006/relationships" xmlns:p="http://schemas.openxmlformats.org/presentationml/2006/main">
-  <p:cSld>
-    <p:spTree>
-      <p:nvGrpSpPr>
-        <p:cNvPr id="1" name=""/>
-        <p:cNvGrpSpPr/>
-        <p:nvPr/>
-      </p:nvGrpSpPr>
-      <p:grpSpPr>
-        <a:xfrm>
-          <a:off x="0" y="0"/>
-          <a:ext cx="0" cy="0"/>
-          <a:chOff x="0" y="0"/>
-          <a:chExt cx="0" cy="0"/>
-        </a:xfrm>
-      </p:grpSpPr>
-      <p:sp>
-        <p:nvSpPr>
-          <p:cNvPr id="8194" name="Rectangle 2"/>
-          <p:cNvSpPr>
-            <a:spLocks noGrp="1" noChangeArrowheads="1"/>
-          </p:cNvSpPr>
-          <p:nvPr>
-            <p:ph type="title"/>
-          </p:nvPr>
-        </p:nvSpPr>
-        <p:spPr/>
-        <p:txBody>
-          <a:bodyPr/>
-          <a:lstStyle/>
-          <a:p>
-            <a:r>
-              <a:rPr lang="en-US" altLang="en-US" dirty="0"/>
-              <a:t> Record Linkage: Synonyms</a:t>
-            </a:r>
-          </a:p>
-        </p:txBody>
-      </p:sp>
-      <p:sp>
-        <p:nvSpPr>
-          <p:cNvPr id="8195" name="Rectangle 3"/>
-          <p:cNvSpPr>
-            <a:spLocks noGrp="1" noChangeArrowheads="1"/>
-          </p:cNvSpPr>
-          <p:nvPr>
-            <p:ph type="body" idx="1"/>
-          </p:nvPr>
-        </p:nvSpPr>
-        <p:spPr/>
-        <p:txBody>
-          <a:bodyPr/>
-          <a:lstStyle/>
-          <a:p>
-            <a:pPr>
-              <a:lnSpc>
-                <a:spcPct val="150000"/>
-              </a:lnSpc>
-            </a:pPr>
-            <a:r>
-              <a:rPr lang="en-US" altLang="en-US" dirty="0"/>
-              <a:t>(data) matching</a:t>
-            </a:r>
-          </a:p>
-          <a:p>
-            <a:pPr>
-              <a:lnSpc>
-                <a:spcPct val="150000"/>
-              </a:lnSpc>
-            </a:pPr>
-            <a:r>
-              <a:rPr lang="en-US" altLang="en-US" dirty="0"/>
-              <a:t>merge/purge</a:t>
-            </a:r>
-          </a:p>
-          <a:p>
-            <a:pPr>
-              <a:lnSpc>
-                <a:spcPct val="150000"/>
-              </a:lnSpc>
-            </a:pPr>
-            <a:r>
-              <a:rPr lang="en-US" altLang="en-US" dirty="0"/>
-              <a:t>duplicate detection</a:t>
-            </a:r>
-          </a:p>
-          <a:p>
-            <a:pPr>
-              <a:lnSpc>
-                <a:spcPct val="150000"/>
-              </a:lnSpc>
-            </a:pPr>
-            <a:r>
-              <a:rPr lang="en-US" altLang="en-US" dirty="0"/>
-              <a:t>de-duping</a:t>
-            </a:r>
-          </a:p>
-          <a:p>
-            <a:pPr>
-              <a:lnSpc>
-                <a:spcPct val="150000"/>
-              </a:lnSpc>
-            </a:pPr>
-            <a:r>
-              <a:rPr lang="en-US" altLang="en-US" dirty="0"/>
-              <a:t>reference matching</a:t>
-            </a:r>
-          </a:p>
-          <a:p>
-            <a:pPr>
-              <a:lnSpc>
-                <a:spcPct val="150000"/>
-              </a:lnSpc>
-            </a:pPr>
-            <a:r>
-              <a:rPr lang="en-US" altLang="en-US" dirty="0"/>
-              <a:t>co-reference/anaphora resolution</a:t>
-            </a:r>
-          </a:p>
-        </p:txBody>
-      </p:sp>
-    </p:spTree>
-    <p:extLst>
-      <p:ext uri="{BB962C8B-B14F-4D97-AF65-F5344CB8AC3E}">
-        <p14:creationId xmlns:p14="http://schemas.microsoft.com/office/powerpoint/2010/main" val="2446059493"/>
-      </p:ext>
-    </p:extLst>
-  </p:cSld>
-  <p:clrMapOvr>
-    <a:masterClrMapping/>
-  </p:clrMapOvr>
-</p:sld>
-</file>
-
-<file path=ppt/slides/slide9.xml><?xml version="1.0" encoding="utf-8"?>
+<file path=ppt/slides/slide20.xml><?xml version="1.0" encoding="utf-8"?>
 <p:sld xmlns:a="http://schemas.openxmlformats.org/drawingml/2006/main" xmlns:r="http://schemas.openxmlformats.org/officeDocument/2006/relationships" xmlns:p="http://schemas.openxmlformats.org/presentationml/2006/main">
   <p:cSld>
     <p:spTree>
@@ -14826,6 +16096,3204 @@
       <p:bldP spid="3" grpId="0" build="p"/>
     </p:bldLst>
   </p:timing>
+</p:sld>
+</file>
+
+<file path=ppt/slides/slide21.xml><?xml version="1.0" encoding="utf-8"?>
+<p:sld xmlns:a="http://schemas.openxmlformats.org/drawingml/2006/main" xmlns:r="http://schemas.openxmlformats.org/officeDocument/2006/relationships" xmlns:p="http://schemas.openxmlformats.org/presentationml/2006/main">
+  <p:cSld>
+    <p:spTree>
+      <p:nvGrpSpPr>
+        <p:cNvPr id="1" name=""/>
+        <p:cNvGrpSpPr/>
+        <p:nvPr/>
+      </p:nvGrpSpPr>
+      <p:grpSpPr>
+        <a:xfrm>
+          <a:off x="0" y="0"/>
+          <a:ext cx="0" cy="0"/>
+          <a:chOff x="0" y="0"/>
+          <a:chExt cx="0" cy="0"/>
+        </a:xfrm>
+      </p:grpSpPr>
+      <p:sp>
+        <p:nvSpPr>
+          <p:cNvPr id="2" name="Title 1">
+            <a:extLst>
+              <a:ext uri="{FF2B5EF4-FFF2-40B4-BE49-F238E27FC236}">
+                <a16:creationId xmlns:a16="http://schemas.microsoft.com/office/drawing/2014/main" id="{52E04EB1-290D-E647-B684-F8A3D3B280EE}"/>
+              </a:ext>
+            </a:extLst>
+          </p:cNvPr>
+          <p:cNvSpPr>
+            <a:spLocks noGrp="1"/>
+          </p:cNvSpPr>
+          <p:nvPr>
+            <p:ph type="title"/>
+          </p:nvPr>
+        </p:nvSpPr>
+        <p:spPr/>
+        <p:txBody>
+          <a:bodyPr/>
+          <a:lstStyle/>
+          <a:p>
+            <a:r>
+              <a:rPr lang="en-US" dirty="0"/>
+              <a:t>Discussion Topic</a:t>
+            </a:r>
+          </a:p>
+        </p:txBody>
+      </p:sp>
+      <p:sp>
+        <p:nvSpPr>
+          <p:cNvPr id="3" name="Text Placeholder 2">
+            <a:extLst>
+              <a:ext uri="{FF2B5EF4-FFF2-40B4-BE49-F238E27FC236}">
+                <a16:creationId xmlns:a16="http://schemas.microsoft.com/office/drawing/2014/main" id="{73DF5889-4B8C-7449-87CD-1929C07EE849}"/>
+              </a:ext>
+            </a:extLst>
+          </p:cNvPr>
+          <p:cNvSpPr>
+            <a:spLocks noGrp="1"/>
+          </p:cNvSpPr>
+          <p:nvPr>
+            <p:ph type="body" idx="1"/>
+          </p:nvPr>
+        </p:nvSpPr>
+        <p:spPr/>
+        <p:txBody>
+          <a:bodyPr/>
+          <a:lstStyle/>
+          <a:p>
+            <a:pPr marL="76200" indent="0">
+              <a:buNone/>
+            </a:pPr>
+            <a:endParaRPr lang="en-US" dirty="0"/>
+          </a:p>
+          <a:p>
+            <a:pPr marL="76200" indent="0">
+              <a:buNone/>
+            </a:pPr>
+            <a:endParaRPr lang="en-US" dirty="0"/>
+          </a:p>
+          <a:p>
+            <a:pPr marL="76200" indent="0">
+              <a:buNone/>
+            </a:pPr>
+            <a:r>
+              <a:rPr lang="en-US" sz="3200" dirty="0"/>
+              <a:t>What are downstream impacts (generally) of a false positive in record linkage? What about a false negative?</a:t>
+            </a:r>
+            <a:endParaRPr lang="en-US" dirty="0"/>
+          </a:p>
+        </p:txBody>
+      </p:sp>
+    </p:spTree>
+    <p:extLst>
+      <p:ext uri="{BB962C8B-B14F-4D97-AF65-F5344CB8AC3E}">
+        <p14:creationId xmlns:p14="http://schemas.microsoft.com/office/powerpoint/2010/main" val="4210785574"/>
+      </p:ext>
+    </p:extLst>
+  </p:cSld>
+  <p:clrMapOvr>
+    <a:masterClrMapping/>
+  </p:clrMapOvr>
+</p:sld>
+</file>
+
+<file path=ppt/slides/slide22.xml><?xml version="1.0" encoding="utf-8"?>
+<p:sld xmlns:a="http://schemas.openxmlformats.org/drawingml/2006/main" xmlns:r="http://schemas.openxmlformats.org/officeDocument/2006/relationships" xmlns:p="http://schemas.openxmlformats.org/presentationml/2006/main">
+  <p:cSld>
+    <p:spTree>
+      <p:nvGrpSpPr>
+        <p:cNvPr id="1" name=""/>
+        <p:cNvGrpSpPr/>
+        <p:nvPr/>
+      </p:nvGrpSpPr>
+      <p:grpSpPr>
+        <a:xfrm>
+          <a:off x="0" y="0"/>
+          <a:ext cx="0" cy="0"/>
+          <a:chOff x="0" y="0"/>
+          <a:chExt cx="0" cy="0"/>
+        </a:xfrm>
+      </p:grpSpPr>
+      <p:sp>
+        <p:nvSpPr>
+          <p:cNvPr id="2" name="Title 1">
+            <a:extLst>
+              <a:ext uri="{FF2B5EF4-FFF2-40B4-BE49-F238E27FC236}">
+                <a16:creationId xmlns:a16="http://schemas.microsoft.com/office/drawing/2014/main" id="{52E04EB1-290D-E647-B684-F8A3D3B280EE}"/>
+              </a:ext>
+            </a:extLst>
+          </p:cNvPr>
+          <p:cNvSpPr>
+            <a:spLocks noGrp="1"/>
+          </p:cNvSpPr>
+          <p:nvPr>
+            <p:ph type="title"/>
+          </p:nvPr>
+        </p:nvSpPr>
+        <p:spPr/>
+        <p:txBody>
+          <a:bodyPr/>
+          <a:lstStyle/>
+          <a:p>
+            <a:r>
+              <a:rPr lang="en-US" dirty="0"/>
+              <a:t>Discussion Topic</a:t>
+            </a:r>
+          </a:p>
+        </p:txBody>
+      </p:sp>
+      <p:sp>
+        <p:nvSpPr>
+          <p:cNvPr id="3" name="Text Placeholder 2">
+            <a:extLst>
+              <a:ext uri="{FF2B5EF4-FFF2-40B4-BE49-F238E27FC236}">
+                <a16:creationId xmlns:a16="http://schemas.microsoft.com/office/drawing/2014/main" id="{73DF5889-4B8C-7449-87CD-1929C07EE849}"/>
+              </a:ext>
+            </a:extLst>
+          </p:cNvPr>
+          <p:cNvSpPr>
+            <a:spLocks noGrp="1"/>
+          </p:cNvSpPr>
+          <p:nvPr>
+            <p:ph type="body" idx="1"/>
+          </p:nvPr>
+        </p:nvSpPr>
+        <p:spPr/>
+        <p:txBody>
+          <a:bodyPr/>
+          <a:lstStyle/>
+          <a:p>
+            <a:pPr marL="76200" indent="0">
+              <a:buNone/>
+            </a:pPr>
+            <a:endParaRPr lang="en-US" dirty="0"/>
+          </a:p>
+          <a:p>
+            <a:pPr marL="76200" indent="0">
+              <a:buNone/>
+            </a:pPr>
+            <a:endParaRPr lang="en-US" dirty="0"/>
+          </a:p>
+          <a:p>
+            <a:pPr marL="76200" indent="0">
+              <a:buNone/>
+            </a:pPr>
+            <a:r>
+              <a:rPr lang="en-US" sz="3200" dirty="0"/>
+              <a:t>What types of common mismatch errors might affect groups differently, resulting in downstream fairness impacts?</a:t>
+            </a:r>
+            <a:endParaRPr lang="en-US" dirty="0"/>
+          </a:p>
+        </p:txBody>
+      </p:sp>
+    </p:spTree>
+    <p:extLst>
+      <p:ext uri="{BB962C8B-B14F-4D97-AF65-F5344CB8AC3E}">
+        <p14:creationId xmlns:p14="http://schemas.microsoft.com/office/powerpoint/2010/main" val="2960122765"/>
+      </p:ext>
+    </p:extLst>
+  </p:cSld>
+  <p:clrMapOvr>
+    <a:masterClrMapping/>
+  </p:clrMapOvr>
+</p:sld>
+</file>
+
+<file path=ppt/slides/slide23.xml><?xml version="1.0" encoding="utf-8"?>
+<p:sld xmlns:a="http://schemas.openxmlformats.org/drawingml/2006/main" xmlns:r="http://schemas.openxmlformats.org/officeDocument/2006/relationships" xmlns:p="http://schemas.openxmlformats.org/presentationml/2006/main">
+  <p:cSld>
+    <p:spTree>
+      <p:nvGrpSpPr>
+        <p:cNvPr id="1" name=""/>
+        <p:cNvGrpSpPr/>
+        <p:nvPr/>
+      </p:nvGrpSpPr>
+      <p:grpSpPr>
+        <a:xfrm>
+          <a:off x="0" y="0"/>
+          <a:ext cx="0" cy="0"/>
+          <a:chOff x="0" y="0"/>
+          <a:chExt cx="0" cy="0"/>
+        </a:xfrm>
+      </p:grpSpPr>
+      <p:sp>
+        <p:nvSpPr>
+          <p:cNvPr id="2" name="Title 1"/>
+          <p:cNvSpPr>
+            <a:spLocks noGrp="1"/>
+          </p:cNvSpPr>
+          <p:nvPr>
+            <p:ph type="title"/>
+          </p:nvPr>
+        </p:nvSpPr>
+        <p:spPr/>
+        <p:txBody>
+          <a:bodyPr/>
+          <a:lstStyle/>
+          <a:p>
+            <a:r>
+              <a:rPr lang="en-US" dirty="0"/>
+              <a:t>Factors to consider</a:t>
+            </a:r>
+          </a:p>
+        </p:txBody>
+      </p:sp>
+      <p:sp>
+        <p:nvSpPr>
+          <p:cNvPr id="3" name="Content Placeholder 2"/>
+          <p:cNvSpPr>
+            <a:spLocks noGrp="1"/>
+          </p:cNvSpPr>
+          <p:nvPr>
+            <p:ph type="body" idx="1"/>
+          </p:nvPr>
+        </p:nvSpPr>
+        <p:spPr/>
+        <p:txBody>
+          <a:bodyPr>
+            <a:normAutofit fontScale="77500" lnSpcReduction="20000"/>
+          </a:bodyPr>
+          <a:lstStyle/>
+          <a:p>
+            <a:r>
+              <a:rPr lang="en-US" dirty="0" err="1"/>
+              <a:t>Deduping</a:t>
+            </a:r>
+            <a:r>
+              <a:rPr lang="en-US" dirty="0"/>
+              <a:t> or Linkage</a:t>
+            </a:r>
+          </a:p>
+          <a:p>
+            <a:pPr lvl="1"/>
+            <a:r>
+              <a:rPr lang="en-US" dirty="0"/>
+              <a:t>1-1 or 1-many or many-1</a:t>
+            </a:r>
+          </a:p>
+          <a:p>
+            <a:pPr lvl="1"/>
+            <a:endParaRPr lang="en-US" dirty="0"/>
+          </a:p>
+          <a:p>
+            <a:r>
+              <a:rPr lang="en-US" dirty="0"/>
+              <a:t>Rule-based or ML based</a:t>
+            </a:r>
+          </a:p>
+          <a:p>
+            <a:pPr lvl="1"/>
+            <a:r>
+              <a:rPr lang="en-US" dirty="0"/>
+              <a:t>Do you have labeled training data?</a:t>
+            </a:r>
+          </a:p>
+          <a:p>
+            <a:pPr lvl="1"/>
+            <a:endParaRPr lang="en-US" dirty="0"/>
+          </a:p>
+          <a:p>
+            <a:r>
+              <a:rPr lang="en-US" dirty="0"/>
+              <a:t>Domain specific or generic similarity metrics?</a:t>
+            </a:r>
+          </a:p>
+          <a:p>
+            <a:endParaRPr lang="en-US" dirty="0"/>
+          </a:p>
+          <a:p>
+            <a:r>
+              <a:rPr lang="en-US" dirty="0"/>
+              <a:t>Evaluation metric</a:t>
+            </a:r>
+          </a:p>
+          <a:p>
+            <a:pPr lvl="1"/>
+            <a:r>
+              <a:rPr lang="en-US" dirty="0"/>
+              <a:t>Precision or recall</a:t>
+            </a:r>
+          </a:p>
+          <a:p>
+            <a:pPr lvl="1"/>
+            <a:r>
+              <a:rPr lang="en-US" dirty="0"/>
+              <a:t>Task-specific - Implications on future analysis (bias for example)</a:t>
+            </a:r>
+          </a:p>
+        </p:txBody>
+      </p:sp>
+    </p:spTree>
+    <p:extLst>
+      <p:ext uri="{BB962C8B-B14F-4D97-AF65-F5344CB8AC3E}">
+        <p14:creationId xmlns:p14="http://schemas.microsoft.com/office/powerpoint/2010/main" val="562180733"/>
+      </p:ext>
+    </p:extLst>
+  </p:cSld>
+  <p:clrMapOvr>
+    <a:masterClrMapping/>
+  </p:clrMapOvr>
+</p:sld>
+</file>
+
+<file path=ppt/slides/slide24.xml><?xml version="1.0" encoding="utf-8"?>
+<p:sld xmlns:a="http://schemas.openxmlformats.org/drawingml/2006/main" xmlns:r="http://schemas.openxmlformats.org/officeDocument/2006/relationships" xmlns:p="http://schemas.openxmlformats.org/presentationml/2006/main">
+  <p:cSld>
+    <p:spTree>
+      <p:nvGrpSpPr>
+        <p:cNvPr id="1" name=""/>
+        <p:cNvGrpSpPr/>
+        <p:nvPr/>
+      </p:nvGrpSpPr>
+      <p:grpSpPr>
+        <a:xfrm>
+          <a:off x="0" y="0"/>
+          <a:ext cx="0" cy="0"/>
+          <a:chOff x="0" y="0"/>
+          <a:chExt cx="0" cy="0"/>
+        </a:xfrm>
+      </p:grpSpPr>
+      <p:sp>
+        <p:nvSpPr>
+          <p:cNvPr id="9218" name="Rectangle 2"/>
+          <p:cNvSpPr>
+            <a:spLocks noGrp="1" noChangeArrowheads="1"/>
+          </p:cNvSpPr>
+          <p:nvPr>
+            <p:ph type="title"/>
+          </p:nvPr>
+        </p:nvSpPr>
+        <p:spPr/>
+        <p:txBody>
+          <a:bodyPr/>
+          <a:lstStyle/>
+          <a:p>
+            <a:r>
+              <a:rPr lang="en-US" altLang="en-US" dirty="0"/>
+              <a:t>Approaches</a:t>
+            </a:r>
+          </a:p>
+        </p:txBody>
+      </p:sp>
+      <p:sp>
+        <p:nvSpPr>
+          <p:cNvPr id="9219" name="Rectangle 3"/>
+          <p:cNvSpPr>
+            <a:spLocks noGrp="1" noChangeArrowheads="1"/>
+          </p:cNvSpPr>
+          <p:nvPr>
+            <p:ph type="body" idx="1"/>
+          </p:nvPr>
+        </p:nvSpPr>
+        <p:spPr/>
+        <p:txBody>
+          <a:bodyPr>
+            <a:normAutofit/>
+          </a:bodyPr>
+          <a:lstStyle/>
+          <a:p>
+            <a:r>
+              <a:rPr lang="en-US" altLang="en-US" dirty="0"/>
+              <a:t>Exact matching</a:t>
+            </a:r>
+          </a:p>
+          <a:p>
+            <a:r>
+              <a:rPr lang="en-US" altLang="en-US" dirty="0"/>
+              <a:t>Rule-based</a:t>
+            </a:r>
+          </a:p>
+          <a:p>
+            <a:r>
+              <a:rPr lang="en-US" altLang="en-US" dirty="0"/>
+              <a:t>Probabilistic linkage</a:t>
+            </a:r>
+          </a:p>
+        </p:txBody>
+      </p:sp>
+    </p:spTree>
+    <p:extLst>
+      <p:ext uri="{BB962C8B-B14F-4D97-AF65-F5344CB8AC3E}">
+        <p14:creationId xmlns:p14="http://schemas.microsoft.com/office/powerpoint/2010/main" val="2383065332"/>
+      </p:ext>
+    </p:extLst>
+  </p:cSld>
+  <p:clrMapOvr>
+    <a:masterClrMapping/>
+  </p:clrMapOvr>
+</p:sld>
+</file>
+
+<file path=ppt/slides/slide25.xml><?xml version="1.0" encoding="utf-8"?>
+<p:sld xmlns:a="http://schemas.openxmlformats.org/drawingml/2006/main" xmlns:r="http://schemas.openxmlformats.org/officeDocument/2006/relationships" xmlns:p="http://schemas.openxmlformats.org/presentationml/2006/main">
+  <p:cSld>
+    <p:spTree>
+      <p:nvGrpSpPr>
+        <p:cNvPr id="1" name=""/>
+        <p:cNvGrpSpPr/>
+        <p:nvPr/>
+      </p:nvGrpSpPr>
+      <p:grpSpPr>
+        <a:xfrm>
+          <a:off x="0" y="0"/>
+          <a:ext cx="0" cy="0"/>
+          <a:chOff x="0" y="0"/>
+          <a:chExt cx="0" cy="0"/>
+        </a:xfrm>
+      </p:grpSpPr>
+      <p:sp>
+        <p:nvSpPr>
+          <p:cNvPr id="2" name="Title 1"/>
+          <p:cNvSpPr>
+            <a:spLocks noGrp="1"/>
+          </p:cNvSpPr>
+          <p:nvPr>
+            <p:ph type="title"/>
+          </p:nvPr>
+        </p:nvSpPr>
+        <p:spPr/>
+        <p:txBody>
+          <a:bodyPr/>
+          <a:lstStyle/>
+          <a:p>
+            <a:r>
+              <a:rPr lang="en-US" dirty="0"/>
+              <a:t>When are two records about the same entity?</a:t>
+            </a:r>
+          </a:p>
+        </p:txBody>
+      </p:sp>
+      <p:sp>
+        <p:nvSpPr>
+          <p:cNvPr id="3" name="Content Placeholder 2"/>
+          <p:cNvSpPr>
+            <a:spLocks noGrp="1"/>
+          </p:cNvSpPr>
+          <p:nvPr>
+            <p:ph type="body" idx="1"/>
+          </p:nvPr>
+        </p:nvSpPr>
+        <p:spPr/>
+        <p:txBody>
+          <a:bodyPr/>
+          <a:lstStyle/>
+          <a:p>
+            <a:r>
+              <a:rPr lang="en-US" dirty="0"/>
+              <a:t>Examples of possible similarity metrics</a:t>
+            </a:r>
+          </a:p>
+          <a:p>
+            <a:pPr lvl="1"/>
+            <a:r>
+              <a:rPr lang="en-US" dirty="0"/>
+              <a:t>Edit distance</a:t>
+            </a:r>
+          </a:p>
+          <a:p>
+            <a:pPr lvl="1"/>
+            <a:r>
+              <a:rPr lang="en-US" dirty="0" err="1"/>
+              <a:t>Soundex</a:t>
+            </a:r>
+            <a:endParaRPr lang="en-US" dirty="0"/>
+          </a:p>
+          <a:p>
+            <a:endParaRPr lang="en-US" dirty="0"/>
+          </a:p>
+        </p:txBody>
+      </p:sp>
+    </p:spTree>
+    <p:extLst>
+      <p:ext uri="{BB962C8B-B14F-4D97-AF65-F5344CB8AC3E}">
+        <p14:creationId xmlns:p14="http://schemas.microsoft.com/office/powerpoint/2010/main" val="32033496"/>
+      </p:ext>
+    </p:extLst>
+  </p:cSld>
+  <p:clrMapOvr>
+    <a:masterClrMapping/>
+  </p:clrMapOvr>
+</p:sld>
+</file>
+
+<file path=ppt/slides/slide26.xml><?xml version="1.0" encoding="utf-8"?>
+<p:sld xmlns:a="http://schemas.openxmlformats.org/drawingml/2006/main" xmlns:r="http://schemas.openxmlformats.org/officeDocument/2006/relationships" xmlns:p="http://schemas.openxmlformats.org/presentationml/2006/main">
+  <p:cSld>
+    <p:spTree>
+      <p:nvGrpSpPr>
+        <p:cNvPr id="1" name=""/>
+        <p:cNvGrpSpPr/>
+        <p:nvPr/>
+      </p:nvGrpSpPr>
+      <p:grpSpPr>
+        <a:xfrm>
+          <a:off x="0" y="0"/>
+          <a:ext cx="0" cy="0"/>
+          <a:chOff x="0" y="0"/>
+          <a:chExt cx="0" cy="0"/>
+        </a:xfrm>
+      </p:grpSpPr>
+      <p:sp>
+        <p:nvSpPr>
+          <p:cNvPr id="2" name="Title 1"/>
+          <p:cNvSpPr>
+            <a:spLocks noGrp="1"/>
+          </p:cNvSpPr>
+          <p:nvPr>
+            <p:ph type="title"/>
+          </p:nvPr>
+        </p:nvSpPr>
+        <p:spPr/>
+        <p:txBody>
+          <a:bodyPr/>
+          <a:lstStyle/>
+          <a:p>
+            <a:r>
+              <a:rPr lang="en-US" dirty="0"/>
+              <a:t>“Fuzzy” Matching System	</a:t>
+            </a:r>
+          </a:p>
+        </p:txBody>
+      </p:sp>
+      <p:sp>
+        <p:nvSpPr>
+          <p:cNvPr id="3" name="Content Placeholder 2"/>
+          <p:cNvSpPr>
+            <a:spLocks noGrp="1"/>
+          </p:cNvSpPr>
+          <p:nvPr>
+            <p:ph type="body" idx="1"/>
+          </p:nvPr>
+        </p:nvSpPr>
+        <p:spPr/>
+        <p:txBody>
+          <a:bodyPr/>
+          <a:lstStyle/>
+          <a:p>
+            <a:r>
+              <a:rPr lang="en-US" dirty="0"/>
+              <a:t>Apply set of cascading rules</a:t>
+            </a:r>
+          </a:p>
+          <a:p>
+            <a:r>
+              <a:rPr lang="en-US" dirty="0"/>
+              <a:t>Assign confidence score based on which rules fire</a:t>
+            </a:r>
+          </a:p>
+        </p:txBody>
+      </p:sp>
+    </p:spTree>
+    <p:extLst>
+      <p:ext uri="{BB962C8B-B14F-4D97-AF65-F5344CB8AC3E}">
+        <p14:creationId xmlns:p14="http://schemas.microsoft.com/office/powerpoint/2010/main" val="2363932908"/>
+      </p:ext>
+    </p:extLst>
+  </p:cSld>
+  <p:clrMapOvr>
+    <a:masterClrMapping/>
+  </p:clrMapOvr>
+</p:sld>
+</file>
+
+<file path=ppt/slides/slide27.xml><?xml version="1.0" encoding="utf-8"?>
+<p:sld xmlns:a="http://schemas.openxmlformats.org/drawingml/2006/main" xmlns:r="http://schemas.openxmlformats.org/officeDocument/2006/relationships" xmlns:p="http://schemas.openxmlformats.org/presentationml/2006/main">
+  <p:cSld>
+    <p:spTree>
+      <p:nvGrpSpPr>
+        <p:cNvPr id="1" name=""/>
+        <p:cNvGrpSpPr/>
+        <p:nvPr/>
+      </p:nvGrpSpPr>
+      <p:grpSpPr>
+        <a:xfrm>
+          <a:off x="0" y="0"/>
+          <a:ext cx="0" cy="0"/>
+          <a:chOff x="0" y="0"/>
+          <a:chExt cx="0" cy="0"/>
+        </a:xfrm>
+      </p:grpSpPr>
+      <p:sp>
+        <p:nvSpPr>
+          <p:cNvPr id="35842" name="Rectangle 2"/>
+          <p:cNvSpPr>
+            <a:spLocks noGrp="1" noChangeArrowheads="1"/>
+          </p:cNvSpPr>
+          <p:nvPr>
+            <p:ph type="title"/>
+          </p:nvPr>
+        </p:nvSpPr>
+        <p:spPr/>
+        <p:txBody>
+          <a:bodyPr/>
+          <a:lstStyle/>
+          <a:p>
+            <a:r>
+              <a:rPr lang="en-US" altLang="en-US" dirty="0"/>
+              <a:t>How do we not compare every pair?</a:t>
+            </a:r>
+          </a:p>
+        </p:txBody>
+      </p:sp>
+      <p:sp>
+        <p:nvSpPr>
+          <p:cNvPr id="35843" name="Rectangle 3"/>
+          <p:cNvSpPr>
+            <a:spLocks noGrp="1" noChangeArrowheads="1"/>
+          </p:cNvSpPr>
+          <p:nvPr>
+            <p:ph type="body" idx="1"/>
+          </p:nvPr>
+        </p:nvSpPr>
+        <p:spPr/>
+        <p:txBody>
+          <a:bodyPr/>
+          <a:lstStyle/>
+          <a:p>
+            <a:pPr>
+              <a:lnSpc>
+                <a:spcPct val="90000"/>
+              </a:lnSpc>
+            </a:pPr>
+            <a:r>
+              <a:rPr lang="en-US" altLang="en-US" sz="2800" dirty="0"/>
+              <a:t>How do we avoid looking at |A| * |B| pairs?</a:t>
+            </a:r>
+          </a:p>
+          <a:p>
+            <a:pPr>
+              <a:lnSpc>
+                <a:spcPct val="90000"/>
+              </a:lnSpc>
+            </a:pPr>
+            <a:r>
+              <a:rPr lang="en-US" altLang="en-US" sz="2800" i="1" dirty="0"/>
+              <a:t>Blocking: </a:t>
+            </a:r>
+            <a:r>
+              <a:rPr lang="en-US" altLang="en-US" sz="2800" dirty="0"/>
+              <a:t>choose a smaller set of pairs that will contain all or most matches.  </a:t>
+            </a:r>
+          </a:p>
+          <a:p>
+            <a:pPr lvl="1">
+              <a:lnSpc>
+                <a:spcPct val="90000"/>
+              </a:lnSpc>
+            </a:pPr>
+            <a:r>
+              <a:rPr lang="en-US" altLang="en-US" sz="2400" dirty="0"/>
+              <a:t>Simple blocking:  compare all pairs that “hash” to the same value (e.g., same </a:t>
+            </a:r>
+            <a:r>
+              <a:rPr lang="en-US" altLang="en-US" sz="2400" dirty="0" err="1"/>
+              <a:t>Soundex</a:t>
+            </a:r>
+            <a:r>
+              <a:rPr lang="en-US" altLang="en-US" sz="2400" dirty="0"/>
+              <a:t> code for last name, same birth year)</a:t>
+            </a:r>
+          </a:p>
+          <a:p>
+            <a:pPr lvl="1">
+              <a:lnSpc>
+                <a:spcPct val="90000"/>
+              </a:lnSpc>
+            </a:pPr>
+            <a:r>
+              <a:rPr lang="en-US" altLang="en-US" sz="2400" dirty="0"/>
+              <a:t>Extensions (to increase </a:t>
+            </a:r>
+            <a:r>
+              <a:rPr lang="en-US" altLang="en-US" sz="2400" i="1" dirty="0"/>
+              <a:t>recall </a:t>
+            </a:r>
+            <a:r>
+              <a:rPr lang="en-US" altLang="en-US" sz="2400" dirty="0"/>
+              <a:t>of set of pairs):</a:t>
+            </a:r>
+          </a:p>
+          <a:p>
+            <a:pPr lvl="2">
+              <a:lnSpc>
+                <a:spcPct val="90000"/>
+              </a:lnSpc>
+            </a:pPr>
+            <a:r>
+              <a:rPr lang="en-US" altLang="en-US" sz="2000" dirty="0"/>
+              <a:t>Block on </a:t>
+            </a:r>
+            <a:r>
+              <a:rPr lang="en-US" altLang="en-US" sz="2000" i="1" dirty="0"/>
+              <a:t>multiple</a:t>
+            </a:r>
+            <a:r>
+              <a:rPr lang="en-US" altLang="en-US" sz="2000" dirty="0"/>
+              <a:t> attributes (</a:t>
+            </a:r>
+            <a:r>
+              <a:rPr lang="en-US" altLang="en-US" sz="2000" dirty="0" err="1"/>
+              <a:t>soundex</a:t>
+            </a:r>
+            <a:r>
+              <a:rPr lang="en-US" altLang="en-US" sz="2000" dirty="0"/>
+              <a:t>, zip code) and take union of all pairs found.</a:t>
+            </a:r>
+          </a:p>
+          <a:p>
+            <a:pPr lvl="2">
+              <a:lnSpc>
+                <a:spcPct val="90000"/>
+              </a:lnSpc>
+            </a:pPr>
+            <a:r>
+              <a:rPr lang="en-US" altLang="en-US" sz="2000" i="1" dirty="0"/>
+              <a:t>Windowing:</a:t>
+            </a:r>
+            <a:r>
+              <a:rPr lang="en-US" altLang="en-US" sz="2000" dirty="0"/>
+              <a:t> Pick (numerically or lexically) </a:t>
+            </a:r>
+            <a:r>
+              <a:rPr lang="en-US" altLang="en-US" sz="2000" i="1" dirty="0"/>
+              <a:t>ordered</a:t>
+            </a:r>
+            <a:r>
+              <a:rPr lang="en-US" altLang="en-US" sz="2000" dirty="0"/>
+              <a:t> attributes and sort (e.g., sort on last name).  The pick all pairs that appear “near” each other in the sorted order.</a:t>
+            </a:r>
+          </a:p>
+        </p:txBody>
+      </p:sp>
+    </p:spTree>
+    <p:extLst>
+      <p:ext uri="{BB962C8B-B14F-4D97-AF65-F5344CB8AC3E}">
+        <p14:creationId xmlns:p14="http://schemas.microsoft.com/office/powerpoint/2010/main" val="3772462634"/>
+      </p:ext>
+    </p:extLst>
+  </p:cSld>
+  <p:clrMapOvr>
+    <a:masterClrMapping/>
+  </p:clrMapOvr>
+</p:sld>
+</file>
+
+<file path=ppt/slides/slide28.xml><?xml version="1.0" encoding="utf-8"?>
+<p:sld xmlns:a="http://schemas.openxmlformats.org/drawingml/2006/main" xmlns:r="http://schemas.openxmlformats.org/officeDocument/2006/relationships" xmlns:p="http://schemas.openxmlformats.org/presentationml/2006/main">
+  <p:cSld>
+    <p:spTree>
+      <p:nvGrpSpPr>
+        <p:cNvPr id="1" name=""/>
+        <p:cNvGrpSpPr/>
+        <p:nvPr/>
+      </p:nvGrpSpPr>
+      <p:grpSpPr>
+        <a:xfrm>
+          <a:off x="0" y="0"/>
+          <a:ext cx="0" cy="0"/>
+          <a:chOff x="0" y="0"/>
+          <a:chExt cx="0" cy="0"/>
+        </a:xfrm>
+      </p:grpSpPr>
+      <p:sp>
+        <p:nvSpPr>
+          <p:cNvPr id="2" name="Title 1"/>
+          <p:cNvSpPr>
+            <a:spLocks noGrp="1"/>
+          </p:cNvSpPr>
+          <p:nvPr>
+            <p:ph type="title"/>
+          </p:nvPr>
+        </p:nvSpPr>
+        <p:spPr/>
+        <p:txBody>
+          <a:bodyPr/>
+          <a:lstStyle/>
+          <a:p>
+            <a:r>
+              <a:rPr lang="en-US" dirty="0"/>
+              <a:t>Machine Learning based Record Linkage</a:t>
+            </a:r>
+          </a:p>
+        </p:txBody>
+      </p:sp>
+      <p:sp>
+        <p:nvSpPr>
+          <p:cNvPr id="3" name="Content Placeholder 2"/>
+          <p:cNvSpPr>
+            <a:spLocks noGrp="1"/>
+          </p:cNvSpPr>
+          <p:nvPr>
+            <p:ph type="body" idx="1"/>
+          </p:nvPr>
+        </p:nvSpPr>
+        <p:spPr/>
+        <p:txBody>
+          <a:bodyPr/>
+          <a:lstStyle/>
+          <a:p>
+            <a:r>
+              <a:rPr lang="en-US" dirty="0"/>
+              <a:t>Generate training data</a:t>
+            </a:r>
+          </a:p>
+          <a:p>
+            <a:pPr lvl="1"/>
+            <a:r>
+              <a:rPr lang="en-US" dirty="0"/>
+              <a:t>Label pairs as match/no match</a:t>
+            </a:r>
+          </a:p>
+          <a:p>
+            <a:pPr lvl="1"/>
+            <a:endParaRPr lang="en-US" dirty="0"/>
+          </a:p>
+          <a:p>
+            <a:r>
+              <a:rPr lang="en-US" dirty="0"/>
+              <a:t>Generate features over each pair</a:t>
+            </a:r>
+          </a:p>
+          <a:p>
+            <a:pPr lvl="1"/>
+            <a:r>
+              <a:rPr lang="en-US" dirty="0"/>
+              <a:t>Distance metrics over different attributes (</a:t>
+            </a:r>
+            <a:r>
+              <a:rPr lang="en-US" dirty="0" err="1"/>
+              <a:t>fname</a:t>
+            </a:r>
+            <a:r>
+              <a:rPr lang="en-US" dirty="0"/>
+              <a:t>, </a:t>
+            </a:r>
+            <a:r>
+              <a:rPr lang="en-US" dirty="0" err="1"/>
+              <a:t>lname</a:t>
+            </a:r>
+            <a:r>
+              <a:rPr lang="en-US" dirty="0"/>
+              <a:t>, dob, etc.)</a:t>
+            </a:r>
+          </a:p>
+          <a:p>
+            <a:pPr lvl="1"/>
+            <a:r>
+              <a:rPr lang="en-US" dirty="0" err="1"/>
+              <a:t>Tfidf</a:t>
+            </a:r>
+            <a:r>
+              <a:rPr lang="en-US" dirty="0"/>
+              <a:t> scores</a:t>
+            </a:r>
+          </a:p>
+          <a:p>
+            <a:pPr lvl="1"/>
+            <a:endParaRPr lang="en-US" dirty="0"/>
+          </a:p>
+          <a:p>
+            <a:r>
+              <a:rPr lang="en-US" dirty="0"/>
+              <a:t>Build and evaluate classifiers</a:t>
+            </a:r>
+          </a:p>
+        </p:txBody>
+      </p:sp>
+    </p:spTree>
+    <p:extLst>
+      <p:ext uri="{BB962C8B-B14F-4D97-AF65-F5344CB8AC3E}">
+        <p14:creationId xmlns:p14="http://schemas.microsoft.com/office/powerpoint/2010/main" val="1221298556"/>
+      </p:ext>
+    </p:extLst>
+  </p:cSld>
+  <p:clrMapOvr>
+    <a:masterClrMapping/>
+  </p:clrMapOvr>
+</p:sld>
+</file>
+
+<file path=ppt/slides/slide29.xml><?xml version="1.0" encoding="utf-8"?>
+<p:sld xmlns:a="http://schemas.openxmlformats.org/drawingml/2006/main" xmlns:r="http://schemas.openxmlformats.org/officeDocument/2006/relationships" xmlns:p="http://schemas.openxmlformats.org/presentationml/2006/main">
+  <p:cSld>
+    <p:spTree>
+      <p:nvGrpSpPr>
+        <p:cNvPr id="1" name=""/>
+        <p:cNvGrpSpPr/>
+        <p:nvPr/>
+      </p:nvGrpSpPr>
+      <p:grpSpPr>
+        <a:xfrm>
+          <a:off x="0" y="0"/>
+          <a:ext cx="0" cy="0"/>
+          <a:chOff x="0" y="0"/>
+          <a:chExt cx="0" cy="0"/>
+        </a:xfrm>
+      </p:grpSpPr>
+      <p:sp>
+        <p:nvSpPr>
+          <p:cNvPr id="2" name="Title 1">
+            <a:extLst>
+              <a:ext uri="{FF2B5EF4-FFF2-40B4-BE49-F238E27FC236}">
+                <a16:creationId xmlns:a16="http://schemas.microsoft.com/office/drawing/2014/main" id="{14850FF5-E8EC-234D-805C-399C5033051A}"/>
+              </a:ext>
+            </a:extLst>
+          </p:cNvPr>
+          <p:cNvSpPr>
+            <a:spLocks noGrp="1"/>
+          </p:cNvSpPr>
+          <p:nvPr>
+            <p:ph type="title"/>
+          </p:nvPr>
+        </p:nvSpPr>
+        <p:spPr/>
+        <p:txBody>
+          <a:bodyPr/>
+          <a:lstStyle/>
+          <a:p>
+            <a:r>
+              <a:rPr lang="en-US" dirty="0"/>
+              <a:t>One-off versus recurring matching</a:t>
+            </a:r>
+          </a:p>
+        </p:txBody>
+      </p:sp>
+      <p:sp>
+        <p:nvSpPr>
+          <p:cNvPr id="3" name="Text Placeholder 2">
+            <a:extLst>
+              <a:ext uri="{FF2B5EF4-FFF2-40B4-BE49-F238E27FC236}">
+                <a16:creationId xmlns:a16="http://schemas.microsoft.com/office/drawing/2014/main" id="{0CD32BE4-76DA-C042-A3E3-35B452F39303}"/>
+              </a:ext>
+            </a:extLst>
+          </p:cNvPr>
+          <p:cNvSpPr>
+            <a:spLocks noGrp="1"/>
+          </p:cNvSpPr>
+          <p:nvPr>
+            <p:ph type="body" idx="1"/>
+          </p:nvPr>
+        </p:nvSpPr>
+        <p:spPr/>
+        <p:txBody>
+          <a:bodyPr/>
+          <a:lstStyle/>
+          <a:p>
+            <a:r>
+              <a:rPr lang="en-US" dirty="0"/>
+              <a:t>Unique identifiers: persistence?</a:t>
+            </a:r>
+          </a:p>
+          <a:p>
+            <a:endParaRPr lang="en-US" dirty="0"/>
+          </a:p>
+          <a:p>
+            <a:r>
+              <a:rPr lang="en-US" dirty="0"/>
+              <a:t>What do we do with new or changed pairs?</a:t>
+            </a:r>
+          </a:p>
+        </p:txBody>
+      </p:sp>
+    </p:spTree>
+    <p:extLst>
+      <p:ext uri="{BB962C8B-B14F-4D97-AF65-F5344CB8AC3E}">
+        <p14:creationId xmlns:p14="http://schemas.microsoft.com/office/powerpoint/2010/main" val="834575629"/>
+      </p:ext>
+    </p:extLst>
+  </p:cSld>
+  <p:clrMapOvr>
+    <a:masterClrMapping/>
+  </p:clrMapOvr>
+</p:sld>
+</file>
+
+<file path=ppt/slides/slide3.xml><?xml version="1.0" encoding="utf-8"?>
+<p:sld xmlns:a="http://schemas.openxmlformats.org/drawingml/2006/main" xmlns:r="http://schemas.openxmlformats.org/officeDocument/2006/relationships" xmlns:p="http://schemas.openxmlformats.org/presentationml/2006/main">
+  <p:cSld>
+    <p:spTree>
+      <p:nvGrpSpPr>
+        <p:cNvPr id="1" name=""/>
+        <p:cNvGrpSpPr/>
+        <p:nvPr/>
+      </p:nvGrpSpPr>
+      <p:grpSpPr>
+        <a:xfrm>
+          <a:off x="0" y="0"/>
+          <a:ext cx="0" cy="0"/>
+          <a:chOff x="0" y="0"/>
+          <a:chExt cx="0" cy="0"/>
+        </a:xfrm>
+      </p:grpSpPr>
+      <p:sp>
+        <p:nvSpPr>
+          <p:cNvPr id="2" name="Title 1">
+            <a:extLst>
+              <a:ext uri="{FF2B5EF4-FFF2-40B4-BE49-F238E27FC236}">
+                <a16:creationId xmlns:a16="http://schemas.microsoft.com/office/drawing/2014/main" id="{94CF2A94-A63F-6149-AA28-2E35B60E3D3E}"/>
+              </a:ext>
+            </a:extLst>
+          </p:cNvPr>
+          <p:cNvSpPr>
+            <a:spLocks noGrp="1"/>
+          </p:cNvSpPr>
+          <p:nvPr>
+            <p:ph type="title"/>
+          </p:nvPr>
+        </p:nvSpPr>
+        <p:spPr/>
+        <p:txBody>
+          <a:bodyPr/>
+          <a:lstStyle/>
+          <a:p>
+            <a:endParaRPr lang="en-US"/>
+          </a:p>
+        </p:txBody>
+      </p:sp>
+      <p:graphicFrame>
+        <p:nvGraphicFramePr>
+          <p:cNvPr id="3" name="Diagram 2">
+            <a:extLst>
+              <a:ext uri="{FF2B5EF4-FFF2-40B4-BE49-F238E27FC236}">
+                <a16:creationId xmlns:a16="http://schemas.microsoft.com/office/drawing/2014/main" id="{8E902576-68A9-6E48-B0FE-5B1889953DC8}"/>
+              </a:ext>
+            </a:extLst>
+          </p:cNvPr>
+          <p:cNvGraphicFramePr/>
+          <p:nvPr>
+            <p:extLst>
+              <p:ext uri="{D42A27DB-BD31-4B8C-83A1-F6EECF244321}">
+                <p14:modId xmlns:p14="http://schemas.microsoft.com/office/powerpoint/2010/main" val="1737878827"/>
+              </p:ext>
+            </p:extLst>
+          </p:nvPr>
+        </p:nvGraphicFramePr>
+        <p:xfrm>
+          <a:off x="180467" y="0"/>
+          <a:ext cx="11776400" cy="6858000"/>
+        </p:xfrm>
+        <a:graphic>
+          <a:graphicData uri="http://schemas.openxmlformats.org/drawingml/2006/diagram">
+            <dgm:relIds xmlns:dgm="http://schemas.openxmlformats.org/drawingml/2006/diagram" xmlns:r="http://schemas.openxmlformats.org/officeDocument/2006/relationships" r:dm="rId2" r:lo="rId3" r:qs="rId4" r:cs="rId5"/>
+          </a:graphicData>
+        </a:graphic>
+      </p:graphicFrame>
+      <p:sp>
+        <p:nvSpPr>
+          <p:cNvPr id="4" name="Rectangle 3">
+            <a:extLst>
+              <a:ext uri="{FF2B5EF4-FFF2-40B4-BE49-F238E27FC236}">
+                <a16:creationId xmlns:a16="http://schemas.microsoft.com/office/drawing/2014/main" id="{E2C99BF2-C81A-5246-89D3-E49BCDCAD699}"/>
+              </a:ext>
+            </a:extLst>
+          </p:cNvPr>
+          <p:cNvSpPr/>
+          <p:nvPr/>
+        </p:nvSpPr>
+        <p:spPr>
+          <a:xfrm>
+            <a:off x="3226525" y="274320"/>
+            <a:ext cx="2534195" cy="1789611"/>
+          </a:xfrm>
+          <a:prstGeom prst="rect">
+            <a:avLst/>
+          </a:prstGeom>
+          <a:noFill/>
+          <a:ln w="76200">
+            <a:solidFill>
+              <a:srgbClr val="C00000"/>
+            </a:solidFill>
+          </a:ln>
+        </p:spPr>
+        <p:style>
+          <a:lnRef idx="2">
+            <a:schemeClr val="accent1">
+              <a:shade val="50000"/>
+            </a:schemeClr>
+          </a:lnRef>
+          <a:fillRef idx="1">
+            <a:schemeClr val="accent1"/>
+          </a:fillRef>
+          <a:effectRef idx="0">
+            <a:schemeClr val="accent1"/>
+          </a:effectRef>
+          <a:fontRef idx="minor">
+            <a:schemeClr val="lt1"/>
+          </a:fontRef>
+        </p:style>
+        <p:txBody>
+          <a:bodyPr rtlCol="0" anchor="ctr"/>
+          <a:lstStyle/>
+          <a:p>
+            <a:pPr algn="ctr"/>
+            <a:endParaRPr lang="en-US"/>
+          </a:p>
+        </p:txBody>
+      </p:sp>
+    </p:spTree>
+    <p:extLst>
+      <p:ext uri="{BB962C8B-B14F-4D97-AF65-F5344CB8AC3E}">
+        <p14:creationId xmlns:p14="http://schemas.microsoft.com/office/powerpoint/2010/main" val="2624855364"/>
+      </p:ext>
+    </p:extLst>
+  </p:cSld>
+  <p:clrMapOvr>
+    <a:masterClrMapping/>
+  </p:clrMapOvr>
+</p:sld>
+</file>
+
+<file path=ppt/slides/slide30.xml><?xml version="1.0" encoding="utf-8"?>
+<p:sld xmlns:a="http://schemas.openxmlformats.org/drawingml/2006/main" xmlns:r="http://schemas.openxmlformats.org/officeDocument/2006/relationships" xmlns:p="http://schemas.openxmlformats.org/presentationml/2006/main">
+  <p:cSld>
+    <p:spTree>
+      <p:nvGrpSpPr>
+        <p:cNvPr id="1" name=""/>
+        <p:cNvGrpSpPr/>
+        <p:nvPr/>
+      </p:nvGrpSpPr>
+      <p:grpSpPr>
+        <a:xfrm>
+          <a:off x="0" y="0"/>
+          <a:ext cx="0" cy="0"/>
+          <a:chOff x="0" y="0"/>
+          <a:chExt cx="0" cy="0"/>
+        </a:xfrm>
+      </p:grpSpPr>
+      <p:sp>
+        <p:nvSpPr>
+          <p:cNvPr id="2" name="Title 1">
+            <a:extLst>
+              <a:ext uri="{FF2B5EF4-FFF2-40B4-BE49-F238E27FC236}">
+                <a16:creationId xmlns:a16="http://schemas.microsoft.com/office/drawing/2014/main" id="{BEFC7EB6-E3A6-F21F-0D18-5853E434A32C}"/>
+              </a:ext>
+            </a:extLst>
+          </p:cNvPr>
+          <p:cNvSpPr>
+            <a:spLocks noGrp="1"/>
+          </p:cNvSpPr>
+          <p:nvPr>
+            <p:ph type="title"/>
+          </p:nvPr>
+        </p:nvSpPr>
+        <p:spPr/>
+        <p:txBody>
+          <a:bodyPr/>
+          <a:lstStyle/>
+          <a:p>
+            <a:r>
+              <a:rPr lang="en-US" dirty="0"/>
+              <a:t>Implications for your project</a:t>
+            </a:r>
+          </a:p>
+        </p:txBody>
+      </p:sp>
+      <p:sp>
+        <p:nvSpPr>
+          <p:cNvPr id="3" name="Text Placeholder 2">
+            <a:extLst>
+              <a:ext uri="{FF2B5EF4-FFF2-40B4-BE49-F238E27FC236}">
+                <a16:creationId xmlns:a16="http://schemas.microsoft.com/office/drawing/2014/main" id="{F7A6A9A7-FDC5-5263-7786-D807574B598C}"/>
+              </a:ext>
+            </a:extLst>
+          </p:cNvPr>
+          <p:cNvSpPr>
+            <a:spLocks noGrp="1"/>
+          </p:cNvSpPr>
+          <p:nvPr>
+            <p:ph type="body" idx="1"/>
+          </p:nvPr>
+        </p:nvSpPr>
+        <p:spPr/>
+        <p:txBody>
+          <a:bodyPr/>
+          <a:lstStyle/>
+          <a:p>
+            <a:r>
+              <a:rPr lang="en-US" dirty="0"/>
+              <a:t>Do you have enough data?</a:t>
+            </a:r>
+          </a:p>
+          <a:p>
+            <a:endParaRPr lang="en-US" dirty="0"/>
+          </a:p>
+          <a:p>
+            <a:r>
+              <a:rPr lang="en-US" dirty="0"/>
+              <a:t>Do you need to get additional data?</a:t>
+            </a:r>
+          </a:p>
+          <a:p>
+            <a:endParaRPr lang="en-US" dirty="0"/>
+          </a:p>
+          <a:p>
+            <a:r>
+              <a:rPr lang="en-US" dirty="0"/>
+              <a:t>Which parts of the data should you prioritize looking at and understanding?</a:t>
+            </a:r>
+          </a:p>
+          <a:p>
+            <a:endParaRPr lang="en-US" dirty="0"/>
+          </a:p>
+          <a:p>
+            <a:r>
+              <a:rPr lang="en-US" dirty="0"/>
+              <a:t>What do you need to do now that will be harder to do later?</a:t>
+            </a:r>
+          </a:p>
+        </p:txBody>
+      </p:sp>
+    </p:spTree>
+    <p:extLst>
+      <p:ext uri="{BB962C8B-B14F-4D97-AF65-F5344CB8AC3E}">
+        <p14:creationId xmlns:p14="http://schemas.microsoft.com/office/powerpoint/2010/main" val="1857705847"/>
+      </p:ext>
+    </p:extLst>
+  </p:cSld>
+  <p:clrMapOvr>
+    <a:masterClrMapping/>
+  </p:clrMapOvr>
+</p:sld>
+</file>
+
+<file path=ppt/slides/slide31.xml><?xml version="1.0" encoding="utf-8"?>
+<p:sld xmlns:a="http://schemas.openxmlformats.org/drawingml/2006/main" xmlns:r="http://schemas.openxmlformats.org/officeDocument/2006/relationships" xmlns:p="http://schemas.openxmlformats.org/presentationml/2006/main">
+  <p:cSld>
+    <p:spTree>
+      <p:nvGrpSpPr>
+        <p:cNvPr id="1" name=""/>
+        <p:cNvGrpSpPr/>
+        <p:nvPr/>
+      </p:nvGrpSpPr>
+      <p:grpSpPr>
+        <a:xfrm>
+          <a:off x="0" y="0"/>
+          <a:ext cx="0" cy="0"/>
+          <a:chOff x="0" y="0"/>
+          <a:chExt cx="0" cy="0"/>
+        </a:xfrm>
+      </p:grpSpPr>
+      <p:sp>
+        <p:nvSpPr>
+          <p:cNvPr id="3" name="Title 2">
+            <a:extLst>
+              <a:ext uri="{FF2B5EF4-FFF2-40B4-BE49-F238E27FC236}">
+                <a16:creationId xmlns:a16="http://schemas.microsoft.com/office/drawing/2014/main" id="{9323871C-7CA8-1448-8FFC-1AE6E1838941}"/>
+              </a:ext>
+            </a:extLst>
+          </p:cNvPr>
+          <p:cNvSpPr>
+            <a:spLocks noGrp="1"/>
+          </p:cNvSpPr>
+          <p:nvPr>
+            <p:ph type="title"/>
+          </p:nvPr>
+        </p:nvSpPr>
+        <p:spPr/>
+        <p:txBody>
+          <a:bodyPr/>
+          <a:lstStyle/>
+          <a:p>
+            <a:r>
+              <a:rPr lang="en-US" dirty="0"/>
+              <a:t>Things to remember</a:t>
+            </a:r>
+          </a:p>
+        </p:txBody>
+      </p:sp>
+      <p:sp>
+        <p:nvSpPr>
+          <p:cNvPr id="4" name="Text Placeholder 3">
+            <a:extLst>
+              <a:ext uri="{FF2B5EF4-FFF2-40B4-BE49-F238E27FC236}">
+                <a16:creationId xmlns:a16="http://schemas.microsoft.com/office/drawing/2014/main" id="{5E600BA7-FA45-884F-9820-9E5F2CB7AA48}"/>
+              </a:ext>
+            </a:extLst>
+          </p:cNvPr>
+          <p:cNvSpPr>
+            <a:spLocks noGrp="1"/>
+          </p:cNvSpPr>
+          <p:nvPr>
+            <p:ph type="body" idx="1"/>
+          </p:nvPr>
+        </p:nvSpPr>
+        <p:spPr/>
+        <p:txBody>
+          <a:bodyPr/>
+          <a:lstStyle/>
+          <a:p>
+            <a:r>
+              <a:rPr lang="en-US" b="1" dirty="0"/>
+              <a:t>Make sure and check that you can access your project data today</a:t>
+            </a:r>
+            <a:br>
+              <a:rPr lang="en-US" b="1" dirty="0"/>
+            </a:br>
+            <a:endParaRPr lang="en-US" b="1" dirty="0"/>
+          </a:p>
+          <a:p>
+            <a:r>
+              <a:rPr lang="en-US" dirty="0"/>
+              <a:t>What’s coming next week:</a:t>
+            </a:r>
+          </a:p>
+          <a:p>
+            <a:pPr lvl="1">
+              <a:spcBef>
+                <a:spcPts val="1000"/>
+              </a:spcBef>
+            </a:pPr>
+            <a:r>
+              <a:rPr lang="en-US" dirty="0"/>
+              <a:t>Monday: quick assignment to check database connection</a:t>
+            </a:r>
+          </a:p>
+          <a:p>
+            <a:pPr lvl="1">
+              <a:spcBef>
+                <a:spcPts val="1000"/>
+              </a:spcBef>
+            </a:pPr>
+            <a:r>
+              <a:rPr lang="en-US" dirty="0"/>
+              <a:t>Tuesday: weekly feedback form</a:t>
+            </a:r>
+          </a:p>
+          <a:p>
+            <a:pPr lvl="1">
+              <a:spcBef>
+                <a:spcPts val="1000"/>
+              </a:spcBef>
+            </a:pPr>
+            <a:r>
+              <a:rPr lang="en-US" dirty="0"/>
+              <a:t>Tuesday: Data Exploration + Teamwork</a:t>
+            </a:r>
+          </a:p>
+          <a:p>
+            <a:endParaRPr lang="en-US"/>
+          </a:p>
+          <a:p>
+            <a:r>
+              <a:rPr lang="en-US"/>
+              <a:t>Make </a:t>
+            </a:r>
+            <a:r>
+              <a:rPr lang="en-US" dirty="0"/>
+              <a:t>sure to read </a:t>
+            </a:r>
+            <a:r>
+              <a:rPr lang="en-US" b="1" dirty="0">
+                <a:solidFill>
+                  <a:srgbClr val="C00000"/>
+                </a:solidFill>
+              </a:rPr>
+              <a:t>project proposal </a:t>
+            </a:r>
+            <a:r>
+              <a:rPr lang="en-US" dirty="0"/>
+              <a:t>preparation guidelines</a:t>
+            </a:r>
+          </a:p>
+        </p:txBody>
+      </p:sp>
+    </p:spTree>
+    <p:extLst>
+      <p:ext uri="{BB962C8B-B14F-4D97-AF65-F5344CB8AC3E}">
+        <p14:creationId xmlns:p14="http://schemas.microsoft.com/office/powerpoint/2010/main" val="2953224412"/>
+      </p:ext>
+    </p:extLst>
+  </p:cSld>
+  <p:clrMapOvr>
+    <a:masterClrMapping/>
+  </p:clrMapOvr>
+</p:sld>
+</file>
+
+<file path=ppt/slides/slide4.xml><?xml version="1.0" encoding="utf-8"?>
+<p:sld xmlns:a="http://schemas.openxmlformats.org/drawingml/2006/main" xmlns:r="http://schemas.openxmlformats.org/officeDocument/2006/relationships" xmlns:p="http://schemas.openxmlformats.org/presentationml/2006/main">
+  <p:cSld>
+    <p:spTree>
+      <p:nvGrpSpPr>
+        <p:cNvPr id="1" name="Shape 502"/>
+        <p:cNvGrpSpPr/>
+        <p:nvPr/>
+      </p:nvGrpSpPr>
+      <p:grpSpPr>
+        <a:xfrm>
+          <a:off x="0" y="0"/>
+          <a:ext cx="0" cy="0"/>
+          <a:chOff x="0" y="0"/>
+          <a:chExt cx="0" cy="0"/>
+        </a:xfrm>
+      </p:grpSpPr>
+      <p:sp>
+        <p:nvSpPr>
+          <p:cNvPr id="503" name="Google Shape;503;g32cbaf05b3f_0_70"/>
+          <p:cNvSpPr/>
+          <p:nvPr/>
+        </p:nvSpPr>
+        <p:spPr>
+          <a:xfrm>
+            <a:off x="458367" y="1125900"/>
+            <a:ext cx="3192400" cy="3911200"/>
+          </a:xfrm>
+          <a:prstGeom prst="rect">
+            <a:avLst/>
+          </a:prstGeom>
+          <a:solidFill>
+            <a:srgbClr val="FBF2C4"/>
+          </a:solidFill>
+          <a:ln w="9525" cap="flat" cmpd="sng">
+            <a:solidFill>
+              <a:schemeClr val="dk2"/>
+            </a:solidFill>
+            <a:prstDash val="solid"/>
+            <a:round/>
+            <a:headEnd type="none" w="sm" len="sm"/>
+            <a:tailEnd type="none" w="sm" len="sm"/>
+          </a:ln>
+        </p:spPr>
+        <p:txBody>
+          <a:bodyPr spcFirstLastPara="1" wrap="square" lIns="121900" tIns="121900" rIns="121900" bIns="121900" anchor="ctr" anchorCtr="0">
+            <a:noAutofit/>
+          </a:bodyPr>
+          <a:lstStyle/>
+          <a:p>
+            <a:pPr algn="ctr">
+              <a:buSzPts val="2500"/>
+            </a:pPr>
+            <a:r>
+              <a:rPr lang="en-US" sz="3333">
+                <a:latin typeface="Calibri"/>
+                <a:ea typeface="Calibri"/>
+                <a:cs typeface="Calibri"/>
+                <a:sym typeface="Calibri"/>
+              </a:rPr>
+              <a:t>What data do we have access to?</a:t>
+            </a:r>
+            <a:endParaRPr sz="3333">
+              <a:latin typeface="Calibri"/>
+              <a:ea typeface="Calibri"/>
+              <a:cs typeface="Calibri"/>
+              <a:sym typeface="Calibri"/>
+            </a:endParaRPr>
+          </a:p>
+        </p:txBody>
+      </p:sp>
+      <p:sp>
+        <p:nvSpPr>
+          <p:cNvPr id="504" name="Google Shape;504;g32cbaf05b3f_0_70"/>
+          <p:cNvSpPr/>
+          <p:nvPr/>
+        </p:nvSpPr>
+        <p:spPr>
+          <a:xfrm>
+            <a:off x="8381367" y="1125900"/>
+            <a:ext cx="3192400" cy="3911200"/>
+          </a:xfrm>
+          <a:prstGeom prst="rect">
+            <a:avLst/>
+          </a:prstGeom>
+          <a:solidFill>
+            <a:srgbClr val="FCE5CD"/>
+          </a:solidFill>
+          <a:ln w="9525" cap="flat" cmpd="sng">
+            <a:solidFill>
+              <a:schemeClr val="dk2"/>
+            </a:solidFill>
+            <a:prstDash val="solid"/>
+            <a:round/>
+            <a:headEnd type="none" w="sm" len="sm"/>
+            <a:tailEnd type="none" w="sm" len="sm"/>
+          </a:ln>
+        </p:spPr>
+        <p:txBody>
+          <a:bodyPr spcFirstLastPara="1" wrap="square" lIns="121900" tIns="121900" rIns="121900" bIns="121900" anchor="ctr" anchorCtr="0">
+            <a:noAutofit/>
+          </a:bodyPr>
+          <a:lstStyle/>
+          <a:p>
+            <a:pPr algn="ctr">
+              <a:buSzPts val="2500"/>
+            </a:pPr>
+            <a:r>
+              <a:rPr lang="en-US" sz="3333">
+                <a:latin typeface="Calibri"/>
+                <a:ea typeface="Calibri"/>
+                <a:cs typeface="Calibri"/>
+                <a:sym typeface="Calibri"/>
+              </a:rPr>
+              <a:t>What data do we need?</a:t>
+            </a:r>
+            <a:endParaRPr sz="3333">
+              <a:latin typeface="Calibri"/>
+              <a:ea typeface="Calibri"/>
+              <a:cs typeface="Calibri"/>
+              <a:sym typeface="Calibri"/>
+            </a:endParaRPr>
+          </a:p>
+        </p:txBody>
+      </p:sp>
+      <p:sp>
+        <p:nvSpPr>
+          <p:cNvPr id="505" name="Google Shape;505;g32cbaf05b3f_0_70"/>
+          <p:cNvSpPr/>
+          <p:nvPr/>
+        </p:nvSpPr>
+        <p:spPr>
+          <a:xfrm>
+            <a:off x="4470667" y="1125900"/>
+            <a:ext cx="3192400" cy="3911200"/>
+          </a:xfrm>
+          <a:prstGeom prst="rect">
+            <a:avLst/>
+          </a:prstGeom>
+          <a:solidFill>
+            <a:srgbClr val="D0E0E3"/>
+          </a:solidFill>
+          <a:ln w="9525" cap="flat" cmpd="sng">
+            <a:solidFill>
+              <a:schemeClr val="dk2"/>
+            </a:solidFill>
+            <a:prstDash val="solid"/>
+            <a:round/>
+            <a:headEnd type="none" w="sm" len="sm"/>
+            <a:tailEnd type="none" w="sm" len="sm"/>
+          </a:ln>
+        </p:spPr>
+        <p:txBody>
+          <a:bodyPr spcFirstLastPara="1" wrap="square" lIns="121900" tIns="121900" rIns="121900" bIns="121900" anchor="ctr" anchorCtr="0">
+            <a:noAutofit/>
+          </a:bodyPr>
+          <a:lstStyle/>
+          <a:p>
+            <a:pPr algn="ctr">
+              <a:buSzPts val="2500"/>
+            </a:pPr>
+            <a:r>
+              <a:rPr lang="en-US" sz="3333">
+                <a:latin typeface="Calibri"/>
+                <a:ea typeface="Calibri"/>
+                <a:cs typeface="Calibri"/>
+                <a:sym typeface="Calibri"/>
+              </a:rPr>
+              <a:t>How do we identify and fill any gaps?</a:t>
+            </a:r>
+            <a:endParaRPr sz="3333">
+              <a:latin typeface="Calibri"/>
+              <a:ea typeface="Calibri"/>
+              <a:cs typeface="Calibri"/>
+              <a:sym typeface="Calibri"/>
+            </a:endParaRPr>
+          </a:p>
+        </p:txBody>
+      </p:sp>
+    </p:spTree>
+  </p:cSld>
+  <p:clrMapOvr>
+    <a:masterClrMapping/>
+  </p:clrMapOvr>
+  <p:timing>
+    <p:tnLst>
+      <p:par>
+        <p:cTn id="1" dur="indefinite" restart="never" nodeType="tmRoot">
+          <p:childTnLst>
+            <p:seq concurrent="1" nextAc="seek">
+              <p:cTn id="2" dur="indefinite" nodeType="mainSeq">
+                <p:childTnLst>
+                  <p:par>
+                    <p:cTn id="3" fill="hold">
+                      <p:stCondLst>
+                        <p:cond delay="indefinite"/>
+                      </p:stCondLst>
+                      <p:childTnLst>
+                        <p:par>
+                          <p:cTn id="4" fill="hold">
+                            <p:stCondLst>
+                              <p:cond delay="0"/>
+                            </p:stCondLst>
+                            <p:childTnLst>
+                              <p:par>
+                                <p:cTn id="5" presetID="1" presetClass="entr" presetSubtype="0" fill="hold" nodeType="clickEffect">
+                                  <p:stCondLst>
+                                    <p:cond delay="0"/>
+                                  </p:stCondLst>
+                                  <p:childTnLst>
+                                    <p:set>
+                                      <p:cBhvr>
+                                        <p:cTn id="6" dur="1" fill="hold">
+                                          <p:stCondLst>
+                                            <p:cond delay="0"/>
+                                          </p:stCondLst>
+                                        </p:cTn>
+                                        <p:tgtEl>
+                                          <p:spTgt spid="503"/>
+                                        </p:tgtEl>
+                                        <p:attrNameLst>
+                                          <p:attrName>style.visibility</p:attrName>
+                                        </p:attrNameLst>
+                                      </p:cBhvr>
+                                      <p:to>
+                                        <p:strVal val="visible"/>
+                                      </p:to>
+                                    </p:set>
+                                  </p:childTnLst>
+                                </p:cTn>
+                              </p:par>
+                            </p:childTnLst>
+                          </p:cTn>
+                        </p:par>
+                      </p:childTnLst>
+                    </p:cTn>
+                  </p:par>
+                  <p:par>
+                    <p:cTn id="7" fill="hold">
+                      <p:stCondLst>
+                        <p:cond delay="indefinite"/>
+                      </p:stCondLst>
+                      <p:childTnLst>
+                        <p:par>
+                          <p:cTn id="8" fill="hold">
+                            <p:stCondLst>
+                              <p:cond delay="0"/>
+                            </p:stCondLst>
+                            <p:childTnLst>
+                              <p:par>
+                                <p:cTn id="9" presetID="1" presetClass="entr" presetSubtype="0" fill="hold" nodeType="clickEffect">
+                                  <p:stCondLst>
+                                    <p:cond delay="0"/>
+                                  </p:stCondLst>
+                                  <p:childTnLst>
+                                    <p:set>
+                                      <p:cBhvr>
+                                        <p:cTn id="10" dur="1" fill="hold">
+                                          <p:stCondLst>
+                                            <p:cond delay="0"/>
+                                          </p:stCondLst>
+                                        </p:cTn>
+                                        <p:tgtEl>
+                                          <p:spTgt spid="504"/>
+                                        </p:tgtEl>
+                                        <p:attrNameLst>
+                                          <p:attrName>style.visibility</p:attrName>
+                                        </p:attrNameLst>
+                                      </p:cBhvr>
+                                      <p:to>
+                                        <p:strVal val="visible"/>
+                                      </p:to>
+                                    </p:set>
+                                  </p:childTnLst>
+                                </p:cTn>
+                              </p:par>
+                            </p:childTnLst>
+                          </p:cTn>
+                        </p:par>
+                      </p:childTnLst>
+                    </p:cTn>
+                  </p:par>
+                  <p:par>
+                    <p:cTn id="11" fill="hold">
+                      <p:stCondLst>
+                        <p:cond delay="indefinite"/>
+                      </p:stCondLst>
+                      <p:childTnLst>
+                        <p:par>
+                          <p:cTn id="12" fill="hold">
+                            <p:stCondLst>
+                              <p:cond delay="0"/>
+                            </p:stCondLst>
+                            <p:childTnLst>
+                              <p:par>
+                                <p:cTn id="13" presetID="1" presetClass="entr" presetSubtype="0" fill="hold" nodeType="clickEffect">
+                                  <p:stCondLst>
+                                    <p:cond delay="0"/>
+                                  </p:stCondLst>
+                                  <p:childTnLst>
+                                    <p:set>
+                                      <p:cBhvr>
+                                        <p:cTn id="14" dur="1" fill="hold">
+                                          <p:stCondLst>
+                                            <p:cond delay="0"/>
+                                          </p:stCondLst>
+                                        </p:cTn>
+                                        <p:tgtEl>
+                                          <p:spTgt spid="505"/>
+                                        </p:tgtEl>
+                                        <p:attrNameLst>
+                                          <p:attrName>style.visibility</p:attrName>
+                                        </p:attrNameLst>
+                                      </p:cBhvr>
+                                      <p:to>
+                                        <p:strVal val="visible"/>
+                                      </p:to>
+                                    </p:set>
+                                  </p:childTnLst>
+                                </p:cTn>
+                              </p:par>
+                            </p:childTnLst>
+                          </p:cTn>
+                        </p:par>
+                      </p:childTnLst>
+                    </p:cTn>
+                  </p:par>
+                </p:childTnLst>
+              </p:cTn>
+              <p:prevCondLst>
+                <p:cond evt="onPrev" delay="0">
+                  <p:tgtEl>
+                    <p:sldTgt/>
+                  </p:tgtEl>
+                </p:cond>
+              </p:prevCondLst>
+              <p:nextCondLst>
+                <p:cond evt="onNext" delay="0">
+                  <p:tgtEl>
+                    <p:sldTgt/>
+                  </p:tgtEl>
+                </p:cond>
+              </p:nextCondLst>
+            </p:seq>
+          </p:childTnLst>
+        </p:cTn>
+      </p:par>
+    </p:tnLst>
+  </p:timing>
+</p:sld>
+</file>
+
+<file path=ppt/slides/slide5.xml><?xml version="1.0" encoding="utf-8"?>
+<p:sld xmlns:a="http://schemas.openxmlformats.org/drawingml/2006/main" xmlns:r="http://schemas.openxmlformats.org/officeDocument/2006/relationships" xmlns:p="http://schemas.openxmlformats.org/presentationml/2006/main">
+  <p:cSld>
+    <p:spTree>
+      <p:nvGrpSpPr>
+        <p:cNvPr id="1" name="Shape 510"/>
+        <p:cNvGrpSpPr/>
+        <p:nvPr/>
+      </p:nvGrpSpPr>
+      <p:grpSpPr>
+        <a:xfrm>
+          <a:off x="0" y="0"/>
+          <a:ext cx="0" cy="0"/>
+          <a:chOff x="0" y="0"/>
+          <a:chExt cx="0" cy="0"/>
+        </a:xfrm>
+      </p:grpSpPr>
+      <p:sp>
+        <p:nvSpPr>
+          <p:cNvPr id="511" name="Google Shape;511;g32cbaf05b3f_0_56"/>
+          <p:cNvSpPr/>
+          <p:nvPr/>
+        </p:nvSpPr>
+        <p:spPr>
+          <a:xfrm>
+            <a:off x="6950000" y="1656800"/>
+            <a:ext cx="4826400" cy="3620000"/>
+          </a:xfrm>
+          <a:prstGeom prst="roundRect">
+            <a:avLst>
+              <a:gd name="adj" fmla="val 6971"/>
+            </a:avLst>
+          </a:prstGeom>
+          <a:solidFill>
+            <a:srgbClr val="FFFFFF"/>
+          </a:solidFill>
+          <a:ln w="28575" cap="flat" cmpd="sng">
+            <a:solidFill>
+              <a:schemeClr val="dk2"/>
+            </a:solidFill>
+            <a:prstDash val="solid"/>
+            <a:round/>
+            <a:headEnd type="none" w="sm" len="sm"/>
+            <a:tailEnd type="none" w="sm" len="sm"/>
+          </a:ln>
+        </p:spPr>
+        <p:txBody>
+          <a:bodyPr spcFirstLastPara="1" wrap="square" lIns="585133" tIns="585133" rIns="585133" bIns="585133" anchor="ctr" anchorCtr="0">
+            <a:noAutofit/>
+          </a:bodyPr>
+          <a:lstStyle/>
+          <a:p>
+            <a:pPr algn="ctr">
+              <a:buSzPts val="6700"/>
+            </a:pPr>
+            <a:endParaRPr sz="8933">
+              <a:solidFill>
+                <a:schemeClr val="dk2"/>
+              </a:solidFill>
+              <a:latin typeface="Calibri"/>
+              <a:ea typeface="Calibri"/>
+              <a:cs typeface="Calibri"/>
+              <a:sym typeface="Calibri"/>
+            </a:endParaRPr>
+          </a:p>
+        </p:txBody>
+      </p:sp>
+      <p:sp>
+        <p:nvSpPr>
+          <p:cNvPr id="512" name="Google Shape;512;g32cbaf05b3f_0_56"/>
+          <p:cNvSpPr txBox="1">
+            <a:spLocks noGrp="1"/>
+          </p:cNvSpPr>
+          <p:nvPr>
+            <p:ph type="title"/>
+          </p:nvPr>
+        </p:nvSpPr>
+        <p:spPr>
+          <a:xfrm>
+            <a:off x="415600" y="86563"/>
+            <a:ext cx="11360800" cy="763600"/>
+          </a:xfrm>
+          <a:prstGeom prst="rect">
+            <a:avLst/>
+          </a:prstGeom>
+          <a:noFill/>
+          <a:ln>
+            <a:noFill/>
+          </a:ln>
+        </p:spPr>
+        <p:txBody>
+          <a:bodyPr spcFirstLastPara="1" wrap="square" lIns="162533" tIns="162533" rIns="162533" bIns="162533" anchor="t" anchorCtr="0">
+            <a:noAutofit/>
+          </a:bodyPr>
+          <a:lstStyle/>
+          <a:p>
+            <a:pPr algn="ctr"/>
+            <a:r>
+              <a:rPr lang="en-US"/>
+              <a:t>What data do you have?</a:t>
+            </a:r>
+            <a:endParaRPr/>
+          </a:p>
+        </p:txBody>
+      </p:sp>
+      <p:sp>
+        <p:nvSpPr>
+          <p:cNvPr id="513" name="Google Shape;513;g32cbaf05b3f_0_56"/>
+          <p:cNvSpPr txBox="1">
+            <a:spLocks noGrp="1"/>
+          </p:cNvSpPr>
+          <p:nvPr>
+            <p:ph type="body" idx="1"/>
+          </p:nvPr>
+        </p:nvSpPr>
+        <p:spPr>
+          <a:xfrm>
+            <a:off x="1158300" y="1789800"/>
+            <a:ext cx="5350400" cy="3354000"/>
+          </a:xfrm>
+          <a:prstGeom prst="rect">
+            <a:avLst/>
+          </a:prstGeom>
+          <a:noFill/>
+          <a:ln>
+            <a:noFill/>
+          </a:ln>
+        </p:spPr>
+        <p:txBody>
+          <a:bodyPr spcFirstLastPara="1" wrap="square" lIns="162533" tIns="162533" rIns="162533" bIns="162533" anchor="t" anchorCtr="0">
+            <a:noAutofit/>
+          </a:bodyPr>
+          <a:lstStyle/>
+          <a:p>
+            <a:pPr marL="0" indent="0">
+              <a:lnSpc>
+                <a:spcPct val="100000"/>
+              </a:lnSpc>
+              <a:buNone/>
+            </a:pPr>
+            <a:r>
+              <a:rPr lang="en-US">
+                <a:solidFill>
+                  <a:schemeClr val="dk1"/>
+                </a:solidFill>
+              </a:rPr>
+              <a:t>How far back does historical data go?</a:t>
+            </a:r>
+            <a:endParaRPr>
+              <a:solidFill>
+                <a:schemeClr val="dk1"/>
+              </a:solidFill>
+            </a:endParaRPr>
+          </a:p>
+          <a:p>
+            <a:pPr marL="0" indent="0">
+              <a:lnSpc>
+                <a:spcPct val="100000"/>
+              </a:lnSpc>
+              <a:buNone/>
+            </a:pPr>
+            <a:endParaRPr>
+              <a:solidFill>
+                <a:schemeClr val="dk1"/>
+              </a:solidFill>
+            </a:endParaRPr>
+          </a:p>
+          <a:p>
+            <a:pPr marL="0" indent="0">
+              <a:lnSpc>
+                <a:spcPct val="100000"/>
+              </a:lnSpc>
+              <a:buNone/>
+            </a:pPr>
+            <a:endParaRPr>
+              <a:solidFill>
+                <a:schemeClr val="dk1"/>
+              </a:solidFill>
+            </a:endParaRPr>
+          </a:p>
+          <a:p>
+            <a:pPr marL="0" indent="0">
+              <a:lnSpc>
+                <a:spcPct val="100000"/>
+              </a:lnSpc>
+              <a:buNone/>
+            </a:pPr>
+            <a:r>
+              <a:rPr lang="en-US">
+                <a:solidFill>
+                  <a:schemeClr val="dk1"/>
+                </a:solidFill>
+              </a:rPr>
+              <a:t>What is the granularity of the data?</a:t>
+            </a:r>
+            <a:endParaRPr>
+              <a:solidFill>
+                <a:schemeClr val="dk1"/>
+              </a:solidFill>
+            </a:endParaRPr>
+          </a:p>
+          <a:p>
+            <a:pPr marL="0" indent="0">
+              <a:lnSpc>
+                <a:spcPct val="100000"/>
+              </a:lnSpc>
+              <a:buNone/>
+            </a:pPr>
+            <a:endParaRPr>
+              <a:solidFill>
+                <a:schemeClr val="dk1"/>
+              </a:solidFill>
+            </a:endParaRPr>
+          </a:p>
+          <a:p>
+            <a:pPr marL="0" indent="0">
+              <a:lnSpc>
+                <a:spcPct val="100000"/>
+              </a:lnSpc>
+              <a:buNone/>
+            </a:pPr>
+            <a:endParaRPr>
+              <a:solidFill>
+                <a:schemeClr val="dk1"/>
+              </a:solidFill>
+            </a:endParaRPr>
+          </a:p>
+          <a:p>
+            <a:pPr marL="0" indent="0">
+              <a:lnSpc>
+                <a:spcPct val="100000"/>
+              </a:lnSpc>
+              <a:buNone/>
+            </a:pPr>
+            <a:r>
+              <a:rPr lang="en-US">
+                <a:solidFill>
+                  <a:schemeClr val="dk1"/>
+                </a:solidFill>
+              </a:rPr>
+              <a:t>How is the data collected and updated? </a:t>
+            </a:r>
+            <a:br>
+              <a:rPr lang="en-US">
+                <a:solidFill>
+                  <a:schemeClr val="dk1"/>
+                </a:solidFill>
+              </a:rPr>
+            </a:br>
+            <a:r>
+              <a:rPr lang="en-US">
+                <a:solidFill>
+                  <a:schemeClr val="dk1"/>
+                </a:solidFill>
+              </a:rPr>
+              <a:t>With what frequency?</a:t>
+            </a:r>
+            <a:endParaRPr>
+              <a:solidFill>
+                <a:schemeClr val="dk1"/>
+              </a:solidFill>
+            </a:endParaRPr>
+          </a:p>
+        </p:txBody>
+      </p:sp>
+      <p:sp>
+        <p:nvSpPr>
+          <p:cNvPr id="514" name="Google Shape;514;g32cbaf05b3f_0_56"/>
+          <p:cNvSpPr txBox="1"/>
+          <p:nvPr/>
+        </p:nvSpPr>
+        <p:spPr>
+          <a:xfrm>
+            <a:off x="9115370" y="3026779"/>
+            <a:ext cx="1371294" cy="2015896"/>
+          </a:xfrm>
+          <a:prstGeom prst="rect">
+            <a:avLst/>
+          </a:prstGeom>
+          <a:noFill/>
+          <a:ln>
+            <a:noFill/>
+          </a:ln>
+        </p:spPr>
+        <p:txBody>
+          <a:bodyPr spcFirstLastPara="1" wrap="square" lIns="121900" tIns="121900" rIns="121900" bIns="121900" anchor="t" anchorCtr="0">
+            <a:spAutoFit/>
+          </a:bodyPr>
+          <a:lstStyle/>
+          <a:p>
+            <a:pPr>
+              <a:buSzPts val="1200"/>
+            </a:pPr>
+            <a:r>
+              <a:rPr lang="en-US" sz="11500" dirty="0">
+                <a:solidFill>
+                  <a:schemeClr val="dk2"/>
+                </a:solidFill>
+                <a:latin typeface="Lato"/>
+                <a:ea typeface="Lato"/>
+                <a:cs typeface="Lato"/>
+                <a:sym typeface="Lato"/>
+              </a:rPr>
+              <a:t>?</a:t>
+            </a:r>
+            <a:endParaRPr sz="9600" dirty="0">
+              <a:solidFill>
+                <a:schemeClr val="dk2"/>
+              </a:solidFill>
+              <a:latin typeface="Lato"/>
+              <a:ea typeface="Lato"/>
+              <a:cs typeface="Lato"/>
+              <a:sym typeface="Lato"/>
+            </a:endParaRPr>
+          </a:p>
+        </p:txBody>
+      </p:sp>
+      <p:sp>
+        <p:nvSpPr>
+          <p:cNvPr id="515" name="Google Shape;515;g32cbaf05b3f_0_56"/>
+          <p:cNvSpPr txBox="1"/>
+          <p:nvPr/>
+        </p:nvSpPr>
+        <p:spPr>
+          <a:xfrm>
+            <a:off x="8591800" y="1953400"/>
+            <a:ext cx="2678800" cy="763600"/>
+          </a:xfrm>
+          <a:prstGeom prst="rect">
+            <a:avLst/>
+          </a:prstGeom>
+          <a:solidFill>
+            <a:schemeClr val="lt1"/>
+          </a:solidFill>
+          <a:ln>
+            <a:noFill/>
+          </a:ln>
+        </p:spPr>
+        <p:txBody>
+          <a:bodyPr spcFirstLastPara="1" wrap="square" lIns="0" tIns="0" rIns="0" bIns="0" anchor="t" anchorCtr="0">
+            <a:noAutofit/>
+          </a:bodyPr>
+          <a:lstStyle/>
+          <a:p>
+            <a:pPr algn="ctr">
+              <a:buSzPts val="1700"/>
+            </a:pPr>
+            <a:r>
+              <a:rPr lang="en-US" sz="2400" b="1" dirty="0">
+                <a:solidFill>
+                  <a:schemeClr val="dk2"/>
+                </a:solidFill>
+                <a:latin typeface="Lato"/>
+                <a:ea typeface="Lato"/>
+                <a:cs typeface="Lato"/>
+                <a:sym typeface="Lato"/>
+              </a:rPr>
+              <a:t>Our water pipes example</a:t>
+            </a:r>
+            <a:endParaRPr sz="2400" b="1" dirty="0">
+              <a:solidFill>
+                <a:schemeClr val="dk2"/>
+              </a:solidFill>
+              <a:latin typeface="Lato"/>
+              <a:ea typeface="Lato"/>
+              <a:cs typeface="Lato"/>
+              <a:sym typeface="Lato"/>
+            </a:endParaRPr>
+          </a:p>
+        </p:txBody>
+      </p:sp>
+      <p:pic>
+        <p:nvPicPr>
+          <p:cNvPr id="516" name="Google Shape;516;g32cbaf05b3f_0_56"/>
+          <p:cNvPicPr preferRelativeResize="0"/>
+          <p:nvPr/>
+        </p:nvPicPr>
+        <p:blipFill rotWithShape="1">
+          <a:blip r:embed="rId3">
+            <a:alphaModFix/>
+          </a:blip>
+          <a:srcRect/>
+          <a:stretch/>
+        </p:blipFill>
+        <p:spPr>
+          <a:xfrm>
+            <a:off x="415600" y="1839367"/>
+            <a:ext cx="654400" cy="654400"/>
+          </a:xfrm>
+          <a:prstGeom prst="rect">
+            <a:avLst/>
+          </a:prstGeom>
+          <a:noFill/>
+          <a:ln>
+            <a:noFill/>
+          </a:ln>
+        </p:spPr>
+      </p:pic>
+      <p:pic>
+        <p:nvPicPr>
+          <p:cNvPr id="517" name="Google Shape;517;g32cbaf05b3f_0_56"/>
+          <p:cNvPicPr preferRelativeResize="0"/>
+          <p:nvPr/>
+        </p:nvPicPr>
+        <p:blipFill rotWithShape="1">
+          <a:blip r:embed="rId4">
+            <a:alphaModFix/>
+          </a:blip>
+          <a:srcRect/>
+          <a:stretch/>
+        </p:blipFill>
+        <p:spPr>
+          <a:xfrm>
+            <a:off x="415600" y="4161032"/>
+            <a:ext cx="654400" cy="654400"/>
+          </a:xfrm>
+          <a:prstGeom prst="rect">
+            <a:avLst/>
+          </a:prstGeom>
+          <a:noFill/>
+          <a:ln>
+            <a:noFill/>
+          </a:ln>
+        </p:spPr>
+      </p:pic>
+      <p:pic>
+        <p:nvPicPr>
+          <p:cNvPr id="518" name="Google Shape;518;g32cbaf05b3f_0_56"/>
+          <p:cNvPicPr preferRelativeResize="0"/>
+          <p:nvPr/>
+        </p:nvPicPr>
+        <p:blipFill rotWithShape="1">
+          <a:blip r:embed="rId5">
+            <a:alphaModFix/>
+          </a:blip>
+          <a:srcRect/>
+          <a:stretch/>
+        </p:blipFill>
+        <p:spPr>
+          <a:xfrm>
+            <a:off x="415600" y="2949399"/>
+            <a:ext cx="654400" cy="654400"/>
+          </a:xfrm>
+          <a:prstGeom prst="rect">
+            <a:avLst/>
+          </a:prstGeom>
+          <a:noFill/>
+          <a:ln>
+            <a:noFill/>
+          </a:ln>
+        </p:spPr>
+      </p:pic>
+    </p:spTree>
+  </p:cSld>
+  <p:clrMapOvr>
+    <a:masterClrMapping/>
+  </p:clrMapOvr>
+  <p:timing>
+    <p:tnLst>
+      <p:par>
+        <p:cTn id="1" dur="indefinite" restart="never" nodeType="tmRoot">
+          <p:childTnLst>
+            <p:seq concurrent="1" nextAc="seek">
+              <p:cTn id="2" dur="indefinite" nodeType="mainSeq">
+                <p:childTnLst>
+                  <p:par>
+                    <p:cTn id="3" fill="hold">
+                      <p:stCondLst>
+                        <p:cond delay="indefinite"/>
+                      </p:stCondLst>
+                      <p:childTnLst>
+                        <p:par>
+                          <p:cTn id="4" fill="hold">
+                            <p:stCondLst>
+                              <p:cond delay="0"/>
+                            </p:stCondLst>
+                            <p:childTnLst>
+                              <p:par>
+                                <p:cTn id="5" presetID="1" presetClass="entr" presetSubtype="0" fill="hold" nodeType="clickEffect">
+                                  <p:stCondLst>
+                                    <p:cond delay="0"/>
+                                  </p:stCondLst>
+                                  <p:childTnLst>
+                                    <p:set>
+                                      <p:cBhvr>
+                                        <p:cTn id="6" dur="1" fill="hold">
+                                          <p:stCondLst>
+                                            <p:cond delay="0"/>
+                                          </p:stCondLst>
+                                        </p:cTn>
+                                        <p:tgtEl>
+                                          <p:spTgt spid="514"/>
+                                        </p:tgtEl>
+                                        <p:attrNameLst>
+                                          <p:attrName>style.visibility</p:attrName>
+                                        </p:attrNameLst>
+                                      </p:cBhvr>
+                                      <p:to>
+                                        <p:strVal val="visible"/>
+                                      </p:to>
+                                    </p:set>
+                                  </p:childTnLst>
+                                </p:cTn>
+                              </p:par>
+                              <p:par>
+                                <p:cTn id="7" presetID="1" presetClass="entr" presetSubtype="0" fill="hold" nodeType="withEffect">
+                                  <p:stCondLst>
+                                    <p:cond delay="0"/>
+                                  </p:stCondLst>
+                                  <p:childTnLst>
+                                    <p:set>
+                                      <p:cBhvr>
+                                        <p:cTn id="8" dur="1" fill="hold">
+                                          <p:stCondLst>
+                                            <p:cond delay="0"/>
+                                          </p:stCondLst>
+                                        </p:cTn>
+                                        <p:tgtEl>
+                                          <p:spTgt spid="515"/>
+                                        </p:tgtEl>
+                                        <p:attrNameLst>
+                                          <p:attrName>style.visibility</p:attrName>
+                                        </p:attrNameLst>
+                                      </p:cBhvr>
+                                      <p:to>
+                                        <p:strVal val="visible"/>
+                                      </p:to>
+                                    </p:set>
+                                  </p:childTnLst>
+                                </p:cTn>
+                              </p:par>
+                              <p:par>
+                                <p:cTn id="9" presetID="1" presetClass="entr" presetSubtype="0" fill="hold" nodeType="withEffect">
+                                  <p:stCondLst>
+                                    <p:cond delay="0"/>
+                                  </p:stCondLst>
+                                  <p:childTnLst>
+                                    <p:set>
+                                      <p:cBhvr>
+                                        <p:cTn id="10" dur="1" fill="hold">
+                                          <p:stCondLst>
+                                            <p:cond delay="0"/>
+                                          </p:stCondLst>
+                                        </p:cTn>
+                                        <p:tgtEl>
+                                          <p:spTgt spid="511"/>
+                                        </p:tgtEl>
+                                        <p:attrNameLst>
+                                          <p:attrName>style.visibility</p:attrName>
+                                        </p:attrNameLst>
+                                      </p:cBhvr>
+                                      <p:to>
+                                        <p:strVal val="visible"/>
+                                      </p:to>
+                                    </p:set>
+                                  </p:childTnLst>
+                                </p:cTn>
+                              </p:par>
+                            </p:childTnLst>
+                          </p:cTn>
+                        </p:par>
+                      </p:childTnLst>
+                    </p:cTn>
+                  </p:par>
+                </p:childTnLst>
+              </p:cTn>
+              <p:prevCondLst>
+                <p:cond evt="onPrev" delay="0">
+                  <p:tgtEl>
+                    <p:sldTgt/>
+                  </p:tgtEl>
+                </p:cond>
+              </p:prevCondLst>
+              <p:nextCondLst>
+                <p:cond evt="onNext" delay="0">
+                  <p:tgtEl>
+                    <p:sldTgt/>
+                  </p:tgtEl>
+                </p:cond>
+              </p:nextCondLst>
+            </p:seq>
+          </p:childTnLst>
+        </p:cTn>
+      </p:par>
+    </p:tnLst>
+  </p:timing>
+</p:sld>
+</file>
+
+<file path=ppt/slides/slide6.xml><?xml version="1.0" encoding="utf-8"?>
+<p:sld xmlns:a="http://schemas.openxmlformats.org/drawingml/2006/main" xmlns:r="http://schemas.openxmlformats.org/officeDocument/2006/relationships" xmlns:p="http://schemas.openxmlformats.org/presentationml/2006/main">
+  <p:cSld>
+    <p:spTree>
+      <p:nvGrpSpPr>
+        <p:cNvPr id="1" name="Shape 524"/>
+        <p:cNvGrpSpPr/>
+        <p:nvPr/>
+      </p:nvGrpSpPr>
+      <p:grpSpPr>
+        <a:xfrm>
+          <a:off x="0" y="0"/>
+          <a:ext cx="0" cy="0"/>
+          <a:chOff x="0" y="0"/>
+          <a:chExt cx="0" cy="0"/>
+        </a:xfrm>
+      </p:grpSpPr>
+      <p:sp>
+        <p:nvSpPr>
+          <p:cNvPr id="525" name="Google Shape;525;g32f73e32acf_0_0"/>
+          <p:cNvSpPr txBox="1"/>
+          <p:nvPr/>
+        </p:nvSpPr>
+        <p:spPr>
+          <a:xfrm>
+            <a:off x="1553617" y="1958000"/>
+            <a:ext cx="4490400" cy="2942000"/>
+          </a:xfrm>
+          <a:prstGeom prst="rect">
+            <a:avLst/>
+          </a:prstGeom>
+          <a:noFill/>
+          <a:ln>
+            <a:noFill/>
+          </a:ln>
+        </p:spPr>
+        <p:txBody>
+          <a:bodyPr spcFirstLastPara="1" wrap="square" lIns="121900" tIns="121900" rIns="121900" bIns="121900" anchor="t" anchorCtr="0">
+            <a:noAutofit/>
+          </a:bodyPr>
+          <a:lstStyle/>
+          <a:p>
+            <a:pPr>
+              <a:buSzPts val="2100"/>
+            </a:pPr>
+            <a:r>
+              <a:rPr lang="en-US" sz="2800" b="1" dirty="0">
+                <a:solidFill>
+                  <a:schemeClr val="dk1"/>
+                </a:solidFill>
+                <a:latin typeface="Calibri"/>
+                <a:ea typeface="Calibri"/>
+                <a:cs typeface="Calibri"/>
+                <a:sym typeface="Calibri"/>
+              </a:rPr>
+              <a:t>Data to inform and measure progress on Goals</a:t>
+            </a:r>
+            <a:endParaRPr sz="2800" b="1" dirty="0">
+              <a:solidFill>
+                <a:schemeClr val="dk1"/>
+              </a:solidFill>
+              <a:latin typeface="Calibri"/>
+              <a:ea typeface="Calibri"/>
+              <a:cs typeface="Calibri"/>
+              <a:sym typeface="Calibri"/>
+            </a:endParaRPr>
+          </a:p>
+          <a:p>
+            <a:pPr>
+              <a:spcBef>
+                <a:spcPts val="1333"/>
+              </a:spcBef>
+              <a:buSzPts val="1800"/>
+            </a:pPr>
+            <a:r>
+              <a:rPr lang="en-US" sz="2400" dirty="0">
+                <a:solidFill>
+                  <a:schemeClr val="dk1"/>
+                </a:solidFill>
+                <a:latin typeface="Calibri"/>
+                <a:ea typeface="Calibri"/>
+                <a:cs typeface="Calibri"/>
+                <a:sym typeface="Calibri"/>
+              </a:rPr>
+              <a:t>Sufficient reliable historical data</a:t>
+            </a:r>
+            <a:endParaRPr sz="2400" dirty="0">
+              <a:solidFill>
+                <a:schemeClr val="dk1"/>
+              </a:solidFill>
+              <a:latin typeface="Calibri"/>
+              <a:ea typeface="Calibri"/>
+              <a:cs typeface="Calibri"/>
+              <a:sym typeface="Calibri"/>
+            </a:endParaRPr>
+          </a:p>
+          <a:p>
+            <a:pPr>
+              <a:spcBef>
+                <a:spcPts val="1333"/>
+              </a:spcBef>
+              <a:buSzPts val="1800"/>
+            </a:pPr>
+            <a:r>
+              <a:rPr lang="en-US" sz="2400" dirty="0">
+                <a:solidFill>
+                  <a:schemeClr val="dk1"/>
+                </a:solidFill>
+                <a:latin typeface="Calibri"/>
+                <a:ea typeface="Calibri"/>
+                <a:cs typeface="Calibri"/>
+                <a:sym typeface="Calibri"/>
+              </a:rPr>
+              <a:t>Captures relevant outcomes</a:t>
+            </a:r>
+            <a:endParaRPr sz="2400" dirty="0">
+              <a:solidFill>
+                <a:schemeClr val="dk1"/>
+              </a:solidFill>
+              <a:latin typeface="Calibri"/>
+              <a:ea typeface="Calibri"/>
+              <a:cs typeface="Calibri"/>
+              <a:sym typeface="Calibri"/>
+            </a:endParaRPr>
+          </a:p>
+          <a:p>
+            <a:pPr>
+              <a:spcBef>
+                <a:spcPts val="1333"/>
+              </a:spcBef>
+              <a:spcAft>
+                <a:spcPts val="1333"/>
+              </a:spcAft>
+              <a:buSzPts val="1800"/>
+            </a:pPr>
+            <a:r>
+              <a:rPr lang="en-US" sz="2400" dirty="0">
+                <a:solidFill>
+                  <a:schemeClr val="dk1"/>
+                </a:solidFill>
+                <a:latin typeface="Calibri"/>
+                <a:ea typeface="Calibri"/>
+                <a:cs typeface="Calibri"/>
+                <a:sym typeface="Calibri"/>
+              </a:rPr>
+              <a:t>Identifies the cohort</a:t>
+            </a:r>
+            <a:endParaRPr sz="2400" dirty="0">
+              <a:solidFill>
+                <a:schemeClr val="dk1"/>
+              </a:solidFill>
+              <a:latin typeface="Calibri"/>
+              <a:ea typeface="Calibri"/>
+              <a:cs typeface="Calibri"/>
+              <a:sym typeface="Calibri"/>
+            </a:endParaRPr>
+          </a:p>
+        </p:txBody>
+      </p:sp>
+      <p:sp>
+        <p:nvSpPr>
+          <p:cNvPr id="526" name="Google Shape;526;g32f73e32acf_0_0"/>
+          <p:cNvSpPr txBox="1">
+            <a:spLocks noGrp="1"/>
+          </p:cNvSpPr>
+          <p:nvPr>
+            <p:ph type="title"/>
+          </p:nvPr>
+        </p:nvSpPr>
+        <p:spPr>
+          <a:xfrm>
+            <a:off x="415600" y="86563"/>
+            <a:ext cx="11360800" cy="763600"/>
+          </a:xfrm>
+          <a:prstGeom prst="rect">
+            <a:avLst/>
+          </a:prstGeom>
+          <a:noFill/>
+          <a:ln>
+            <a:noFill/>
+          </a:ln>
+        </p:spPr>
+        <p:txBody>
+          <a:bodyPr spcFirstLastPara="1" wrap="square" lIns="162533" tIns="162533" rIns="162533" bIns="162533" anchor="t" anchorCtr="0">
+            <a:noAutofit/>
+          </a:bodyPr>
+          <a:lstStyle/>
+          <a:p>
+            <a:pPr algn="ctr"/>
+            <a:r>
+              <a:rPr lang="en-US"/>
+              <a:t>What data do you need?</a:t>
+            </a:r>
+            <a:endParaRPr/>
+          </a:p>
+        </p:txBody>
+      </p:sp>
+      <p:pic>
+        <p:nvPicPr>
+          <p:cNvPr id="527" name="Google Shape;527;g32f73e32acf_0_0"/>
+          <p:cNvPicPr preferRelativeResize="0"/>
+          <p:nvPr/>
+        </p:nvPicPr>
+        <p:blipFill rotWithShape="1">
+          <a:blip r:embed="rId3">
+            <a:alphaModFix/>
+          </a:blip>
+          <a:srcRect/>
+          <a:stretch/>
+        </p:blipFill>
+        <p:spPr>
+          <a:xfrm>
+            <a:off x="369718" y="2087601"/>
+            <a:ext cx="1080833" cy="1080833"/>
+          </a:xfrm>
+          <a:prstGeom prst="rect">
+            <a:avLst/>
+          </a:prstGeom>
+          <a:noFill/>
+          <a:ln>
+            <a:noFill/>
+          </a:ln>
+        </p:spPr>
+      </p:pic>
+      <p:sp>
+        <p:nvSpPr>
+          <p:cNvPr id="528" name="Google Shape;528;g32f73e32acf_0_0"/>
+          <p:cNvSpPr txBox="1"/>
+          <p:nvPr/>
+        </p:nvSpPr>
+        <p:spPr>
+          <a:xfrm>
+            <a:off x="7609884" y="1958000"/>
+            <a:ext cx="4212400" cy="2942000"/>
+          </a:xfrm>
+          <a:prstGeom prst="rect">
+            <a:avLst/>
+          </a:prstGeom>
+          <a:noFill/>
+          <a:ln>
+            <a:noFill/>
+          </a:ln>
+        </p:spPr>
+        <p:txBody>
+          <a:bodyPr spcFirstLastPara="1" wrap="square" lIns="121900" tIns="121900" rIns="121900" bIns="121900" anchor="t" anchorCtr="0">
+            <a:noAutofit/>
+          </a:bodyPr>
+          <a:lstStyle/>
+          <a:p>
+            <a:pPr>
+              <a:buSzPts val="2100"/>
+            </a:pPr>
+            <a:r>
+              <a:rPr lang="en-US" sz="2800" b="1">
+                <a:solidFill>
+                  <a:schemeClr val="dk1"/>
+                </a:solidFill>
+                <a:latin typeface="Calibri"/>
+                <a:ea typeface="Calibri"/>
+                <a:cs typeface="Calibri"/>
+                <a:sym typeface="Calibri"/>
+              </a:rPr>
+              <a:t>Data to inform Actions</a:t>
+            </a:r>
+            <a:endParaRPr sz="2800" b="1">
+              <a:solidFill>
+                <a:schemeClr val="dk1"/>
+              </a:solidFill>
+              <a:latin typeface="Calibri"/>
+              <a:ea typeface="Calibri"/>
+              <a:cs typeface="Calibri"/>
+              <a:sym typeface="Calibri"/>
+            </a:endParaRPr>
+          </a:p>
+          <a:p>
+            <a:pPr>
+              <a:spcBef>
+                <a:spcPts val="1333"/>
+              </a:spcBef>
+              <a:buSzPts val="1800"/>
+            </a:pPr>
+            <a:r>
+              <a:rPr lang="en-US" sz="2400">
+                <a:solidFill>
+                  <a:schemeClr val="dk1"/>
+                </a:solidFill>
+                <a:latin typeface="Calibri"/>
+                <a:ea typeface="Calibri"/>
+                <a:cs typeface="Calibri"/>
+                <a:sym typeface="Calibri"/>
+              </a:rPr>
+              <a:t>Refreshed at least as frequently as the action is taken</a:t>
+            </a:r>
+            <a:endParaRPr sz="2400">
+              <a:solidFill>
+                <a:schemeClr val="dk1"/>
+              </a:solidFill>
+              <a:latin typeface="Calibri"/>
+              <a:ea typeface="Calibri"/>
+              <a:cs typeface="Calibri"/>
+              <a:sym typeface="Calibri"/>
+            </a:endParaRPr>
+          </a:p>
+          <a:p>
+            <a:pPr>
+              <a:spcBef>
+                <a:spcPts val="1333"/>
+              </a:spcBef>
+              <a:buSzPts val="1800"/>
+            </a:pPr>
+            <a:r>
+              <a:rPr lang="en-US" sz="2400">
+                <a:solidFill>
+                  <a:schemeClr val="dk1"/>
+                </a:solidFill>
+                <a:latin typeface="Calibri"/>
+                <a:ea typeface="Calibri"/>
+                <a:cs typeface="Calibri"/>
+                <a:sym typeface="Calibri"/>
+              </a:rPr>
+              <a:t>Covers the same granularity as the proposed action</a:t>
+            </a:r>
+            <a:endParaRPr sz="2400">
+              <a:solidFill>
+                <a:schemeClr val="dk1"/>
+              </a:solidFill>
+              <a:latin typeface="Calibri"/>
+              <a:ea typeface="Calibri"/>
+              <a:cs typeface="Calibri"/>
+              <a:sym typeface="Calibri"/>
+            </a:endParaRPr>
+          </a:p>
+          <a:p>
+            <a:pPr>
+              <a:spcBef>
+                <a:spcPts val="1333"/>
+              </a:spcBef>
+              <a:spcAft>
+                <a:spcPts val="1333"/>
+              </a:spcAft>
+              <a:buSzPts val="1800"/>
+            </a:pPr>
+            <a:endParaRPr sz="2400">
+              <a:solidFill>
+                <a:schemeClr val="dk1"/>
+              </a:solidFill>
+              <a:latin typeface="Calibri"/>
+              <a:ea typeface="Calibri"/>
+              <a:cs typeface="Calibri"/>
+              <a:sym typeface="Calibri"/>
+            </a:endParaRPr>
+          </a:p>
+        </p:txBody>
+      </p:sp>
+      <p:pic>
+        <p:nvPicPr>
+          <p:cNvPr id="529" name="Google Shape;529;g32f73e32acf_0_0"/>
+          <p:cNvPicPr preferRelativeResize="0"/>
+          <p:nvPr/>
+        </p:nvPicPr>
+        <p:blipFill rotWithShape="1">
+          <a:blip r:embed="rId4">
+            <a:alphaModFix/>
+          </a:blip>
+          <a:srcRect/>
+          <a:stretch/>
+        </p:blipFill>
+        <p:spPr>
+          <a:xfrm>
+            <a:off x="6286450" y="2087567"/>
+            <a:ext cx="1080833" cy="1080891"/>
+          </a:xfrm>
+          <a:prstGeom prst="rect">
+            <a:avLst/>
+          </a:prstGeom>
+          <a:noFill/>
+          <a:ln>
+            <a:noFill/>
+          </a:ln>
+        </p:spPr>
+      </p:pic>
+    </p:spTree>
+  </p:cSld>
+  <p:clrMapOvr>
+    <a:masterClrMapping/>
+  </p:clrMapOvr>
+</p:sld>
+</file>
+
+<file path=ppt/slides/slide7.xml><?xml version="1.0" encoding="utf-8"?>
+<p:sld xmlns:a="http://schemas.openxmlformats.org/drawingml/2006/main" xmlns:r="http://schemas.openxmlformats.org/officeDocument/2006/relationships" xmlns:p="http://schemas.openxmlformats.org/presentationml/2006/main">
+  <p:cSld>
+    <p:spTree>
+      <p:nvGrpSpPr>
+        <p:cNvPr id="1" name="Shape 534"/>
+        <p:cNvGrpSpPr/>
+        <p:nvPr/>
+      </p:nvGrpSpPr>
+      <p:grpSpPr>
+        <a:xfrm>
+          <a:off x="0" y="0"/>
+          <a:ext cx="0" cy="0"/>
+          <a:chOff x="0" y="0"/>
+          <a:chExt cx="0" cy="0"/>
+        </a:xfrm>
+      </p:grpSpPr>
+      <p:sp>
+        <p:nvSpPr>
+          <p:cNvPr id="535" name="Google Shape;535;g32d3355825c_1_0"/>
+          <p:cNvSpPr txBox="1">
+            <a:spLocks noGrp="1"/>
+          </p:cNvSpPr>
+          <p:nvPr>
+            <p:ph type="title"/>
+          </p:nvPr>
+        </p:nvSpPr>
+        <p:spPr>
+          <a:xfrm>
+            <a:off x="415600" y="86563"/>
+            <a:ext cx="11360800" cy="763600"/>
+          </a:xfrm>
+          <a:prstGeom prst="rect">
+            <a:avLst/>
+          </a:prstGeom>
+          <a:noFill/>
+          <a:ln>
+            <a:noFill/>
+          </a:ln>
+        </p:spPr>
+        <p:txBody>
+          <a:bodyPr spcFirstLastPara="1" wrap="square" lIns="162533" tIns="162533" rIns="162533" bIns="162533" anchor="t" anchorCtr="0">
+            <a:noAutofit/>
+          </a:bodyPr>
+          <a:lstStyle/>
+          <a:p>
+            <a:pPr algn="ctr"/>
+            <a:r>
+              <a:rPr lang="en-US"/>
+              <a:t>Identifying Data Gaps and Readiness</a:t>
+            </a:r>
+            <a:endParaRPr/>
+          </a:p>
+        </p:txBody>
+      </p:sp>
+      <p:sp>
+        <p:nvSpPr>
+          <p:cNvPr id="536" name="Google Shape;536;g32d3355825c_1_0"/>
+          <p:cNvSpPr txBox="1">
+            <a:spLocks noGrp="1"/>
+          </p:cNvSpPr>
+          <p:nvPr>
+            <p:ph type="body" idx="1"/>
+          </p:nvPr>
+        </p:nvSpPr>
+        <p:spPr>
+          <a:xfrm>
+            <a:off x="415600" y="1536633"/>
+            <a:ext cx="11360800" cy="4555200"/>
+          </a:xfrm>
+          <a:prstGeom prst="rect">
+            <a:avLst/>
+          </a:prstGeom>
+          <a:noFill/>
+          <a:ln>
+            <a:noFill/>
+          </a:ln>
+        </p:spPr>
+        <p:txBody>
+          <a:bodyPr spcFirstLastPara="1" wrap="square" lIns="162533" tIns="162533" rIns="162533" bIns="162533" anchor="t" anchorCtr="0">
+            <a:noAutofit/>
+          </a:bodyPr>
+          <a:lstStyle/>
+          <a:p>
+            <a:pPr marL="0" indent="0">
+              <a:lnSpc>
+                <a:spcPct val="100000"/>
+              </a:lnSpc>
+              <a:buNone/>
+            </a:pPr>
+            <a:r>
+              <a:rPr lang="en-US" dirty="0"/>
+              <a:t>Do we have enough to move forward, or do we need to focus on getting additional data? </a:t>
+            </a:r>
+            <a:endParaRPr dirty="0"/>
+          </a:p>
+          <a:p>
+            <a:pPr marL="0" indent="0">
+              <a:lnSpc>
+                <a:spcPct val="150000"/>
+              </a:lnSpc>
+              <a:buNone/>
+            </a:pPr>
+            <a:endParaRPr dirty="0"/>
+          </a:p>
+          <a:p>
+            <a:pPr marL="609585" indent="-507987">
+              <a:lnSpc>
+                <a:spcPct val="150000"/>
+              </a:lnSpc>
+              <a:buChar char="-"/>
+            </a:pPr>
+            <a:r>
+              <a:rPr lang="en-US" dirty="0"/>
+              <a:t>Do we have enough historical data?</a:t>
+            </a:r>
+            <a:endParaRPr dirty="0"/>
+          </a:p>
+          <a:p>
+            <a:pPr marL="609585" indent="-507987">
+              <a:lnSpc>
+                <a:spcPct val="150000"/>
+              </a:lnSpc>
+              <a:buChar char="-"/>
+            </a:pPr>
+            <a:r>
+              <a:rPr lang="en-US" dirty="0"/>
+              <a:t>Is it reliable going back?</a:t>
+            </a:r>
+            <a:endParaRPr dirty="0"/>
+          </a:p>
+          <a:p>
+            <a:pPr marL="609585" indent="-507987">
+              <a:lnSpc>
+                <a:spcPct val="150000"/>
+              </a:lnSpc>
+              <a:buChar char="-"/>
+            </a:pPr>
+            <a:r>
+              <a:rPr lang="en-US" dirty="0"/>
+              <a:t>Is it at the right level of granularity to inform the actions?</a:t>
+            </a:r>
+            <a:endParaRPr dirty="0"/>
+          </a:p>
+          <a:p>
+            <a:pPr marL="609585" indent="-507987">
+              <a:lnSpc>
+                <a:spcPct val="150000"/>
+              </a:lnSpc>
+              <a:buChar char="-"/>
+            </a:pPr>
+            <a:r>
+              <a:rPr lang="en-US" dirty="0"/>
+              <a:t>Are different pieces of data linkable? unique identifiers for people, places, etc.</a:t>
+            </a:r>
+            <a:endParaRPr dirty="0"/>
+          </a:p>
+          <a:p>
+            <a:pPr marL="609585" indent="-507987">
+              <a:lnSpc>
+                <a:spcPct val="150000"/>
+              </a:lnSpc>
+              <a:buChar char="-"/>
+            </a:pPr>
+            <a:r>
+              <a:rPr lang="en-US" dirty="0"/>
+              <a:t>Do we have the right data to measure outcomes (based on the goals)?</a:t>
+            </a:r>
+            <a:endParaRPr dirty="0"/>
+          </a:p>
+        </p:txBody>
+      </p:sp>
+    </p:spTree>
+  </p:cSld>
+  <p:clrMapOvr>
+    <a:masterClrMapping/>
+  </p:clrMapOvr>
+</p:sld>
+</file>
+
+<file path=ppt/slides/slide8.xml><?xml version="1.0" encoding="utf-8"?>
+<p:sld xmlns:a="http://schemas.openxmlformats.org/drawingml/2006/main" xmlns:r="http://schemas.openxmlformats.org/officeDocument/2006/relationships" xmlns:p="http://schemas.openxmlformats.org/presentationml/2006/main">
+  <p:cSld>
+    <p:spTree>
+      <p:nvGrpSpPr>
+        <p:cNvPr id="1" name="Shape 541"/>
+        <p:cNvGrpSpPr/>
+        <p:nvPr/>
+      </p:nvGrpSpPr>
+      <p:grpSpPr>
+        <a:xfrm>
+          <a:off x="0" y="0"/>
+          <a:ext cx="0" cy="0"/>
+          <a:chOff x="0" y="0"/>
+          <a:chExt cx="0" cy="0"/>
+        </a:xfrm>
+      </p:grpSpPr>
+      <p:sp>
+        <p:nvSpPr>
+          <p:cNvPr id="542" name="Google Shape;542;g32d3355825c_1_12"/>
+          <p:cNvSpPr txBox="1">
+            <a:spLocks noGrp="1"/>
+          </p:cNvSpPr>
+          <p:nvPr>
+            <p:ph type="title"/>
+          </p:nvPr>
+        </p:nvSpPr>
+        <p:spPr>
+          <a:xfrm>
+            <a:off x="415600" y="86563"/>
+            <a:ext cx="11360800" cy="763600"/>
+          </a:xfrm>
+          <a:prstGeom prst="rect">
+            <a:avLst/>
+          </a:prstGeom>
+          <a:noFill/>
+          <a:ln>
+            <a:noFill/>
+          </a:ln>
+        </p:spPr>
+        <p:txBody>
+          <a:bodyPr spcFirstLastPara="1" wrap="square" lIns="162533" tIns="162533" rIns="162533" bIns="162533" anchor="t" anchorCtr="0">
+            <a:noAutofit/>
+          </a:bodyPr>
+          <a:lstStyle/>
+          <a:p>
+            <a:pPr algn="ctr"/>
+            <a:r>
+              <a:rPr lang="en-US"/>
+              <a:t>Example: preventing water main breaks in Syracuse</a:t>
+            </a:r>
+            <a:endParaRPr/>
+          </a:p>
+        </p:txBody>
+      </p:sp>
+      <p:sp>
+        <p:nvSpPr>
+          <p:cNvPr id="543" name="Google Shape;543;g32d3355825c_1_12"/>
+          <p:cNvSpPr txBox="1">
+            <a:spLocks noGrp="1"/>
+          </p:cNvSpPr>
+          <p:nvPr>
+            <p:ph type="body" idx="1"/>
+          </p:nvPr>
+        </p:nvSpPr>
+        <p:spPr>
+          <a:xfrm>
+            <a:off x="415600" y="1536633"/>
+            <a:ext cx="5314000" cy="4555200"/>
+          </a:xfrm>
+          <a:prstGeom prst="rect">
+            <a:avLst/>
+          </a:prstGeom>
+          <a:noFill/>
+          <a:ln>
+            <a:noFill/>
+          </a:ln>
+        </p:spPr>
+        <p:txBody>
+          <a:bodyPr spcFirstLastPara="1" wrap="square" lIns="162533" tIns="162533" rIns="162533" bIns="162533" anchor="t" anchorCtr="0">
+            <a:noAutofit/>
+          </a:bodyPr>
+          <a:lstStyle/>
+          <a:p>
+            <a:pPr marL="0" indent="0">
+              <a:lnSpc>
+                <a:spcPct val="100000"/>
+              </a:lnSpc>
+              <a:buNone/>
+            </a:pPr>
+            <a:r>
+              <a:rPr lang="en-US"/>
+              <a:t>Key information about pipe age, diameter, and material was only available in 100-year-old handwritten notebooks of installation diagrams</a:t>
+            </a:r>
+            <a:endParaRPr/>
+          </a:p>
+          <a:p>
+            <a:pPr marL="0" indent="0">
+              <a:lnSpc>
+                <a:spcPct val="100000"/>
+              </a:lnSpc>
+              <a:buNone/>
+            </a:pPr>
+            <a:endParaRPr/>
+          </a:p>
+          <a:p>
+            <a:pPr marL="0" indent="0">
+              <a:lnSpc>
+                <a:spcPct val="100000"/>
+              </a:lnSpc>
+              <a:buNone/>
+            </a:pPr>
+            <a:r>
+              <a:rPr lang="en-US"/>
+              <a:t>Strategically digitizing these records enabled us to more accurately predict whether a water main would break </a:t>
+            </a:r>
+            <a:endParaRPr/>
+          </a:p>
+        </p:txBody>
+      </p:sp>
+      <p:pic>
+        <p:nvPicPr>
+          <p:cNvPr id="544" name="Google Shape;544;g32d3355825c_1_12"/>
+          <p:cNvPicPr preferRelativeResize="0"/>
+          <p:nvPr/>
+        </p:nvPicPr>
+        <p:blipFill rotWithShape="1">
+          <a:blip r:embed="rId3">
+            <a:alphaModFix/>
+          </a:blip>
+          <a:srcRect/>
+          <a:stretch/>
+        </p:blipFill>
+        <p:spPr>
+          <a:xfrm>
+            <a:off x="5729500" y="1536633"/>
+            <a:ext cx="6046896" cy="4555200"/>
+          </a:xfrm>
+          <a:prstGeom prst="rect">
+            <a:avLst/>
+          </a:prstGeom>
+          <a:noFill/>
+          <a:ln>
+            <a:noFill/>
+          </a:ln>
+        </p:spPr>
+      </p:pic>
+    </p:spTree>
+  </p:cSld>
+  <p:clrMapOvr>
+    <a:masterClrMapping/>
+  </p:clrMapOvr>
+</p:sld>
+</file>
+
+<file path=ppt/slides/slide9.xml><?xml version="1.0" encoding="utf-8"?>
+<p:sld xmlns:a="http://schemas.openxmlformats.org/drawingml/2006/main" xmlns:r="http://schemas.openxmlformats.org/officeDocument/2006/relationships" xmlns:p="http://schemas.openxmlformats.org/presentationml/2006/main">
+  <p:cSld>
+    <p:spTree>
+      <p:nvGrpSpPr>
+        <p:cNvPr id="1" name=""/>
+        <p:cNvGrpSpPr/>
+        <p:nvPr/>
+      </p:nvGrpSpPr>
+      <p:grpSpPr>
+        <a:xfrm>
+          <a:off x="0" y="0"/>
+          <a:ext cx="0" cy="0"/>
+          <a:chOff x="0" y="0"/>
+          <a:chExt cx="0" cy="0"/>
+        </a:xfrm>
+      </p:grpSpPr>
+      <p:sp>
+        <p:nvSpPr>
+          <p:cNvPr id="2" name="Title 1">
+            <a:extLst>
+              <a:ext uri="{FF2B5EF4-FFF2-40B4-BE49-F238E27FC236}">
+                <a16:creationId xmlns:a16="http://schemas.microsoft.com/office/drawing/2014/main" id="{21359BA9-BA2B-D148-89DA-A99081B1FF81}"/>
+              </a:ext>
+            </a:extLst>
+          </p:cNvPr>
+          <p:cNvSpPr>
+            <a:spLocks noGrp="1"/>
+          </p:cNvSpPr>
+          <p:nvPr>
+            <p:ph type="title"/>
+          </p:nvPr>
+        </p:nvSpPr>
+        <p:spPr>
+          <a:xfrm>
+            <a:off x="415600" y="384417"/>
+            <a:ext cx="11360700" cy="763500"/>
+          </a:xfrm>
+        </p:spPr>
+        <p:txBody>
+          <a:bodyPr/>
+          <a:lstStyle/>
+          <a:p>
+            <a:r>
+              <a:rPr lang="en-US" sz="3200" dirty="0"/>
+              <a:t>Challenges with getting (access), storing, and linking data</a:t>
+            </a:r>
+          </a:p>
+        </p:txBody>
+      </p:sp>
+      <p:sp>
+        <p:nvSpPr>
+          <p:cNvPr id="3" name="Text Placeholder 2">
+            <a:extLst>
+              <a:ext uri="{FF2B5EF4-FFF2-40B4-BE49-F238E27FC236}">
+                <a16:creationId xmlns:a16="http://schemas.microsoft.com/office/drawing/2014/main" id="{DDA03E0F-5F3D-5B4D-8232-BF72B84A198E}"/>
+              </a:ext>
+            </a:extLst>
+          </p:cNvPr>
+          <p:cNvSpPr>
+            <a:spLocks noGrp="1"/>
+          </p:cNvSpPr>
+          <p:nvPr>
+            <p:ph type="body" idx="1"/>
+          </p:nvPr>
+        </p:nvSpPr>
+        <p:spPr/>
+        <p:txBody>
+          <a:bodyPr/>
+          <a:lstStyle/>
+          <a:p>
+            <a:r>
+              <a:rPr lang="en-US" dirty="0"/>
+              <a:t>Political</a:t>
+            </a:r>
+          </a:p>
+          <a:p>
+            <a:r>
+              <a:rPr lang="en-US" dirty="0"/>
+              <a:t>Internal Awareness</a:t>
+            </a:r>
+          </a:p>
+          <a:p>
+            <a:r>
+              <a:rPr lang="en-US" dirty="0"/>
+              <a:t>Legal and/or Contractual</a:t>
+            </a:r>
+          </a:p>
+          <a:p>
+            <a:r>
+              <a:rPr lang="en-US" dirty="0"/>
+              <a:t>Ethical</a:t>
+            </a:r>
+          </a:p>
+          <a:p>
+            <a:r>
+              <a:rPr lang="en-US" dirty="0"/>
+              <a:t>Technical</a:t>
+            </a:r>
+          </a:p>
+          <a:p>
+            <a:endParaRPr lang="en-US" dirty="0"/>
+          </a:p>
+        </p:txBody>
+      </p:sp>
+    </p:spTree>
+    <p:extLst>
+      <p:ext uri="{BB962C8B-B14F-4D97-AF65-F5344CB8AC3E}">
+        <p14:creationId xmlns:p14="http://schemas.microsoft.com/office/powerpoint/2010/main" val="1721185332"/>
+      </p:ext>
+    </p:extLst>
+  </p:cSld>
+  <p:clrMapOvr>
+    <a:masterClrMapping/>
+  </p:clrMapOvr>
 </p:sld>
 </file>
 
